--- a/Swarm TinyML.pptx
+++ b/Swarm TinyML.pptx
@@ -5,7 +5,7 @@
     <p:sldMasterId id="2147483648" r:id="rId1"/>
   </p:sldMasterIdLst>
   <p:notesMasterIdLst>
-    <p:notesMasterId r:id="rId19"/>
+    <p:notesMasterId r:id="rId30"/>
   </p:notesMasterIdLst>
   <p:sldIdLst>
     <p:sldId id="256" r:id="rId2"/>
@@ -15,16 +15,27 @@
     <p:sldId id="273" r:id="rId6"/>
     <p:sldId id="279" r:id="rId7"/>
     <p:sldId id="274" r:id="rId8"/>
-    <p:sldId id="280" r:id="rId9"/>
-    <p:sldId id="281" r:id="rId10"/>
+    <p:sldId id="281" r:id="rId9"/>
+    <p:sldId id="280" r:id="rId10"/>
     <p:sldId id="282" r:id="rId11"/>
-    <p:sldId id="275" r:id="rId12"/>
-    <p:sldId id="268" r:id="rId13"/>
-    <p:sldId id="271" r:id="rId14"/>
-    <p:sldId id="270" r:id="rId15"/>
-    <p:sldId id="276" r:id="rId16"/>
-    <p:sldId id="277" r:id="rId17"/>
-    <p:sldId id="278" r:id="rId18"/>
+    <p:sldId id="283" r:id="rId12"/>
+    <p:sldId id="275" r:id="rId13"/>
+    <p:sldId id="293" r:id="rId14"/>
+    <p:sldId id="276" r:id="rId15"/>
+    <p:sldId id="290" r:id="rId16"/>
+    <p:sldId id="291" r:id="rId17"/>
+    <p:sldId id="292" r:id="rId18"/>
+    <p:sldId id="268" r:id="rId19"/>
+    <p:sldId id="271" r:id="rId20"/>
+    <p:sldId id="270" r:id="rId21"/>
+    <p:sldId id="277" r:id="rId22"/>
+    <p:sldId id="278" r:id="rId23"/>
+    <p:sldId id="284" r:id="rId24"/>
+    <p:sldId id="285" r:id="rId25"/>
+    <p:sldId id="286" r:id="rId26"/>
+    <p:sldId id="287" r:id="rId27"/>
+    <p:sldId id="288" r:id="rId28"/>
+    <p:sldId id="289" r:id="rId29"/>
   </p:sldIdLst>
   <p:sldSz cx="12192000" cy="6858000"/>
   <p:notesSz cx="6858000" cy="9144000"/>
@@ -213,7 +224,7 @@
           <a:p>
             <a:fld id="{AAD3F962-2BBB-E94D-8C3E-BBFCC873C910}" type="datetimeFigureOut">
               <a:rPr lang="en-US" smtClean="0"/>
-              <a:t>5/10/2024</a:t>
+              <a:t>5/13/2024</a:t>
             </a:fld>
             <a:endParaRPr lang="en-US"/>
           </a:p>
@@ -797,7 +808,7 @@
     </p:spTree>
     <p:extLst>
       <p:ext uri="{BB962C8B-B14F-4D97-AF65-F5344CB8AC3E}">
-        <p14:creationId xmlns:p14="http://schemas.microsoft.com/office/powerpoint/2010/main" val="2766921748"/>
+        <p14:creationId xmlns:p14="http://schemas.microsoft.com/office/powerpoint/2010/main" val="1248001890"/>
       </p:ext>
     </p:extLst>
   </p:cSld>
@@ -881,7 +892,7 @@
     </p:spTree>
     <p:extLst>
       <p:ext uri="{BB962C8B-B14F-4D97-AF65-F5344CB8AC3E}">
-        <p14:creationId xmlns:p14="http://schemas.microsoft.com/office/powerpoint/2010/main" val="1650452298"/>
+        <p14:creationId xmlns:p14="http://schemas.microsoft.com/office/powerpoint/2010/main" val="2766921748"/>
       </p:ext>
     </p:extLst>
   </p:cSld>
@@ -965,7 +976,7 @@
     </p:spTree>
     <p:extLst>
       <p:ext uri="{BB962C8B-B14F-4D97-AF65-F5344CB8AC3E}">
-        <p14:creationId xmlns:p14="http://schemas.microsoft.com/office/powerpoint/2010/main" val="4075627439"/>
+        <p14:creationId xmlns:p14="http://schemas.microsoft.com/office/powerpoint/2010/main" val="3169815086"/>
       </p:ext>
     </p:extLst>
   </p:cSld>
@@ -1049,7 +1060,7 @@
     </p:spTree>
     <p:extLst>
       <p:ext uri="{BB962C8B-B14F-4D97-AF65-F5344CB8AC3E}">
-        <p14:creationId xmlns:p14="http://schemas.microsoft.com/office/powerpoint/2010/main" val="2484051631"/>
+        <p14:creationId xmlns:p14="http://schemas.microsoft.com/office/powerpoint/2010/main" val="365606329"/>
       </p:ext>
     </p:extLst>
   </p:cSld>
@@ -1133,7 +1144,7 @@
     </p:spTree>
     <p:extLst>
       <p:ext uri="{BB962C8B-B14F-4D97-AF65-F5344CB8AC3E}">
-        <p14:creationId xmlns:p14="http://schemas.microsoft.com/office/powerpoint/2010/main" val="365606329"/>
+        <p14:creationId xmlns:p14="http://schemas.microsoft.com/office/powerpoint/2010/main" val="3962407657"/>
       </p:ext>
     </p:extLst>
   </p:cSld>
@@ -1217,7 +1228,7 @@
     </p:spTree>
     <p:extLst>
       <p:ext uri="{BB962C8B-B14F-4D97-AF65-F5344CB8AC3E}">
-        <p14:creationId xmlns:p14="http://schemas.microsoft.com/office/powerpoint/2010/main" val="3224895"/>
+        <p14:creationId xmlns:p14="http://schemas.microsoft.com/office/powerpoint/2010/main" val="1836060100"/>
       </p:ext>
     </p:extLst>
   </p:cSld>
@@ -1301,7 +1312,259 @@
     </p:spTree>
     <p:extLst>
       <p:ext uri="{BB962C8B-B14F-4D97-AF65-F5344CB8AC3E}">
-        <p14:creationId xmlns:p14="http://schemas.microsoft.com/office/powerpoint/2010/main" val="1237207116"/>
+        <p14:creationId xmlns:p14="http://schemas.microsoft.com/office/powerpoint/2010/main" val="2984980108"/>
+      </p:ext>
+    </p:extLst>
+  </p:cSld>
+  <p:clrMapOvr>
+    <a:masterClrMapping/>
+  </p:clrMapOvr>
+</p:notes>
+</file>
+
+<file path=ppt/notesSlides/notesSlide17.xml><?xml version="1.0" encoding="utf-8"?>
+<p:notes xmlns:a="http://schemas.openxmlformats.org/drawingml/2006/main" xmlns:r="http://schemas.openxmlformats.org/officeDocument/2006/relationships" xmlns:p="http://schemas.openxmlformats.org/presentationml/2006/main">
+  <p:cSld>
+    <p:spTree>
+      <p:nvGrpSpPr>
+        <p:cNvPr id="1" name=""/>
+        <p:cNvGrpSpPr/>
+        <p:nvPr/>
+      </p:nvGrpSpPr>
+      <p:grpSpPr>
+        <a:xfrm>
+          <a:off x="0" y="0"/>
+          <a:ext cx="0" cy="0"/>
+          <a:chOff x="0" y="0"/>
+          <a:chExt cx="0" cy="0"/>
+        </a:xfrm>
+      </p:grpSpPr>
+      <p:sp>
+        <p:nvSpPr>
+          <p:cNvPr id="2" name="Slide Image Placeholder 1"/>
+          <p:cNvSpPr>
+            <a:spLocks noGrp="1" noRot="1" noChangeAspect="1"/>
+          </p:cNvSpPr>
+          <p:nvPr>
+            <p:ph type="sldImg"/>
+          </p:nvPr>
+        </p:nvSpPr>
+        <p:spPr/>
+      </p:sp>
+      <p:sp>
+        <p:nvSpPr>
+          <p:cNvPr id="3" name="Notes Placeholder 2"/>
+          <p:cNvSpPr>
+            <a:spLocks noGrp="1"/>
+          </p:cNvSpPr>
+          <p:nvPr>
+            <p:ph type="body" idx="1"/>
+          </p:nvPr>
+        </p:nvSpPr>
+        <p:spPr/>
+        <p:txBody>
+          <a:bodyPr/>
+          <a:lstStyle/>
+          <a:p>
+            <a:endParaRPr lang="en-US" dirty="0"/>
+          </a:p>
+        </p:txBody>
+      </p:sp>
+      <p:sp>
+        <p:nvSpPr>
+          <p:cNvPr id="4" name="Slide Number Placeholder 3"/>
+          <p:cNvSpPr>
+            <a:spLocks noGrp="1"/>
+          </p:cNvSpPr>
+          <p:nvPr>
+            <p:ph type="sldNum" sz="quarter" idx="5"/>
+          </p:nvPr>
+        </p:nvSpPr>
+        <p:spPr/>
+        <p:txBody>
+          <a:bodyPr/>
+          <a:lstStyle/>
+          <a:p>
+            <a:fld id="{4906D59D-5BF0-6346-A9F9-00BF8C37E738}" type="slidenum">
+              <a:rPr lang="en-US" smtClean="0"/>
+              <a:t>18</a:t>
+            </a:fld>
+            <a:endParaRPr lang="en-US"/>
+          </a:p>
+        </p:txBody>
+      </p:sp>
+    </p:spTree>
+    <p:extLst>
+      <p:ext uri="{BB962C8B-B14F-4D97-AF65-F5344CB8AC3E}">
+        <p14:creationId xmlns:p14="http://schemas.microsoft.com/office/powerpoint/2010/main" val="1650452298"/>
+      </p:ext>
+    </p:extLst>
+  </p:cSld>
+  <p:clrMapOvr>
+    <a:masterClrMapping/>
+  </p:clrMapOvr>
+</p:notes>
+</file>
+
+<file path=ppt/notesSlides/notesSlide18.xml><?xml version="1.0" encoding="utf-8"?>
+<p:notes xmlns:a="http://schemas.openxmlformats.org/drawingml/2006/main" xmlns:r="http://schemas.openxmlformats.org/officeDocument/2006/relationships" xmlns:p="http://schemas.openxmlformats.org/presentationml/2006/main">
+  <p:cSld>
+    <p:spTree>
+      <p:nvGrpSpPr>
+        <p:cNvPr id="1" name=""/>
+        <p:cNvGrpSpPr/>
+        <p:nvPr/>
+      </p:nvGrpSpPr>
+      <p:grpSpPr>
+        <a:xfrm>
+          <a:off x="0" y="0"/>
+          <a:ext cx="0" cy="0"/>
+          <a:chOff x="0" y="0"/>
+          <a:chExt cx="0" cy="0"/>
+        </a:xfrm>
+      </p:grpSpPr>
+      <p:sp>
+        <p:nvSpPr>
+          <p:cNvPr id="2" name="Slide Image Placeholder 1"/>
+          <p:cNvSpPr>
+            <a:spLocks noGrp="1" noRot="1" noChangeAspect="1"/>
+          </p:cNvSpPr>
+          <p:nvPr>
+            <p:ph type="sldImg"/>
+          </p:nvPr>
+        </p:nvSpPr>
+        <p:spPr/>
+      </p:sp>
+      <p:sp>
+        <p:nvSpPr>
+          <p:cNvPr id="3" name="Notes Placeholder 2"/>
+          <p:cNvSpPr>
+            <a:spLocks noGrp="1"/>
+          </p:cNvSpPr>
+          <p:nvPr>
+            <p:ph type="body" idx="1"/>
+          </p:nvPr>
+        </p:nvSpPr>
+        <p:spPr/>
+        <p:txBody>
+          <a:bodyPr/>
+          <a:lstStyle/>
+          <a:p>
+            <a:endParaRPr lang="en-US" dirty="0"/>
+          </a:p>
+        </p:txBody>
+      </p:sp>
+      <p:sp>
+        <p:nvSpPr>
+          <p:cNvPr id="4" name="Slide Number Placeholder 3"/>
+          <p:cNvSpPr>
+            <a:spLocks noGrp="1"/>
+          </p:cNvSpPr>
+          <p:nvPr>
+            <p:ph type="sldNum" sz="quarter" idx="5"/>
+          </p:nvPr>
+        </p:nvSpPr>
+        <p:spPr/>
+        <p:txBody>
+          <a:bodyPr/>
+          <a:lstStyle/>
+          <a:p>
+            <a:fld id="{4906D59D-5BF0-6346-A9F9-00BF8C37E738}" type="slidenum">
+              <a:rPr lang="en-US" smtClean="0"/>
+              <a:t>19</a:t>
+            </a:fld>
+            <a:endParaRPr lang="en-US"/>
+          </a:p>
+        </p:txBody>
+      </p:sp>
+    </p:spTree>
+    <p:extLst>
+      <p:ext uri="{BB962C8B-B14F-4D97-AF65-F5344CB8AC3E}">
+        <p14:creationId xmlns:p14="http://schemas.microsoft.com/office/powerpoint/2010/main" val="4075627439"/>
+      </p:ext>
+    </p:extLst>
+  </p:cSld>
+  <p:clrMapOvr>
+    <a:masterClrMapping/>
+  </p:clrMapOvr>
+</p:notes>
+</file>
+
+<file path=ppt/notesSlides/notesSlide19.xml><?xml version="1.0" encoding="utf-8"?>
+<p:notes xmlns:a="http://schemas.openxmlformats.org/drawingml/2006/main" xmlns:r="http://schemas.openxmlformats.org/officeDocument/2006/relationships" xmlns:p="http://schemas.openxmlformats.org/presentationml/2006/main">
+  <p:cSld>
+    <p:spTree>
+      <p:nvGrpSpPr>
+        <p:cNvPr id="1" name=""/>
+        <p:cNvGrpSpPr/>
+        <p:nvPr/>
+      </p:nvGrpSpPr>
+      <p:grpSpPr>
+        <a:xfrm>
+          <a:off x="0" y="0"/>
+          <a:ext cx="0" cy="0"/>
+          <a:chOff x="0" y="0"/>
+          <a:chExt cx="0" cy="0"/>
+        </a:xfrm>
+      </p:grpSpPr>
+      <p:sp>
+        <p:nvSpPr>
+          <p:cNvPr id="2" name="Slide Image Placeholder 1"/>
+          <p:cNvSpPr>
+            <a:spLocks noGrp="1" noRot="1" noChangeAspect="1"/>
+          </p:cNvSpPr>
+          <p:nvPr>
+            <p:ph type="sldImg"/>
+          </p:nvPr>
+        </p:nvSpPr>
+        <p:spPr/>
+      </p:sp>
+      <p:sp>
+        <p:nvSpPr>
+          <p:cNvPr id="3" name="Notes Placeholder 2"/>
+          <p:cNvSpPr>
+            <a:spLocks noGrp="1"/>
+          </p:cNvSpPr>
+          <p:nvPr>
+            <p:ph type="body" idx="1"/>
+          </p:nvPr>
+        </p:nvSpPr>
+        <p:spPr/>
+        <p:txBody>
+          <a:bodyPr/>
+          <a:lstStyle/>
+          <a:p>
+            <a:endParaRPr lang="en-US" dirty="0"/>
+          </a:p>
+        </p:txBody>
+      </p:sp>
+      <p:sp>
+        <p:nvSpPr>
+          <p:cNvPr id="4" name="Slide Number Placeholder 3"/>
+          <p:cNvSpPr>
+            <a:spLocks noGrp="1"/>
+          </p:cNvSpPr>
+          <p:nvPr>
+            <p:ph type="sldNum" sz="quarter" idx="5"/>
+          </p:nvPr>
+        </p:nvSpPr>
+        <p:spPr/>
+        <p:txBody>
+          <a:bodyPr/>
+          <a:lstStyle/>
+          <a:p>
+            <a:fld id="{4906D59D-5BF0-6346-A9F9-00BF8C37E738}" type="slidenum">
+              <a:rPr lang="en-US" smtClean="0"/>
+              <a:t>20</a:t>
+            </a:fld>
+            <a:endParaRPr lang="en-US"/>
+          </a:p>
+        </p:txBody>
+      </p:sp>
+    </p:spTree>
+    <p:extLst>
+      <p:ext uri="{BB962C8B-B14F-4D97-AF65-F5344CB8AC3E}">
+        <p14:creationId xmlns:p14="http://schemas.microsoft.com/office/powerpoint/2010/main" val="2484051631"/>
       </p:ext>
     </p:extLst>
   </p:cSld>
@@ -1386,6 +1649,678 @@
     <p:extLst>
       <p:ext uri="{BB962C8B-B14F-4D97-AF65-F5344CB8AC3E}">
         <p14:creationId xmlns:p14="http://schemas.microsoft.com/office/powerpoint/2010/main" val="3351645269"/>
+      </p:ext>
+    </p:extLst>
+  </p:cSld>
+  <p:clrMapOvr>
+    <a:masterClrMapping/>
+  </p:clrMapOvr>
+</p:notes>
+</file>
+
+<file path=ppt/notesSlides/notesSlide20.xml><?xml version="1.0" encoding="utf-8"?>
+<p:notes xmlns:a="http://schemas.openxmlformats.org/drawingml/2006/main" xmlns:r="http://schemas.openxmlformats.org/officeDocument/2006/relationships" xmlns:p="http://schemas.openxmlformats.org/presentationml/2006/main">
+  <p:cSld>
+    <p:spTree>
+      <p:nvGrpSpPr>
+        <p:cNvPr id="1" name=""/>
+        <p:cNvGrpSpPr/>
+        <p:nvPr/>
+      </p:nvGrpSpPr>
+      <p:grpSpPr>
+        <a:xfrm>
+          <a:off x="0" y="0"/>
+          <a:ext cx="0" cy="0"/>
+          <a:chOff x="0" y="0"/>
+          <a:chExt cx="0" cy="0"/>
+        </a:xfrm>
+      </p:grpSpPr>
+      <p:sp>
+        <p:nvSpPr>
+          <p:cNvPr id="2" name="Slide Image Placeholder 1"/>
+          <p:cNvSpPr>
+            <a:spLocks noGrp="1" noRot="1" noChangeAspect="1"/>
+          </p:cNvSpPr>
+          <p:nvPr>
+            <p:ph type="sldImg"/>
+          </p:nvPr>
+        </p:nvSpPr>
+        <p:spPr/>
+      </p:sp>
+      <p:sp>
+        <p:nvSpPr>
+          <p:cNvPr id="3" name="Notes Placeholder 2"/>
+          <p:cNvSpPr>
+            <a:spLocks noGrp="1"/>
+          </p:cNvSpPr>
+          <p:nvPr>
+            <p:ph type="body" idx="1"/>
+          </p:nvPr>
+        </p:nvSpPr>
+        <p:spPr/>
+        <p:txBody>
+          <a:bodyPr/>
+          <a:lstStyle/>
+          <a:p>
+            <a:endParaRPr lang="en-US" dirty="0"/>
+          </a:p>
+        </p:txBody>
+      </p:sp>
+      <p:sp>
+        <p:nvSpPr>
+          <p:cNvPr id="4" name="Slide Number Placeholder 3"/>
+          <p:cNvSpPr>
+            <a:spLocks noGrp="1"/>
+          </p:cNvSpPr>
+          <p:nvPr>
+            <p:ph type="sldNum" sz="quarter" idx="5"/>
+          </p:nvPr>
+        </p:nvSpPr>
+        <p:spPr/>
+        <p:txBody>
+          <a:bodyPr/>
+          <a:lstStyle/>
+          <a:p>
+            <a:fld id="{4906D59D-5BF0-6346-A9F9-00BF8C37E738}" type="slidenum">
+              <a:rPr lang="en-US" smtClean="0"/>
+              <a:t>21</a:t>
+            </a:fld>
+            <a:endParaRPr lang="en-US"/>
+          </a:p>
+        </p:txBody>
+      </p:sp>
+    </p:spTree>
+    <p:extLst>
+      <p:ext uri="{BB962C8B-B14F-4D97-AF65-F5344CB8AC3E}">
+        <p14:creationId xmlns:p14="http://schemas.microsoft.com/office/powerpoint/2010/main" val="3224895"/>
+      </p:ext>
+    </p:extLst>
+  </p:cSld>
+  <p:clrMapOvr>
+    <a:masterClrMapping/>
+  </p:clrMapOvr>
+</p:notes>
+</file>
+
+<file path=ppt/notesSlides/notesSlide21.xml><?xml version="1.0" encoding="utf-8"?>
+<p:notes xmlns:a="http://schemas.openxmlformats.org/drawingml/2006/main" xmlns:r="http://schemas.openxmlformats.org/officeDocument/2006/relationships" xmlns:p="http://schemas.openxmlformats.org/presentationml/2006/main">
+  <p:cSld>
+    <p:spTree>
+      <p:nvGrpSpPr>
+        <p:cNvPr id="1" name=""/>
+        <p:cNvGrpSpPr/>
+        <p:nvPr/>
+      </p:nvGrpSpPr>
+      <p:grpSpPr>
+        <a:xfrm>
+          <a:off x="0" y="0"/>
+          <a:ext cx="0" cy="0"/>
+          <a:chOff x="0" y="0"/>
+          <a:chExt cx="0" cy="0"/>
+        </a:xfrm>
+      </p:grpSpPr>
+      <p:sp>
+        <p:nvSpPr>
+          <p:cNvPr id="2" name="Slide Image Placeholder 1"/>
+          <p:cNvSpPr>
+            <a:spLocks noGrp="1" noRot="1" noChangeAspect="1"/>
+          </p:cNvSpPr>
+          <p:nvPr>
+            <p:ph type="sldImg"/>
+          </p:nvPr>
+        </p:nvSpPr>
+        <p:spPr/>
+      </p:sp>
+      <p:sp>
+        <p:nvSpPr>
+          <p:cNvPr id="3" name="Notes Placeholder 2"/>
+          <p:cNvSpPr>
+            <a:spLocks noGrp="1"/>
+          </p:cNvSpPr>
+          <p:nvPr>
+            <p:ph type="body" idx="1"/>
+          </p:nvPr>
+        </p:nvSpPr>
+        <p:spPr/>
+        <p:txBody>
+          <a:bodyPr/>
+          <a:lstStyle/>
+          <a:p>
+            <a:endParaRPr lang="en-US" dirty="0"/>
+          </a:p>
+        </p:txBody>
+      </p:sp>
+      <p:sp>
+        <p:nvSpPr>
+          <p:cNvPr id="4" name="Slide Number Placeholder 3"/>
+          <p:cNvSpPr>
+            <a:spLocks noGrp="1"/>
+          </p:cNvSpPr>
+          <p:nvPr>
+            <p:ph type="sldNum" sz="quarter" idx="5"/>
+          </p:nvPr>
+        </p:nvSpPr>
+        <p:spPr/>
+        <p:txBody>
+          <a:bodyPr/>
+          <a:lstStyle/>
+          <a:p>
+            <a:fld id="{4906D59D-5BF0-6346-A9F9-00BF8C37E738}" type="slidenum">
+              <a:rPr lang="en-US" smtClean="0"/>
+              <a:t>22</a:t>
+            </a:fld>
+            <a:endParaRPr lang="en-US"/>
+          </a:p>
+        </p:txBody>
+      </p:sp>
+    </p:spTree>
+    <p:extLst>
+      <p:ext uri="{BB962C8B-B14F-4D97-AF65-F5344CB8AC3E}">
+        <p14:creationId xmlns:p14="http://schemas.microsoft.com/office/powerpoint/2010/main" val="1237207116"/>
+      </p:ext>
+    </p:extLst>
+  </p:cSld>
+  <p:clrMapOvr>
+    <a:masterClrMapping/>
+  </p:clrMapOvr>
+</p:notes>
+</file>
+
+<file path=ppt/notesSlides/notesSlide22.xml><?xml version="1.0" encoding="utf-8"?>
+<p:notes xmlns:a="http://schemas.openxmlformats.org/drawingml/2006/main" xmlns:r="http://schemas.openxmlformats.org/officeDocument/2006/relationships" xmlns:p="http://schemas.openxmlformats.org/presentationml/2006/main">
+  <p:cSld>
+    <p:spTree>
+      <p:nvGrpSpPr>
+        <p:cNvPr id="1" name=""/>
+        <p:cNvGrpSpPr/>
+        <p:nvPr/>
+      </p:nvGrpSpPr>
+      <p:grpSpPr>
+        <a:xfrm>
+          <a:off x="0" y="0"/>
+          <a:ext cx="0" cy="0"/>
+          <a:chOff x="0" y="0"/>
+          <a:chExt cx="0" cy="0"/>
+        </a:xfrm>
+      </p:grpSpPr>
+      <p:sp>
+        <p:nvSpPr>
+          <p:cNvPr id="2" name="Slide Image Placeholder 1"/>
+          <p:cNvSpPr>
+            <a:spLocks noGrp="1" noRot="1" noChangeAspect="1"/>
+          </p:cNvSpPr>
+          <p:nvPr>
+            <p:ph type="sldImg"/>
+          </p:nvPr>
+        </p:nvSpPr>
+        <p:spPr/>
+      </p:sp>
+      <p:sp>
+        <p:nvSpPr>
+          <p:cNvPr id="3" name="Notes Placeholder 2"/>
+          <p:cNvSpPr>
+            <a:spLocks noGrp="1"/>
+          </p:cNvSpPr>
+          <p:nvPr>
+            <p:ph type="body" idx="1"/>
+          </p:nvPr>
+        </p:nvSpPr>
+        <p:spPr/>
+        <p:txBody>
+          <a:bodyPr/>
+          <a:lstStyle/>
+          <a:p>
+            <a:endParaRPr lang="en-US" dirty="0"/>
+          </a:p>
+        </p:txBody>
+      </p:sp>
+      <p:sp>
+        <p:nvSpPr>
+          <p:cNvPr id="4" name="Slide Number Placeholder 3"/>
+          <p:cNvSpPr>
+            <a:spLocks noGrp="1"/>
+          </p:cNvSpPr>
+          <p:nvPr>
+            <p:ph type="sldNum" sz="quarter" idx="5"/>
+          </p:nvPr>
+        </p:nvSpPr>
+        <p:spPr/>
+        <p:txBody>
+          <a:bodyPr/>
+          <a:lstStyle/>
+          <a:p>
+            <a:fld id="{4906D59D-5BF0-6346-A9F9-00BF8C37E738}" type="slidenum">
+              <a:rPr lang="en-US" smtClean="0"/>
+              <a:t>23</a:t>
+            </a:fld>
+            <a:endParaRPr lang="en-US"/>
+          </a:p>
+        </p:txBody>
+      </p:sp>
+    </p:spTree>
+    <p:extLst>
+      <p:ext uri="{BB962C8B-B14F-4D97-AF65-F5344CB8AC3E}">
+        <p14:creationId xmlns:p14="http://schemas.microsoft.com/office/powerpoint/2010/main" val="4282810659"/>
+      </p:ext>
+    </p:extLst>
+  </p:cSld>
+  <p:clrMapOvr>
+    <a:masterClrMapping/>
+  </p:clrMapOvr>
+</p:notes>
+</file>
+
+<file path=ppt/notesSlides/notesSlide23.xml><?xml version="1.0" encoding="utf-8"?>
+<p:notes xmlns:a="http://schemas.openxmlformats.org/drawingml/2006/main" xmlns:r="http://schemas.openxmlformats.org/officeDocument/2006/relationships" xmlns:p="http://schemas.openxmlformats.org/presentationml/2006/main">
+  <p:cSld>
+    <p:spTree>
+      <p:nvGrpSpPr>
+        <p:cNvPr id="1" name=""/>
+        <p:cNvGrpSpPr/>
+        <p:nvPr/>
+      </p:nvGrpSpPr>
+      <p:grpSpPr>
+        <a:xfrm>
+          <a:off x="0" y="0"/>
+          <a:ext cx="0" cy="0"/>
+          <a:chOff x="0" y="0"/>
+          <a:chExt cx="0" cy="0"/>
+        </a:xfrm>
+      </p:grpSpPr>
+      <p:sp>
+        <p:nvSpPr>
+          <p:cNvPr id="2" name="Slide Image Placeholder 1"/>
+          <p:cNvSpPr>
+            <a:spLocks noGrp="1" noRot="1" noChangeAspect="1"/>
+          </p:cNvSpPr>
+          <p:nvPr>
+            <p:ph type="sldImg"/>
+          </p:nvPr>
+        </p:nvSpPr>
+        <p:spPr/>
+      </p:sp>
+      <p:sp>
+        <p:nvSpPr>
+          <p:cNvPr id="3" name="Notes Placeholder 2"/>
+          <p:cNvSpPr>
+            <a:spLocks noGrp="1"/>
+          </p:cNvSpPr>
+          <p:nvPr>
+            <p:ph type="body" idx="1"/>
+          </p:nvPr>
+        </p:nvSpPr>
+        <p:spPr/>
+        <p:txBody>
+          <a:bodyPr/>
+          <a:lstStyle/>
+          <a:p>
+            <a:endParaRPr lang="en-US" dirty="0"/>
+          </a:p>
+        </p:txBody>
+      </p:sp>
+      <p:sp>
+        <p:nvSpPr>
+          <p:cNvPr id="4" name="Slide Number Placeholder 3"/>
+          <p:cNvSpPr>
+            <a:spLocks noGrp="1"/>
+          </p:cNvSpPr>
+          <p:nvPr>
+            <p:ph type="sldNum" sz="quarter" idx="5"/>
+          </p:nvPr>
+        </p:nvSpPr>
+        <p:spPr/>
+        <p:txBody>
+          <a:bodyPr/>
+          <a:lstStyle/>
+          <a:p>
+            <a:fld id="{4906D59D-5BF0-6346-A9F9-00BF8C37E738}" type="slidenum">
+              <a:rPr lang="en-US" smtClean="0"/>
+              <a:t>24</a:t>
+            </a:fld>
+            <a:endParaRPr lang="en-US"/>
+          </a:p>
+        </p:txBody>
+      </p:sp>
+    </p:spTree>
+    <p:extLst>
+      <p:ext uri="{BB962C8B-B14F-4D97-AF65-F5344CB8AC3E}">
+        <p14:creationId xmlns:p14="http://schemas.microsoft.com/office/powerpoint/2010/main" val="2629793567"/>
+      </p:ext>
+    </p:extLst>
+  </p:cSld>
+  <p:clrMapOvr>
+    <a:masterClrMapping/>
+  </p:clrMapOvr>
+</p:notes>
+</file>
+
+<file path=ppt/notesSlides/notesSlide24.xml><?xml version="1.0" encoding="utf-8"?>
+<p:notes xmlns:a="http://schemas.openxmlformats.org/drawingml/2006/main" xmlns:r="http://schemas.openxmlformats.org/officeDocument/2006/relationships" xmlns:p="http://schemas.openxmlformats.org/presentationml/2006/main">
+  <p:cSld>
+    <p:spTree>
+      <p:nvGrpSpPr>
+        <p:cNvPr id="1" name=""/>
+        <p:cNvGrpSpPr/>
+        <p:nvPr/>
+      </p:nvGrpSpPr>
+      <p:grpSpPr>
+        <a:xfrm>
+          <a:off x="0" y="0"/>
+          <a:ext cx="0" cy="0"/>
+          <a:chOff x="0" y="0"/>
+          <a:chExt cx="0" cy="0"/>
+        </a:xfrm>
+      </p:grpSpPr>
+      <p:sp>
+        <p:nvSpPr>
+          <p:cNvPr id="2" name="Slide Image Placeholder 1"/>
+          <p:cNvSpPr>
+            <a:spLocks noGrp="1" noRot="1" noChangeAspect="1"/>
+          </p:cNvSpPr>
+          <p:nvPr>
+            <p:ph type="sldImg"/>
+          </p:nvPr>
+        </p:nvSpPr>
+        <p:spPr/>
+      </p:sp>
+      <p:sp>
+        <p:nvSpPr>
+          <p:cNvPr id="3" name="Notes Placeholder 2"/>
+          <p:cNvSpPr>
+            <a:spLocks noGrp="1"/>
+          </p:cNvSpPr>
+          <p:nvPr>
+            <p:ph type="body" idx="1"/>
+          </p:nvPr>
+        </p:nvSpPr>
+        <p:spPr/>
+        <p:txBody>
+          <a:bodyPr/>
+          <a:lstStyle/>
+          <a:p>
+            <a:endParaRPr lang="en-US" dirty="0"/>
+          </a:p>
+        </p:txBody>
+      </p:sp>
+      <p:sp>
+        <p:nvSpPr>
+          <p:cNvPr id="4" name="Slide Number Placeholder 3"/>
+          <p:cNvSpPr>
+            <a:spLocks noGrp="1"/>
+          </p:cNvSpPr>
+          <p:nvPr>
+            <p:ph type="sldNum" sz="quarter" idx="5"/>
+          </p:nvPr>
+        </p:nvSpPr>
+        <p:spPr/>
+        <p:txBody>
+          <a:bodyPr/>
+          <a:lstStyle/>
+          <a:p>
+            <a:fld id="{4906D59D-5BF0-6346-A9F9-00BF8C37E738}" type="slidenum">
+              <a:rPr lang="en-US" smtClean="0"/>
+              <a:t>25</a:t>
+            </a:fld>
+            <a:endParaRPr lang="en-US"/>
+          </a:p>
+        </p:txBody>
+      </p:sp>
+    </p:spTree>
+    <p:extLst>
+      <p:ext uri="{BB962C8B-B14F-4D97-AF65-F5344CB8AC3E}">
+        <p14:creationId xmlns:p14="http://schemas.microsoft.com/office/powerpoint/2010/main" val="2660352769"/>
+      </p:ext>
+    </p:extLst>
+  </p:cSld>
+  <p:clrMapOvr>
+    <a:masterClrMapping/>
+  </p:clrMapOvr>
+</p:notes>
+</file>
+
+<file path=ppt/notesSlides/notesSlide25.xml><?xml version="1.0" encoding="utf-8"?>
+<p:notes xmlns:a="http://schemas.openxmlformats.org/drawingml/2006/main" xmlns:r="http://schemas.openxmlformats.org/officeDocument/2006/relationships" xmlns:p="http://schemas.openxmlformats.org/presentationml/2006/main">
+  <p:cSld>
+    <p:spTree>
+      <p:nvGrpSpPr>
+        <p:cNvPr id="1" name=""/>
+        <p:cNvGrpSpPr/>
+        <p:nvPr/>
+      </p:nvGrpSpPr>
+      <p:grpSpPr>
+        <a:xfrm>
+          <a:off x="0" y="0"/>
+          <a:ext cx="0" cy="0"/>
+          <a:chOff x="0" y="0"/>
+          <a:chExt cx="0" cy="0"/>
+        </a:xfrm>
+      </p:grpSpPr>
+      <p:sp>
+        <p:nvSpPr>
+          <p:cNvPr id="2" name="Slide Image Placeholder 1"/>
+          <p:cNvSpPr>
+            <a:spLocks noGrp="1" noRot="1" noChangeAspect="1"/>
+          </p:cNvSpPr>
+          <p:nvPr>
+            <p:ph type="sldImg"/>
+          </p:nvPr>
+        </p:nvSpPr>
+        <p:spPr/>
+      </p:sp>
+      <p:sp>
+        <p:nvSpPr>
+          <p:cNvPr id="3" name="Notes Placeholder 2"/>
+          <p:cNvSpPr>
+            <a:spLocks noGrp="1"/>
+          </p:cNvSpPr>
+          <p:nvPr>
+            <p:ph type="body" idx="1"/>
+          </p:nvPr>
+        </p:nvSpPr>
+        <p:spPr/>
+        <p:txBody>
+          <a:bodyPr/>
+          <a:lstStyle/>
+          <a:p>
+            <a:endParaRPr lang="en-US" dirty="0"/>
+          </a:p>
+        </p:txBody>
+      </p:sp>
+      <p:sp>
+        <p:nvSpPr>
+          <p:cNvPr id="4" name="Slide Number Placeholder 3"/>
+          <p:cNvSpPr>
+            <a:spLocks noGrp="1"/>
+          </p:cNvSpPr>
+          <p:nvPr>
+            <p:ph type="sldNum" sz="quarter" idx="5"/>
+          </p:nvPr>
+        </p:nvSpPr>
+        <p:spPr/>
+        <p:txBody>
+          <a:bodyPr/>
+          <a:lstStyle/>
+          <a:p>
+            <a:fld id="{4906D59D-5BF0-6346-A9F9-00BF8C37E738}" type="slidenum">
+              <a:rPr lang="en-US" smtClean="0"/>
+              <a:t>26</a:t>
+            </a:fld>
+            <a:endParaRPr lang="en-US"/>
+          </a:p>
+        </p:txBody>
+      </p:sp>
+    </p:spTree>
+    <p:extLst>
+      <p:ext uri="{BB962C8B-B14F-4D97-AF65-F5344CB8AC3E}">
+        <p14:creationId xmlns:p14="http://schemas.microsoft.com/office/powerpoint/2010/main" val="4048838578"/>
+      </p:ext>
+    </p:extLst>
+  </p:cSld>
+  <p:clrMapOvr>
+    <a:masterClrMapping/>
+  </p:clrMapOvr>
+</p:notes>
+</file>
+
+<file path=ppt/notesSlides/notesSlide26.xml><?xml version="1.0" encoding="utf-8"?>
+<p:notes xmlns:a="http://schemas.openxmlformats.org/drawingml/2006/main" xmlns:r="http://schemas.openxmlformats.org/officeDocument/2006/relationships" xmlns:p="http://schemas.openxmlformats.org/presentationml/2006/main">
+  <p:cSld>
+    <p:spTree>
+      <p:nvGrpSpPr>
+        <p:cNvPr id="1" name=""/>
+        <p:cNvGrpSpPr/>
+        <p:nvPr/>
+      </p:nvGrpSpPr>
+      <p:grpSpPr>
+        <a:xfrm>
+          <a:off x="0" y="0"/>
+          <a:ext cx="0" cy="0"/>
+          <a:chOff x="0" y="0"/>
+          <a:chExt cx="0" cy="0"/>
+        </a:xfrm>
+      </p:grpSpPr>
+      <p:sp>
+        <p:nvSpPr>
+          <p:cNvPr id="2" name="Slide Image Placeholder 1"/>
+          <p:cNvSpPr>
+            <a:spLocks noGrp="1" noRot="1" noChangeAspect="1"/>
+          </p:cNvSpPr>
+          <p:nvPr>
+            <p:ph type="sldImg"/>
+          </p:nvPr>
+        </p:nvSpPr>
+        <p:spPr/>
+      </p:sp>
+      <p:sp>
+        <p:nvSpPr>
+          <p:cNvPr id="3" name="Notes Placeholder 2"/>
+          <p:cNvSpPr>
+            <a:spLocks noGrp="1"/>
+          </p:cNvSpPr>
+          <p:nvPr>
+            <p:ph type="body" idx="1"/>
+          </p:nvPr>
+        </p:nvSpPr>
+        <p:spPr/>
+        <p:txBody>
+          <a:bodyPr/>
+          <a:lstStyle/>
+          <a:p>
+            <a:endParaRPr lang="en-US" dirty="0"/>
+          </a:p>
+        </p:txBody>
+      </p:sp>
+      <p:sp>
+        <p:nvSpPr>
+          <p:cNvPr id="4" name="Slide Number Placeholder 3"/>
+          <p:cNvSpPr>
+            <a:spLocks noGrp="1"/>
+          </p:cNvSpPr>
+          <p:nvPr>
+            <p:ph type="sldNum" sz="quarter" idx="5"/>
+          </p:nvPr>
+        </p:nvSpPr>
+        <p:spPr/>
+        <p:txBody>
+          <a:bodyPr/>
+          <a:lstStyle/>
+          <a:p>
+            <a:fld id="{4906D59D-5BF0-6346-A9F9-00BF8C37E738}" type="slidenum">
+              <a:rPr lang="en-US" smtClean="0"/>
+              <a:t>27</a:t>
+            </a:fld>
+            <a:endParaRPr lang="en-US"/>
+          </a:p>
+        </p:txBody>
+      </p:sp>
+    </p:spTree>
+    <p:extLst>
+      <p:ext uri="{BB962C8B-B14F-4D97-AF65-F5344CB8AC3E}">
+        <p14:creationId xmlns:p14="http://schemas.microsoft.com/office/powerpoint/2010/main" val="2036717176"/>
+      </p:ext>
+    </p:extLst>
+  </p:cSld>
+  <p:clrMapOvr>
+    <a:masterClrMapping/>
+  </p:clrMapOvr>
+</p:notes>
+</file>
+
+<file path=ppt/notesSlides/notesSlide27.xml><?xml version="1.0" encoding="utf-8"?>
+<p:notes xmlns:a="http://schemas.openxmlformats.org/drawingml/2006/main" xmlns:r="http://schemas.openxmlformats.org/officeDocument/2006/relationships" xmlns:p="http://schemas.openxmlformats.org/presentationml/2006/main">
+  <p:cSld>
+    <p:spTree>
+      <p:nvGrpSpPr>
+        <p:cNvPr id="1" name=""/>
+        <p:cNvGrpSpPr/>
+        <p:nvPr/>
+      </p:nvGrpSpPr>
+      <p:grpSpPr>
+        <a:xfrm>
+          <a:off x="0" y="0"/>
+          <a:ext cx="0" cy="0"/>
+          <a:chOff x="0" y="0"/>
+          <a:chExt cx="0" cy="0"/>
+        </a:xfrm>
+      </p:grpSpPr>
+      <p:sp>
+        <p:nvSpPr>
+          <p:cNvPr id="2" name="Slide Image Placeholder 1"/>
+          <p:cNvSpPr>
+            <a:spLocks noGrp="1" noRot="1" noChangeAspect="1"/>
+          </p:cNvSpPr>
+          <p:nvPr>
+            <p:ph type="sldImg"/>
+          </p:nvPr>
+        </p:nvSpPr>
+        <p:spPr/>
+      </p:sp>
+      <p:sp>
+        <p:nvSpPr>
+          <p:cNvPr id="3" name="Notes Placeholder 2"/>
+          <p:cNvSpPr>
+            <a:spLocks noGrp="1"/>
+          </p:cNvSpPr>
+          <p:nvPr>
+            <p:ph type="body" idx="1"/>
+          </p:nvPr>
+        </p:nvSpPr>
+        <p:spPr/>
+        <p:txBody>
+          <a:bodyPr/>
+          <a:lstStyle/>
+          <a:p>
+            <a:endParaRPr lang="en-US" dirty="0"/>
+          </a:p>
+        </p:txBody>
+      </p:sp>
+      <p:sp>
+        <p:nvSpPr>
+          <p:cNvPr id="4" name="Slide Number Placeholder 3"/>
+          <p:cNvSpPr>
+            <a:spLocks noGrp="1"/>
+          </p:cNvSpPr>
+          <p:nvPr>
+            <p:ph type="sldNum" sz="quarter" idx="5"/>
+          </p:nvPr>
+        </p:nvSpPr>
+        <p:spPr/>
+        <p:txBody>
+          <a:bodyPr/>
+          <a:lstStyle/>
+          <a:p>
+            <a:fld id="{4906D59D-5BF0-6346-A9F9-00BF8C37E738}" type="slidenum">
+              <a:rPr lang="en-US" smtClean="0"/>
+              <a:t>28</a:t>
+            </a:fld>
+            <a:endParaRPr lang="en-US"/>
+          </a:p>
+        </p:txBody>
+      </p:sp>
+    </p:spTree>
+    <p:extLst>
+      <p:ext uri="{BB962C8B-B14F-4D97-AF65-F5344CB8AC3E}">
+        <p14:creationId xmlns:p14="http://schemas.microsoft.com/office/powerpoint/2010/main" val="1948278416"/>
       </p:ext>
     </p:extLst>
   </p:cSld>
@@ -1805,7 +2740,7 @@
     </p:spTree>
     <p:extLst>
       <p:ext uri="{BB962C8B-B14F-4D97-AF65-F5344CB8AC3E}">
-        <p14:creationId xmlns:p14="http://schemas.microsoft.com/office/powerpoint/2010/main" val="966596030"/>
+        <p14:creationId xmlns:p14="http://schemas.microsoft.com/office/powerpoint/2010/main" val="3331801632"/>
       </p:ext>
     </p:extLst>
   </p:cSld>
@@ -1889,7 +2824,7 @@
     </p:spTree>
     <p:extLst>
       <p:ext uri="{BB962C8B-B14F-4D97-AF65-F5344CB8AC3E}">
-        <p14:creationId xmlns:p14="http://schemas.microsoft.com/office/powerpoint/2010/main" val="3331801632"/>
+        <p14:creationId xmlns:p14="http://schemas.microsoft.com/office/powerpoint/2010/main" val="966596030"/>
       </p:ext>
     </p:extLst>
   </p:cSld>
@@ -2130,7 +3065,7 @@
           <a:p>
             <a:fld id="{378873E4-3B62-4C03-AC2E-F1BC5ACD71BB}" type="datetimeFigureOut">
               <a:rPr lang="en-US" smtClean="0"/>
-              <a:t>5/10/2024</a:t>
+              <a:t>5/13/2024</a:t>
             </a:fld>
             <a:endParaRPr lang="en-US"/>
           </a:p>
@@ -2328,7 +3263,7 @@
           <a:p>
             <a:fld id="{378873E4-3B62-4C03-AC2E-F1BC5ACD71BB}" type="datetimeFigureOut">
               <a:rPr lang="en-US" smtClean="0"/>
-              <a:t>5/10/2024</a:t>
+              <a:t>5/13/2024</a:t>
             </a:fld>
             <a:endParaRPr lang="en-US"/>
           </a:p>
@@ -2536,7 +3471,7 @@
           <a:p>
             <a:fld id="{378873E4-3B62-4C03-AC2E-F1BC5ACD71BB}" type="datetimeFigureOut">
               <a:rPr lang="en-US" smtClean="0"/>
-              <a:t>5/10/2024</a:t>
+              <a:t>5/13/2024</a:t>
             </a:fld>
             <a:endParaRPr lang="en-US"/>
           </a:p>
@@ -2734,7 +3669,7 @@
           <a:p>
             <a:fld id="{378873E4-3B62-4C03-AC2E-F1BC5ACD71BB}" type="datetimeFigureOut">
               <a:rPr lang="en-US" smtClean="0"/>
-              <a:t>5/10/2024</a:t>
+              <a:t>5/13/2024</a:t>
             </a:fld>
             <a:endParaRPr lang="en-US"/>
           </a:p>
@@ -3009,7 +3944,7 @@
           <a:p>
             <a:fld id="{378873E4-3B62-4C03-AC2E-F1BC5ACD71BB}" type="datetimeFigureOut">
               <a:rPr lang="en-US" smtClean="0"/>
-              <a:t>5/10/2024</a:t>
+              <a:t>5/13/2024</a:t>
             </a:fld>
             <a:endParaRPr lang="en-US"/>
           </a:p>
@@ -3274,7 +4209,7 @@
           <a:p>
             <a:fld id="{378873E4-3B62-4C03-AC2E-F1BC5ACD71BB}" type="datetimeFigureOut">
               <a:rPr lang="en-US" smtClean="0"/>
-              <a:t>5/10/2024</a:t>
+              <a:t>5/13/2024</a:t>
             </a:fld>
             <a:endParaRPr lang="en-US"/>
           </a:p>
@@ -3686,7 +4621,7 @@
           <a:p>
             <a:fld id="{378873E4-3B62-4C03-AC2E-F1BC5ACD71BB}" type="datetimeFigureOut">
               <a:rPr lang="en-US" smtClean="0"/>
-              <a:t>5/10/2024</a:t>
+              <a:t>5/13/2024</a:t>
             </a:fld>
             <a:endParaRPr lang="en-US"/>
           </a:p>
@@ -3827,7 +4762,7 @@
           <a:p>
             <a:fld id="{378873E4-3B62-4C03-AC2E-F1BC5ACD71BB}" type="datetimeFigureOut">
               <a:rPr lang="en-US" smtClean="0"/>
-              <a:t>5/10/2024</a:t>
+              <a:t>5/13/2024</a:t>
             </a:fld>
             <a:endParaRPr lang="en-US"/>
           </a:p>
@@ -3940,7 +4875,7 @@
           <a:p>
             <a:fld id="{378873E4-3B62-4C03-AC2E-F1BC5ACD71BB}" type="datetimeFigureOut">
               <a:rPr lang="en-US" smtClean="0"/>
-              <a:t>5/10/2024</a:t>
+              <a:t>5/13/2024</a:t>
             </a:fld>
             <a:endParaRPr lang="en-US"/>
           </a:p>
@@ -4251,7 +5186,7 @@
           <a:p>
             <a:fld id="{378873E4-3B62-4C03-AC2E-F1BC5ACD71BB}" type="datetimeFigureOut">
               <a:rPr lang="en-US" smtClean="0"/>
-              <a:t>5/10/2024</a:t>
+              <a:t>5/13/2024</a:t>
             </a:fld>
             <a:endParaRPr lang="en-US"/>
           </a:p>
@@ -4539,7 +5474,7 @@
           <a:p>
             <a:fld id="{378873E4-3B62-4C03-AC2E-F1BC5ACD71BB}" type="datetimeFigureOut">
               <a:rPr lang="en-US" smtClean="0"/>
-              <a:t>5/10/2024</a:t>
+              <a:t>5/13/2024</a:t>
             </a:fld>
             <a:endParaRPr lang="en-US"/>
           </a:p>
@@ -4780,7 +5715,7 @@
           <a:p>
             <a:fld id="{378873E4-3B62-4C03-AC2E-F1BC5ACD71BB}" type="datetimeFigureOut">
               <a:rPr lang="en-US" smtClean="0"/>
-              <a:t>5/10/2024</a:t>
+              <a:t>5/13/2024</a:t>
             </a:fld>
             <a:endParaRPr lang="en-US"/>
           </a:p>
@@ -5339,6 +6274,61 @@
           </a:bodyPr>
           <a:lstStyle/>
           <a:p>
+            <a:r>
+              <a:rPr lang="en-US" dirty="0"/>
+              <a:t>Communication Network Architecture</a:t>
+            </a:r>
+          </a:p>
+          <a:p>
+            <a:pPr lvl="1"/>
+            <a:r>
+              <a:rPr lang="en-US" dirty="0"/>
+              <a:t>Peer-to-peer, Dynamic Mesh Topology</a:t>
+            </a:r>
+          </a:p>
+          <a:p>
+            <a:pPr lvl="1"/>
+            <a:r>
+              <a:rPr lang="en-US" dirty="0"/>
+              <a:t>Nodes: </a:t>
+            </a:r>
+            <a:r>
+              <a:rPr lang="en-US" b="1" dirty="0"/>
+              <a:t>ESP32</a:t>
+            </a:r>
+          </a:p>
+          <a:p>
+            <a:pPr lvl="1"/>
+            <a:r>
+              <a:rPr lang="en-US" dirty="0"/>
+              <a:t>Protocols: </a:t>
+            </a:r>
+          </a:p>
+          <a:p>
+            <a:pPr lvl="2"/>
+            <a:r>
+              <a:rPr lang="en-US" dirty="0"/>
+              <a:t>Wi-Fi Direct (no need Wi-Fi AP)</a:t>
+            </a:r>
+          </a:p>
+          <a:p>
+            <a:pPr lvl="2"/>
+            <a:r>
+              <a:rPr lang="en-US" dirty="0"/>
+              <a:t>BLE?</a:t>
+            </a:r>
+          </a:p>
+          <a:p>
+            <a:pPr lvl="2"/>
+            <a:r>
+              <a:rPr lang="en-US" dirty="0"/>
+              <a:t>Best path for data packets</a:t>
+            </a:r>
+          </a:p>
+          <a:p>
+            <a:endParaRPr lang="en-US" dirty="0"/>
+          </a:p>
+          <a:p>
             <a:endParaRPr lang="en-US" dirty="0"/>
           </a:p>
         </p:txBody>
@@ -5401,15 +6391,135 @@
           </a:bodyPr>
           <a:lstStyle/>
           <a:p>
-            <a:pPr lvl="1"/>
-            <a:endParaRPr lang="en-US" dirty="0"/>
-          </a:p>
-        </p:txBody>
-      </p:sp>
+            <a:r>
+              <a:rPr lang="en-US" dirty="0"/>
+              <a:t>MCUs selection: </a:t>
+            </a:r>
+            <a:r>
+              <a:rPr lang="en-US" b="1" dirty="0"/>
+              <a:t>ESP32-WROVER</a:t>
+            </a:r>
+          </a:p>
+        </p:txBody>
+      </p:sp>
+      <p:pic>
+        <p:nvPicPr>
+          <p:cNvPr id="4" name="Picture 3">
+            <a:extLst>
+              <a:ext uri="{FF2B5EF4-FFF2-40B4-BE49-F238E27FC236}">
+                <a16:creationId xmlns:a16="http://schemas.microsoft.com/office/drawing/2014/main" id="{0ABE55F2-CA36-C665-D45D-B43363993AEE}"/>
+              </a:ext>
+            </a:extLst>
+          </p:cNvPr>
+          <p:cNvPicPr>
+            <a:picLocks noChangeAspect="1"/>
+          </p:cNvPicPr>
+          <p:nvPr/>
+        </p:nvPicPr>
+        <p:blipFill>
+          <a:blip r:embed="rId3"/>
+          <a:stretch>
+            <a:fillRect/>
+          </a:stretch>
+        </p:blipFill>
+        <p:spPr>
+          <a:xfrm>
+            <a:off x="2627939" y="1129349"/>
+            <a:ext cx="7568804" cy="4857263"/>
+          </a:xfrm>
+          <a:prstGeom prst="rect">
+            <a:avLst/>
+          </a:prstGeom>
+        </p:spPr>
+      </p:pic>
+      <p:cxnSp>
+        <p:nvCxnSpPr>
+          <p:cNvPr id="6" name="Straight Arrow Connector 5">
+            <a:extLst>
+              <a:ext uri="{FF2B5EF4-FFF2-40B4-BE49-F238E27FC236}">
+                <a16:creationId xmlns:a16="http://schemas.microsoft.com/office/drawing/2014/main" id="{C0F52E19-6DE4-A82B-2CAD-442C6888FCBE}"/>
+              </a:ext>
+            </a:extLst>
+          </p:cNvPr>
+          <p:cNvCxnSpPr/>
+          <p:nvPr/>
+        </p:nvCxnSpPr>
+        <p:spPr>
+          <a:xfrm>
+            <a:off x="838200" y="2013217"/>
+            <a:ext cx="1267225" cy="0"/>
+          </a:xfrm>
+          <a:prstGeom prst="straightConnector1">
+            <a:avLst/>
+          </a:prstGeom>
+          <a:ln>
+            <a:solidFill>
+              <a:srgbClr val="FF0000"/>
+            </a:solidFill>
+            <a:tailEnd type="triangle"/>
+          </a:ln>
+        </p:spPr>
+        <p:style>
+          <a:lnRef idx="2">
+            <a:schemeClr val="accent1"/>
+          </a:lnRef>
+          <a:fillRef idx="0">
+            <a:schemeClr val="accent1"/>
+          </a:fillRef>
+          <a:effectRef idx="1">
+            <a:schemeClr val="accent1"/>
+          </a:effectRef>
+          <a:fontRef idx="minor">
+            <a:schemeClr val="tx1"/>
+          </a:fontRef>
+        </p:style>
+      </p:cxnSp>
+      <p:cxnSp>
+        <p:nvCxnSpPr>
+          <p:cNvPr id="7" name="Straight Arrow Connector 6">
+            <a:extLst>
+              <a:ext uri="{FF2B5EF4-FFF2-40B4-BE49-F238E27FC236}">
+                <a16:creationId xmlns:a16="http://schemas.microsoft.com/office/drawing/2014/main" id="{08359FB8-BC2D-0ECB-62F9-FE66CDFE84EC}"/>
+              </a:ext>
+            </a:extLst>
+          </p:cNvPr>
+          <p:cNvCxnSpPr/>
+          <p:nvPr/>
+        </p:nvCxnSpPr>
+        <p:spPr>
+          <a:xfrm>
+            <a:off x="899672" y="4048205"/>
+            <a:ext cx="1267225" cy="0"/>
+          </a:xfrm>
+          <a:prstGeom prst="straightConnector1">
+            <a:avLst/>
+          </a:prstGeom>
+          <a:ln>
+            <a:solidFill>
+              <a:srgbClr val="FF0000"/>
+            </a:solidFill>
+            <a:tailEnd type="triangle"/>
+          </a:ln>
+        </p:spPr>
+        <p:style>
+          <a:lnRef idx="2">
+            <a:schemeClr val="accent1"/>
+          </a:lnRef>
+          <a:fillRef idx="0">
+            <a:schemeClr val="accent1"/>
+          </a:fillRef>
+          <a:effectRef idx="1">
+            <a:schemeClr val="accent1"/>
+          </a:effectRef>
+          <a:fontRef idx="minor">
+            <a:schemeClr val="tx1"/>
+          </a:fontRef>
+        </p:style>
+      </p:cxnSp>
     </p:spTree>
     <p:extLst>
       <p:ext uri="{BB962C8B-B14F-4D97-AF65-F5344CB8AC3E}">
-        <p14:creationId xmlns:p14="http://schemas.microsoft.com/office/powerpoint/2010/main" val="3398269056"/>
+        <p14:creationId xmlns:p14="http://schemas.microsoft.com/office/powerpoint/2010/main" val="2317202704"/>
       </p:ext>
     </p:extLst>
   </p:cSld>
@@ -5459,52 +6569,80 @@
           </a:xfrm>
         </p:spPr>
         <p:txBody>
-          <a:bodyPr/>
+          <a:bodyPr>
+            <a:normAutofit/>
+          </a:bodyPr>
           <a:lstStyle/>
           <a:p>
             <a:r>
               <a:rPr lang="en-US" dirty="0"/>
-              <a:t>A Systematic Literature Review on Distributed Machine Learning in Edge Computing</a:t>
-            </a:r>
+              <a:t>Machine Learning Tasks:</a:t>
+            </a:r>
+            <a:endParaRPr lang="en-US" b="1" dirty="0"/>
           </a:p>
           <a:p>
             <a:pPr lvl="1"/>
             <a:r>
               <a:rPr lang="en-US" dirty="0"/>
-              <a:t>Table 8. EI frameworks</a:t>
-            </a:r>
-          </a:p>
-          <a:p>
+              <a:t>Phase 1 (preloaded dataset)</a:t>
+            </a:r>
+          </a:p>
+          <a:p>
+            <a:pPr lvl="2"/>
+            <a:r>
+              <a:rPr lang="en-US" dirty="0"/>
+              <a:t>Simulating real-world data distribution</a:t>
+            </a:r>
+          </a:p>
+          <a:p>
+            <a:pPr lvl="2"/>
+            <a:r>
+              <a:rPr lang="en-US" dirty="0"/>
+              <a:t>Same Pre-built models on 3 devices</a:t>
+            </a:r>
+          </a:p>
+          <a:p>
+            <a:pPr lvl="2"/>
+            <a:r>
+              <a:rPr lang="en-US" dirty="0"/>
+              <a:t>Existing frameworks: TensorFlow Lite, </a:t>
+            </a:r>
+            <a:r>
+              <a:rPr lang="en-US" dirty="0" err="1"/>
+              <a:t>MicroML</a:t>
+            </a:r>
+            <a:r>
+              <a:rPr lang="en-US" dirty="0"/>
+              <a:t>, …</a:t>
+            </a:r>
+          </a:p>
+          <a:p>
+            <a:pPr lvl="2"/>
+            <a:r>
+              <a:rPr lang="en-US" dirty="0"/>
+              <a:t> </a:t>
+            </a:r>
+          </a:p>
+          <a:p>
+            <a:pPr lvl="1"/>
             <a:endParaRPr lang="en-US" dirty="0"/>
           </a:p>
           <a:p>
+            <a:pPr lvl="1"/>
             <a:r>
               <a:rPr lang="en-US" dirty="0"/>
-              <a:t>If applicable, decentralized learning frameworks</a:t>
-            </a:r>
-          </a:p>
-          <a:p>
-            <a:endParaRPr lang="en-US" dirty="0"/>
-          </a:p>
-          <a:p>
+              <a:t>Phase 2 (real-world application)</a:t>
+            </a:r>
+          </a:p>
+          <a:p>
+            <a:pPr lvl="2"/>
             <a:r>
               <a:rPr lang="en-US" dirty="0"/>
-              <a:t>SWARM LEARNING: A SURVEY OF CONCEPTS, APPLICATIONS, AND TRENDS</a:t>
-            </a:r>
-          </a:p>
-          <a:p>
-            <a:endParaRPr lang="en-US" dirty="0"/>
-          </a:p>
-          <a:p>
-            <a:r>
-              <a:rPr lang="en-US" dirty="0"/>
-              <a:t>Maybe MCUs network</a:t>
-            </a:r>
-          </a:p>
-          <a:p>
-            <a:endParaRPr lang="en-US" dirty="0"/>
-          </a:p>
-          <a:p>
+              <a:t>Sensors integration: Collecting data from each device</a:t>
+            </a:r>
+          </a:p>
+          <a:p>
+            <a:pPr lvl="2"/>
             <a:endParaRPr lang="en-US" dirty="0"/>
           </a:p>
         </p:txBody>
@@ -5512,7 +6650,7 @@
     </p:spTree>
     <p:extLst>
       <p:ext uri="{BB962C8B-B14F-4D97-AF65-F5344CB8AC3E}">
-        <p14:creationId xmlns:p14="http://schemas.microsoft.com/office/powerpoint/2010/main" val="2501699650"/>
+        <p14:creationId xmlns:p14="http://schemas.microsoft.com/office/powerpoint/2010/main" val="3398269056"/>
       </p:ext>
     </p:extLst>
   </p:cSld>
@@ -5567,42 +6705,6 @@
           </a:bodyPr>
           <a:lstStyle/>
           <a:p>
-            <a:r>
-              <a:rPr lang="en-US" dirty="0"/>
-              <a:t>System Requirements</a:t>
-            </a:r>
-          </a:p>
-          <a:p>
-            <a:pPr lvl="1"/>
-            <a:r>
-              <a:rPr lang="en-US" dirty="0"/>
-              <a:t>Data type</a:t>
-            </a:r>
-          </a:p>
-          <a:p>
-            <a:pPr lvl="1"/>
-            <a:r>
-              <a:rPr lang="en-US" dirty="0"/>
-              <a:t>Power </a:t>
-            </a:r>
-          </a:p>
-          <a:p>
-            <a:pPr lvl="1"/>
-            <a:r>
-              <a:rPr lang="en-US" dirty="0"/>
-              <a:t>Communication: distances, obstacles</a:t>
-            </a:r>
-          </a:p>
-          <a:p>
-            <a:pPr lvl="1"/>
-            <a:endParaRPr lang="en-US" dirty="0"/>
-          </a:p>
-          <a:p>
-            <a:pPr lvl="1"/>
-            <a:endParaRPr lang="en-US" dirty="0"/>
-          </a:p>
-          <a:p>
-            <a:pPr lvl="1"/>
             <a:endParaRPr lang="en-US" dirty="0"/>
           </a:p>
         </p:txBody>
@@ -5610,7 +6712,7 @@
     </p:spTree>
     <p:extLst>
       <p:ext uri="{BB962C8B-B14F-4D97-AF65-F5344CB8AC3E}">
-        <p14:creationId xmlns:p14="http://schemas.microsoft.com/office/powerpoint/2010/main" val="907940795"/>
+        <p14:creationId xmlns:p14="http://schemas.microsoft.com/office/powerpoint/2010/main" val="2571723314"/>
       </p:ext>
     </p:extLst>
   </p:cSld>
@@ -5661,143 +6763,58 @@
         </p:spPr>
         <p:txBody>
           <a:bodyPr>
-            <a:normAutofit fontScale="92500" lnSpcReduction="20000"/>
+            <a:normAutofit/>
           </a:bodyPr>
           <a:lstStyle/>
           <a:p>
             <a:r>
+              <a:rPr lang="en-US" dirty="0" err="1"/>
+              <a:t>TinyML</a:t>
+            </a:r>
+            <a:r>
               <a:rPr lang="en-US" dirty="0"/>
-              <a:t>System Objectives?</a:t>
-            </a:r>
-          </a:p>
-          <a:p>
-            <a:r>
-              <a:rPr lang="en-US" dirty="0"/>
-              <a:t>Hardware</a:t>
-            </a:r>
-          </a:p>
-          <a:p>
-            <a:pPr lvl="1"/>
-            <a:r>
-              <a:rPr lang="en-US" dirty="0"/>
-              <a:t>AI accelerators?</a:t>
-            </a:r>
-          </a:p>
-          <a:p>
-            <a:pPr lvl="1"/>
-            <a:r>
-              <a:rPr lang="en-US" dirty="0"/>
-              <a:t>Peripheral Integration: Sensors and actuators</a:t>
-            </a:r>
-          </a:p>
-          <a:p>
-            <a:pPr lvl="1"/>
-            <a:r>
-              <a:rPr lang="en-US" dirty="0"/>
-              <a:t>Power</a:t>
-            </a:r>
-          </a:p>
-          <a:p>
-            <a:r>
-              <a:rPr lang="en-US" dirty="0"/>
-              <a:t>Decentralized Network Architecture</a:t>
-            </a:r>
-          </a:p>
-          <a:p>
-            <a:pPr lvl="1"/>
-            <a:r>
-              <a:rPr lang="en-US" dirty="0"/>
-              <a:t>Topology Design: peer-to-peer?</a:t>
-            </a:r>
-          </a:p>
-          <a:p>
-            <a:pPr lvl="1"/>
-            <a:r>
-              <a:rPr lang="en-US" dirty="0"/>
-              <a:t>Communication Protocol: Zigbee, </a:t>
-            </a:r>
-            <a:r>
-              <a:rPr lang="en-US" dirty="0" err="1"/>
-              <a:t>bluetooth</a:t>
-            </a:r>
-            <a:r>
-              <a:rPr lang="en-US" dirty="0"/>
-              <a:t>, LoRa</a:t>
-            </a:r>
-          </a:p>
-          <a:p>
-            <a:r>
-              <a:rPr lang="en-US" dirty="0"/>
-              <a:t>AI and Swarm Learning Components</a:t>
-            </a:r>
-          </a:p>
-          <a:p>
-            <a:pPr lvl="1"/>
-            <a:r>
-              <a:rPr lang="en-US" dirty="0"/>
-              <a:t>AI Model Development: Pruning, Quantization, model compression,…</a:t>
-            </a:r>
-          </a:p>
-          <a:p>
-            <a:pPr lvl="1"/>
-            <a:r>
-              <a:rPr lang="en-US" dirty="0"/>
-              <a:t>Local Learning</a:t>
-            </a:r>
-          </a:p>
-          <a:p>
-            <a:pPr lvl="1"/>
-            <a:r>
-              <a:rPr lang="en-US" dirty="0"/>
-              <a:t>Model Sharing Mechanism</a:t>
-            </a:r>
-          </a:p>
-          <a:p>
-            <a:pPr lvl="1"/>
-            <a:r>
-              <a:rPr lang="en-US" dirty="0"/>
-              <a:t>Blockchain protocol</a:t>
-            </a:r>
-          </a:p>
-          <a:p>
-            <a:r>
-              <a:rPr lang="en-US" dirty="0"/>
-              <a:t>Software Development</a:t>
-            </a:r>
-          </a:p>
-          <a:p>
-            <a:pPr lvl="1"/>
-            <a:r>
-              <a:rPr lang="en-US" dirty="0"/>
-              <a:t>Firmware Development: data collection, local processing, and communication</a:t>
-            </a:r>
-          </a:p>
-          <a:p>
-            <a:pPr lvl="1"/>
-            <a:r>
-              <a:rPr lang="en-US" dirty="0"/>
-              <a:t>Swarm Intelligence Algorithms: collaboration and adaptation</a:t>
-            </a:r>
-          </a:p>
-          <a:p>
-            <a:pPr lvl="1"/>
-            <a:r>
-              <a:rPr lang="en-US" dirty="0"/>
-              <a:t> </a:t>
+              <a:t> Frameworks:</a:t>
             </a:r>
           </a:p>
           <a:p>
             <a:endParaRPr lang="en-US" dirty="0"/>
           </a:p>
-          <a:p>
-            <a:endParaRPr lang="en-US" dirty="0"/>
-          </a:p>
-        </p:txBody>
-      </p:sp>
+        </p:txBody>
+      </p:sp>
+      <p:pic>
+        <p:nvPicPr>
+          <p:cNvPr id="4" name="Picture 3">
+            <a:extLst>
+              <a:ext uri="{FF2B5EF4-FFF2-40B4-BE49-F238E27FC236}">
+                <a16:creationId xmlns:a16="http://schemas.microsoft.com/office/drawing/2014/main" id="{2EC6B075-F485-3894-172B-CADECD840065}"/>
+              </a:ext>
+            </a:extLst>
+          </p:cNvPr>
+          <p:cNvPicPr>
+            <a:picLocks noChangeAspect="1"/>
+          </p:cNvPicPr>
+          <p:nvPr/>
+        </p:nvPicPr>
+        <p:blipFill>
+          <a:blip r:embed="rId3"/>
+          <a:stretch>
+            <a:fillRect/>
+          </a:stretch>
+        </p:blipFill>
+        <p:spPr>
+          <a:xfrm>
+            <a:off x="3100160" y="1009663"/>
+            <a:ext cx="5810667" cy="5685796"/>
+          </a:xfrm>
+          <a:prstGeom prst="rect">
+            <a:avLst/>
+          </a:prstGeom>
+        </p:spPr>
+      </p:pic>
     </p:spTree>
     <p:extLst>
       <p:ext uri="{BB962C8B-B14F-4D97-AF65-F5344CB8AC3E}">
-        <p14:creationId xmlns:p14="http://schemas.microsoft.com/office/powerpoint/2010/main" val="3208453838"/>
+        <p14:creationId xmlns:p14="http://schemas.microsoft.com/office/powerpoint/2010/main" val="3091167442"/>
       </p:ext>
     </p:extLst>
   </p:cSld>
@@ -5852,7 +6869,6 @@
           </a:bodyPr>
           <a:lstStyle/>
           <a:p>
-            <a:pPr lvl="1"/>
             <a:endParaRPr lang="en-US" dirty="0"/>
           </a:p>
         </p:txBody>
@@ -5860,7 +6876,7 @@
     </p:spTree>
     <p:extLst>
       <p:ext uri="{BB962C8B-B14F-4D97-AF65-F5344CB8AC3E}">
-        <p14:creationId xmlns:p14="http://schemas.microsoft.com/office/powerpoint/2010/main" val="3091167442"/>
+        <p14:creationId xmlns:p14="http://schemas.microsoft.com/office/powerpoint/2010/main" val="933520890"/>
       </p:ext>
     </p:extLst>
   </p:cSld>
@@ -5915,7 +6931,6 @@
           </a:bodyPr>
           <a:lstStyle/>
           <a:p>
-            <a:pPr lvl="1"/>
             <a:endParaRPr lang="en-US" dirty="0"/>
           </a:p>
         </p:txBody>
@@ -5923,7 +6938,7 @@
     </p:spTree>
     <p:extLst>
       <p:ext uri="{BB962C8B-B14F-4D97-AF65-F5344CB8AC3E}">
-        <p14:creationId xmlns:p14="http://schemas.microsoft.com/office/powerpoint/2010/main" val="1331093012"/>
+        <p14:creationId xmlns:p14="http://schemas.microsoft.com/office/powerpoint/2010/main" val="4114501980"/>
       </p:ext>
     </p:extLst>
   </p:cSld>
@@ -5978,7 +6993,6 @@
           </a:bodyPr>
           <a:lstStyle/>
           <a:p>
-            <a:pPr lvl="1"/>
             <a:endParaRPr lang="en-US" dirty="0"/>
           </a:p>
         </p:txBody>
@@ -5986,7 +7000,208 @@
     </p:spTree>
     <p:extLst>
       <p:ext uri="{BB962C8B-B14F-4D97-AF65-F5344CB8AC3E}">
-        <p14:creationId xmlns:p14="http://schemas.microsoft.com/office/powerpoint/2010/main" val="2742090806"/>
+        <p14:creationId xmlns:p14="http://schemas.microsoft.com/office/powerpoint/2010/main" val="2223589013"/>
+      </p:ext>
+    </p:extLst>
+  </p:cSld>
+  <p:clrMapOvr>
+    <a:masterClrMapping/>
+  </p:clrMapOvr>
+</p:sld>
+</file>
+
+<file path=ppt/slides/slide18.xml><?xml version="1.0" encoding="utf-8"?>
+<p:sld xmlns:a="http://schemas.openxmlformats.org/drawingml/2006/main" xmlns:r="http://schemas.openxmlformats.org/officeDocument/2006/relationships" xmlns:p="http://schemas.openxmlformats.org/presentationml/2006/main">
+  <p:cSld>
+    <p:spTree>
+      <p:nvGrpSpPr>
+        <p:cNvPr id="1" name=""/>
+        <p:cNvGrpSpPr/>
+        <p:nvPr/>
+      </p:nvGrpSpPr>
+      <p:grpSpPr>
+        <a:xfrm>
+          <a:off x="0" y="0"/>
+          <a:ext cx="0" cy="0"/>
+          <a:chOff x="0" y="0"/>
+          <a:chExt cx="0" cy="0"/>
+        </a:xfrm>
+      </p:grpSpPr>
+      <p:sp>
+        <p:nvSpPr>
+          <p:cNvPr id="3" name="Content Placeholder 2">
+            <a:extLst>
+              <a:ext uri="{FF2B5EF4-FFF2-40B4-BE49-F238E27FC236}">
+                <a16:creationId xmlns:a16="http://schemas.microsoft.com/office/drawing/2014/main" id="{85E36873-996E-DE0C-2F0B-9B5EEA8AA4E6}"/>
+              </a:ext>
+            </a:extLst>
+          </p:cNvPr>
+          <p:cNvSpPr>
+            <a:spLocks noGrp="1"/>
+          </p:cNvSpPr>
+          <p:nvPr>
+            <p:ph idx="1"/>
+          </p:nvPr>
+        </p:nvSpPr>
+        <p:spPr>
+          <a:xfrm>
+            <a:off x="838200" y="479502"/>
+            <a:ext cx="10515600" cy="5697461"/>
+          </a:xfrm>
+        </p:spPr>
+        <p:txBody>
+          <a:bodyPr/>
+          <a:lstStyle/>
+          <a:p>
+            <a:r>
+              <a:rPr lang="en-US" dirty="0"/>
+              <a:t>A Systematic Literature Review on Distributed Machine Learning in Edge Computing</a:t>
+            </a:r>
+          </a:p>
+          <a:p>
+            <a:pPr lvl="1"/>
+            <a:r>
+              <a:rPr lang="en-US" dirty="0"/>
+              <a:t>Table 8. EI frameworks</a:t>
+            </a:r>
+          </a:p>
+          <a:p>
+            <a:endParaRPr lang="en-US" dirty="0"/>
+          </a:p>
+          <a:p>
+            <a:r>
+              <a:rPr lang="en-US" dirty="0"/>
+              <a:t>If applicable, decentralized learning frameworks</a:t>
+            </a:r>
+          </a:p>
+          <a:p>
+            <a:endParaRPr lang="en-US" dirty="0"/>
+          </a:p>
+          <a:p>
+            <a:r>
+              <a:rPr lang="en-US" dirty="0"/>
+              <a:t>SWARM LEARNING: A SURVEY OF CONCEPTS, APPLICATIONS, AND TRENDS</a:t>
+            </a:r>
+          </a:p>
+          <a:p>
+            <a:endParaRPr lang="en-US" dirty="0"/>
+          </a:p>
+          <a:p>
+            <a:r>
+              <a:rPr lang="en-US" dirty="0"/>
+              <a:t>Maybe MCUs network</a:t>
+            </a:r>
+          </a:p>
+          <a:p>
+            <a:endParaRPr lang="en-US" dirty="0"/>
+          </a:p>
+          <a:p>
+            <a:endParaRPr lang="en-US" dirty="0"/>
+          </a:p>
+        </p:txBody>
+      </p:sp>
+    </p:spTree>
+    <p:extLst>
+      <p:ext uri="{BB962C8B-B14F-4D97-AF65-F5344CB8AC3E}">
+        <p14:creationId xmlns:p14="http://schemas.microsoft.com/office/powerpoint/2010/main" val="2501699650"/>
+      </p:ext>
+    </p:extLst>
+  </p:cSld>
+  <p:clrMapOvr>
+    <a:masterClrMapping/>
+  </p:clrMapOvr>
+</p:sld>
+</file>
+
+<file path=ppt/slides/slide19.xml><?xml version="1.0" encoding="utf-8"?>
+<p:sld xmlns:a="http://schemas.openxmlformats.org/drawingml/2006/main" xmlns:r="http://schemas.openxmlformats.org/officeDocument/2006/relationships" xmlns:p="http://schemas.openxmlformats.org/presentationml/2006/main">
+  <p:cSld>
+    <p:spTree>
+      <p:nvGrpSpPr>
+        <p:cNvPr id="1" name=""/>
+        <p:cNvGrpSpPr/>
+        <p:nvPr/>
+      </p:nvGrpSpPr>
+      <p:grpSpPr>
+        <a:xfrm>
+          <a:off x="0" y="0"/>
+          <a:ext cx="0" cy="0"/>
+          <a:chOff x="0" y="0"/>
+          <a:chExt cx="0" cy="0"/>
+        </a:xfrm>
+      </p:grpSpPr>
+      <p:sp>
+        <p:nvSpPr>
+          <p:cNvPr id="3" name="Content Placeholder 2">
+            <a:extLst>
+              <a:ext uri="{FF2B5EF4-FFF2-40B4-BE49-F238E27FC236}">
+                <a16:creationId xmlns:a16="http://schemas.microsoft.com/office/drawing/2014/main" id="{85E36873-996E-DE0C-2F0B-9B5EEA8AA4E6}"/>
+              </a:ext>
+            </a:extLst>
+          </p:cNvPr>
+          <p:cNvSpPr>
+            <a:spLocks noGrp="1"/>
+          </p:cNvSpPr>
+          <p:nvPr>
+            <p:ph idx="1"/>
+          </p:nvPr>
+        </p:nvSpPr>
+        <p:spPr>
+          <a:xfrm>
+            <a:off x="838200" y="479502"/>
+            <a:ext cx="10515600" cy="5697461"/>
+          </a:xfrm>
+        </p:spPr>
+        <p:txBody>
+          <a:bodyPr>
+            <a:normAutofit/>
+          </a:bodyPr>
+          <a:lstStyle/>
+          <a:p>
+            <a:r>
+              <a:rPr lang="en-US" dirty="0"/>
+              <a:t>System Requirements</a:t>
+            </a:r>
+          </a:p>
+          <a:p>
+            <a:pPr lvl="1"/>
+            <a:r>
+              <a:rPr lang="en-US" dirty="0"/>
+              <a:t>Data type</a:t>
+            </a:r>
+          </a:p>
+          <a:p>
+            <a:pPr lvl="1"/>
+            <a:r>
+              <a:rPr lang="en-US" dirty="0"/>
+              <a:t>Power </a:t>
+            </a:r>
+          </a:p>
+          <a:p>
+            <a:pPr lvl="1"/>
+            <a:r>
+              <a:rPr lang="en-US" dirty="0"/>
+              <a:t>Communication: distances, obstacles</a:t>
+            </a:r>
+          </a:p>
+          <a:p>
+            <a:pPr lvl="1"/>
+            <a:endParaRPr lang="en-US" dirty="0"/>
+          </a:p>
+          <a:p>
+            <a:pPr lvl="1"/>
+            <a:endParaRPr lang="en-US" dirty="0"/>
+          </a:p>
+          <a:p>
+            <a:pPr lvl="1"/>
+            <a:endParaRPr lang="en-US" dirty="0"/>
+          </a:p>
+        </p:txBody>
+      </p:sp>
+    </p:spTree>
+    <p:extLst>
+      <p:ext uri="{BB962C8B-B14F-4D97-AF65-F5344CB8AC3E}">
+        <p14:creationId xmlns:p14="http://schemas.microsoft.com/office/powerpoint/2010/main" val="907940795"/>
       </p:ext>
     </p:extLst>
   </p:cSld>
@@ -7137,6 +8352,690 @@
     <p:extLst>
       <p:ext uri="{BB962C8B-B14F-4D97-AF65-F5344CB8AC3E}">
         <p14:creationId xmlns:p14="http://schemas.microsoft.com/office/powerpoint/2010/main" val="675559522"/>
+      </p:ext>
+    </p:extLst>
+  </p:cSld>
+  <p:clrMapOvr>
+    <a:masterClrMapping/>
+  </p:clrMapOvr>
+</p:sld>
+</file>
+
+<file path=ppt/slides/slide20.xml><?xml version="1.0" encoding="utf-8"?>
+<p:sld xmlns:a="http://schemas.openxmlformats.org/drawingml/2006/main" xmlns:r="http://schemas.openxmlformats.org/officeDocument/2006/relationships" xmlns:p="http://schemas.openxmlformats.org/presentationml/2006/main">
+  <p:cSld>
+    <p:spTree>
+      <p:nvGrpSpPr>
+        <p:cNvPr id="1" name=""/>
+        <p:cNvGrpSpPr/>
+        <p:nvPr/>
+      </p:nvGrpSpPr>
+      <p:grpSpPr>
+        <a:xfrm>
+          <a:off x="0" y="0"/>
+          <a:ext cx="0" cy="0"/>
+          <a:chOff x="0" y="0"/>
+          <a:chExt cx="0" cy="0"/>
+        </a:xfrm>
+      </p:grpSpPr>
+      <p:sp>
+        <p:nvSpPr>
+          <p:cNvPr id="3" name="Content Placeholder 2">
+            <a:extLst>
+              <a:ext uri="{FF2B5EF4-FFF2-40B4-BE49-F238E27FC236}">
+                <a16:creationId xmlns:a16="http://schemas.microsoft.com/office/drawing/2014/main" id="{85E36873-996E-DE0C-2F0B-9B5EEA8AA4E6}"/>
+              </a:ext>
+            </a:extLst>
+          </p:cNvPr>
+          <p:cNvSpPr>
+            <a:spLocks noGrp="1"/>
+          </p:cNvSpPr>
+          <p:nvPr>
+            <p:ph idx="1"/>
+          </p:nvPr>
+        </p:nvSpPr>
+        <p:spPr>
+          <a:xfrm>
+            <a:off x="838200" y="479502"/>
+            <a:ext cx="10515600" cy="5697461"/>
+          </a:xfrm>
+        </p:spPr>
+        <p:txBody>
+          <a:bodyPr>
+            <a:normAutofit fontScale="92500" lnSpcReduction="20000"/>
+          </a:bodyPr>
+          <a:lstStyle/>
+          <a:p>
+            <a:r>
+              <a:rPr lang="en-US" dirty="0"/>
+              <a:t>System Objectives?</a:t>
+            </a:r>
+          </a:p>
+          <a:p>
+            <a:r>
+              <a:rPr lang="en-US" dirty="0"/>
+              <a:t>Hardware</a:t>
+            </a:r>
+          </a:p>
+          <a:p>
+            <a:pPr lvl="1"/>
+            <a:r>
+              <a:rPr lang="en-US" dirty="0"/>
+              <a:t>AI accelerators?</a:t>
+            </a:r>
+          </a:p>
+          <a:p>
+            <a:pPr lvl="1"/>
+            <a:r>
+              <a:rPr lang="en-US" dirty="0"/>
+              <a:t>Peripheral Integration: Sensors and actuators</a:t>
+            </a:r>
+          </a:p>
+          <a:p>
+            <a:pPr lvl="1"/>
+            <a:r>
+              <a:rPr lang="en-US" dirty="0"/>
+              <a:t>Power</a:t>
+            </a:r>
+          </a:p>
+          <a:p>
+            <a:r>
+              <a:rPr lang="en-US" dirty="0"/>
+              <a:t>Decentralized Network Architecture</a:t>
+            </a:r>
+          </a:p>
+          <a:p>
+            <a:pPr lvl="1"/>
+            <a:r>
+              <a:rPr lang="en-US" dirty="0"/>
+              <a:t>Topology Design: peer-to-peer?</a:t>
+            </a:r>
+          </a:p>
+          <a:p>
+            <a:pPr lvl="1"/>
+            <a:r>
+              <a:rPr lang="en-US" dirty="0"/>
+              <a:t>Communication Protocol: Zigbee, </a:t>
+            </a:r>
+            <a:r>
+              <a:rPr lang="en-US" dirty="0" err="1"/>
+              <a:t>bluetooth</a:t>
+            </a:r>
+            <a:r>
+              <a:rPr lang="en-US" dirty="0"/>
+              <a:t>, LoRa</a:t>
+            </a:r>
+          </a:p>
+          <a:p>
+            <a:r>
+              <a:rPr lang="en-US" dirty="0"/>
+              <a:t>AI and Swarm Learning Components</a:t>
+            </a:r>
+          </a:p>
+          <a:p>
+            <a:pPr lvl="1"/>
+            <a:r>
+              <a:rPr lang="en-US" dirty="0"/>
+              <a:t>AI Model Development: Pruning, Quantization, model compression,…</a:t>
+            </a:r>
+          </a:p>
+          <a:p>
+            <a:pPr lvl="1"/>
+            <a:r>
+              <a:rPr lang="en-US" dirty="0"/>
+              <a:t>Local Learning</a:t>
+            </a:r>
+          </a:p>
+          <a:p>
+            <a:pPr lvl="1"/>
+            <a:r>
+              <a:rPr lang="en-US" dirty="0"/>
+              <a:t>Model Sharing Mechanism</a:t>
+            </a:r>
+          </a:p>
+          <a:p>
+            <a:pPr lvl="1"/>
+            <a:r>
+              <a:rPr lang="en-US" dirty="0"/>
+              <a:t>Blockchain protocol</a:t>
+            </a:r>
+          </a:p>
+          <a:p>
+            <a:r>
+              <a:rPr lang="en-US" dirty="0"/>
+              <a:t>Software Development</a:t>
+            </a:r>
+          </a:p>
+          <a:p>
+            <a:pPr lvl="1"/>
+            <a:r>
+              <a:rPr lang="en-US" dirty="0"/>
+              <a:t>Firmware Development: data collection, local processing, and communication</a:t>
+            </a:r>
+          </a:p>
+          <a:p>
+            <a:pPr lvl="1"/>
+            <a:r>
+              <a:rPr lang="en-US" dirty="0"/>
+              <a:t>Swarm Intelligence Algorithms: collaboration and adaptation</a:t>
+            </a:r>
+          </a:p>
+          <a:p>
+            <a:pPr lvl="1"/>
+            <a:r>
+              <a:rPr lang="en-US" dirty="0"/>
+              <a:t> </a:t>
+            </a:r>
+          </a:p>
+          <a:p>
+            <a:endParaRPr lang="en-US" dirty="0"/>
+          </a:p>
+          <a:p>
+            <a:endParaRPr lang="en-US" dirty="0"/>
+          </a:p>
+        </p:txBody>
+      </p:sp>
+    </p:spTree>
+    <p:extLst>
+      <p:ext uri="{BB962C8B-B14F-4D97-AF65-F5344CB8AC3E}">
+        <p14:creationId xmlns:p14="http://schemas.microsoft.com/office/powerpoint/2010/main" val="3208453838"/>
+      </p:ext>
+    </p:extLst>
+  </p:cSld>
+  <p:clrMapOvr>
+    <a:masterClrMapping/>
+  </p:clrMapOvr>
+</p:sld>
+</file>
+
+<file path=ppt/slides/slide21.xml><?xml version="1.0" encoding="utf-8"?>
+<p:sld xmlns:a="http://schemas.openxmlformats.org/drawingml/2006/main" xmlns:r="http://schemas.openxmlformats.org/officeDocument/2006/relationships" xmlns:p="http://schemas.openxmlformats.org/presentationml/2006/main">
+  <p:cSld>
+    <p:spTree>
+      <p:nvGrpSpPr>
+        <p:cNvPr id="1" name=""/>
+        <p:cNvGrpSpPr/>
+        <p:nvPr/>
+      </p:nvGrpSpPr>
+      <p:grpSpPr>
+        <a:xfrm>
+          <a:off x="0" y="0"/>
+          <a:ext cx="0" cy="0"/>
+          <a:chOff x="0" y="0"/>
+          <a:chExt cx="0" cy="0"/>
+        </a:xfrm>
+      </p:grpSpPr>
+      <p:sp>
+        <p:nvSpPr>
+          <p:cNvPr id="3" name="Content Placeholder 2">
+            <a:extLst>
+              <a:ext uri="{FF2B5EF4-FFF2-40B4-BE49-F238E27FC236}">
+                <a16:creationId xmlns:a16="http://schemas.microsoft.com/office/drawing/2014/main" id="{85E36873-996E-DE0C-2F0B-9B5EEA8AA4E6}"/>
+              </a:ext>
+            </a:extLst>
+          </p:cNvPr>
+          <p:cNvSpPr>
+            <a:spLocks noGrp="1"/>
+          </p:cNvSpPr>
+          <p:nvPr>
+            <p:ph idx="1"/>
+          </p:nvPr>
+        </p:nvSpPr>
+        <p:spPr>
+          <a:xfrm>
+            <a:off x="838200" y="479502"/>
+            <a:ext cx="10515600" cy="5697461"/>
+          </a:xfrm>
+        </p:spPr>
+        <p:txBody>
+          <a:bodyPr>
+            <a:normAutofit/>
+          </a:bodyPr>
+          <a:lstStyle/>
+          <a:p>
+            <a:pPr lvl="1"/>
+            <a:endParaRPr lang="en-US" dirty="0"/>
+          </a:p>
+        </p:txBody>
+      </p:sp>
+    </p:spTree>
+    <p:extLst>
+      <p:ext uri="{BB962C8B-B14F-4D97-AF65-F5344CB8AC3E}">
+        <p14:creationId xmlns:p14="http://schemas.microsoft.com/office/powerpoint/2010/main" val="1331093012"/>
+      </p:ext>
+    </p:extLst>
+  </p:cSld>
+  <p:clrMapOvr>
+    <a:masterClrMapping/>
+  </p:clrMapOvr>
+</p:sld>
+</file>
+
+<file path=ppt/slides/slide22.xml><?xml version="1.0" encoding="utf-8"?>
+<p:sld xmlns:a="http://schemas.openxmlformats.org/drawingml/2006/main" xmlns:r="http://schemas.openxmlformats.org/officeDocument/2006/relationships" xmlns:p="http://schemas.openxmlformats.org/presentationml/2006/main">
+  <p:cSld>
+    <p:spTree>
+      <p:nvGrpSpPr>
+        <p:cNvPr id="1" name=""/>
+        <p:cNvGrpSpPr/>
+        <p:nvPr/>
+      </p:nvGrpSpPr>
+      <p:grpSpPr>
+        <a:xfrm>
+          <a:off x="0" y="0"/>
+          <a:ext cx="0" cy="0"/>
+          <a:chOff x="0" y="0"/>
+          <a:chExt cx="0" cy="0"/>
+        </a:xfrm>
+      </p:grpSpPr>
+      <p:sp>
+        <p:nvSpPr>
+          <p:cNvPr id="3" name="Content Placeholder 2">
+            <a:extLst>
+              <a:ext uri="{FF2B5EF4-FFF2-40B4-BE49-F238E27FC236}">
+                <a16:creationId xmlns:a16="http://schemas.microsoft.com/office/drawing/2014/main" id="{85E36873-996E-DE0C-2F0B-9B5EEA8AA4E6}"/>
+              </a:ext>
+            </a:extLst>
+          </p:cNvPr>
+          <p:cNvSpPr>
+            <a:spLocks noGrp="1"/>
+          </p:cNvSpPr>
+          <p:nvPr>
+            <p:ph idx="1"/>
+          </p:nvPr>
+        </p:nvSpPr>
+        <p:spPr>
+          <a:xfrm>
+            <a:off x="838200" y="479502"/>
+            <a:ext cx="10515600" cy="5697461"/>
+          </a:xfrm>
+        </p:spPr>
+        <p:txBody>
+          <a:bodyPr>
+            <a:normAutofit/>
+          </a:bodyPr>
+          <a:lstStyle/>
+          <a:p>
+            <a:endParaRPr lang="en-US" dirty="0"/>
+          </a:p>
+        </p:txBody>
+      </p:sp>
+    </p:spTree>
+    <p:extLst>
+      <p:ext uri="{BB962C8B-B14F-4D97-AF65-F5344CB8AC3E}">
+        <p14:creationId xmlns:p14="http://schemas.microsoft.com/office/powerpoint/2010/main" val="2742090806"/>
+      </p:ext>
+    </p:extLst>
+  </p:cSld>
+  <p:clrMapOvr>
+    <a:masterClrMapping/>
+  </p:clrMapOvr>
+</p:sld>
+</file>
+
+<file path=ppt/slides/slide23.xml><?xml version="1.0" encoding="utf-8"?>
+<p:sld xmlns:a="http://schemas.openxmlformats.org/drawingml/2006/main" xmlns:r="http://schemas.openxmlformats.org/officeDocument/2006/relationships" xmlns:p="http://schemas.openxmlformats.org/presentationml/2006/main">
+  <p:cSld>
+    <p:spTree>
+      <p:nvGrpSpPr>
+        <p:cNvPr id="1" name=""/>
+        <p:cNvGrpSpPr/>
+        <p:nvPr/>
+      </p:nvGrpSpPr>
+      <p:grpSpPr>
+        <a:xfrm>
+          <a:off x="0" y="0"/>
+          <a:ext cx="0" cy="0"/>
+          <a:chOff x="0" y="0"/>
+          <a:chExt cx="0" cy="0"/>
+        </a:xfrm>
+      </p:grpSpPr>
+      <p:sp>
+        <p:nvSpPr>
+          <p:cNvPr id="3" name="Content Placeholder 2">
+            <a:extLst>
+              <a:ext uri="{FF2B5EF4-FFF2-40B4-BE49-F238E27FC236}">
+                <a16:creationId xmlns:a16="http://schemas.microsoft.com/office/drawing/2014/main" id="{85E36873-996E-DE0C-2F0B-9B5EEA8AA4E6}"/>
+              </a:ext>
+            </a:extLst>
+          </p:cNvPr>
+          <p:cNvSpPr>
+            <a:spLocks noGrp="1"/>
+          </p:cNvSpPr>
+          <p:nvPr>
+            <p:ph idx="1"/>
+          </p:nvPr>
+        </p:nvSpPr>
+        <p:spPr>
+          <a:xfrm>
+            <a:off x="838200" y="479502"/>
+            <a:ext cx="10515600" cy="5697461"/>
+          </a:xfrm>
+        </p:spPr>
+        <p:txBody>
+          <a:bodyPr>
+            <a:normAutofit/>
+          </a:bodyPr>
+          <a:lstStyle/>
+          <a:p>
+            <a:endParaRPr lang="en-US" dirty="0"/>
+          </a:p>
+        </p:txBody>
+      </p:sp>
+    </p:spTree>
+    <p:extLst>
+      <p:ext uri="{BB962C8B-B14F-4D97-AF65-F5344CB8AC3E}">
+        <p14:creationId xmlns:p14="http://schemas.microsoft.com/office/powerpoint/2010/main" val="2602514514"/>
+      </p:ext>
+    </p:extLst>
+  </p:cSld>
+  <p:clrMapOvr>
+    <a:masterClrMapping/>
+  </p:clrMapOvr>
+</p:sld>
+</file>
+
+<file path=ppt/slides/slide24.xml><?xml version="1.0" encoding="utf-8"?>
+<p:sld xmlns:a="http://schemas.openxmlformats.org/drawingml/2006/main" xmlns:r="http://schemas.openxmlformats.org/officeDocument/2006/relationships" xmlns:p="http://schemas.openxmlformats.org/presentationml/2006/main">
+  <p:cSld>
+    <p:spTree>
+      <p:nvGrpSpPr>
+        <p:cNvPr id="1" name=""/>
+        <p:cNvGrpSpPr/>
+        <p:nvPr/>
+      </p:nvGrpSpPr>
+      <p:grpSpPr>
+        <a:xfrm>
+          <a:off x="0" y="0"/>
+          <a:ext cx="0" cy="0"/>
+          <a:chOff x="0" y="0"/>
+          <a:chExt cx="0" cy="0"/>
+        </a:xfrm>
+      </p:grpSpPr>
+      <p:sp>
+        <p:nvSpPr>
+          <p:cNvPr id="3" name="Content Placeholder 2">
+            <a:extLst>
+              <a:ext uri="{FF2B5EF4-FFF2-40B4-BE49-F238E27FC236}">
+                <a16:creationId xmlns:a16="http://schemas.microsoft.com/office/drawing/2014/main" id="{85E36873-996E-DE0C-2F0B-9B5EEA8AA4E6}"/>
+              </a:ext>
+            </a:extLst>
+          </p:cNvPr>
+          <p:cNvSpPr>
+            <a:spLocks noGrp="1"/>
+          </p:cNvSpPr>
+          <p:nvPr>
+            <p:ph idx="1"/>
+          </p:nvPr>
+        </p:nvSpPr>
+        <p:spPr>
+          <a:xfrm>
+            <a:off x="838200" y="479502"/>
+            <a:ext cx="10515600" cy="5697461"/>
+          </a:xfrm>
+        </p:spPr>
+        <p:txBody>
+          <a:bodyPr>
+            <a:normAutofit/>
+          </a:bodyPr>
+          <a:lstStyle/>
+          <a:p>
+            <a:endParaRPr lang="en-US" dirty="0"/>
+          </a:p>
+        </p:txBody>
+      </p:sp>
+    </p:spTree>
+    <p:extLst>
+      <p:ext uri="{BB962C8B-B14F-4D97-AF65-F5344CB8AC3E}">
+        <p14:creationId xmlns:p14="http://schemas.microsoft.com/office/powerpoint/2010/main" val="1884430284"/>
+      </p:ext>
+    </p:extLst>
+  </p:cSld>
+  <p:clrMapOvr>
+    <a:masterClrMapping/>
+  </p:clrMapOvr>
+</p:sld>
+</file>
+
+<file path=ppt/slides/slide25.xml><?xml version="1.0" encoding="utf-8"?>
+<p:sld xmlns:a="http://schemas.openxmlformats.org/drawingml/2006/main" xmlns:r="http://schemas.openxmlformats.org/officeDocument/2006/relationships" xmlns:p="http://schemas.openxmlformats.org/presentationml/2006/main">
+  <p:cSld>
+    <p:spTree>
+      <p:nvGrpSpPr>
+        <p:cNvPr id="1" name=""/>
+        <p:cNvGrpSpPr/>
+        <p:nvPr/>
+      </p:nvGrpSpPr>
+      <p:grpSpPr>
+        <a:xfrm>
+          <a:off x="0" y="0"/>
+          <a:ext cx="0" cy="0"/>
+          <a:chOff x="0" y="0"/>
+          <a:chExt cx="0" cy="0"/>
+        </a:xfrm>
+      </p:grpSpPr>
+      <p:sp>
+        <p:nvSpPr>
+          <p:cNvPr id="3" name="Content Placeholder 2">
+            <a:extLst>
+              <a:ext uri="{FF2B5EF4-FFF2-40B4-BE49-F238E27FC236}">
+                <a16:creationId xmlns:a16="http://schemas.microsoft.com/office/drawing/2014/main" id="{85E36873-996E-DE0C-2F0B-9B5EEA8AA4E6}"/>
+              </a:ext>
+            </a:extLst>
+          </p:cNvPr>
+          <p:cNvSpPr>
+            <a:spLocks noGrp="1"/>
+          </p:cNvSpPr>
+          <p:nvPr>
+            <p:ph idx="1"/>
+          </p:nvPr>
+        </p:nvSpPr>
+        <p:spPr>
+          <a:xfrm>
+            <a:off x="838200" y="479502"/>
+            <a:ext cx="10515600" cy="5697461"/>
+          </a:xfrm>
+        </p:spPr>
+        <p:txBody>
+          <a:bodyPr>
+            <a:normAutofit/>
+          </a:bodyPr>
+          <a:lstStyle/>
+          <a:p>
+            <a:endParaRPr lang="en-US" dirty="0"/>
+          </a:p>
+        </p:txBody>
+      </p:sp>
+    </p:spTree>
+    <p:extLst>
+      <p:ext uri="{BB962C8B-B14F-4D97-AF65-F5344CB8AC3E}">
+        <p14:creationId xmlns:p14="http://schemas.microsoft.com/office/powerpoint/2010/main" val="2261725338"/>
+      </p:ext>
+    </p:extLst>
+  </p:cSld>
+  <p:clrMapOvr>
+    <a:masterClrMapping/>
+  </p:clrMapOvr>
+</p:sld>
+</file>
+
+<file path=ppt/slides/slide26.xml><?xml version="1.0" encoding="utf-8"?>
+<p:sld xmlns:a="http://schemas.openxmlformats.org/drawingml/2006/main" xmlns:r="http://schemas.openxmlformats.org/officeDocument/2006/relationships" xmlns:p="http://schemas.openxmlformats.org/presentationml/2006/main">
+  <p:cSld>
+    <p:spTree>
+      <p:nvGrpSpPr>
+        <p:cNvPr id="1" name=""/>
+        <p:cNvGrpSpPr/>
+        <p:nvPr/>
+      </p:nvGrpSpPr>
+      <p:grpSpPr>
+        <a:xfrm>
+          <a:off x="0" y="0"/>
+          <a:ext cx="0" cy="0"/>
+          <a:chOff x="0" y="0"/>
+          <a:chExt cx="0" cy="0"/>
+        </a:xfrm>
+      </p:grpSpPr>
+      <p:sp>
+        <p:nvSpPr>
+          <p:cNvPr id="3" name="Content Placeholder 2">
+            <a:extLst>
+              <a:ext uri="{FF2B5EF4-FFF2-40B4-BE49-F238E27FC236}">
+                <a16:creationId xmlns:a16="http://schemas.microsoft.com/office/drawing/2014/main" id="{85E36873-996E-DE0C-2F0B-9B5EEA8AA4E6}"/>
+              </a:ext>
+            </a:extLst>
+          </p:cNvPr>
+          <p:cNvSpPr>
+            <a:spLocks noGrp="1"/>
+          </p:cNvSpPr>
+          <p:nvPr>
+            <p:ph idx="1"/>
+          </p:nvPr>
+        </p:nvSpPr>
+        <p:spPr>
+          <a:xfrm>
+            <a:off x="838200" y="479502"/>
+            <a:ext cx="10515600" cy="5697461"/>
+          </a:xfrm>
+        </p:spPr>
+        <p:txBody>
+          <a:bodyPr>
+            <a:normAutofit/>
+          </a:bodyPr>
+          <a:lstStyle/>
+          <a:p>
+            <a:endParaRPr lang="en-US" dirty="0"/>
+          </a:p>
+        </p:txBody>
+      </p:sp>
+    </p:spTree>
+    <p:extLst>
+      <p:ext uri="{BB962C8B-B14F-4D97-AF65-F5344CB8AC3E}">
+        <p14:creationId xmlns:p14="http://schemas.microsoft.com/office/powerpoint/2010/main" val="935425112"/>
+      </p:ext>
+    </p:extLst>
+  </p:cSld>
+  <p:clrMapOvr>
+    <a:masterClrMapping/>
+  </p:clrMapOvr>
+</p:sld>
+</file>
+
+<file path=ppt/slides/slide27.xml><?xml version="1.0" encoding="utf-8"?>
+<p:sld xmlns:a="http://schemas.openxmlformats.org/drawingml/2006/main" xmlns:r="http://schemas.openxmlformats.org/officeDocument/2006/relationships" xmlns:p="http://schemas.openxmlformats.org/presentationml/2006/main">
+  <p:cSld>
+    <p:spTree>
+      <p:nvGrpSpPr>
+        <p:cNvPr id="1" name=""/>
+        <p:cNvGrpSpPr/>
+        <p:nvPr/>
+      </p:nvGrpSpPr>
+      <p:grpSpPr>
+        <a:xfrm>
+          <a:off x="0" y="0"/>
+          <a:ext cx="0" cy="0"/>
+          <a:chOff x="0" y="0"/>
+          <a:chExt cx="0" cy="0"/>
+        </a:xfrm>
+      </p:grpSpPr>
+      <p:sp>
+        <p:nvSpPr>
+          <p:cNvPr id="3" name="Content Placeholder 2">
+            <a:extLst>
+              <a:ext uri="{FF2B5EF4-FFF2-40B4-BE49-F238E27FC236}">
+                <a16:creationId xmlns:a16="http://schemas.microsoft.com/office/drawing/2014/main" id="{85E36873-996E-DE0C-2F0B-9B5EEA8AA4E6}"/>
+              </a:ext>
+            </a:extLst>
+          </p:cNvPr>
+          <p:cNvSpPr>
+            <a:spLocks noGrp="1"/>
+          </p:cNvSpPr>
+          <p:nvPr>
+            <p:ph idx="1"/>
+          </p:nvPr>
+        </p:nvSpPr>
+        <p:spPr>
+          <a:xfrm>
+            <a:off x="838200" y="479502"/>
+            <a:ext cx="10515600" cy="5697461"/>
+          </a:xfrm>
+        </p:spPr>
+        <p:txBody>
+          <a:bodyPr>
+            <a:normAutofit/>
+          </a:bodyPr>
+          <a:lstStyle/>
+          <a:p>
+            <a:endParaRPr lang="en-US" dirty="0"/>
+          </a:p>
+        </p:txBody>
+      </p:sp>
+    </p:spTree>
+    <p:extLst>
+      <p:ext uri="{BB962C8B-B14F-4D97-AF65-F5344CB8AC3E}">
+        <p14:creationId xmlns:p14="http://schemas.microsoft.com/office/powerpoint/2010/main" val="3867027927"/>
+      </p:ext>
+    </p:extLst>
+  </p:cSld>
+  <p:clrMapOvr>
+    <a:masterClrMapping/>
+  </p:clrMapOvr>
+</p:sld>
+</file>
+
+<file path=ppt/slides/slide28.xml><?xml version="1.0" encoding="utf-8"?>
+<p:sld xmlns:a="http://schemas.openxmlformats.org/drawingml/2006/main" xmlns:r="http://schemas.openxmlformats.org/officeDocument/2006/relationships" xmlns:p="http://schemas.openxmlformats.org/presentationml/2006/main">
+  <p:cSld>
+    <p:spTree>
+      <p:nvGrpSpPr>
+        <p:cNvPr id="1" name=""/>
+        <p:cNvGrpSpPr/>
+        <p:nvPr/>
+      </p:nvGrpSpPr>
+      <p:grpSpPr>
+        <a:xfrm>
+          <a:off x="0" y="0"/>
+          <a:ext cx="0" cy="0"/>
+          <a:chOff x="0" y="0"/>
+          <a:chExt cx="0" cy="0"/>
+        </a:xfrm>
+      </p:grpSpPr>
+      <p:sp>
+        <p:nvSpPr>
+          <p:cNvPr id="3" name="Content Placeholder 2">
+            <a:extLst>
+              <a:ext uri="{FF2B5EF4-FFF2-40B4-BE49-F238E27FC236}">
+                <a16:creationId xmlns:a16="http://schemas.microsoft.com/office/drawing/2014/main" id="{85E36873-996E-DE0C-2F0B-9B5EEA8AA4E6}"/>
+              </a:ext>
+            </a:extLst>
+          </p:cNvPr>
+          <p:cNvSpPr>
+            <a:spLocks noGrp="1"/>
+          </p:cNvSpPr>
+          <p:nvPr>
+            <p:ph idx="1"/>
+          </p:nvPr>
+        </p:nvSpPr>
+        <p:spPr>
+          <a:xfrm>
+            <a:off x="838200" y="479502"/>
+            <a:ext cx="10515600" cy="5697461"/>
+          </a:xfrm>
+        </p:spPr>
+        <p:txBody>
+          <a:bodyPr>
+            <a:normAutofit/>
+          </a:bodyPr>
+          <a:lstStyle/>
+          <a:p>
+            <a:endParaRPr lang="en-US" dirty="0"/>
+          </a:p>
+        </p:txBody>
+      </p:sp>
+    </p:spTree>
+    <p:extLst>
+      <p:ext uri="{BB962C8B-B14F-4D97-AF65-F5344CB8AC3E}">
+        <p14:creationId xmlns:p14="http://schemas.microsoft.com/office/powerpoint/2010/main" val="1667944022"/>
       </p:ext>
     </p:extLst>
   </p:cSld>
@@ -8318,7 +10217,7 @@
     </p:spTree>
     <p:extLst>
       <p:ext uri="{BB962C8B-B14F-4D97-AF65-F5344CB8AC3E}">
-        <p14:creationId xmlns:p14="http://schemas.microsoft.com/office/powerpoint/2010/main" val="4149569205"/>
+        <p14:creationId xmlns:p14="http://schemas.microsoft.com/office/powerpoint/2010/main" val="2944727761"/>
       </p:ext>
     </p:extLst>
   </p:cSld>
@@ -8373,6 +10272,74 @@
           </a:bodyPr>
           <a:lstStyle/>
           <a:p>
+            <a:r>
+              <a:rPr lang="en-US" dirty="0"/>
+              <a:t>Begin with 3 MCUs.</a:t>
+            </a:r>
+          </a:p>
+          <a:p>
+            <a:pPr lvl="1"/>
+            <a:r>
+              <a:rPr lang="en-US" dirty="0"/>
+              <a:t>Homogeneous (identical MCUs) or </a:t>
+            </a:r>
+            <a:r>
+              <a:rPr lang="en-US" dirty="0">
+                <a:solidFill>
+                  <a:srgbClr val="00B0F0"/>
+                </a:solidFill>
+              </a:rPr>
+              <a:t>heterogeneous</a:t>
+            </a:r>
+            <a:r>
+              <a:rPr lang="en-US" dirty="0"/>
+              <a:t> (different MCUs)?</a:t>
+            </a:r>
+          </a:p>
+          <a:p>
+            <a:pPr lvl="1"/>
+            <a:r>
+              <a:rPr lang="en-US" dirty="0"/>
+              <a:t>One communication protocol or </a:t>
+            </a:r>
+            <a:r>
+              <a:rPr lang="en-US" dirty="0">
+                <a:solidFill>
+                  <a:srgbClr val="00B0F0"/>
+                </a:solidFill>
+              </a:rPr>
+              <a:t>multiple protocols</a:t>
+            </a:r>
+          </a:p>
+          <a:p>
+            <a:pPr lvl="1"/>
+            <a:r>
+              <a:rPr lang="en-US" dirty="0"/>
+              <a:t>Multiple tasks simultaneously or </a:t>
+            </a:r>
+            <a:r>
+              <a:rPr lang="en-US" dirty="0">
+                <a:solidFill>
+                  <a:srgbClr val="00B0F0"/>
+                </a:solidFill>
+              </a:rPr>
+              <a:t>one single task distributed</a:t>
+            </a:r>
+            <a:r>
+              <a:rPr lang="en-US" dirty="0"/>
+              <a:t>?</a:t>
+            </a:r>
+          </a:p>
+          <a:p>
+            <a:pPr lvl="1"/>
+            <a:endParaRPr lang="en-US" dirty="0"/>
+          </a:p>
+          <a:p>
+            <a:pPr lvl="1"/>
+            <a:endParaRPr lang="en-US" dirty="0"/>
+          </a:p>
+          <a:p>
+            <a:pPr lvl="1"/>
             <a:endParaRPr lang="en-US" dirty="0"/>
           </a:p>
         </p:txBody>
@@ -8380,7 +10347,7 @@
     </p:spTree>
     <p:extLst>
       <p:ext uri="{BB962C8B-B14F-4D97-AF65-F5344CB8AC3E}">
-        <p14:creationId xmlns:p14="http://schemas.microsoft.com/office/powerpoint/2010/main" val="2944727761"/>
+        <p14:creationId xmlns:p14="http://schemas.microsoft.com/office/powerpoint/2010/main" val="4149569205"/>
       </p:ext>
     </p:extLst>
   </p:cSld>

--- a/Swarm TinyML.pptx
+++ b/Swarm TinyML.pptx
@@ -5,7 +5,7 @@
     <p:sldMasterId id="2147483648" r:id="rId1"/>
   </p:sldMasterIdLst>
   <p:notesMasterIdLst>
-    <p:notesMasterId r:id="rId30"/>
+    <p:notesMasterId r:id="rId29"/>
   </p:notesMasterIdLst>
   <p:sldIdLst>
     <p:sldId id="256" r:id="rId2"/>
@@ -27,15 +27,14 @@
     <p:sldId id="292" r:id="rId18"/>
     <p:sldId id="268" r:id="rId19"/>
     <p:sldId id="271" r:id="rId20"/>
-    <p:sldId id="270" r:id="rId21"/>
-    <p:sldId id="277" r:id="rId22"/>
-    <p:sldId id="278" r:id="rId23"/>
-    <p:sldId id="284" r:id="rId24"/>
-    <p:sldId id="285" r:id="rId25"/>
-    <p:sldId id="286" r:id="rId26"/>
-    <p:sldId id="287" r:id="rId27"/>
-    <p:sldId id="288" r:id="rId28"/>
-    <p:sldId id="289" r:id="rId29"/>
+    <p:sldId id="277" r:id="rId21"/>
+    <p:sldId id="278" r:id="rId22"/>
+    <p:sldId id="284" r:id="rId23"/>
+    <p:sldId id="285" r:id="rId24"/>
+    <p:sldId id="286" r:id="rId25"/>
+    <p:sldId id="287" r:id="rId26"/>
+    <p:sldId id="288" r:id="rId27"/>
+    <p:sldId id="289" r:id="rId28"/>
   </p:sldIdLst>
   <p:sldSz cx="12192000" cy="6858000"/>
   <p:notesSz cx="6858000" cy="9144000"/>
@@ -1564,7 +1563,7 @@
     </p:spTree>
     <p:extLst>
       <p:ext uri="{BB962C8B-B14F-4D97-AF65-F5344CB8AC3E}">
-        <p14:creationId xmlns:p14="http://schemas.microsoft.com/office/powerpoint/2010/main" val="2484051631"/>
+        <p14:creationId xmlns:p14="http://schemas.microsoft.com/office/powerpoint/2010/main" val="3224895"/>
       </p:ext>
     </p:extLst>
   </p:cSld>
@@ -1732,7 +1731,7 @@
     </p:spTree>
     <p:extLst>
       <p:ext uri="{BB962C8B-B14F-4D97-AF65-F5344CB8AC3E}">
-        <p14:creationId xmlns:p14="http://schemas.microsoft.com/office/powerpoint/2010/main" val="3224895"/>
+        <p14:creationId xmlns:p14="http://schemas.microsoft.com/office/powerpoint/2010/main" val="1237207116"/>
       </p:ext>
     </p:extLst>
   </p:cSld>
@@ -1816,7 +1815,7 @@
     </p:spTree>
     <p:extLst>
       <p:ext uri="{BB962C8B-B14F-4D97-AF65-F5344CB8AC3E}">
-        <p14:creationId xmlns:p14="http://schemas.microsoft.com/office/powerpoint/2010/main" val="1237207116"/>
+        <p14:creationId xmlns:p14="http://schemas.microsoft.com/office/powerpoint/2010/main" val="4282810659"/>
       </p:ext>
     </p:extLst>
   </p:cSld>
@@ -1900,7 +1899,7 @@
     </p:spTree>
     <p:extLst>
       <p:ext uri="{BB962C8B-B14F-4D97-AF65-F5344CB8AC3E}">
-        <p14:creationId xmlns:p14="http://schemas.microsoft.com/office/powerpoint/2010/main" val="4282810659"/>
+        <p14:creationId xmlns:p14="http://schemas.microsoft.com/office/powerpoint/2010/main" val="2629793567"/>
       </p:ext>
     </p:extLst>
   </p:cSld>
@@ -1984,7 +1983,7 @@
     </p:spTree>
     <p:extLst>
       <p:ext uri="{BB962C8B-B14F-4D97-AF65-F5344CB8AC3E}">
-        <p14:creationId xmlns:p14="http://schemas.microsoft.com/office/powerpoint/2010/main" val="2629793567"/>
+        <p14:creationId xmlns:p14="http://schemas.microsoft.com/office/powerpoint/2010/main" val="2660352769"/>
       </p:ext>
     </p:extLst>
   </p:cSld>
@@ -2068,7 +2067,7 @@
     </p:spTree>
     <p:extLst>
       <p:ext uri="{BB962C8B-B14F-4D97-AF65-F5344CB8AC3E}">
-        <p14:creationId xmlns:p14="http://schemas.microsoft.com/office/powerpoint/2010/main" val="2660352769"/>
+        <p14:creationId xmlns:p14="http://schemas.microsoft.com/office/powerpoint/2010/main" val="4048838578"/>
       </p:ext>
     </p:extLst>
   </p:cSld>
@@ -2152,7 +2151,7 @@
     </p:spTree>
     <p:extLst>
       <p:ext uri="{BB962C8B-B14F-4D97-AF65-F5344CB8AC3E}">
-        <p14:creationId xmlns:p14="http://schemas.microsoft.com/office/powerpoint/2010/main" val="4048838578"/>
+        <p14:creationId xmlns:p14="http://schemas.microsoft.com/office/powerpoint/2010/main" val="2036717176"/>
       </p:ext>
     </p:extLst>
   </p:cSld>
@@ -2228,90 +2227,6 @@
             <a:fld id="{4906D59D-5BF0-6346-A9F9-00BF8C37E738}" type="slidenum">
               <a:rPr lang="en-US" smtClean="0"/>
               <a:t>27</a:t>
-            </a:fld>
-            <a:endParaRPr lang="en-US"/>
-          </a:p>
-        </p:txBody>
-      </p:sp>
-    </p:spTree>
-    <p:extLst>
-      <p:ext uri="{BB962C8B-B14F-4D97-AF65-F5344CB8AC3E}">
-        <p14:creationId xmlns:p14="http://schemas.microsoft.com/office/powerpoint/2010/main" val="2036717176"/>
-      </p:ext>
-    </p:extLst>
-  </p:cSld>
-  <p:clrMapOvr>
-    <a:masterClrMapping/>
-  </p:clrMapOvr>
-</p:notes>
-</file>
-
-<file path=ppt/notesSlides/notesSlide27.xml><?xml version="1.0" encoding="utf-8"?>
-<p:notes xmlns:a="http://schemas.openxmlformats.org/drawingml/2006/main" xmlns:r="http://schemas.openxmlformats.org/officeDocument/2006/relationships" xmlns:p="http://schemas.openxmlformats.org/presentationml/2006/main">
-  <p:cSld>
-    <p:spTree>
-      <p:nvGrpSpPr>
-        <p:cNvPr id="1" name=""/>
-        <p:cNvGrpSpPr/>
-        <p:nvPr/>
-      </p:nvGrpSpPr>
-      <p:grpSpPr>
-        <a:xfrm>
-          <a:off x="0" y="0"/>
-          <a:ext cx="0" cy="0"/>
-          <a:chOff x="0" y="0"/>
-          <a:chExt cx="0" cy="0"/>
-        </a:xfrm>
-      </p:grpSpPr>
-      <p:sp>
-        <p:nvSpPr>
-          <p:cNvPr id="2" name="Slide Image Placeholder 1"/>
-          <p:cNvSpPr>
-            <a:spLocks noGrp="1" noRot="1" noChangeAspect="1"/>
-          </p:cNvSpPr>
-          <p:nvPr>
-            <p:ph type="sldImg"/>
-          </p:nvPr>
-        </p:nvSpPr>
-        <p:spPr/>
-      </p:sp>
-      <p:sp>
-        <p:nvSpPr>
-          <p:cNvPr id="3" name="Notes Placeholder 2"/>
-          <p:cNvSpPr>
-            <a:spLocks noGrp="1"/>
-          </p:cNvSpPr>
-          <p:nvPr>
-            <p:ph type="body" idx="1"/>
-          </p:nvPr>
-        </p:nvSpPr>
-        <p:spPr/>
-        <p:txBody>
-          <a:bodyPr/>
-          <a:lstStyle/>
-          <a:p>
-            <a:endParaRPr lang="en-US" dirty="0"/>
-          </a:p>
-        </p:txBody>
-      </p:sp>
-      <p:sp>
-        <p:nvSpPr>
-          <p:cNvPr id="4" name="Slide Number Placeholder 3"/>
-          <p:cNvSpPr>
-            <a:spLocks noGrp="1"/>
-          </p:cNvSpPr>
-          <p:nvPr>
-            <p:ph type="sldNum" sz="quarter" idx="5"/>
-          </p:nvPr>
-        </p:nvSpPr>
-        <p:spPr/>
-        <p:txBody>
-          <a:bodyPr/>
-          <a:lstStyle/>
-          <a:p>
-            <a:fld id="{4906D59D-5BF0-6346-A9F9-00BF8C37E738}" type="slidenum">
-              <a:rPr lang="en-US" smtClean="0"/>
-              <a:t>28</a:t>
             </a:fld>
             <a:endParaRPr lang="en-US"/>
           </a:p>
@@ -8402,135 +8317,11 @@
         </p:spPr>
         <p:txBody>
           <a:bodyPr>
-            <a:normAutofit fontScale="92500" lnSpcReduction="20000"/>
+            <a:normAutofit/>
           </a:bodyPr>
           <a:lstStyle/>
           <a:p>
-            <a:r>
-              <a:rPr lang="en-US" dirty="0"/>
-              <a:t>System Objectives?</a:t>
-            </a:r>
-          </a:p>
-          <a:p>
-            <a:r>
-              <a:rPr lang="en-US" dirty="0"/>
-              <a:t>Hardware</a:t>
-            </a:r>
-          </a:p>
-          <a:p>
             <a:pPr lvl="1"/>
-            <a:r>
-              <a:rPr lang="en-US" dirty="0"/>
-              <a:t>AI accelerators?</a:t>
-            </a:r>
-          </a:p>
-          <a:p>
-            <a:pPr lvl="1"/>
-            <a:r>
-              <a:rPr lang="en-US" dirty="0"/>
-              <a:t>Peripheral Integration: Sensors and actuators</a:t>
-            </a:r>
-          </a:p>
-          <a:p>
-            <a:pPr lvl="1"/>
-            <a:r>
-              <a:rPr lang="en-US" dirty="0"/>
-              <a:t>Power</a:t>
-            </a:r>
-          </a:p>
-          <a:p>
-            <a:r>
-              <a:rPr lang="en-US" dirty="0"/>
-              <a:t>Decentralized Network Architecture</a:t>
-            </a:r>
-          </a:p>
-          <a:p>
-            <a:pPr lvl="1"/>
-            <a:r>
-              <a:rPr lang="en-US" dirty="0"/>
-              <a:t>Topology Design: peer-to-peer?</a:t>
-            </a:r>
-          </a:p>
-          <a:p>
-            <a:pPr lvl="1"/>
-            <a:r>
-              <a:rPr lang="en-US" dirty="0"/>
-              <a:t>Communication Protocol: Zigbee, </a:t>
-            </a:r>
-            <a:r>
-              <a:rPr lang="en-US" dirty="0" err="1"/>
-              <a:t>bluetooth</a:t>
-            </a:r>
-            <a:r>
-              <a:rPr lang="en-US" dirty="0"/>
-              <a:t>, LoRa</a:t>
-            </a:r>
-          </a:p>
-          <a:p>
-            <a:r>
-              <a:rPr lang="en-US" dirty="0"/>
-              <a:t>AI and Swarm Learning Components</a:t>
-            </a:r>
-          </a:p>
-          <a:p>
-            <a:pPr lvl="1"/>
-            <a:r>
-              <a:rPr lang="en-US" dirty="0"/>
-              <a:t>AI Model Development: Pruning, Quantization, model compression,…</a:t>
-            </a:r>
-          </a:p>
-          <a:p>
-            <a:pPr lvl="1"/>
-            <a:r>
-              <a:rPr lang="en-US" dirty="0"/>
-              <a:t>Local Learning</a:t>
-            </a:r>
-          </a:p>
-          <a:p>
-            <a:pPr lvl="1"/>
-            <a:r>
-              <a:rPr lang="en-US" dirty="0"/>
-              <a:t>Model Sharing Mechanism</a:t>
-            </a:r>
-          </a:p>
-          <a:p>
-            <a:pPr lvl="1"/>
-            <a:r>
-              <a:rPr lang="en-US" dirty="0"/>
-              <a:t>Blockchain protocol</a:t>
-            </a:r>
-          </a:p>
-          <a:p>
-            <a:r>
-              <a:rPr lang="en-US" dirty="0"/>
-              <a:t>Software Development</a:t>
-            </a:r>
-          </a:p>
-          <a:p>
-            <a:pPr lvl="1"/>
-            <a:r>
-              <a:rPr lang="en-US" dirty="0"/>
-              <a:t>Firmware Development: data collection, local processing, and communication</a:t>
-            </a:r>
-          </a:p>
-          <a:p>
-            <a:pPr lvl="1"/>
-            <a:r>
-              <a:rPr lang="en-US" dirty="0"/>
-              <a:t>Swarm Intelligence Algorithms: collaboration and adaptation</a:t>
-            </a:r>
-          </a:p>
-          <a:p>
-            <a:pPr lvl="1"/>
-            <a:r>
-              <a:rPr lang="en-US" dirty="0"/>
-              <a:t> </a:t>
-            </a:r>
-          </a:p>
-          <a:p>
-            <a:endParaRPr lang="en-US" dirty="0"/>
-          </a:p>
-          <a:p>
             <a:endParaRPr lang="en-US" dirty="0"/>
           </a:p>
         </p:txBody>
@@ -8538,7 +8329,7 @@
     </p:spTree>
     <p:extLst>
       <p:ext uri="{BB962C8B-B14F-4D97-AF65-F5344CB8AC3E}">
-        <p14:creationId xmlns:p14="http://schemas.microsoft.com/office/powerpoint/2010/main" val="3208453838"/>
+        <p14:creationId xmlns:p14="http://schemas.microsoft.com/office/powerpoint/2010/main" val="1331093012"/>
       </p:ext>
     </p:extLst>
   </p:cSld>
@@ -8593,7 +8384,6 @@
           </a:bodyPr>
           <a:lstStyle/>
           <a:p>
-            <a:pPr lvl="1"/>
             <a:endParaRPr lang="en-US" dirty="0"/>
           </a:p>
         </p:txBody>
@@ -8601,7 +8391,7 @@
     </p:spTree>
     <p:extLst>
       <p:ext uri="{BB962C8B-B14F-4D97-AF65-F5344CB8AC3E}">
-        <p14:creationId xmlns:p14="http://schemas.microsoft.com/office/powerpoint/2010/main" val="1331093012"/>
+        <p14:creationId xmlns:p14="http://schemas.microsoft.com/office/powerpoint/2010/main" val="2742090806"/>
       </p:ext>
     </p:extLst>
   </p:cSld>
@@ -8663,7 +8453,7 @@
     </p:spTree>
     <p:extLst>
       <p:ext uri="{BB962C8B-B14F-4D97-AF65-F5344CB8AC3E}">
-        <p14:creationId xmlns:p14="http://schemas.microsoft.com/office/powerpoint/2010/main" val="2742090806"/>
+        <p14:creationId xmlns:p14="http://schemas.microsoft.com/office/powerpoint/2010/main" val="2602514514"/>
       </p:ext>
     </p:extLst>
   </p:cSld>
@@ -8725,7 +8515,7 @@
     </p:spTree>
     <p:extLst>
       <p:ext uri="{BB962C8B-B14F-4D97-AF65-F5344CB8AC3E}">
-        <p14:creationId xmlns:p14="http://schemas.microsoft.com/office/powerpoint/2010/main" val="2602514514"/>
+        <p14:creationId xmlns:p14="http://schemas.microsoft.com/office/powerpoint/2010/main" val="1884430284"/>
       </p:ext>
     </p:extLst>
   </p:cSld>
@@ -8787,7 +8577,7 @@
     </p:spTree>
     <p:extLst>
       <p:ext uri="{BB962C8B-B14F-4D97-AF65-F5344CB8AC3E}">
-        <p14:creationId xmlns:p14="http://schemas.microsoft.com/office/powerpoint/2010/main" val="1884430284"/>
+        <p14:creationId xmlns:p14="http://schemas.microsoft.com/office/powerpoint/2010/main" val="2261725338"/>
       </p:ext>
     </p:extLst>
   </p:cSld>
@@ -8849,7 +8639,7 @@
     </p:spTree>
     <p:extLst>
       <p:ext uri="{BB962C8B-B14F-4D97-AF65-F5344CB8AC3E}">
-        <p14:creationId xmlns:p14="http://schemas.microsoft.com/office/powerpoint/2010/main" val="2261725338"/>
+        <p14:creationId xmlns:p14="http://schemas.microsoft.com/office/powerpoint/2010/main" val="935425112"/>
       </p:ext>
     </p:extLst>
   </p:cSld>
@@ -8911,7 +8701,7 @@
     </p:spTree>
     <p:extLst>
       <p:ext uri="{BB962C8B-B14F-4D97-AF65-F5344CB8AC3E}">
-        <p14:creationId xmlns:p14="http://schemas.microsoft.com/office/powerpoint/2010/main" val="935425112"/>
+        <p14:creationId xmlns:p14="http://schemas.microsoft.com/office/powerpoint/2010/main" val="3867027927"/>
       </p:ext>
     </p:extLst>
   </p:cSld>
@@ -8922,68 +8712,6 @@
 </file>
 
 <file path=ppt/slides/slide27.xml><?xml version="1.0" encoding="utf-8"?>
-<p:sld xmlns:a="http://schemas.openxmlformats.org/drawingml/2006/main" xmlns:r="http://schemas.openxmlformats.org/officeDocument/2006/relationships" xmlns:p="http://schemas.openxmlformats.org/presentationml/2006/main">
-  <p:cSld>
-    <p:spTree>
-      <p:nvGrpSpPr>
-        <p:cNvPr id="1" name=""/>
-        <p:cNvGrpSpPr/>
-        <p:nvPr/>
-      </p:nvGrpSpPr>
-      <p:grpSpPr>
-        <a:xfrm>
-          <a:off x="0" y="0"/>
-          <a:ext cx="0" cy="0"/>
-          <a:chOff x="0" y="0"/>
-          <a:chExt cx="0" cy="0"/>
-        </a:xfrm>
-      </p:grpSpPr>
-      <p:sp>
-        <p:nvSpPr>
-          <p:cNvPr id="3" name="Content Placeholder 2">
-            <a:extLst>
-              <a:ext uri="{FF2B5EF4-FFF2-40B4-BE49-F238E27FC236}">
-                <a16:creationId xmlns:a16="http://schemas.microsoft.com/office/drawing/2014/main" id="{85E36873-996E-DE0C-2F0B-9B5EEA8AA4E6}"/>
-              </a:ext>
-            </a:extLst>
-          </p:cNvPr>
-          <p:cNvSpPr>
-            <a:spLocks noGrp="1"/>
-          </p:cNvSpPr>
-          <p:nvPr>
-            <p:ph idx="1"/>
-          </p:nvPr>
-        </p:nvSpPr>
-        <p:spPr>
-          <a:xfrm>
-            <a:off x="838200" y="479502"/>
-            <a:ext cx="10515600" cy="5697461"/>
-          </a:xfrm>
-        </p:spPr>
-        <p:txBody>
-          <a:bodyPr>
-            <a:normAutofit/>
-          </a:bodyPr>
-          <a:lstStyle/>
-          <a:p>
-            <a:endParaRPr lang="en-US" dirty="0"/>
-          </a:p>
-        </p:txBody>
-      </p:sp>
-    </p:spTree>
-    <p:extLst>
-      <p:ext uri="{BB962C8B-B14F-4D97-AF65-F5344CB8AC3E}">
-        <p14:creationId xmlns:p14="http://schemas.microsoft.com/office/powerpoint/2010/main" val="3867027927"/>
-      </p:ext>
-    </p:extLst>
-  </p:cSld>
-  <p:clrMapOvr>
-    <a:masterClrMapping/>
-  </p:clrMapOvr>
-</p:sld>
-</file>
-
-<file path=ppt/slides/slide28.xml><?xml version="1.0" encoding="utf-8"?>
 <p:sld xmlns:a="http://schemas.openxmlformats.org/drawingml/2006/main" xmlns:r="http://schemas.openxmlformats.org/officeDocument/2006/relationships" xmlns:p="http://schemas.openxmlformats.org/presentationml/2006/main">
   <p:cSld>
     <p:spTree>

--- a/Swarm TinyML.pptx
+++ b/Swarm TinyML.pptx
@@ -5,7 +5,7 @@
     <p:sldMasterId id="2147483648" r:id="rId1"/>
   </p:sldMasterIdLst>
   <p:notesMasterIdLst>
-    <p:notesMasterId r:id="rId29"/>
+    <p:notesMasterId r:id="rId21"/>
   </p:notesMasterIdLst>
   <p:sldIdLst>
     <p:sldId id="256" r:id="rId2"/>
@@ -15,26 +15,18 @@
     <p:sldId id="273" r:id="rId6"/>
     <p:sldId id="279" r:id="rId7"/>
     <p:sldId id="274" r:id="rId8"/>
-    <p:sldId id="281" r:id="rId9"/>
-    <p:sldId id="280" r:id="rId10"/>
-    <p:sldId id="282" r:id="rId11"/>
-    <p:sldId id="283" r:id="rId12"/>
-    <p:sldId id="275" r:id="rId13"/>
-    <p:sldId id="293" r:id="rId14"/>
-    <p:sldId id="276" r:id="rId15"/>
-    <p:sldId id="290" r:id="rId16"/>
-    <p:sldId id="291" r:id="rId17"/>
-    <p:sldId id="292" r:id="rId18"/>
-    <p:sldId id="268" r:id="rId19"/>
-    <p:sldId id="271" r:id="rId20"/>
-    <p:sldId id="277" r:id="rId21"/>
-    <p:sldId id="278" r:id="rId22"/>
-    <p:sldId id="284" r:id="rId23"/>
-    <p:sldId id="285" r:id="rId24"/>
-    <p:sldId id="286" r:id="rId25"/>
-    <p:sldId id="287" r:id="rId26"/>
-    <p:sldId id="288" r:id="rId27"/>
-    <p:sldId id="289" r:id="rId28"/>
+    <p:sldId id="280" r:id="rId9"/>
+    <p:sldId id="282" r:id="rId10"/>
+    <p:sldId id="283" r:id="rId11"/>
+    <p:sldId id="275" r:id="rId12"/>
+    <p:sldId id="276" r:id="rId13"/>
+    <p:sldId id="268" r:id="rId14"/>
+    <p:sldId id="271" r:id="rId15"/>
+    <p:sldId id="270" r:id="rId16"/>
+    <p:sldId id="286" r:id="rId17"/>
+    <p:sldId id="278" r:id="rId18"/>
+    <p:sldId id="284" r:id="rId19"/>
+    <p:sldId id="285" r:id="rId20"/>
   </p:sldIdLst>
   <p:sldSz cx="12192000" cy="6858000"/>
   <p:notesSz cx="6858000" cy="9144000"/>
@@ -141,6 +133,314 @@
 </p:presentation>
 </file>
 
+<file path=ppt/revisionInfo.xml><?xml version="1.0" encoding="utf-8"?>
+<p1510:revInfo xmlns:a="http://schemas.openxmlformats.org/drawingml/2006/main" xmlns:r="http://schemas.openxmlformats.org/officeDocument/2006/relationships" xmlns:p1510="http://schemas.microsoft.com/office/powerpoint/2015/10/main">
+  <p1510:revLst>
+    <p1510:client id="{11F57295-B0F8-9927-4E66-41DA56E4CE31}" v="305" dt="2024-05-15T05:04:55.680"/>
+  </p1510:revLst>
+</p1510:revInfo>
+</file>
+
+<file path=ppt/changesInfos/changesInfo1.xml><?xml version="1.0" encoding="utf-8"?>
+<pc:chgInfo xmlns:a="http://schemas.openxmlformats.org/drawingml/2006/main" xmlns:r="http://schemas.openxmlformats.org/officeDocument/2006/relationships" xmlns:ac="http://schemas.microsoft.com/office/drawing/2013/main/command" xmlns:pc="http://schemas.microsoft.com/office/powerpoint/2013/main/command">
+  <pc:docChgLst>
+    <pc:chgData name="Dong Chen" userId="S::dongchen@mines.edu::d96fa5ec-4313-4be9-bcac-1adad9054fe4" providerId="AD" clId="Web-{11F57295-B0F8-9927-4E66-41DA56E4CE31}"/>
+    <pc:docChg chg="addSld delSld modSld">
+      <pc:chgData name="Dong Chen" userId="S::dongchen@mines.edu::d96fa5ec-4313-4be9-bcac-1adad9054fe4" providerId="AD" clId="Web-{11F57295-B0F8-9927-4E66-41DA56E4CE31}" dt="2024-05-15T05:04:53.383" v="256" actId="20577"/>
+      <pc:docMkLst>
+        <pc:docMk/>
+      </pc:docMkLst>
+      <pc:sldChg chg="del">
+        <pc:chgData name="Dong Chen" userId="S::dongchen@mines.edu::d96fa5ec-4313-4be9-bcac-1adad9054fe4" providerId="AD" clId="Web-{11F57295-B0F8-9927-4E66-41DA56E4CE31}" dt="2024-05-15T04:47:22.547" v="52"/>
+        <pc:sldMkLst>
+          <pc:docMk/>
+          <pc:sldMk cId="1331093012" sldId="277"/>
+        </pc:sldMkLst>
+      </pc:sldChg>
+      <pc:sldChg chg="modSp">
+        <pc:chgData name="Dong Chen" userId="S::dongchen@mines.edu::d96fa5ec-4313-4be9-bcac-1adad9054fe4" providerId="AD" clId="Web-{11F57295-B0F8-9927-4E66-41DA56E4CE31}" dt="2024-05-15T05:03:28.273" v="221" actId="20577"/>
+        <pc:sldMkLst>
+          <pc:docMk/>
+          <pc:sldMk cId="2742090806" sldId="278"/>
+        </pc:sldMkLst>
+        <pc:spChg chg="mod">
+          <ac:chgData name="Dong Chen" userId="S::dongchen@mines.edu::d96fa5ec-4313-4be9-bcac-1adad9054fe4" providerId="AD" clId="Web-{11F57295-B0F8-9927-4E66-41DA56E4CE31}" dt="2024-05-15T05:03:28.273" v="221" actId="20577"/>
+          <ac:spMkLst>
+            <pc:docMk/>
+            <pc:sldMk cId="2742090806" sldId="278"/>
+            <ac:spMk id="3" creationId="{85E36873-996E-DE0C-2F0B-9B5EEA8AA4E6}"/>
+          </ac:spMkLst>
+        </pc:spChg>
+      </pc:sldChg>
+      <pc:sldChg chg="del">
+        <pc:chgData name="Dong Chen" userId="S::dongchen@mines.edu::d96fa5ec-4313-4be9-bcac-1adad9054fe4" providerId="AD" clId="Web-{11F57295-B0F8-9927-4E66-41DA56E4CE31}" dt="2024-05-15T04:47:38.126" v="57"/>
+        <pc:sldMkLst>
+          <pc:docMk/>
+          <pc:sldMk cId="2944727761" sldId="281"/>
+        </pc:sldMkLst>
+      </pc:sldChg>
+      <pc:sldChg chg="addSp delSp modSp">
+        <pc:chgData name="Dong Chen" userId="S::dongchen@mines.edu::d96fa5ec-4313-4be9-bcac-1adad9054fe4" providerId="AD" clId="Web-{11F57295-B0F8-9927-4E66-41DA56E4CE31}" dt="2024-05-15T04:56:28.661" v="76" actId="1076"/>
+        <pc:sldMkLst>
+          <pc:docMk/>
+          <pc:sldMk cId="2317202704" sldId="283"/>
+        </pc:sldMkLst>
+        <pc:spChg chg="add del mod">
+          <ac:chgData name="Dong Chen" userId="S::dongchen@mines.edu::d96fa5ec-4313-4be9-bcac-1adad9054fe4" providerId="AD" clId="Web-{11F57295-B0F8-9927-4E66-41DA56E4CE31}" dt="2024-05-15T04:55:27.926" v="62"/>
+          <ac:spMkLst>
+            <pc:docMk/>
+            <pc:sldMk cId="2317202704" sldId="283"/>
+            <ac:spMk id="2" creationId="{E6780B6C-6332-98B2-4A00-31C539CAD004}"/>
+          </ac:spMkLst>
+        </pc:spChg>
+        <pc:spChg chg="add mod">
+          <ac:chgData name="Dong Chen" userId="S::dongchen@mines.edu::d96fa5ec-4313-4be9-bcac-1adad9054fe4" providerId="AD" clId="Web-{11F57295-B0F8-9927-4E66-41DA56E4CE31}" dt="2024-05-15T04:56:28.661" v="76" actId="1076"/>
+          <ac:spMkLst>
+            <pc:docMk/>
+            <pc:sldMk cId="2317202704" sldId="283"/>
+            <ac:spMk id="5" creationId="{522BC8C6-0013-BCD7-7BB2-BD3026143696}"/>
+          </ac:spMkLst>
+        </pc:spChg>
+        <pc:picChg chg="mod">
+          <ac:chgData name="Dong Chen" userId="S::dongchen@mines.edu::d96fa5ec-4313-4be9-bcac-1adad9054fe4" providerId="AD" clId="Web-{11F57295-B0F8-9927-4E66-41DA56E4CE31}" dt="2024-05-15T04:55:20.160" v="58" actId="1076"/>
+          <ac:picMkLst>
+            <pc:docMk/>
+            <pc:sldMk cId="2317202704" sldId="283"/>
+            <ac:picMk id="4" creationId="{0ABE55F2-CA36-C665-D45D-B43363993AEE}"/>
+          </ac:picMkLst>
+        </pc:picChg>
+      </pc:sldChg>
+      <pc:sldChg chg="del">
+        <pc:chgData name="Dong Chen" userId="S::dongchen@mines.edu::d96fa5ec-4313-4be9-bcac-1adad9054fe4" providerId="AD" clId="Web-{11F57295-B0F8-9927-4E66-41DA56E4CE31}" dt="2024-05-15T04:46:14.812" v="5"/>
+        <pc:sldMkLst>
+          <pc:docMk/>
+          <pc:sldMk cId="2602514514" sldId="284"/>
+        </pc:sldMkLst>
+      </pc:sldChg>
+      <pc:sldChg chg="addSp delSp modSp new">
+        <pc:chgData name="Dong Chen" userId="S::dongchen@mines.edu::d96fa5ec-4313-4be9-bcac-1adad9054fe4" providerId="AD" clId="Web-{11F57295-B0F8-9927-4E66-41DA56E4CE31}" dt="2024-05-15T05:03:57.852" v="232" actId="20577"/>
+        <pc:sldMkLst>
+          <pc:docMk/>
+          <pc:sldMk cId="3133761834" sldId="284"/>
+        </pc:sldMkLst>
+        <pc:spChg chg="mod">
+          <ac:chgData name="Dong Chen" userId="S::dongchen@mines.edu::d96fa5ec-4313-4be9-bcac-1adad9054fe4" providerId="AD" clId="Web-{11F57295-B0F8-9927-4E66-41DA56E4CE31}" dt="2024-05-15T05:03:57.852" v="232" actId="20577"/>
+          <ac:spMkLst>
+            <pc:docMk/>
+            <pc:sldMk cId="3133761834" sldId="284"/>
+            <ac:spMk id="2" creationId="{9648BDFF-773E-1C0B-218C-CB07D513F61F}"/>
+          </ac:spMkLst>
+        </pc:spChg>
+        <pc:spChg chg="del mod">
+          <ac:chgData name="Dong Chen" userId="S::dongchen@mines.edu::d96fa5ec-4313-4be9-bcac-1adad9054fe4" providerId="AD" clId="Web-{11F57295-B0F8-9927-4E66-41DA56E4CE31}" dt="2024-05-15T05:00:45.022" v="196"/>
+          <ac:spMkLst>
+            <pc:docMk/>
+            <pc:sldMk cId="3133761834" sldId="284"/>
+            <ac:spMk id="3" creationId="{C5EC1FA9-141A-D391-195B-70D00428EBB2}"/>
+          </ac:spMkLst>
+        </pc:spChg>
+        <pc:picChg chg="add mod ord">
+          <ac:chgData name="Dong Chen" userId="S::dongchen@mines.edu::d96fa5ec-4313-4be9-bcac-1adad9054fe4" providerId="AD" clId="Web-{11F57295-B0F8-9927-4E66-41DA56E4CE31}" dt="2024-05-15T05:00:45.022" v="196"/>
+          <ac:picMkLst>
+            <pc:docMk/>
+            <pc:sldMk cId="3133761834" sldId="284"/>
+            <ac:picMk id="4" creationId="{A90262AB-00DE-9009-8945-DA61753063DB}"/>
+          </ac:picMkLst>
+        </pc:picChg>
+      </pc:sldChg>
+      <pc:sldChg chg="del">
+        <pc:chgData name="Dong Chen" userId="S::dongchen@mines.edu::d96fa5ec-4313-4be9-bcac-1adad9054fe4" providerId="AD" clId="Web-{11F57295-B0F8-9927-4E66-41DA56E4CE31}" dt="2024-05-15T04:46:14.250" v="4"/>
+        <pc:sldMkLst>
+          <pc:docMk/>
+          <pc:sldMk cId="1884430284" sldId="285"/>
+        </pc:sldMkLst>
+      </pc:sldChg>
+      <pc:sldChg chg="addSp delSp modSp new mod setBg">
+        <pc:chgData name="Dong Chen" userId="S::dongchen@mines.edu::d96fa5ec-4313-4be9-bcac-1adad9054fe4" providerId="AD" clId="Web-{11F57295-B0F8-9927-4E66-41DA56E4CE31}" dt="2024-05-15T05:02:49.789" v="218"/>
+        <pc:sldMkLst>
+          <pc:docMk/>
+          <pc:sldMk cId="3194976740" sldId="285"/>
+        </pc:sldMkLst>
+        <pc:spChg chg="add del">
+          <ac:chgData name="Dong Chen" userId="S::dongchen@mines.edu::d96fa5ec-4313-4be9-bcac-1adad9054fe4" providerId="AD" clId="Web-{11F57295-B0F8-9927-4E66-41DA56E4CE31}" dt="2024-05-15T05:02:23.851" v="206"/>
+          <ac:spMkLst>
+            <pc:docMk/>
+            <pc:sldMk cId="3194976740" sldId="285"/>
+            <ac:spMk id="2" creationId="{CD04C77D-5811-DA2F-1084-64B719351A99}"/>
+          </ac:spMkLst>
+        </pc:spChg>
+        <pc:spChg chg="del">
+          <ac:chgData name="Dong Chen" userId="S::dongchen@mines.edu::d96fa5ec-4313-4be9-bcac-1adad9054fe4" providerId="AD" clId="Web-{11F57295-B0F8-9927-4E66-41DA56E4CE31}" dt="2024-05-15T05:02:13.726" v="201"/>
+          <ac:spMkLst>
+            <pc:docMk/>
+            <pc:sldMk cId="3194976740" sldId="285"/>
+            <ac:spMk id="3" creationId="{AA6DD8A9-4D94-EE2C-1593-AB1766B64012}"/>
+          </ac:spMkLst>
+        </pc:spChg>
+        <pc:spChg chg="add del">
+          <ac:chgData name="Dong Chen" userId="S::dongchen@mines.edu::d96fa5ec-4313-4be9-bcac-1adad9054fe4" providerId="AD" clId="Web-{11F57295-B0F8-9927-4E66-41DA56E4CE31}" dt="2024-05-15T05:02:23.757" v="205"/>
+          <ac:spMkLst>
+            <pc:docMk/>
+            <pc:sldMk cId="3194976740" sldId="285"/>
+            <ac:spMk id="7" creationId="{CD04C77D-5811-DA2F-1084-64B719351A99}"/>
+          </ac:spMkLst>
+        </pc:spChg>
+        <pc:spChg chg="add del">
+          <ac:chgData name="Dong Chen" userId="S::dongchen@mines.edu::d96fa5ec-4313-4be9-bcac-1adad9054fe4" providerId="AD" clId="Web-{11F57295-B0F8-9927-4E66-41DA56E4CE31}" dt="2024-05-15T05:02:23.757" v="205"/>
+          <ac:spMkLst>
+            <pc:docMk/>
+            <pc:sldMk cId="3194976740" sldId="285"/>
+            <ac:spMk id="10" creationId="{56E9B3E6-E277-4D68-BA48-9CB43FFBD6E2}"/>
+          </ac:spMkLst>
+        </pc:spChg>
+        <pc:spChg chg="add del">
+          <ac:chgData name="Dong Chen" userId="S::dongchen@mines.edu::d96fa5ec-4313-4be9-bcac-1adad9054fe4" providerId="AD" clId="Web-{11F57295-B0F8-9927-4E66-41DA56E4CE31}" dt="2024-05-15T05:02:23.757" v="205"/>
+          <ac:spMkLst>
+            <pc:docMk/>
+            <pc:sldMk cId="3194976740" sldId="285"/>
+            <ac:spMk id="17" creationId="{D5B0017B-2ECA-49AF-B397-DC140825DF8D}"/>
+          </ac:spMkLst>
+        </pc:spChg>
+        <pc:grpChg chg="add del">
+          <ac:chgData name="Dong Chen" userId="S::dongchen@mines.edu::d96fa5ec-4313-4be9-bcac-1adad9054fe4" providerId="AD" clId="Web-{11F57295-B0F8-9927-4E66-41DA56E4CE31}" dt="2024-05-15T05:02:23.757" v="205"/>
+          <ac:grpSpMkLst>
+            <pc:docMk/>
+            <pc:sldMk cId="3194976740" sldId="285"/>
+            <ac:grpSpMk id="12" creationId="{AE1C45F0-260A-458C-96ED-C1F6D2151219}"/>
+          </ac:grpSpMkLst>
+        </pc:grpChg>
+        <pc:graphicFrameChg chg="add mod ord modGraphic">
+          <ac:chgData name="Dong Chen" userId="S::dongchen@mines.edu::d96fa5ec-4313-4be9-bcac-1adad9054fe4" providerId="AD" clId="Web-{11F57295-B0F8-9927-4E66-41DA56E4CE31}" dt="2024-05-15T05:02:49.789" v="218"/>
+          <ac:graphicFrameMkLst>
+            <pc:docMk/>
+            <pc:sldMk cId="3194976740" sldId="285"/>
+            <ac:graphicFrameMk id="5" creationId="{C7302797-AC2C-9C90-AD64-A043FFF5A84A}"/>
+          </ac:graphicFrameMkLst>
+        </pc:graphicFrameChg>
+        <pc:cxnChg chg="add del">
+          <ac:chgData name="Dong Chen" userId="S::dongchen@mines.edu::d96fa5ec-4313-4be9-bcac-1adad9054fe4" providerId="AD" clId="Web-{11F57295-B0F8-9927-4E66-41DA56E4CE31}" dt="2024-05-15T05:02:23.757" v="205"/>
+          <ac:cxnSpMkLst>
+            <pc:docMk/>
+            <pc:sldMk cId="3194976740" sldId="285"/>
+            <ac:cxnSpMk id="19" creationId="{6CF1BAF6-AD41-4082-B212-8A1F9A2E8779}"/>
+          </ac:cxnSpMkLst>
+        </pc:cxnChg>
+      </pc:sldChg>
+      <pc:sldChg chg="del">
+        <pc:chgData name="Dong Chen" userId="S::dongchen@mines.edu::d96fa5ec-4313-4be9-bcac-1adad9054fe4" providerId="AD" clId="Web-{11F57295-B0F8-9927-4E66-41DA56E4CE31}" dt="2024-05-15T04:46:13.937" v="3"/>
+        <pc:sldMkLst>
+          <pc:docMk/>
+          <pc:sldMk cId="2261725338" sldId="286"/>
+        </pc:sldMkLst>
+      </pc:sldChg>
+      <pc:sldChg chg="addSp delSp modSp new">
+        <pc:chgData name="Dong Chen" userId="S::dongchen@mines.edu::d96fa5ec-4313-4be9-bcac-1adad9054fe4" providerId="AD" clId="Web-{11F57295-B0F8-9927-4E66-41DA56E4CE31}" dt="2024-05-15T05:04:53.383" v="256" actId="20577"/>
+        <pc:sldMkLst>
+          <pc:docMk/>
+          <pc:sldMk cId="3212005156" sldId="286"/>
+        </pc:sldMkLst>
+        <pc:spChg chg="mod">
+          <ac:chgData name="Dong Chen" userId="S::dongchen@mines.edu::d96fa5ec-4313-4be9-bcac-1adad9054fe4" providerId="AD" clId="Web-{11F57295-B0F8-9927-4E66-41DA56E4CE31}" dt="2024-05-15T05:03:47.383" v="230" actId="20577"/>
+          <ac:spMkLst>
+            <pc:docMk/>
+            <pc:sldMk cId="3212005156" sldId="286"/>
+            <ac:spMk id="2" creationId="{F40DD779-5765-3487-F6EF-1FCE34BFBC5C}"/>
+          </ac:spMkLst>
+        </pc:spChg>
+        <pc:spChg chg="mod">
+          <ac:chgData name="Dong Chen" userId="S::dongchen@mines.edu::d96fa5ec-4313-4be9-bcac-1adad9054fe4" providerId="AD" clId="Web-{11F57295-B0F8-9927-4E66-41DA56E4CE31}" dt="2024-05-15T05:04:53.383" v="256" actId="20577"/>
+          <ac:spMkLst>
+            <pc:docMk/>
+            <pc:sldMk cId="3212005156" sldId="286"/>
+            <ac:spMk id="3" creationId="{CCF6F1C5-BCD1-68BF-9DF1-CCD388CA7531}"/>
+          </ac:spMkLst>
+        </pc:spChg>
+        <pc:spChg chg="add del">
+          <ac:chgData name="Dong Chen" userId="S::dongchen@mines.edu::d96fa5ec-4313-4be9-bcac-1adad9054fe4" providerId="AD" clId="Web-{11F57295-B0F8-9927-4E66-41DA56E4CE31}" dt="2024-05-15T05:04:38.914" v="236"/>
+          <ac:spMkLst>
+            <pc:docMk/>
+            <pc:sldMk cId="3212005156" sldId="286"/>
+            <ac:spMk id="5" creationId="{893D940A-5C10-9FA1-BA98-5B49336B4723}"/>
+          </ac:spMkLst>
+        </pc:spChg>
+        <pc:spChg chg="add del">
+          <ac:chgData name="Dong Chen" userId="S::dongchen@mines.edu::d96fa5ec-4313-4be9-bcac-1adad9054fe4" providerId="AD" clId="Web-{11F57295-B0F8-9927-4E66-41DA56E4CE31}" dt="2024-05-15T05:04:36.555" v="235"/>
+          <ac:spMkLst>
+            <pc:docMk/>
+            <pc:sldMk cId="3212005156" sldId="286"/>
+            <ac:spMk id="7" creationId="{DD760F0F-AF0B-E78C-CCD0-F15EA46157A1}"/>
+          </ac:spMkLst>
+        </pc:spChg>
+        <pc:spChg chg="add">
+          <ac:chgData name="Dong Chen" userId="S::dongchen@mines.edu::d96fa5ec-4313-4be9-bcac-1adad9054fe4" providerId="AD" clId="Web-{11F57295-B0F8-9927-4E66-41DA56E4CE31}" dt="2024-05-15T05:04:41.961" v="237"/>
+          <ac:spMkLst>
+            <pc:docMk/>
+            <pc:sldMk cId="3212005156" sldId="286"/>
+            <ac:spMk id="9" creationId="{FD43904F-57FF-F8BA-A524-648B5456ECF3}"/>
+          </ac:spMkLst>
+        </pc:spChg>
+      </pc:sldChg>
+      <pc:sldChg chg="new del">
+        <pc:chgData name="Dong Chen" userId="S::dongchen@mines.edu::d96fa5ec-4313-4be9-bcac-1adad9054fe4" providerId="AD" clId="Web-{11F57295-B0F8-9927-4E66-41DA56E4CE31}" dt="2024-05-15T05:03:22.508" v="220"/>
+        <pc:sldMkLst>
+          <pc:docMk/>
+          <pc:sldMk cId="3285036670" sldId="286"/>
+        </pc:sldMkLst>
+      </pc:sldChg>
+      <pc:sldChg chg="del">
+        <pc:chgData name="Dong Chen" userId="S::dongchen@mines.edu::d96fa5ec-4313-4be9-bcac-1adad9054fe4" providerId="AD" clId="Web-{11F57295-B0F8-9927-4E66-41DA56E4CE31}" dt="2024-05-15T04:46:13.250" v="2"/>
+        <pc:sldMkLst>
+          <pc:docMk/>
+          <pc:sldMk cId="935425112" sldId="287"/>
+        </pc:sldMkLst>
+      </pc:sldChg>
+      <pc:sldChg chg="del">
+        <pc:chgData name="Dong Chen" userId="S::dongchen@mines.edu::d96fa5ec-4313-4be9-bcac-1adad9054fe4" providerId="AD" clId="Web-{11F57295-B0F8-9927-4E66-41DA56E4CE31}" dt="2024-05-15T04:46:12.844" v="1"/>
+        <pc:sldMkLst>
+          <pc:docMk/>
+          <pc:sldMk cId="3867027927" sldId="288"/>
+        </pc:sldMkLst>
+      </pc:sldChg>
+      <pc:sldChg chg="del">
+        <pc:chgData name="Dong Chen" userId="S::dongchen@mines.edu::d96fa5ec-4313-4be9-bcac-1adad9054fe4" providerId="AD" clId="Web-{11F57295-B0F8-9927-4E66-41DA56E4CE31}" dt="2024-05-15T04:46:12.453" v="0"/>
+        <pc:sldMkLst>
+          <pc:docMk/>
+          <pc:sldMk cId="1667944022" sldId="289"/>
+        </pc:sldMkLst>
+      </pc:sldChg>
+      <pc:sldChg chg="del">
+        <pc:chgData name="Dong Chen" userId="S::dongchen@mines.edu::d96fa5ec-4313-4be9-bcac-1adad9054fe4" providerId="AD" clId="Web-{11F57295-B0F8-9927-4E66-41DA56E4CE31}" dt="2024-05-15T04:47:26.516" v="53"/>
+        <pc:sldMkLst>
+          <pc:docMk/>
+          <pc:sldMk cId="933520890" sldId="290"/>
+        </pc:sldMkLst>
+      </pc:sldChg>
+      <pc:sldChg chg="del">
+        <pc:chgData name="Dong Chen" userId="S::dongchen@mines.edu::d96fa5ec-4313-4be9-bcac-1adad9054fe4" providerId="AD" clId="Web-{11F57295-B0F8-9927-4E66-41DA56E4CE31}" dt="2024-05-15T04:47:27.969" v="54"/>
+        <pc:sldMkLst>
+          <pc:docMk/>
+          <pc:sldMk cId="4114501980" sldId="291"/>
+        </pc:sldMkLst>
+      </pc:sldChg>
+      <pc:sldChg chg="del">
+        <pc:chgData name="Dong Chen" userId="S::dongchen@mines.edu::d96fa5ec-4313-4be9-bcac-1adad9054fe4" providerId="AD" clId="Web-{11F57295-B0F8-9927-4E66-41DA56E4CE31}" dt="2024-05-15T04:47:29.438" v="55"/>
+        <pc:sldMkLst>
+          <pc:docMk/>
+          <pc:sldMk cId="2223589013" sldId="292"/>
+        </pc:sldMkLst>
+      </pc:sldChg>
+      <pc:sldChg chg="del">
+        <pc:chgData name="Dong Chen" userId="S::dongchen@mines.edu::d96fa5ec-4313-4be9-bcac-1adad9054fe4" providerId="AD" clId="Web-{11F57295-B0F8-9927-4E66-41DA56E4CE31}" dt="2024-05-15T04:47:31.813" v="56"/>
+        <pc:sldMkLst>
+          <pc:docMk/>
+          <pc:sldMk cId="2571723314" sldId="293"/>
+        </pc:sldMkLst>
+      </pc:sldChg>
+    </pc:docChg>
+  </pc:docChgLst>
+</pc:chgInfo>
+</file>
+
 <file path=ppt/notesMasters/notesMaster1.xml><?xml version="1.0" encoding="utf-8"?>
 <p:notesMaster xmlns:a="http://schemas.openxmlformats.org/drawingml/2006/main" xmlns:r="http://schemas.openxmlformats.org/officeDocument/2006/relationships" xmlns:p="http://schemas.openxmlformats.org/presentationml/2006/main">
   <p:cSld>
@@ -223,7 +523,7 @@
           <a:p>
             <a:fld id="{AAD3F962-2BBB-E94D-8C3E-BBFCC873C910}" type="datetimeFigureOut">
               <a:rPr lang="en-US" smtClean="0"/>
-              <a:t>5/13/2024</a:t>
+              <a:t>5/14/2024</a:t>
             </a:fld>
             <a:endParaRPr lang="en-US"/>
           </a:p>
@@ -798,7 +1098,7 @@
           <a:p>
             <a:fld id="{4906D59D-5BF0-6346-A9F9-00BF8C37E738}" type="slidenum">
               <a:rPr lang="en-US" smtClean="0"/>
-              <a:t>11</a:t>
+              <a:t>12</a:t>
             </a:fld>
             <a:endParaRPr lang="en-US"/>
           </a:p>
@@ -807,7 +1107,7 @@
     </p:spTree>
     <p:extLst>
       <p:ext uri="{BB962C8B-B14F-4D97-AF65-F5344CB8AC3E}">
-        <p14:creationId xmlns:p14="http://schemas.microsoft.com/office/powerpoint/2010/main" val="1248001890"/>
+        <p14:creationId xmlns:p14="http://schemas.microsoft.com/office/powerpoint/2010/main" val="2766921748"/>
       </p:ext>
     </p:extLst>
   </p:cSld>
@@ -882,7 +1182,7 @@
           <a:p>
             <a:fld id="{4906D59D-5BF0-6346-A9F9-00BF8C37E738}" type="slidenum">
               <a:rPr lang="en-US" smtClean="0"/>
-              <a:t>12</a:t>
+              <a:t>14</a:t>
             </a:fld>
             <a:endParaRPr lang="en-US"/>
           </a:p>
@@ -891,7 +1191,7 @@
     </p:spTree>
     <p:extLst>
       <p:ext uri="{BB962C8B-B14F-4D97-AF65-F5344CB8AC3E}">
-        <p14:creationId xmlns:p14="http://schemas.microsoft.com/office/powerpoint/2010/main" val="2766921748"/>
+        <p14:creationId xmlns:p14="http://schemas.microsoft.com/office/powerpoint/2010/main" val="365606329"/>
       </p:ext>
     </p:extLst>
   </p:cSld>
@@ -966,7 +1266,7 @@
           <a:p>
             <a:fld id="{4906D59D-5BF0-6346-A9F9-00BF8C37E738}" type="slidenum">
               <a:rPr lang="en-US" smtClean="0"/>
-              <a:t>13</a:t>
+              <a:t>18</a:t>
             </a:fld>
             <a:endParaRPr lang="en-US"/>
           </a:p>
@@ -975,7 +1275,7 @@
     </p:spTree>
     <p:extLst>
       <p:ext uri="{BB962C8B-B14F-4D97-AF65-F5344CB8AC3E}">
-        <p14:creationId xmlns:p14="http://schemas.microsoft.com/office/powerpoint/2010/main" val="3169815086"/>
+        <p14:creationId xmlns:p14="http://schemas.microsoft.com/office/powerpoint/2010/main" val="1650452298"/>
       </p:ext>
     </p:extLst>
   </p:cSld>
@@ -1050,7 +1350,7 @@
           <a:p>
             <a:fld id="{4906D59D-5BF0-6346-A9F9-00BF8C37E738}" type="slidenum">
               <a:rPr lang="en-US" smtClean="0"/>
-              <a:t>14</a:t>
+              <a:t>19</a:t>
             </a:fld>
             <a:endParaRPr lang="en-US"/>
           </a:p>
@@ -1059,7 +1359,7 @@
     </p:spTree>
     <p:extLst>
       <p:ext uri="{BB962C8B-B14F-4D97-AF65-F5344CB8AC3E}">
-        <p14:creationId xmlns:p14="http://schemas.microsoft.com/office/powerpoint/2010/main" val="365606329"/>
+        <p14:creationId xmlns:p14="http://schemas.microsoft.com/office/powerpoint/2010/main" val="4075627439"/>
       </p:ext>
     </p:extLst>
   </p:cSld>
@@ -1134,7 +1434,7 @@
           <a:p>
             <a:fld id="{4906D59D-5BF0-6346-A9F9-00BF8C37E738}" type="slidenum">
               <a:rPr lang="en-US" smtClean="0"/>
-              <a:t>15</a:t>
+              <a:t>20</a:t>
             </a:fld>
             <a:endParaRPr lang="en-US"/>
           </a:p>
@@ -1143,7 +1443,7 @@
     </p:spTree>
     <p:extLst>
       <p:ext uri="{BB962C8B-B14F-4D97-AF65-F5344CB8AC3E}">
-        <p14:creationId xmlns:p14="http://schemas.microsoft.com/office/powerpoint/2010/main" val="3962407657"/>
+        <p14:creationId xmlns:p14="http://schemas.microsoft.com/office/powerpoint/2010/main" val="2484051631"/>
       </p:ext>
     </p:extLst>
   </p:cSld>
@@ -1218,7 +1518,7 @@
           <a:p>
             <a:fld id="{4906D59D-5BF0-6346-A9F9-00BF8C37E738}" type="slidenum">
               <a:rPr lang="en-US" smtClean="0"/>
-              <a:t>16</a:t>
+              <a:t>22</a:t>
             </a:fld>
             <a:endParaRPr lang="en-US"/>
           </a:p>
@@ -1227,343 +1527,7 @@
     </p:spTree>
     <p:extLst>
       <p:ext uri="{BB962C8B-B14F-4D97-AF65-F5344CB8AC3E}">
-        <p14:creationId xmlns:p14="http://schemas.microsoft.com/office/powerpoint/2010/main" val="1836060100"/>
-      </p:ext>
-    </p:extLst>
-  </p:cSld>
-  <p:clrMapOvr>
-    <a:masterClrMapping/>
-  </p:clrMapOvr>
-</p:notes>
-</file>
-
-<file path=ppt/notesSlides/notesSlide16.xml><?xml version="1.0" encoding="utf-8"?>
-<p:notes xmlns:a="http://schemas.openxmlformats.org/drawingml/2006/main" xmlns:r="http://schemas.openxmlformats.org/officeDocument/2006/relationships" xmlns:p="http://schemas.openxmlformats.org/presentationml/2006/main">
-  <p:cSld>
-    <p:spTree>
-      <p:nvGrpSpPr>
-        <p:cNvPr id="1" name=""/>
-        <p:cNvGrpSpPr/>
-        <p:nvPr/>
-      </p:nvGrpSpPr>
-      <p:grpSpPr>
-        <a:xfrm>
-          <a:off x="0" y="0"/>
-          <a:ext cx="0" cy="0"/>
-          <a:chOff x="0" y="0"/>
-          <a:chExt cx="0" cy="0"/>
-        </a:xfrm>
-      </p:grpSpPr>
-      <p:sp>
-        <p:nvSpPr>
-          <p:cNvPr id="2" name="Slide Image Placeholder 1"/>
-          <p:cNvSpPr>
-            <a:spLocks noGrp="1" noRot="1" noChangeAspect="1"/>
-          </p:cNvSpPr>
-          <p:nvPr>
-            <p:ph type="sldImg"/>
-          </p:nvPr>
-        </p:nvSpPr>
-        <p:spPr/>
-      </p:sp>
-      <p:sp>
-        <p:nvSpPr>
-          <p:cNvPr id="3" name="Notes Placeholder 2"/>
-          <p:cNvSpPr>
-            <a:spLocks noGrp="1"/>
-          </p:cNvSpPr>
-          <p:nvPr>
-            <p:ph type="body" idx="1"/>
-          </p:nvPr>
-        </p:nvSpPr>
-        <p:spPr/>
-        <p:txBody>
-          <a:bodyPr/>
-          <a:lstStyle/>
-          <a:p>
-            <a:endParaRPr lang="en-US" dirty="0"/>
-          </a:p>
-        </p:txBody>
-      </p:sp>
-      <p:sp>
-        <p:nvSpPr>
-          <p:cNvPr id="4" name="Slide Number Placeholder 3"/>
-          <p:cNvSpPr>
-            <a:spLocks noGrp="1"/>
-          </p:cNvSpPr>
-          <p:nvPr>
-            <p:ph type="sldNum" sz="quarter" idx="5"/>
-          </p:nvPr>
-        </p:nvSpPr>
-        <p:spPr/>
-        <p:txBody>
-          <a:bodyPr/>
-          <a:lstStyle/>
-          <a:p>
-            <a:fld id="{4906D59D-5BF0-6346-A9F9-00BF8C37E738}" type="slidenum">
-              <a:rPr lang="en-US" smtClean="0"/>
-              <a:t>17</a:t>
-            </a:fld>
-            <a:endParaRPr lang="en-US"/>
-          </a:p>
-        </p:txBody>
-      </p:sp>
-    </p:spTree>
-    <p:extLst>
-      <p:ext uri="{BB962C8B-B14F-4D97-AF65-F5344CB8AC3E}">
-        <p14:creationId xmlns:p14="http://schemas.microsoft.com/office/powerpoint/2010/main" val="2984980108"/>
-      </p:ext>
-    </p:extLst>
-  </p:cSld>
-  <p:clrMapOvr>
-    <a:masterClrMapping/>
-  </p:clrMapOvr>
-</p:notes>
-</file>
-
-<file path=ppt/notesSlides/notesSlide17.xml><?xml version="1.0" encoding="utf-8"?>
-<p:notes xmlns:a="http://schemas.openxmlformats.org/drawingml/2006/main" xmlns:r="http://schemas.openxmlformats.org/officeDocument/2006/relationships" xmlns:p="http://schemas.openxmlformats.org/presentationml/2006/main">
-  <p:cSld>
-    <p:spTree>
-      <p:nvGrpSpPr>
-        <p:cNvPr id="1" name=""/>
-        <p:cNvGrpSpPr/>
-        <p:nvPr/>
-      </p:nvGrpSpPr>
-      <p:grpSpPr>
-        <a:xfrm>
-          <a:off x="0" y="0"/>
-          <a:ext cx="0" cy="0"/>
-          <a:chOff x="0" y="0"/>
-          <a:chExt cx="0" cy="0"/>
-        </a:xfrm>
-      </p:grpSpPr>
-      <p:sp>
-        <p:nvSpPr>
-          <p:cNvPr id="2" name="Slide Image Placeholder 1"/>
-          <p:cNvSpPr>
-            <a:spLocks noGrp="1" noRot="1" noChangeAspect="1"/>
-          </p:cNvSpPr>
-          <p:nvPr>
-            <p:ph type="sldImg"/>
-          </p:nvPr>
-        </p:nvSpPr>
-        <p:spPr/>
-      </p:sp>
-      <p:sp>
-        <p:nvSpPr>
-          <p:cNvPr id="3" name="Notes Placeholder 2"/>
-          <p:cNvSpPr>
-            <a:spLocks noGrp="1"/>
-          </p:cNvSpPr>
-          <p:nvPr>
-            <p:ph type="body" idx="1"/>
-          </p:nvPr>
-        </p:nvSpPr>
-        <p:spPr/>
-        <p:txBody>
-          <a:bodyPr/>
-          <a:lstStyle/>
-          <a:p>
-            <a:endParaRPr lang="en-US" dirty="0"/>
-          </a:p>
-        </p:txBody>
-      </p:sp>
-      <p:sp>
-        <p:nvSpPr>
-          <p:cNvPr id="4" name="Slide Number Placeholder 3"/>
-          <p:cNvSpPr>
-            <a:spLocks noGrp="1"/>
-          </p:cNvSpPr>
-          <p:nvPr>
-            <p:ph type="sldNum" sz="quarter" idx="5"/>
-          </p:nvPr>
-        </p:nvSpPr>
-        <p:spPr/>
-        <p:txBody>
-          <a:bodyPr/>
-          <a:lstStyle/>
-          <a:p>
-            <a:fld id="{4906D59D-5BF0-6346-A9F9-00BF8C37E738}" type="slidenum">
-              <a:rPr lang="en-US" smtClean="0"/>
-              <a:t>18</a:t>
-            </a:fld>
-            <a:endParaRPr lang="en-US"/>
-          </a:p>
-        </p:txBody>
-      </p:sp>
-    </p:spTree>
-    <p:extLst>
-      <p:ext uri="{BB962C8B-B14F-4D97-AF65-F5344CB8AC3E}">
-        <p14:creationId xmlns:p14="http://schemas.microsoft.com/office/powerpoint/2010/main" val="1650452298"/>
-      </p:ext>
-    </p:extLst>
-  </p:cSld>
-  <p:clrMapOvr>
-    <a:masterClrMapping/>
-  </p:clrMapOvr>
-</p:notes>
-</file>
-
-<file path=ppt/notesSlides/notesSlide18.xml><?xml version="1.0" encoding="utf-8"?>
-<p:notes xmlns:a="http://schemas.openxmlformats.org/drawingml/2006/main" xmlns:r="http://schemas.openxmlformats.org/officeDocument/2006/relationships" xmlns:p="http://schemas.openxmlformats.org/presentationml/2006/main">
-  <p:cSld>
-    <p:spTree>
-      <p:nvGrpSpPr>
-        <p:cNvPr id="1" name=""/>
-        <p:cNvGrpSpPr/>
-        <p:nvPr/>
-      </p:nvGrpSpPr>
-      <p:grpSpPr>
-        <a:xfrm>
-          <a:off x="0" y="0"/>
-          <a:ext cx="0" cy="0"/>
-          <a:chOff x="0" y="0"/>
-          <a:chExt cx="0" cy="0"/>
-        </a:xfrm>
-      </p:grpSpPr>
-      <p:sp>
-        <p:nvSpPr>
-          <p:cNvPr id="2" name="Slide Image Placeholder 1"/>
-          <p:cNvSpPr>
-            <a:spLocks noGrp="1" noRot="1" noChangeAspect="1"/>
-          </p:cNvSpPr>
-          <p:nvPr>
-            <p:ph type="sldImg"/>
-          </p:nvPr>
-        </p:nvSpPr>
-        <p:spPr/>
-      </p:sp>
-      <p:sp>
-        <p:nvSpPr>
-          <p:cNvPr id="3" name="Notes Placeholder 2"/>
-          <p:cNvSpPr>
-            <a:spLocks noGrp="1"/>
-          </p:cNvSpPr>
-          <p:nvPr>
-            <p:ph type="body" idx="1"/>
-          </p:nvPr>
-        </p:nvSpPr>
-        <p:spPr/>
-        <p:txBody>
-          <a:bodyPr/>
-          <a:lstStyle/>
-          <a:p>
-            <a:endParaRPr lang="en-US" dirty="0"/>
-          </a:p>
-        </p:txBody>
-      </p:sp>
-      <p:sp>
-        <p:nvSpPr>
-          <p:cNvPr id="4" name="Slide Number Placeholder 3"/>
-          <p:cNvSpPr>
-            <a:spLocks noGrp="1"/>
-          </p:cNvSpPr>
-          <p:nvPr>
-            <p:ph type="sldNum" sz="quarter" idx="5"/>
-          </p:nvPr>
-        </p:nvSpPr>
-        <p:spPr/>
-        <p:txBody>
-          <a:bodyPr/>
-          <a:lstStyle/>
-          <a:p>
-            <a:fld id="{4906D59D-5BF0-6346-A9F9-00BF8C37E738}" type="slidenum">
-              <a:rPr lang="en-US" smtClean="0"/>
-              <a:t>19</a:t>
-            </a:fld>
-            <a:endParaRPr lang="en-US"/>
-          </a:p>
-        </p:txBody>
-      </p:sp>
-    </p:spTree>
-    <p:extLst>
-      <p:ext uri="{BB962C8B-B14F-4D97-AF65-F5344CB8AC3E}">
-        <p14:creationId xmlns:p14="http://schemas.microsoft.com/office/powerpoint/2010/main" val="4075627439"/>
-      </p:ext>
-    </p:extLst>
-  </p:cSld>
-  <p:clrMapOvr>
-    <a:masterClrMapping/>
-  </p:clrMapOvr>
-</p:notes>
-</file>
-
-<file path=ppt/notesSlides/notesSlide19.xml><?xml version="1.0" encoding="utf-8"?>
-<p:notes xmlns:a="http://schemas.openxmlformats.org/drawingml/2006/main" xmlns:r="http://schemas.openxmlformats.org/officeDocument/2006/relationships" xmlns:p="http://schemas.openxmlformats.org/presentationml/2006/main">
-  <p:cSld>
-    <p:spTree>
-      <p:nvGrpSpPr>
-        <p:cNvPr id="1" name=""/>
-        <p:cNvGrpSpPr/>
-        <p:nvPr/>
-      </p:nvGrpSpPr>
-      <p:grpSpPr>
-        <a:xfrm>
-          <a:off x="0" y="0"/>
-          <a:ext cx="0" cy="0"/>
-          <a:chOff x="0" y="0"/>
-          <a:chExt cx="0" cy="0"/>
-        </a:xfrm>
-      </p:grpSpPr>
-      <p:sp>
-        <p:nvSpPr>
-          <p:cNvPr id="2" name="Slide Image Placeholder 1"/>
-          <p:cNvSpPr>
-            <a:spLocks noGrp="1" noRot="1" noChangeAspect="1"/>
-          </p:cNvSpPr>
-          <p:nvPr>
-            <p:ph type="sldImg"/>
-          </p:nvPr>
-        </p:nvSpPr>
-        <p:spPr/>
-      </p:sp>
-      <p:sp>
-        <p:nvSpPr>
-          <p:cNvPr id="3" name="Notes Placeholder 2"/>
-          <p:cNvSpPr>
-            <a:spLocks noGrp="1"/>
-          </p:cNvSpPr>
-          <p:nvPr>
-            <p:ph type="body" idx="1"/>
-          </p:nvPr>
-        </p:nvSpPr>
-        <p:spPr/>
-        <p:txBody>
-          <a:bodyPr/>
-          <a:lstStyle/>
-          <a:p>
-            <a:endParaRPr lang="en-US" dirty="0"/>
-          </a:p>
-        </p:txBody>
-      </p:sp>
-      <p:sp>
-        <p:nvSpPr>
-          <p:cNvPr id="4" name="Slide Number Placeholder 3"/>
-          <p:cNvSpPr>
-            <a:spLocks noGrp="1"/>
-          </p:cNvSpPr>
-          <p:nvPr>
-            <p:ph type="sldNum" sz="quarter" idx="5"/>
-          </p:nvPr>
-        </p:nvSpPr>
-        <p:spPr/>
-        <p:txBody>
-          <a:bodyPr/>
-          <a:lstStyle/>
-          <a:p>
-            <a:fld id="{4906D59D-5BF0-6346-A9F9-00BF8C37E738}" type="slidenum">
-              <a:rPr lang="en-US" smtClean="0"/>
-              <a:t>20</a:t>
-            </a:fld>
-            <a:endParaRPr lang="en-US"/>
-          </a:p>
-        </p:txBody>
-      </p:sp>
-    </p:spTree>
-    <p:extLst>
-      <p:ext uri="{BB962C8B-B14F-4D97-AF65-F5344CB8AC3E}">
-        <p14:creationId xmlns:p14="http://schemas.microsoft.com/office/powerpoint/2010/main" val="3224895"/>
+        <p14:creationId xmlns:p14="http://schemas.microsoft.com/office/powerpoint/2010/main" val="1237207116"/>
       </p:ext>
     </p:extLst>
   </p:cSld>
@@ -1648,594 +1612,6 @@
     <p:extLst>
       <p:ext uri="{BB962C8B-B14F-4D97-AF65-F5344CB8AC3E}">
         <p14:creationId xmlns:p14="http://schemas.microsoft.com/office/powerpoint/2010/main" val="3351645269"/>
-      </p:ext>
-    </p:extLst>
-  </p:cSld>
-  <p:clrMapOvr>
-    <a:masterClrMapping/>
-  </p:clrMapOvr>
-</p:notes>
-</file>
-
-<file path=ppt/notesSlides/notesSlide20.xml><?xml version="1.0" encoding="utf-8"?>
-<p:notes xmlns:a="http://schemas.openxmlformats.org/drawingml/2006/main" xmlns:r="http://schemas.openxmlformats.org/officeDocument/2006/relationships" xmlns:p="http://schemas.openxmlformats.org/presentationml/2006/main">
-  <p:cSld>
-    <p:spTree>
-      <p:nvGrpSpPr>
-        <p:cNvPr id="1" name=""/>
-        <p:cNvGrpSpPr/>
-        <p:nvPr/>
-      </p:nvGrpSpPr>
-      <p:grpSpPr>
-        <a:xfrm>
-          <a:off x="0" y="0"/>
-          <a:ext cx="0" cy="0"/>
-          <a:chOff x="0" y="0"/>
-          <a:chExt cx="0" cy="0"/>
-        </a:xfrm>
-      </p:grpSpPr>
-      <p:sp>
-        <p:nvSpPr>
-          <p:cNvPr id="2" name="Slide Image Placeholder 1"/>
-          <p:cNvSpPr>
-            <a:spLocks noGrp="1" noRot="1" noChangeAspect="1"/>
-          </p:cNvSpPr>
-          <p:nvPr>
-            <p:ph type="sldImg"/>
-          </p:nvPr>
-        </p:nvSpPr>
-        <p:spPr/>
-      </p:sp>
-      <p:sp>
-        <p:nvSpPr>
-          <p:cNvPr id="3" name="Notes Placeholder 2"/>
-          <p:cNvSpPr>
-            <a:spLocks noGrp="1"/>
-          </p:cNvSpPr>
-          <p:nvPr>
-            <p:ph type="body" idx="1"/>
-          </p:nvPr>
-        </p:nvSpPr>
-        <p:spPr/>
-        <p:txBody>
-          <a:bodyPr/>
-          <a:lstStyle/>
-          <a:p>
-            <a:endParaRPr lang="en-US" dirty="0"/>
-          </a:p>
-        </p:txBody>
-      </p:sp>
-      <p:sp>
-        <p:nvSpPr>
-          <p:cNvPr id="4" name="Slide Number Placeholder 3"/>
-          <p:cNvSpPr>
-            <a:spLocks noGrp="1"/>
-          </p:cNvSpPr>
-          <p:nvPr>
-            <p:ph type="sldNum" sz="quarter" idx="5"/>
-          </p:nvPr>
-        </p:nvSpPr>
-        <p:spPr/>
-        <p:txBody>
-          <a:bodyPr/>
-          <a:lstStyle/>
-          <a:p>
-            <a:fld id="{4906D59D-5BF0-6346-A9F9-00BF8C37E738}" type="slidenum">
-              <a:rPr lang="en-US" smtClean="0"/>
-              <a:t>21</a:t>
-            </a:fld>
-            <a:endParaRPr lang="en-US"/>
-          </a:p>
-        </p:txBody>
-      </p:sp>
-    </p:spTree>
-    <p:extLst>
-      <p:ext uri="{BB962C8B-B14F-4D97-AF65-F5344CB8AC3E}">
-        <p14:creationId xmlns:p14="http://schemas.microsoft.com/office/powerpoint/2010/main" val="1237207116"/>
-      </p:ext>
-    </p:extLst>
-  </p:cSld>
-  <p:clrMapOvr>
-    <a:masterClrMapping/>
-  </p:clrMapOvr>
-</p:notes>
-</file>
-
-<file path=ppt/notesSlides/notesSlide21.xml><?xml version="1.0" encoding="utf-8"?>
-<p:notes xmlns:a="http://schemas.openxmlformats.org/drawingml/2006/main" xmlns:r="http://schemas.openxmlformats.org/officeDocument/2006/relationships" xmlns:p="http://schemas.openxmlformats.org/presentationml/2006/main">
-  <p:cSld>
-    <p:spTree>
-      <p:nvGrpSpPr>
-        <p:cNvPr id="1" name=""/>
-        <p:cNvGrpSpPr/>
-        <p:nvPr/>
-      </p:nvGrpSpPr>
-      <p:grpSpPr>
-        <a:xfrm>
-          <a:off x="0" y="0"/>
-          <a:ext cx="0" cy="0"/>
-          <a:chOff x="0" y="0"/>
-          <a:chExt cx="0" cy="0"/>
-        </a:xfrm>
-      </p:grpSpPr>
-      <p:sp>
-        <p:nvSpPr>
-          <p:cNvPr id="2" name="Slide Image Placeholder 1"/>
-          <p:cNvSpPr>
-            <a:spLocks noGrp="1" noRot="1" noChangeAspect="1"/>
-          </p:cNvSpPr>
-          <p:nvPr>
-            <p:ph type="sldImg"/>
-          </p:nvPr>
-        </p:nvSpPr>
-        <p:spPr/>
-      </p:sp>
-      <p:sp>
-        <p:nvSpPr>
-          <p:cNvPr id="3" name="Notes Placeholder 2"/>
-          <p:cNvSpPr>
-            <a:spLocks noGrp="1"/>
-          </p:cNvSpPr>
-          <p:nvPr>
-            <p:ph type="body" idx="1"/>
-          </p:nvPr>
-        </p:nvSpPr>
-        <p:spPr/>
-        <p:txBody>
-          <a:bodyPr/>
-          <a:lstStyle/>
-          <a:p>
-            <a:endParaRPr lang="en-US" dirty="0"/>
-          </a:p>
-        </p:txBody>
-      </p:sp>
-      <p:sp>
-        <p:nvSpPr>
-          <p:cNvPr id="4" name="Slide Number Placeholder 3"/>
-          <p:cNvSpPr>
-            <a:spLocks noGrp="1"/>
-          </p:cNvSpPr>
-          <p:nvPr>
-            <p:ph type="sldNum" sz="quarter" idx="5"/>
-          </p:nvPr>
-        </p:nvSpPr>
-        <p:spPr/>
-        <p:txBody>
-          <a:bodyPr/>
-          <a:lstStyle/>
-          <a:p>
-            <a:fld id="{4906D59D-5BF0-6346-A9F9-00BF8C37E738}" type="slidenum">
-              <a:rPr lang="en-US" smtClean="0"/>
-              <a:t>22</a:t>
-            </a:fld>
-            <a:endParaRPr lang="en-US"/>
-          </a:p>
-        </p:txBody>
-      </p:sp>
-    </p:spTree>
-    <p:extLst>
-      <p:ext uri="{BB962C8B-B14F-4D97-AF65-F5344CB8AC3E}">
-        <p14:creationId xmlns:p14="http://schemas.microsoft.com/office/powerpoint/2010/main" val="4282810659"/>
-      </p:ext>
-    </p:extLst>
-  </p:cSld>
-  <p:clrMapOvr>
-    <a:masterClrMapping/>
-  </p:clrMapOvr>
-</p:notes>
-</file>
-
-<file path=ppt/notesSlides/notesSlide22.xml><?xml version="1.0" encoding="utf-8"?>
-<p:notes xmlns:a="http://schemas.openxmlformats.org/drawingml/2006/main" xmlns:r="http://schemas.openxmlformats.org/officeDocument/2006/relationships" xmlns:p="http://schemas.openxmlformats.org/presentationml/2006/main">
-  <p:cSld>
-    <p:spTree>
-      <p:nvGrpSpPr>
-        <p:cNvPr id="1" name=""/>
-        <p:cNvGrpSpPr/>
-        <p:nvPr/>
-      </p:nvGrpSpPr>
-      <p:grpSpPr>
-        <a:xfrm>
-          <a:off x="0" y="0"/>
-          <a:ext cx="0" cy="0"/>
-          <a:chOff x="0" y="0"/>
-          <a:chExt cx="0" cy="0"/>
-        </a:xfrm>
-      </p:grpSpPr>
-      <p:sp>
-        <p:nvSpPr>
-          <p:cNvPr id="2" name="Slide Image Placeholder 1"/>
-          <p:cNvSpPr>
-            <a:spLocks noGrp="1" noRot="1" noChangeAspect="1"/>
-          </p:cNvSpPr>
-          <p:nvPr>
-            <p:ph type="sldImg"/>
-          </p:nvPr>
-        </p:nvSpPr>
-        <p:spPr/>
-      </p:sp>
-      <p:sp>
-        <p:nvSpPr>
-          <p:cNvPr id="3" name="Notes Placeholder 2"/>
-          <p:cNvSpPr>
-            <a:spLocks noGrp="1"/>
-          </p:cNvSpPr>
-          <p:nvPr>
-            <p:ph type="body" idx="1"/>
-          </p:nvPr>
-        </p:nvSpPr>
-        <p:spPr/>
-        <p:txBody>
-          <a:bodyPr/>
-          <a:lstStyle/>
-          <a:p>
-            <a:endParaRPr lang="en-US" dirty="0"/>
-          </a:p>
-        </p:txBody>
-      </p:sp>
-      <p:sp>
-        <p:nvSpPr>
-          <p:cNvPr id="4" name="Slide Number Placeholder 3"/>
-          <p:cNvSpPr>
-            <a:spLocks noGrp="1"/>
-          </p:cNvSpPr>
-          <p:nvPr>
-            <p:ph type="sldNum" sz="quarter" idx="5"/>
-          </p:nvPr>
-        </p:nvSpPr>
-        <p:spPr/>
-        <p:txBody>
-          <a:bodyPr/>
-          <a:lstStyle/>
-          <a:p>
-            <a:fld id="{4906D59D-5BF0-6346-A9F9-00BF8C37E738}" type="slidenum">
-              <a:rPr lang="en-US" smtClean="0"/>
-              <a:t>23</a:t>
-            </a:fld>
-            <a:endParaRPr lang="en-US"/>
-          </a:p>
-        </p:txBody>
-      </p:sp>
-    </p:spTree>
-    <p:extLst>
-      <p:ext uri="{BB962C8B-B14F-4D97-AF65-F5344CB8AC3E}">
-        <p14:creationId xmlns:p14="http://schemas.microsoft.com/office/powerpoint/2010/main" val="2629793567"/>
-      </p:ext>
-    </p:extLst>
-  </p:cSld>
-  <p:clrMapOvr>
-    <a:masterClrMapping/>
-  </p:clrMapOvr>
-</p:notes>
-</file>
-
-<file path=ppt/notesSlides/notesSlide23.xml><?xml version="1.0" encoding="utf-8"?>
-<p:notes xmlns:a="http://schemas.openxmlformats.org/drawingml/2006/main" xmlns:r="http://schemas.openxmlformats.org/officeDocument/2006/relationships" xmlns:p="http://schemas.openxmlformats.org/presentationml/2006/main">
-  <p:cSld>
-    <p:spTree>
-      <p:nvGrpSpPr>
-        <p:cNvPr id="1" name=""/>
-        <p:cNvGrpSpPr/>
-        <p:nvPr/>
-      </p:nvGrpSpPr>
-      <p:grpSpPr>
-        <a:xfrm>
-          <a:off x="0" y="0"/>
-          <a:ext cx="0" cy="0"/>
-          <a:chOff x="0" y="0"/>
-          <a:chExt cx="0" cy="0"/>
-        </a:xfrm>
-      </p:grpSpPr>
-      <p:sp>
-        <p:nvSpPr>
-          <p:cNvPr id="2" name="Slide Image Placeholder 1"/>
-          <p:cNvSpPr>
-            <a:spLocks noGrp="1" noRot="1" noChangeAspect="1"/>
-          </p:cNvSpPr>
-          <p:nvPr>
-            <p:ph type="sldImg"/>
-          </p:nvPr>
-        </p:nvSpPr>
-        <p:spPr/>
-      </p:sp>
-      <p:sp>
-        <p:nvSpPr>
-          <p:cNvPr id="3" name="Notes Placeholder 2"/>
-          <p:cNvSpPr>
-            <a:spLocks noGrp="1"/>
-          </p:cNvSpPr>
-          <p:nvPr>
-            <p:ph type="body" idx="1"/>
-          </p:nvPr>
-        </p:nvSpPr>
-        <p:spPr/>
-        <p:txBody>
-          <a:bodyPr/>
-          <a:lstStyle/>
-          <a:p>
-            <a:endParaRPr lang="en-US" dirty="0"/>
-          </a:p>
-        </p:txBody>
-      </p:sp>
-      <p:sp>
-        <p:nvSpPr>
-          <p:cNvPr id="4" name="Slide Number Placeholder 3"/>
-          <p:cNvSpPr>
-            <a:spLocks noGrp="1"/>
-          </p:cNvSpPr>
-          <p:nvPr>
-            <p:ph type="sldNum" sz="quarter" idx="5"/>
-          </p:nvPr>
-        </p:nvSpPr>
-        <p:spPr/>
-        <p:txBody>
-          <a:bodyPr/>
-          <a:lstStyle/>
-          <a:p>
-            <a:fld id="{4906D59D-5BF0-6346-A9F9-00BF8C37E738}" type="slidenum">
-              <a:rPr lang="en-US" smtClean="0"/>
-              <a:t>24</a:t>
-            </a:fld>
-            <a:endParaRPr lang="en-US"/>
-          </a:p>
-        </p:txBody>
-      </p:sp>
-    </p:spTree>
-    <p:extLst>
-      <p:ext uri="{BB962C8B-B14F-4D97-AF65-F5344CB8AC3E}">
-        <p14:creationId xmlns:p14="http://schemas.microsoft.com/office/powerpoint/2010/main" val="2660352769"/>
-      </p:ext>
-    </p:extLst>
-  </p:cSld>
-  <p:clrMapOvr>
-    <a:masterClrMapping/>
-  </p:clrMapOvr>
-</p:notes>
-</file>
-
-<file path=ppt/notesSlides/notesSlide24.xml><?xml version="1.0" encoding="utf-8"?>
-<p:notes xmlns:a="http://schemas.openxmlformats.org/drawingml/2006/main" xmlns:r="http://schemas.openxmlformats.org/officeDocument/2006/relationships" xmlns:p="http://schemas.openxmlformats.org/presentationml/2006/main">
-  <p:cSld>
-    <p:spTree>
-      <p:nvGrpSpPr>
-        <p:cNvPr id="1" name=""/>
-        <p:cNvGrpSpPr/>
-        <p:nvPr/>
-      </p:nvGrpSpPr>
-      <p:grpSpPr>
-        <a:xfrm>
-          <a:off x="0" y="0"/>
-          <a:ext cx="0" cy="0"/>
-          <a:chOff x="0" y="0"/>
-          <a:chExt cx="0" cy="0"/>
-        </a:xfrm>
-      </p:grpSpPr>
-      <p:sp>
-        <p:nvSpPr>
-          <p:cNvPr id="2" name="Slide Image Placeholder 1"/>
-          <p:cNvSpPr>
-            <a:spLocks noGrp="1" noRot="1" noChangeAspect="1"/>
-          </p:cNvSpPr>
-          <p:nvPr>
-            <p:ph type="sldImg"/>
-          </p:nvPr>
-        </p:nvSpPr>
-        <p:spPr/>
-      </p:sp>
-      <p:sp>
-        <p:nvSpPr>
-          <p:cNvPr id="3" name="Notes Placeholder 2"/>
-          <p:cNvSpPr>
-            <a:spLocks noGrp="1"/>
-          </p:cNvSpPr>
-          <p:nvPr>
-            <p:ph type="body" idx="1"/>
-          </p:nvPr>
-        </p:nvSpPr>
-        <p:spPr/>
-        <p:txBody>
-          <a:bodyPr/>
-          <a:lstStyle/>
-          <a:p>
-            <a:endParaRPr lang="en-US" dirty="0"/>
-          </a:p>
-        </p:txBody>
-      </p:sp>
-      <p:sp>
-        <p:nvSpPr>
-          <p:cNvPr id="4" name="Slide Number Placeholder 3"/>
-          <p:cNvSpPr>
-            <a:spLocks noGrp="1"/>
-          </p:cNvSpPr>
-          <p:nvPr>
-            <p:ph type="sldNum" sz="quarter" idx="5"/>
-          </p:nvPr>
-        </p:nvSpPr>
-        <p:spPr/>
-        <p:txBody>
-          <a:bodyPr/>
-          <a:lstStyle/>
-          <a:p>
-            <a:fld id="{4906D59D-5BF0-6346-A9F9-00BF8C37E738}" type="slidenum">
-              <a:rPr lang="en-US" smtClean="0"/>
-              <a:t>25</a:t>
-            </a:fld>
-            <a:endParaRPr lang="en-US"/>
-          </a:p>
-        </p:txBody>
-      </p:sp>
-    </p:spTree>
-    <p:extLst>
-      <p:ext uri="{BB962C8B-B14F-4D97-AF65-F5344CB8AC3E}">
-        <p14:creationId xmlns:p14="http://schemas.microsoft.com/office/powerpoint/2010/main" val="4048838578"/>
-      </p:ext>
-    </p:extLst>
-  </p:cSld>
-  <p:clrMapOvr>
-    <a:masterClrMapping/>
-  </p:clrMapOvr>
-</p:notes>
-</file>
-
-<file path=ppt/notesSlides/notesSlide25.xml><?xml version="1.0" encoding="utf-8"?>
-<p:notes xmlns:a="http://schemas.openxmlformats.org/drawingml/2006/main" xmlns:r="http://schemas.openxmlformats.org/officeDocument/2006/relationships" xmlns:p="http://schemas.openxmlformats.org/presentationml/2006/main">
-  <p:cSld>
-    <p:spTree>
-      <p:nvGrpSpPr>
-        <p:cNvPr id="1" name=""/>
-        <p:cNvGrpSpPr/>
-        <p:nvPr/>
-      </p:nvGrpSpPr>
-      <p:grpSpPr>
-        <a:xfrm>
-          <a:off x="0" y="0"/>
-          <a:ext cx="0" cy="0"/>
-          <a:chOff x="0" y="0"/>
-          <a:chExt cx="0" cy="0"/>
-        </a:xfrm>
-      </p:grpSpPr>
-      <p:sp>
-        <p:nvSpPr>
-          <p:cNvPr id="2" name="Slide Image Placeholder 1"/>
-          <p:cNvSpPr>
-            <a:spLocks noGrp="1" noRot="1" noChangeAspect="1"/>
-          </p:cNvSpPr>
-          <p:nvPr>
-            <p:ph type="sldImg"/>
-          </p:nvPr>
-        </p:nvSpPr>
-        <p:spPr/>
-      </p:sp>
-      <p:sp>
-        <p:nvSpPr>
-          <p:cNvPr id="3" name="Notes Placeholder 2"/>
-          <p:cNvSpPr>
-            <a:spLocks noGrp="1"/>
-          </p:cNvSpPr>
-          <p:nvPr>
-            <p:ph type="body" idx="1"/>
-          </p:nvPr>
-        </p:nvSpPr>
-        <p:spPr/>
-        <p:txBody>
-          <a:bodyPr/>
-          <a:lstStyle/>
-          <a:p>
-            <a:endParaRPr lang="en-US" dirty="0"/>
-          </a:p>
-        </p:txBody>
-      </p:sp>
-      <p:sp>
-        <p:nvSpPr>
-          <p:cNvPr id="4" name="Slide Number Placeholder 3"/>
-          <p:cNvSpPr>
-            <a:spLocks noGrp="1"/>
-          </p:cNvSpPr>
-          <p:nvPr>
-            <p:ph type="sldNum" sz="quarter" idx="5"/>
-          </p:nvPr>
-        </p:nvSpPr>
-        <p:spPr/>
-        <p:txBody>
-          <a:bodyPr/>
-          <a:lstStyle/>
-          <a:p>
-            <a:fld id="{4906D59D-5BF0-6346-A9F9-00BF8C37E738}" type="slidenum">
-              <a:rPr lang="en-US" smtClean="0"/>
-              <a:t>26</a:t>
-            </a:fld>
-            <a:endParaRPr lang="en-US"/>
-          </a:p>
-        </p:txBody>
-      </p:sp>
-    </p:spTree>
-    <p:extLst>
-      <p:ext uri="{BB962C8B-B14F-4D97-AF65-F5344CB8AC3E}">
-        <p14:creationId xmlns:p14="http://schemas.microsoft.com/office/powerpoint/2010/main" val="2036717176"/>
-      </p:ext>
-    </p:extLst>
-  </p:cSld>
-  <p:clrMapOvr>
-    <a:masterClrMapping/>
-  </p:clrMapOvr>
-</p:notes>
-</file>
-
-<file path=ppt/notesSlides/notesSlide26.xml><?xml version="1.0" encoding="utf-8"?>
-<p:notes xmlns:a="http://schemas.openxmlformats.org/drawingml/2006/main" xmlns:r="http://schemas.openxmlformats.org/officeDocument/2006/relationships" xmlns:p="http://schemas.openxmlformats.org/presentationml/2006/main">
-  <p:cSld>
-    <p:spTree>
-      <p:nvGrpSpPr>
-        <p:cNvPr id="1" name=""/>
-        <p:cNvGrpSpPr/>
-        <p:nvPr/>
-      </p:nvGrpSpPr>
-      <p:grpSpPr>
-        <a:xfrm>
-          <a:off x="0" y="0"/>
-          <a:ext cx="0" cy="0"/>
-          <a:chOff x="0" y="0"/>
-          <a:chExt cx="0" cy="0"/>
-        </a:xfrm>
-      </p:grpSpPr>
-      <p:sp>
-        <p:nvSpPr>
-          <p:cNvPr id="2" name="Slide Image Placeholder 1"/>
-          <p:cNvSpPr>
-            <a:spLocks noGrp="1" noRot="1" noChangeAspect="1"/>
-          </p:cNvSpPr>
-          <p:nvPr>
-            <p:ph type="sldImg"/>
-          </p:nvPr>
-        </p:nvSpPr>
-        <p:spPr/>
-      </p:sp>
-      <p:sp>
-        <p:nvSpPr>
-          <p:cNvPr id="3" name="Notes Placeholder 2"/>
-          <p:cNvSpPr>
-            <a:spLocks noGrp="1"/>
-          </p:cNvSpPr>
-          <p:nvPr>
-            <p:ph type="body" idx="1"/>
-          </p:nvPr>
-        </p:nvSpPr>
-        <p:spPr/>
-        <p:txBody>
-          <a:bodyPr/>
-          <a:lstStyle/>
-          <a:p>
-            <a:endParaRPr lang="en-US" dirty="0"/>
-          </a:p>
-        </p:txBody>
-      </p:sp>
-      <p:sp>
-        <p:nvSpPr>
-          <p:cNvPr id="4" name="Slide Number Placeholder 3"/>
-          <p:cNvSpPr>
-            <a:spLocks noGrp="1"/>
-          </p:cNvSpPr>
-          <p:nvPr>
-            <p:ph type="sldNum" sz="quarter" idx="5"/>
-          </p:nvPr>
-        </p:nvSpPr>
-        <p:spPr/>
-        <p:txBody>
-          <a:bodyPr/>
-          <a:lstStyle/>
-          <a:p>
-            <a:fld id="{4906D59D-5BF0-6346-A9F9-00BF8C37E738}" type="slidenum">
-              <a:rPr lang="en-US" smtClean="0"/>
-              <a:t>27</a:t>
-            </a:fld>
-            <a:endParaRPr lang="en-US"/>
-          </a:p>
-        </p:txBody>
-      </p:sp>
-    </p:spTree>
-    <p:extLst>
-      <p:ext uri="{BB962C8B-B14F-4D97-AF65-F5344CB8AC3E}">
-        <p14:creationId xmlns:p14="http://schemas.microsoft.com/office/powerpoint/2010/main" val="1948278416"/>
       </p:ext>
     </p:extLst>
   </p:cSld>
@@ -2646,7 +2022,7 @@
           <a:p>
             <a:fld id="{4906D59D-5BF0-6346-A9F9-00BF8C37E738}" type="slidenum">
               <a:rPr lang="en-US" smtClean="0"/>
-              <a:t>8</a:t>
+              <a:t>9</a:t>
             </a:fld>
             <a:endParaRPr lang="en-US"/>
           </a:p>
@@ -2655,7 +2031,7 @@
     </p:spTree>
     <p:extLst>
       <p:ext uri="{BB962C8B-B14F-4D97-AF65-F5344CB8AC3E}">
-        <p14:creationId xmlns:p14="http://schemas.microsoft.com/office/powerpoint/2010/main" val="3331801632"/>
+        <p14:creationId xmlns:p14="http://schemas.microsoft.com/office/powerpoint/2010/main" val="966596030"/>
       </p:ext>
     </p:extLst>
   </p:cSld>
@@ -2730,7 +2106,7 @@
           <a:p>
             <a:fld id="{4906D59D-5BF0-6346-A9F9-00BF8C37E738}" type="slidenum">
               <a:rPr lang="en-US" smtClean="0"/>
-              <a:t>9</a:t>
+              <a:t>10</a:t>
             </a:fld>
             <a:endParaRPr lang="en-US"/>
           </a:p>
@@ -2739,7 +2115,7 @@
     </p:spTree>
     <p:extLst>
       <p:ext uri="{BB962C8B-B14F-4D97-AF65-F5344CB8AC3E}">
-        <p14:creationId xmlns:p14="http://schemas.microsoft.com/office/powerpoint/2010/main" val="966596030"/>
+        <p14:creationId xmlns:p14="http://schemas.microsoft.com/office/powerpoint/2010/main" val="2351213820"/>
       </p:ext>
     </p:extLst>
   </p:cSld>
@@ -2814,7 +2190,7 @@
           <a:p>
             <a:fld id="{4906D59D-5BF0-6346-A9F9-00BF8C37E738}" type="slidenum">
               <a:rPr lang="en-US" smtClean="0"/>
-              <a:t>10</a:t>
+              <a:t>11</a:t>
             </a:fld>
             <a:endParaRPr lang="en-US"/>
           </a:p>
@@ -2823,7 +2199,7 @@
     </p:spTree>
     <p:extLst>
       <p:ext uri="{BB962C8B-B14F-4D97-AF65-F5344CB8AC3E}">
-        <p14:creationId xmlns:p14="http://schemas.microsoft.com/office/powerpoint/2010/main" val="2351213820"/>
+        <p14:creationId xmlns:p14="http://schemas.microsoft.com/office/powerpoint/2010/main" val="1248001890"/>
       </p:ext>
     </p:extLst>
   </p:cSld>
@@ -2980,7 +2356,7 @@
           <a:p>
             <a:fld id="{378873E4-3B62-4C03-AC2E-F1BC5ACD71BB}" type="datetimeFigureOut">
               <a:rPr lang="en-US" smtClean="0"/>
-              <a:t>5/13/2024</a:t>
+              <a:t>5/14/2024</a:t>
             </a:fld>
             <a:endParaRPr lang="en-US"/>
           </a:p>
@@ -3178,7 +2554,7 @@
           <a:p>
             <a:fld id="{378873E4-3B62-4C03-AC2E-F1BC5ACD71BB}" type="datetimeFigureOut">
               <a:rPr lang="en-US" smtClean="0"/>
-              <a:t>5/13/2024</a:t>
+              <a:t>5/14/2024</a:t>
             </a:fld>
             <a:endParaRPr lang="en-US"/>
           </a:p>
@@ -3386,7 +2762,7 @@
           <a:p>
             <a:fld id="{378873E4-3B62-4C03-AC2E-F1BC5ACD71BB}" type="datetimeFigureOut">
               <a:rPr lang="en-US" smtClean="0"/>
-              <a:t>5/13/2024</a:t>
+              <a:t>5/14/2024</a:t>
             </a:fld>
             <a:endParaRPr lang="en-US"/>
           </a:p>
@@ -3584,7 +2960,7 @@
           <a:p>
             <a:fld id="{378873E4-3B62-4C03-AC2E-F1BC5ACD71BB}" type="datetimeFigureOut">
               <a:rPr lang="en-US" smtClean="0"/>
-              <a:t>5/13/2024</a:t>
+              <a:t>5/14/2024</a:t>
             </a:fld>
             <a:endParaRPr lang="en-US"/>
           </a:p>
@@ -3859,7 +3235,7 @@
           <a:p>
             <a:fld id="{378873E4-3B62-4C03-AC2E-F1BC5ACD71BB}" type="datetimeFigureOut">
               <a:rPr lang="en-US" smtClean="0"/>
-              <a:t>5/13/2024</a:t>
+              <a:t>5/14/2024</a:t>
             </a:fld>
             <a:endParaRPr lang="en-US"/>
           </a:p>
@@ -4124,7 +3500,7 @@
           <a:p>
             <a:fld id="{378873E4-3B62-4C03-AC2E-F1BC5ACD71BB}" type="datetimeFigureOut">
               <a:rPr lang="en-US" smtClean="0"/>
-              <a:t>5/13/2024</a:t>
+              <a:t>5/14/2024</a:t>
             </a:fld>
             <a:endParaRPr lang="en-US"/>
           </a:p>
@@ -4536,7 +3912,7 @@
           <a:p>
             <a:fld id="{378873E4-3B62-4C03-AC2E-F1BC5ACD71BB}" type="datetimeFigureOut">
               <a:rPr lang="en-US" smtClean="0"/>
-              <a:t>5/13/2024</a:t>
+              <a:t>5/14/2024</a:t>
             </a:fld>
             <a:endParaRPr lang="en-US"/>
           </a:p>
@@ -4677,7 +4053,7 @@
           <a:p>
             <a:fld id="{378873E4-3B62-4C03-AC2E-F1BC5ACD71BB}" type="datetimeFigureOut">
               <a:rPr lang="en-US" smtClean="0"/>
-              <a:t>5/13/2024</a:t>
+              <a:t>5/14/2024</a:t>
             </a:fld>
             <a:endParaRPr lang="en-US"/>
           </a:p>
@@ -4790,7 +4166,7 @@
           <a:p>
             <a:fld id="{378873E4-3B62-4C03-AC2E-F1BC5ACD71BB}" type="datetimeFigureOut">
               <a:rPr lang="en-US" smtClean="0"/>
-              <a:t>5/13/2024</a:t>
+              <a:t>5/14/2024</a:t>
             </a:fld>
             <a:endParaRPr lang="en-US"/>
           </a:p>
@@ -5101,7 +4477,7 @@
           <a:p>
             <a:fld id="{378873E4-3B62-4C03-AC2E-F1BC5ACD71BB}" type="datetimeFigureOut">
               <a:rPr lang="en-US" smtClean="0"/>
-              <a:t>5/13/2024</a:t>
+              <a:t>5/14/2024</a:t>
             </a:fld>
             <a:endParaRPr lang="en-US"/>
           </a:p>
@@ -5389,7 +4765,7 @@
           <a:p>
             <a:fld id="{378873E4-3B62-4C03-AC2E-F1BC5ACD71BB}" type="datetimeFigureOut">
               <a:rPr lang="en-US" smtClean="0"/>
-              <a:t>5/13/2024</a:t>
+              <a:t>5/14/2024</a:t>
             </a:fld>
             <a:endParaRPr lang="en-US"/>
           </a:p>
@@ -5630,7 +5006,7 @@
           <a:p>
             <a:fld id="{378873E4-3B62-4C03-AC2E-F1BC5ACD71BB}" type="datetimeFigureOut">
               <a:rPr lang="en-US" smtClean="0"/>
-              <a:t>5/13/2024</a:t>
+              <a:t>5/14/2024</a:t>
             </a:fld>
             <a:endParaRPr lang="en-US"/>
           </a:p>
@@ -6191,123 +5567,6 @@
           <a:p>
             <a:r>
               <a:rPr lang="en-US" dirty="0"/>
-              <a:t>Communication Network Architecture</a:t>
-            </a:r>
-          </a:p>
-          <a:p>
-            <a:pPr lvl="1"/>
-            <a:r>
-              <a:rPr lang="en-US" dirty="0"/>
-              <a:t>Peer-to-peer, Dynamic Mesh Topology</a:t>
-            </a:r>
-          </a:p>
-          <a:p>
-            <a:pPr lvl="1"/>
-            <a:r>
-              <a:rPr lang="en-US" dirty="0"/>
-              <a:t>Nodes: </a:t>
-            </a:r>
-            <a:r>
-              <a:rPr lang="en-US" b="1" dirty="0"/>
-              <a:t>ESP32</a:t>
-            </a:r>
-          </a:p>
-          <a:p>
-            <a:pPr lvl="1"/>
-            <a:r>
-              <a:rPr lang="en-US" dirty="0"/>
-              <a:t>Protocols: </a:t>
-            </a:r>
-          </a:p>
-          <a:p>
-            <a:pPr lvl="2"/>
-            <a:r>
-              <a:rPr lang="en-US" dirty="0"/>
-              <a:t>Wi-Fi Direct (no need Wi-Fi AP)</a:t>
-            </a:r>
-          </a:p>
-          <a:p>
-            <a:pPr lvl="2"/>
-            <a:r>
-              <a:rPr lang="en-US" dirty="0"/>
-              <a:t>BLE?</a:t>
-            </a:r>
-          </a:p>
-          <a:p>
-            <a:pPr lvl="2"/>
-            <a:r>
-              <a:rPr lang="en-US" dirty="0"/>
-              <a:t>Best path for data packets</a:t>
-            </a:r>
-          </a:p>
-          <a:p>
-            <a:endParaRPr lang="en-US" dirty="0"/>
-          </a:p>
-          <a:p>
-            <a:endParaRPr lang="en-US" dirty="0"/>
-          </a:p>
-        </p:txBody>
-      </p:sp>
-    </p:spTree>
-    <p:extLst>
-      <p:ext uri="{BB962C8B-B14F-4D97-AF65-F5344CB8AC3E}">
-        <p14:creationId xmlns:p14="http://schemas.microsoft.com/office/powerpoint/2010/main" val="3596397592"/>
-      </p:ext>
-    </p:extLst>
-  </p:cSld>
-  <p:clrMapOvr>
-    <a:masterClrMapping/>
-  </p:clrMapOvr>
-</p:sld>
-</file>
-
-<file path=ppt/slides/slide11.xml><?xml version="1.0" encoding="utf-8"?>
-<p:sld xmlns:a="http://schemas.openxmlformats.org/drawingml/2006/main" xmlns:r="http://schemas.openxmlformats.org/officeDocument/2006/relationships" xmlns:p="http://schemas.openxmlformats.org/presentationml/2006/main">
-  <p:cSld>
-    <p:spTree>
-      <p:nvGrpSpPr>
-        <p:cNvPr id="1" name=""/>
-        <p:cNvGrpSpPr/>
-        <p:nvPr/>
-      </p:nvGrpSpPr>
-      <p:grpSpPr>
-        <a:xfrm>
-          <a:off x="0" y="0"/>
-          <a:ext cx="0" cy="0"/>
-          <a:chOff x="0" y="0"/>
-          <a:chExt cx="0" cy="0"/>
-        </a:xfrm>
-      </p:grpSpPr>
-      <p:sp>
-        <p:nvSpPr>
-          <p:cNvPr id="3" name="Content Placeholder 2">
-            <a:extLst>
-              <a:ext uri="{FF2B5EF4-FFF2-40B4-BE49-F238E27FC236}">
-                <a16:creationId xmlns:a16="http://schemas.microsoft.com/office/drawing/2014/main" id="{85E36873-996E-DE0C-2F0B-9B5EEA8AA4E6}"/>
-              </a:ext>
-            </a:extLst>
-          </p:cNvPr>
-          <p:cNvSpPr>
-            <a:spLocks noGrp="1"/>
-          </p:cNvSpPr>
-          <p:nvPr>
-            <p:ph idx="1"/>
-          </p:nvPr>
-        </p:nvSpPr>
-        <p:spPr>
-          <a:xfrm>
-            <a:off x="838200" y="479502"/>
-            <a:ext cx="10515600" cy="5697461"/>
-          </a:xfrm>
-        </p:spPr>
-        <p:txBody>
-          <a:bodyPr>
-            <a:normAutofit/>
-          </a:bodyPr>
-          <a:lstStyle/>
-          <a:p>
-            <a:r>
-              <a:rPr lang="en-US" dirty="0"/>
               <a:t>MCUs selection: </a:t>
             </a:r>
             <a:r>
@@ -6339,7 +5598,7 @@
         </p:blipFill>
         <p:spPr>
           <a:xfrm>
-            <a:off x="2627939" y="1129349"/>
+            <a:off x="2601663" y="1004539"/>
             <a:ext cx="7568804" cy="4857263"/>
           </a:xfrm>
           <a:prstGeom prst="rect">
@@ -6431,6 +5690,76 @@
           </a:fontRef>
         </p:style>
       </p:cxnSp>
+      <p:sp>
+        <p:nvSpPr>
+          <p:cNvPr id="5" name="TextBox 4">
+            <a:extLst>
+              <a:ext uri="{FF2B5EF4-FFF2-40B4-BE49-F238E27FC236}">
+                <a16:creationId xmlns:a16="http://schemas.microsoft.com/office/drawing/2014/main" id="{522BC8C6-0013-BCD7-7BB2-BD3026143696}"/>
+              </a:ext>
+            </a:extLst>
+          </p:cNvPr>
+          <p:cNvSpPr txBox="1"/>
+          <p:nvPr/>
+        </p:nvSpPr>
+        <p:spPr>
+          <a:xfrm>
+            <a:off x="-1" y="4079325"/>
+            <a:ext cx="11795233" cy="2862322"/>
+          </a:xfrm>
+          <a:prstGeom prst="rect">
+            <a:avLst/>
+          </a:prstGeom>
+          <a:noFill/>
+        </p:spPr>
+        <p:txBody>
+          <a:bodyPr rot="0" spcFirstLastPara="0" vertOverflow="overflow" horzOverflow="overflow" vert="horz" wrap="square" lIns="91440" tIns="45720" rIns="91440" bIns="45720" numCol="1" spcCol="0" rtlCol="0" fromWordArt="0" anchor="t" anchorCtr="0" forceAA="0" compatLnSpc="1">
+            <a:prstTxWarp prst="textNoShape">
+              <a:avLst/>
+            </a:prstTxWarp>
+            <a:spAutoFit/>
+          </a:bodyPr>
+          <a:lstStyle/>
+          <a:p>
+            <a:r>
+              <a:rPr lang="en-US" dirty="0">
+                <a:ea typeface="+mn-lt"/>
+                <a:cs typeface="+mn-lt"/>
+                <a:hlinkClick r:id="rId4"/>
+              </a:rPr>
+              <a:t>https://www.amazon.com/gp/product/B0B3JD1K1T/ref=ox_sc_act_title_1?smid=A3S807LE0L63AP&amp;psc=1</a:t>
+            </a:r>
+            <a:br>
+              <a:rPr lang="en-US" dirty="0">
+                <a:ea typeface="+mn-lt"/>
+                <a:cs typeface="+mn-lt"/>
+              </a:rPr>
+            </a:br>
+            <a:r>
+              <a:rPr lang="en-US" dirty="0">
+                <a:ea typeface="+mn-lt"/>
+                <a:cs typeface="+mn-lt"/>
+                <a:hlinkClick r:id="rId5"/>
+              </a:rPr>
+              <a:t>https://www.amazon.com/Freenove-ESP32-WROVER-Bluetooth-Compatible-Tutorials/dp/B0CJJHXD1W/ref=sr_1_2?crid=F1E4RMJ0368C&amp;dib=eyJ2IjoiMSJ9.qRWqoY_UasjKo8Ke477M5cCkEpLxcPZqIAzXzRbPz-kVq5RbFAECDwEmGCtijln69j0TlvTjtibegiWc7lkIehlRMlnL7-UJEp_XkSgDB9whYNWhHsj-R9CdxqcuGV1IrYO6HDycrHPRSqW75PRFs_APxhMcHc7xtOMq_2E9I5bF_s-or5yihVbL9QRVQyKbtCmU5cJ4JLpJI5KJWO-52Nkx4k3YA15Gw2Tx2kA13G8.NP8mD56wBrTqJJQHvm9kXCRnOug7k8xrEhyc3TJV-pI&amp;dib_tag=se&amp;keywords=ESP32-WROVER&amp;qid=1715748951&amp;sprefix=esp32-wrover%2Caps%2C153&amp;sr=8-2&amp;th=1</a:t>
+            </a:r>
+            <a:endParaRPr lang="en-US"/>
+          </a:p>
+          <a:p>
+            <a:pPr algn="l"/>
+            <a:endParaRPr lang="en-US" dirty="0">
+              <a:ea typeface="+mn-lt"/>
+              <a:cs typeface="+mn-lt"/>
+            </a:endParaRPr>
+          </a:p>
+          <a:p>
+            <a:endParaRPr lang="en-US" dirty="0">
+              <a:ea typeface="+mn-lt"/>
+              <a:cs typeface="+mn-lt"/>
+            </a:endParaRPr>
+          </a:p>
+        </p:txBody>
+      </p:sp>
     </p:spTree>
     <p:extLst>
       <p:ext uri="{BB962C8B-B14F-4D97-AF65-F5344CB8AC3E}">
@@ -6444,7 +5773,7 @@
 </p:sld>
 </file>
 
-<file path=ppt/slides/slide12.xml><?xml version="1.0" encoding="utf-8"?>
+<file path=ppt/slides/slide11.xml><?xml version="1.0" encoding="utf-8"?>
 <p:sld xmlns:a="http://schemas.openxmlformats.org/drawingml/2006/main" xmlns:r="http://schemas.openxmlformats.org/officeDocument/2006/relationships" xmlns:p="http://schemas.openxmlformats.org/presentationml/2006/main">
   <p:cSld>
     <p:spTree>
@@ -6575,69 +5904,7 @@
 </p:sld>
 </file>
 
-<file path=ppt/slides/slide13.xml><?xml version="1.0" encoding="utf-8"?>
-<p:sld xmlns:a="http://schemas.openxmlformats.org/drawingml/2006/main" xmlns:r="http://schemas.openxmlformats.org/officeDocument/2006/relationships" xmlns:p="http://schemas.openxmlformats.org/presentationml/2006/main">
-  <p:cSld>
-    <p:spTree>
-      <p:nvGrpSpPr>
-        <p:cNvPr id="1" name=""/>
-        <p:cNvGrpSpPr/>
-        <p:nvPr/>
-      </p:nvGrpSpPr>
-      <p:grpSpPr>
-        <a:xfrm>
-          <a:off x="0" y="0"/>
-          <a:ext cx="0" cy="0"/>
-          <a:chOff x="0" y="0"/>
-          <a:chExt cx="0" cy="0"/>
-        </a:xfrm>
-      </p:grpSpPr>
-      <p:sp>
-        <p:nvSpPr>
-          <p:cNvPr id="3" name="Content Placeholder 2">
-            <a:extLst>
-              <a:ext uri="{FF2B5EF4-FFF2-40B4-BE49-F238E27FC236}">
-                <a16:creationId xmlns:a16="http://schemas.microsoft.com/office/drawing/2014/main" id="{85E36873-996E-DE0C-2F0B-9B5EEA8AA4E6}"/>
-              </a:ext>
-            </a:extLst>
-          </p:cNvPr>
-          <p:cNvSpPr>
-            <a:spLocks noGrp="1"/>
-          </p:cNvSpPr>
-          <p:nvPr>
-            <p:ph idx="1"/>
-          </p:nvPr>
-        </p:nvSpPr>
-        <p:spPr>
-          <a:xfrm>
-            <a:off x="838200" y="479502"/>
-            <a:ext cx="10515600" cy="5697461"/>
-          </a:xfrm>
-        </p:spPr>
-        <p:txBody>
-          <a:bodyPr>
-            <a:normAutofit/>
-          </a:bodyPr>
-          <a:lstStyle/>
-          <a:p>
-            <a:endParaRPr lang="en-US" dirty="0"/>
-          </a:p>
-        </p:txBody>
-      </p:sp>
-    </p:spTree>
-    <p:extLst>
-      <p:ext uri="{BB962C8B-B14F-4D97-AF65-F5344CB8AC3E}">
-        <p14:creationId xmlns:p14="http://schemas.microsoft.com/office/powerpoint/2010/main" val="2571723314"/>
-      </p:ext>
-    </p:extLst>
-  </p:cSld>
-  <p:clrMapOvr>
-    <a:masterClrMapping/>
-  </p:clrMapOvr>
-</p:sld>
-</file>
-
-<file path=ppt/slides/slide14.xml><?xml version="1.0" encoding="utf-8"?>
+<file path=ppt/slides/slide12.xml><?xml version="1.0" encoding="utf-8"?>
 <p:sld xmlns:a="http://schemas.openxmlformats.org/drawingml/2006/main" xmlns:r="http://schemas.openxmlformats.org/officeDocument/2006/relationships" xmlns:p="http://schemas.openxmlformats.org/presentationml/2006/main">
   <p:cSld>
     <p:spTree>
@@ -6739,6 +6006,207 @@
 </p:sld>
 </file>
 
+<file path=ppt/slides/slide13.xml><?xml version="1.0" encoding="utf-8"?>
+<p:sld xmlns:a="http://schemas.openxmlformats.org/drawingml/2006/main" xmlns:r="http://schemas.openxmlformats.org/officeDocument/2006/relationships" xmlns:p="http://schemas.openxmlformats.org/presentationml/2006/main">
+  <p:cSld>
+    <p:spTree>
+      <p:nvGrpSpPr>
+        <p:cNvPr id="1" name=""/>
+        <p:cNvGrpSpPr/>
+        <p:nvPr/>
+      </p:nvGrpSpPr>
+      <p:grpSpPr>
+        <a:xfrm>
+          <a:off x="0" y="0"/>
+          <a:ext cx="0" cy="0"/>
+          <a:chOff x="0" y="0"/>
+          <a:chExt cx="0" cy="0"/>
+        </a:xfrm>
+      </p:grpSpPr>
+      <p:sp>
+        <p:nvSpPr>
+          <p:cNvPr id="3" name="Content Placeholder 2">
+            <a:extLst>
+              <a:ext uri="{FF2B5EF4-FFF2-40B4-BE49-F238E27FC236}">
+                <a16:creationId xmlns:a16="http://schemas.microsoft.com/office/drawing/2014/main" id="{85E36873-996E-DE0C-2F0B-9B5EEA8AA4E6}"/>
+              </a:ext>
+            </a:extLst>
+          </p:cNvPr>
+          <p:cNvSpPr>
+            <a:spLocks noGrp="1"/>
+          </p:cNvSpPr>
+          <p:nvPr>
+            <p:ph idx="1"/>
+          </p:nvPr>
+        </p:nvSpPr>
+        <p:spPr>
+          <a:xfrm>
+            <a:off x="838200" y="479502"/>
+            <a:ext cx="10515600" cy="5697461"/>
+          </a:xfrm>
+        </p:spPr>
+        <p:txBody>
+          <a:bodyPr/>
+          <a:lstStyle/>
+          <a:p>
+            <a:r>
+              <a:rPr lang="en-US" dirty="0"/>
+              <a:t>A Systematic Literature Review on Distributed Machine Learning in Edge Computing</a:t>
+            </a:r>
+          </a:p>
+          <a:p>
+            <a:pPr lvl="1"/>
+            <a:r>
+              <a:rPr lang="en-US" dirty="0"/>
+              <a:t>Table 8. EI frameworks</a:t>
+            </a:r>
+          </a:p>
+          <a:p>
+            <a:endParaRPr lang="en-US" dirty="0"/>
+          </a:p>
+          <a:p>
+            <a:r>
+              <a:rPr lang="en-US" dirty="0"/>
+              <a:t>If applicable, decentralized learning frameworks</a:t>
+            </a:r>
+          </a:p>
+          <a:p>
+            <a:endParaRPr lang="en-US" dirty="0"/>
+          </a:p>
+          <a:p>
+            <a:r>
+              <a:rPr lang="en-US" dirty="0"/>
+              <a:t>SWARM LEARNING: A SURVEY OF CONCEPTS, APPLICATIONS, AND TRENDS</a:t>
+            </a:r>
+          </a:p>
+          <a:p>
+            <a:endParaRPr lang="en-US" dirty="0"/>
+          </a:p>
+          <a:p>
+            <a:r>
+              <a:rPr lang="en-US" dirty="0"/>
+              <a:t>Maybe MCUs network</a:t>
+            </a:r>
+          </a:p>
+          <a:p>
+            <a:endParaRPr lang="en-US" dirty="0"/>
+          </a:p>
+          <a:p>
+            <a:endParaRPr lang="en-US" dirty="0"/>
+          </a:p>
+        </p:txBody>
+      </p:sp>
+    </p:spTree>
+    <p:extLst>
+      <p:ext uri="{BB962C8B-B14F-4D97-AF65-F5344CB8AC3E}">
+        <p14:creationId xmlns:p14="http://schemas.microsoft.com/office/powerpoint/2010/main" val="2501699650"/>
+      </p:ext>
+    </p:extLst>
+  </p:cSld>
+  <p:clrMapOvr>
+    <a:masterClrMapping/>
+  </p:clrMapOvr>
+</p:sld>
+</file>
+
+<file path=ppt/slides/slide14.xml><?xml version="1.0" encoding="utf-8"?>
+<p:sld xmlns:a="http://schemas.openxmlformats.org/drawingml/2006/main" xmlns:r="http://schemas.openxmlformats.org/officeDocument/2006/relationships" xmlns:p="http://schemas.openxmlformats.org/presentationml/2006/main">
+  <p:cSld>
+    <p:spTree>
+      <p:nvGrpSpPr>
+        <p:cNvPr id="1" name=""/>
+        <p:cNvGrpSpPr/>
+        <p:nvPr/>
+      </p:nvGrpSpPr>
+      <p:grpSpPr>
+        <a:xfrm>
+          <a:off x="0" y="0"/>
+          <a:ext cx="0" cy="0"/>
+          <a:chOff x="0" y="0"/>
+          <a:chExt cx="0" cy="0"/>
+        </a:xfrm>
+      </p:grpSpPr>
+      <p:sp>
+        <p:nvSpPr>
+          <p:cNvPr id="3" name="Content Placeholder 2">
+            <a:extLst>
+              <a:ext uri="{FF2B5EF4-FFF2-40B4-BE49-F238E27FC236}">
+                <a16:creationId xmlns:a16="http://schemas.microsoft.com/office/drawing/2014/main" id="{85E36873-996E-DE0C-2F0B-9B5EEA8AA4E6}"/>
+              </a:ext>
+            </a:extLst>
+          </p:cNvPr>
+          <p:cNvSpPr>
+            <a:spLocks noGrp="1"/>
+          </p:cNvSpPr>
+          <p:nvPr>
+            <p:ph idx="1"/>
+          </p:nvPr>
+        </p:nvSpPr>
+        <p:spPr>
+          <a:xfrm>
+            <a:off x="838200" y="479502"/>
+            <a:ext cx="10515600" cy="5697461"/>
+          </a:xfrm>
+        </p:spPr>
+        <p:txBody>
+          <a:bodyPr>
+            <a:normAutofit/>
+          </a:bodyPr>
+          <a:lstStyle/>
+          <a:p>
+            <a:r>
+              <a:rPr lang="en-US" dirty="0"/>
+              <a:t>System Requirements</a:t>
+            </a:r>
+          </a:p>
+          <a:p>
+            <a:pPr lvl="1"/>
+            <a:r>
+              <a:rPr lang="en-US" dirty="0"/>
+              <a:t>Data type</a:t>
+            </a:r>
+          </a:p>
+          <a:p>
+            <a:pPr lvl="1"/>
+            <a:r>
+              <a:rPr lang="en-US" dirty="0"/>
+              <a:t>Power </a:t>
+            </a:r>
+          </a:p>
+          <a:p>
+            <a:pPr lvl="1"/>
+            <a:r>
+              <a:rPr lang="en-US" dirty="0"/>
+              <a:t>Communication: distances, obstacles</a:t>
+            </a:r>
+          </a:p>
+          <a:p>
+            <a:pPr lvl="1"/>
+            <a:endParaRPr lang="en-US" dirty="0"/>
+          </a:p>
+          <a:p>
+            <a:pPr lvl="1"/>
+            <a:endParaRPr lang="en-US" dirty="0"/>
+          </a:p>
+          <a:p>
+            <a:pPr lvl="1"/>
+            <a:endParaRPr lang="en-US" dirty="0"/>
+          </a:p>
+        </p:txBody>
+      </p:sp>
+    </p:spTree>
+    <p:extLst>
+      <p:ext uri="{BB962C8B-B14F-4D97-AF65-F5344CB8AC3E}">
+        <p14:creationId xmlns:p14="http://schemas.microsoft.com/office/powerpoint/2010/main" val="907940795"/>
+      </p:ext>
+    </p:extLst>
+  </p:cSld>
+  <p:clrMapOvr>
+    <a:masterClrMapping/>
+  </p:clrMapOvr>
+</p:sld>
+</file>
+
 <file path=ppt/slides/slide15.xml><?xml version="1.0" encoding="utf-8"?>
 <p:sld xmlns:a="http://schemas.openxmlformats.org/drawingml/2006/main" xmlns:r="http://schemas.openxmlformats.org/officeDocument/2006/relationships" xmlns:p="http://schemas.openxmlformats.org/presentationml/2006/main">
   <p:cSld>
@@ -6780,9 +6248,134 @@
         </p:spPr>
         <p:txBody>
           <a:bodyPr>
-            <a:normAutofit/>
+            <a:normAutofit fontScale="92500" lnSpcReduction="20000"/>
           </a:bodyPr>
           <a:lstStyle/>
+          <a:p>
+            <a:r>
+              <a:rPr lang="en-US" dirty="0"/>
+              <a:t>System Objectives?</a:t>
+            </a:r>
+          </a:p>
+          <a:p>
+            <a:r>
+              <a:rPr lang="en-US" dirty="0"/>
+              <a:t>Hardware</a:t>
+            </a:r>
+          </a:p>
+          <a:p>
+            <a:pPr lvl="1"/>
+            <a:r>
+              <a:rPr lang="en-US" dirty="0"/>
+              <a:t>AI accelerators?</a:t>
+            </a:r>
+          </a:p>
+          <a:p>
+            <a:pPr lvl="1"/>
+            <a:r>
+              <a:rPr lang="en-US" dirty="0"/>
+              <a:t>Peripheral Integration: Sensors and actuators</a:t>
+            </a:r>
+          </a:p>
+          <a:p>
+            <a:pPr lvl="1"/>
+            <a:r>
+              <a:rPr lang="en-US" dirty="0"/>
+              <a:t>Power</a:t>
+            </a:r>
+          </a:p>
+          <a:p>
+            <a:r>
+              <a:rPr lang="en-US" dirty="0"/>
+              <a:t>Decentralized Network Architecture</a:t>
+            </a:r>
+          </a:p>
+          <a:p>
+            <a:pPr lvl="1"/>
+            <a:r>
+              <a:rPr lang="en-US" dirty="0"/>
+              <a:t>Topology Design: peer-to-peer?</a:t>
+            </a:r>
+          </a:p>
+          <a:p>
+            <a:pPr lvl="1"/>
+            <a:r>
+              <a:rPr lang="en-US" dirty="0"/>
+              <a:t>Communication Protocol: Zigbee, </a:t>
+            </a:r>
+            <a:r>
+              <a:rPr lang="en-US" dirty="0" err="1"/>
+              <a:t>bluetooth</a:t>
+            </a:r>
+            <a:r>
+              <a:rPr lang="en-US" dirty="0"/>
+              <a:t>, LoRa</a:t>
+            </a:r>
+          </a:p>
+          <a:p>
+            <a:r>
+              <a:rPr lang="en-US" dirty="0"/>
+              <a:t>AI and Swarm Learning Components</a:t>
+            </a:r>
+          </a:p>
+          <a:p>
+            <a:pPr lvl="1"/>
+            <a:r>
+              <a:rPr lang="en-US" dirty="0"/>
+              <a:t>AI Model Development: Pruning, Quantization, model compression,…</a:t>
+            </a:r>
+          </a:p>
+          <a:p>
+            <a:pPr lvl="1"/>
+            <a:r>
+              <a:rPr lang="en-US" dirty="0"/>
+              <a:t>Local Learning</a:t>
+            </a:r>
+          </a:p>
+          <a:p>
+            <a:pPr lvl="1"/>
+            <a:r>
+              <a:rPr lang="en-US" dirty="0"/>
+              <a:t>Model Sharing Mechanism</a:t>
+            </a:r>
+          </a:p>
+          <a:p>
+            <a:pPr lvl="1"/>
+            <a:r>
+              <a:rPr lang="en-US" dirty="0"/>
+              <a:t>Blockchain protocol</a:t>
+            </a:r>
+          </a:p>
+          <a:p>
+            <a:r>
+              <a:rPr lang="en-US" dirty="0"/>
+              <a:t>Software Development</a:t>
+            </a:r>
+          </a:p>
+          <a:p>
+            <a:pPr lvl="1"/>
+            <a:r>
+              <a:rPr lang="en-US" dirty="0"/>
+              <a:t>Firmware Development: data collection, local processing, and communication</a:t>
+            </a:r>
+          </a:p>
+          <a:p>
+            <a:pPr lvl="1"/>
+            <a:r>
+              <a:rPr lang="en-US" dirty="0"/>
+              <a:t>Swarm Intelligence Algorithms: collaboration and adaptation</a:t>
+            </a:r>
+          </a:p>
+          <a:p>
+            <a:pPr lvl="1"/>
+            <a:r>
+              <a:rPr lang="en-US" dirty="0"/>
+              <a:t> </a:t>
+            </a:r>
+          </a:p>
+          <a:p>
+            <a:endParaRPr lang="en-US" dirty="0"/>
+          </a:p>
           <a:p>
             <a:endParaRPr lang="en-US" dirty="0"/>
           </a:p>
@@ -6791,7 +6384,7 @@
     </p:spTree>
     <p:extLst>
       <p:ext uri="{BB962C8B-B14F-4D97-AF65-F5344CB8AC3E}">
-        <p14:creationId xmlns:p14="http://schemas.microsoft.com/office/powerpoint/2010/main" val="933520890"/>
+        <p14:creationId xmlns:p14="http://schemas.microsoft.com/office/powerpoint/2010/main" val="3208453838"/>
       </p:ext>
     </p:extLst>
   </p:cSld>
@@ -6820,10 +6413,38 @@
       </p:grpSpPr>
       <p:sp>
         <p:nvSpPr>
+          <p:cNvPr id="2" name="Title 1">
+            <a:extLst>
+              <a:ext uri="{FF2B5EF4-FFF2-40B4-BE49-F238E27FC236}">
+                <a16:creationId xmlns:a16="http://schemas.microsoft.com/office/drawing/2014/main" id="{F40DD779-5765-3487-F6EF-1FCE34BFBC5C}"/>
+              </a:ext>
+            </a:extLst>
+          </p:cNvPr>
+          <p:cNvSpPr>
+            <a:spLocks noGrp="1"/>
+          </p:cNvSpPr>
+          <p:nvPr>
+            <p:ph type="title"/>
+          </p:nvPr>
+        </p:nvSpPr>
+        <p:spPr/>
+        <p:txBody>
+          <a:bodyPr/>
+          <a:lstStyle/>
+          <a:p>
+            <a:r>
+              <a:rPr lang="en-US" dirty="0"/>
+              <a:t>Notes before May 14th, 2024</a:t>
+            </a:r>
+          </a:p>
+        </p:txBody>
+      </p:sp>
+      <p:sp>
+        <p:nvSpPr>
           <p:cNvPr id="3" name="Content Placeholder 2">
             <a:extLst>
               <a:ext uri="{FF2B5EF4-FFF2-40B4-BE49-F238E27FC236}">
-                <a16:creationId xmlns:a16="http://schemas.microsoft.com/office/drawing/2014/main" id="{85E36873-996E-DE0C-2F0B-9B5EEA8AA4E6}"/>
+                <a16:creationId xmlns:a16="http://schemas.microsoft.com/office/drawing/2014/main" id="{CCF6F1C5-BCD1-68BF-9DF1-CCD388CA7531}"/>
               </a:ext>
             </a:extLst>
           </p:cNvPr>
@@ -6834,26 +6455,94 @@
             <p:ph idx="1"/>
           </p:nvPr>
         </p:nvSpPr>
+        <p:spPr/>
+        <p:txBody>
+          <a:bodyPr vert="horz" lIns="91440" tIns="45720" rIns="91440" bIns="45720" rtlCol="0" anchor="t">
+            <a:normAutofit/>
+          </a:bodyPr>
+          <a:lstStyle/>
+          <a:p>
+            <a:r>
+              <a:rPr lang="en-US" dirty="0"/>
+              <a:t>We want to evaluate both BLE and Wi-Fi.</a:t>
+            </a:r>
+          </a:p>
+        </p:txBody>
+      </p:sp>
+      <p:sp>
+        <p:nvSpPr>
+          <p:cNvPr id="9" name="TextBox 8">
+            <a:extLst>
+              <a:ext uri="{FF2B5EF4-FFF2-40B4-BE49-F238E27FC236}">
+                <a16:creationId xmlns:a16="http://schemas.microsoft.com/office/drawing/2014/main" id="{FD43904F-57FF-F8BA-A524-648B5456ECF3}"/>
+              </a:ext>
+            </a:extLst>
+          </p:cNvPr>
+          <p:cNvSpPr txBox="1"/>
+          <p:nvPr/>
+        </p:nvSpPr>
         <p:spPr>
           <a:xfrm>
-            <a:off x="838200" y="479502"/>
-            <a:ext cx="10515600" cy="5697461"/>
+            <a:off x="-1" y="4079325"/>
+            <a:ext cx="11795233" cy="2862322"/>
           </a:xfrm>
+          <a:prstGeom prst="rect">
+            <a:avLst/>
+          </a:prstGeom>
+          <a:noFill/>
         </p:spPr>
         <p:txBody>
-          <a:bodyPr>
-            <a:normAutofit/>
+          <a:bodyPr rot="0" spcFirstLastPara="0" vertOverflow="overflow" horzOverflow="overflow" vert="horz" wrap="square" lIns="91440" tIns="45720" rIns="91440" bIns="45720" numCol="1" spcCol="0" rtlCol="0" fromWordArt="0" anchor="t" anchorCtr="0" forceAA="0" compatLnSpc="1">
+            <a:prstTxWarp prst="textNoShape">
+              <a:avLst/>
+            </a:prstTxWarp>
+            <a:spAutoFit/>
           </a:bodyPr>
           <a:lstStyle/>
           <a:p>
-            <a:endParaRPr lang="en-US" dirty="0"/>
+            <a:r>
+              <a:rPr lang="en-US" dirty="0">
+                <a:ea typeface="+mn-lt"/>
+                <a:cs typeface="+mn-lt"/>
+                <a:hlinkClick r:id="rId2"/>
+              </a:rPr>
+              <a:t>https://www.amazon.com/gp/product/B0B3JD1K1T/ref=ox_sc_act_title_1?smid=A3S807LE0L63AP&amp;psc=1</a:t>
+            </a:r>
+            <a:br>
+              <a:rPr lang="en-US" dirty="0">
+                <a:ea typeface="+mn-lt"/>
+                <a:cs typeface="+mn-lt"/>
+              </a:rPr>
+            </a:br>
+            <a:r>
+              <a:rPr lang="en-US" dirty="0">
+                <a:ea typeface="+mn-lt"/>
+                <a:cs typeface="+mn-lt"/>
+                <a:hlinkClick r:id="rId3"/>
+              </a:rPr>
+              <a:t>https://www.amazon.com/Freenove-ESP32-WROVER-Bluetooth-Compatible-Tutorials/dp/B0CJJHXD1W/ref=sr_1_2?crid=F1E4RMJ0368C&amp;dib=eyJ2IjoiMSJ9.qRWqoY_UasjKo8Ke477M5cCkEpLxcPZqIAzXzRbPz-kVq5RbFAECDwEmGCtijln69j0TlvTjtibegiWc7lkIehlRMlnL7-UJEp_XkSgDB9whYNWhHsj-R9CdxqcuGV1IrYO6HDycrHPRSqW75PRFs_APxhMcHc7xtOMq_2E9I5bF_s-or5yihVbL9QRVQyKbtCmU5cJ4JLpJI5KJWO-52Nkx4k3YA15Gw2Tx2kA13G8.NP8mD56wBrTqJJQHvm9kXCRnOug7k8xrEhyc3TJV-pI&amp;dib_tag=se&amp;keywords=ESP32-WROVER&amp;qid=1715748951&amp;sprefix=esp32-wrover%2Caps%2C153&amp;sr=8-2&amp;th=1</a:t>
+            </a:r>
+            <a:endParaRPr lang="en-US"/>
+          </a:p>
+          <a:p>
+            <a:pPr algn="l"/>
+            <a:endParaRPr lang="en-US" dirty="0">
+              <a:ea typeface="+mn-lt"/>
+              <a:cs typeface="+mn-lt"/>
+            </a:endParaRPr>
+          </a:p>
+          <a:p>
+            <a:endParaRPr lang="en-US" dirty="0">
+              <a:ea typeface="+mn-lt"/>
+              <a:cs typeface="+mn-lt"/>
+            </a:endParaRPr>
           </a:p>
         </p:txBody>
       </p:sp>
     </p:spTree>
     <p:extLst>
       <p:ext uri="{BB962C8B-B14F-4D97-AF65-F5344CB8AC3E}">
-        <p14:creationId xmlns:p14="http://schemas.microsoft.com/office/powerpoint/2010/main" val="4114501980"/>
+        <p14:creationId xmlns:p14="http://schemas.microsoft.com/office/powerpoint/2010/main" val="3212005156"/>
       </p:ext>
     </p:extLst>
   </p:cSld>
@@ -6903,19 +6592,96 @@
           </a:xfrm>
         </p:spPr>
         <p:txBody>
-          <a:bodyPr>
+          <a:bodyPr vert="horz" lIns="91440" tIns="45720" rIns="91440" bIns="45720" rtlCol="0" anchor="t">
             <a:normAutofit/>
           </a:bodyPr>
           <a:lstStyle/>
           <a:p>
+            <a:r>
+              <a:rPr lang="en-US" dirty="0"/>
+              <a:t>Swarm learning is an overlay network. </a:t>
+            </a:r>
+            <a:endParaRPr lang="en-US"/>
+          </a:p>
+          <a:p>
+            <a:pPr lvl="1">
+              <a:buFont typeface="Courier New" panose="020B0604020202020204" pitchFamily="34" charset="0"/>
+              <a:buChar char="o"/>
+            </a:pPr>
+            <a:r>
+              <a:rPr lang="en-US" dirty="0"/>
+              <a:t>Block chain is necessary for all current system setup.</a:t>
+            </a:r>
+          </a:p>
+          <a:p>
+            <a:pPr lvl="1">
+              <a:buFont typeface="Courier New" panose="020B0604020202020204" pitchFamily="34" charset="0"/>
+              <a:buChar char="o"/>
+            </a:pPr>
+            <a:r>
+              <a:rPr lang="en-US" dirty="0"/>
+              <a:t>For micro controller local network, is block chain feasible?</a:t>
+            </a:r>
+          </a:p>
+          <a:p>
+            <a:pPr lvl="1">
+              <a:buFont typeface="Courier New" panose="020B0604020202020204" pitchFamily="34" charset="0"/>
+              <a:buChar char="o"/>
+            </a:pPr>
+            <a:r>
+              <a:rPr lang="en-US" dirty="0"/>
+              <a:t>What kind of block chain platform or market is assumed or built on?</a:t>
+            </a:r>
+          </a:p>
+          <a:p>
+            <a:pPr lvl="1">
+              <a:buFont typeface="Courier New" panose="020B0604020202020204" pitchFamily="34" charset="0"/>
+              <a:buChar char="o"/>
+            </a:pPr>
             <a:endParaRPr lang="en-US" dirty="0"/>
+          </a:p>
+          <a:p>
+            <a:r>
+              <a:rPr lang="en-US" dirty="0"/>
+              <a:t>Distributed or decentralized on micro-controller ML learning.</a:t>
+            </a:r>
+          </a:p>
+          <a:p>
+            <a:pPr lvl="1">
+              <a:buFont typeface="Courier New" panose="020B0604020202020204" pitchFamily="34" charset="0"/>
+              <a:buChar char="o"/>
+            </a:pPr>
+            <a:r>
+              <a:rPr lang="en-US" dirty="0"/>
+              <a:t>Multiple local devices (who distributes IPs)</a:t>
+            </a:r>
+          </a:p>
+          <a:p>
+            <a:pPr lvl="1">
+              <a:buFont typeface="Courier New" panose="020B0604020202020204" pitchFamily="34" charset="0"/>
+              <a:buChar char="o"/>
+            </a:pPr>
+            <a:r>
+              <a:rPr lang="en-US" dirty="0"/>
+              <a:t>No centroid node.</a:t>
+            </a:r>
+          </a:p>
+          <a:p>
+            <a:pPr lvl="1">
+              <a:buFont typeface="Courier New" panose="020B0604020202020204" pitchFamily="34" charset="0"/>
+              <a:buChar char="o"/>
+            </a:pPr>
+            <a:r>
+              <a:rPr lang="en-US" dirty="0"/>
+              <a:t>Wi-Fi or Bluetooth? </a:t>
+            </a:r>
           </a:p>
         </p:txBody>
       </p:sp>
     </p:spTree>
     <p:extLst>
       <p:ext uri="{BB962C8B-B14F-4D97-AF65-F5344CB8AC3E}">
-        <p14:creationId xmlns:p14="http://schemas.microsoft.com/office/powerpoint/2010/main" val="2223589013"/>
+        <p14:creationId xmlns:p14="http://schemas.microsoft.com/office/powerpoint/2010/main" val="2742090806"/>
       </p:ext>
     </p:extLst>
   </p:cSld>
@@ -6944,10 +6710,10 @@
       </p:grpSpPr>
       <p:sp>
         <p:nvSpPr>
-          <p:cNvPr id="3" name="Content Placeholder 2">
+          <p:cNvPr id="2" name="Title 1">
             <a:extLst>
               <a:ext uri="{FF2B5EF4-FFF2-40B4-BE49-F238E27FC236}">
-                <a16:creationId xmlns:a16="http://schemas.microsoft.com/office/drawing/2014/main" id="{85E36873-996E-DE0C-2F0B-9B5EEA8AA4E6}"/>
+                <a16:creationId xmlns:a16="http://schemas.microsoft.com/office/drawing/2014/main" id="{9648BDFF-773E-1C0B-218C-CB07D513F61F}"/>
               </a:ext>
             </a:extLst>
           </p:cNvPr>
@@ -6955,70 +6721,67 @@
             <a:spLocks noGrp="1"/>
           </p:cNvSpPr>
           <p:nvPr>
+            <p:ph type="title"/>
+          </p:nvPr>
+        </p:nvSpPr>
+        <p:spPr/>
+        <p:txBody>
+          <a:bodyPr>
+            <a:normAutofit fontScale="90000"/>
+          </a:bodyPr>
+          <a:lstStyle/>
+          <a:p>
+            <a:r>
+              <a:rPr lang="en-US" dirty="0">
+                <a:ea typeface="+mj-lt"/>
+                <a:cs typeface="+mj-lt"/>
+                <a:hlinkClick r:id="rId2"/>
+              </a:rPr>
+              <a:t>https://www.dusuniot.com/blog/bluetooth-iot-deploying-your-iot-projects-with-ease-and-low-cost/</a:t>
+            </a:r>
+            <a:br>
+              <a:rPr lang="en-US" dirty="0">
+                <a:ea typeface="+mj-lt"/>
+                <a:cs typeface="+mj-lt"/>
+              </a:rPr>
+            </a:br>
+            <a:endParaRPr lang="en-US" dirty="0"/>
+          </a:p>
+        </p:txBody>
+      </p:sp>
+      <p:pic>
+        <p:nvPicPr>
+          <p:cNvPr id="4" name="Content Placeholder 3" descr="dusun iot bluetooth gateway ble">
+            <a:extLst>
+              <a:ext uri="{FF2B5EF4-FFF2-40B4-BE49-F238E27FC236}">
+                <a16:creationId xmlns:a16="http://schemas.microsoft.com/office/drawing/2014/main" id="{A90262AB-00DE-9009-8945-DA61753063DB}"/>
+              </a:ext>
+            </a:extLst>
+          </p:cNvPr>
+          <p:cNvPicPr>
+            <a:picLocks noGrp="1" noChangeAspect="1"/>
+          </p:cNvPicPr>
+          <p:nvPr>
             <p:ph idx="1"/>
           </p:nvPr>
-        </p:nvSpPr>
+        </p:nvPicPr>
+        <p:blipFill>
+          <a:blip r:embed="rId3"/>
+          <a:stretch>
+            <a:fillRect/>
+          </a:stretch>
+        </p:blipFill>
         <p:spPr>
           <a:xfrm>
-            <a:off x="838200" y="479502"/>
-            <a:ext cx="10515600" cy="5697461"/>
+            <a:off x="3222824" y="1825625"/>
+            <a:ext cx="5746352" cy="4351338"/>
           </a:xfrm>
         </p:spPr>
-        <p:txBody>
-          <a:bodyPr/>
-          <a:lstStyle/>
-          <a:p>
-            <a:r>
-              <a:rPr lang="en-US" dirty="0"/>
-              <a:t>A Systematic Literature Review on Distributed Machine Learning in Edge Computing</a:t>
-            </a:r>
-          </a:p>
-          <a:p>
-            <a:pPr lvl="1"/>
-            <a:r>
-              <a:rPr lang="en-US" dirty="0"/>
-              <a:t>Table 8. EI frameworks</a:t>
-            </a:r>
-          </a:p>
-          <a:p>
-            <a:endParaRPr lang="en-US" dirty="0"/>
-          </a:p>
-          <a:p>
-            <a:r>
-              <a:rPr lang="en-US" dirty="0"/>
-              <a:t>If applicable, decentralized learning frameworks</a:t>
-            </a:r>
-          </a:p>
-          <a:p>
-            <a:endParaRPr lang="en-US" dirty="0"/>
-          </a:p>
-          <a:p>
-            <a:r>
-              <a:rPr lang="en-US" dirty="0"/>
-              <a:t>SWARM LEARNING: A SURVEY OF CONCEPTS, APPLICATIONS, AND TRENDS</a:t>
-            </a:r>
-          </a:p>
-          <a:p>
-            <a:endParaRPr lang="en-US" dirty="0"/>
-          </a:p>
-          <a:p>
-            <a:r>
-              <a:rPr lang="en-US" dirty="0"/>
-              <a:t>Maybe MCUs network</a:t>
-            </a:r>
-          </a:p>
-          <a:p>
-            <a:endParaRPr lang="en-US" dirty="0"/>
-          </a:p>
-          <a:p>
-            <a:endParaRPr lang="en-US" dirty="0"/>
-          </a:p>
-        </p:txBody>
-      </p:sp>
+      </p:pic>
     </p:spTree>
     <p:extLst>
       <p:ext uri="{BB962C8B-B14F-4D97-AF65-F5344CB8AC3E}">
-        <p14:creationId xmlns:p14="http://schemas.microsoft.com/office/powerpoint/2010/main" val="2501699650"/>
+        <p14:creationId xmlns:p14="http://schemas.microsoft.com/office/powerpoint/2010/main" val="3133761834"/>
       </p:ext>
     </p:extLst>
   </p:cSld>
@@ -7031,6 +6794,14 @@
 <file path=ppt/slides/slide19.xml><?xml version="1.0" encoding="utf-8"?>
 <p:sld xmlns:a="http://schemas.openxmlformats.org/drawingml/2006/main" xmlns:r="http://schemas.openxmlformats.org/officeDocument/2006/relationships" xmlns:p="http://schemas.openxmlformats.org/presentationml/2006/main">
   <p:cSld>
+    <p:bg>
+      <p:bgPr>
+        <a:solidFill>
+          <a:schemeClr val="bg1"/>
+        </a:solidFill>
+        <a:effectLst/>
+      </p:bgPr>
+    </p:bg>
     <p:spTree>
       <p:nvGrpSpPr>
         <p:cNvPr id="1" name=""/>
@@ -7045,78 +6816,1404 @@
           <a:chExt cx="0" cy="0"/>
         </a:xfrm>
       </p:grpSpPr>
-      <p:sp>
-        <p:nvSpPr>
-          <p:cNvPr id="3" name="Content Placeholder 2">
+      <p:graphicFrame>
+        <p:nvGraphicFramePr>
+          <p:cNvPr id="5" name="Content Placeholder 4">
             <a:extLst>
               <a:ext uri="{FF2B5EF4-FFF2-40B4-BE49-F238E27FC236}">
-                <a16:creationId xmlns:a16="http://schemas.microsoft.com/office/drawing/2014/main" id="{85E36873-996E-DE0C-2F0B-9B5EEA8AA4E6}"/>
+                <a16:creationId xmlns:a16="http://schemas.microsoft.com/office/drawing/2014/main" id="{C7302797-AC2C-9C90-AD64-A043FFF5A84A}"/>
               </a:ext>
             </a:extLst>
           </p:cNvPr>
-          <p:cNvSpPr>
-            <a:spLocks noGrp="1"/>
-          </p:cNvSpPr>
+          <p:cNvGraphicFramePr>
+            <a:graphicFrameLocks noGrp="1"/>
+          </p:cNvGraphicFramePr>
           <p:nvPr>
             <p:ph idx="1"/>
-          </p:nvPr>
-        </p:nvSpPr>
-        <p:spPr>
-          <a:xfrm>
-            <a:off x="838200" y="479502"/>
-            <a:ext cx="10515600" cy="5697461"/>
-          </a:xfrm>
-        </p:spPr>
-        <p:txBody>
-          <a:bodyPr>
-            <a:normAutofit/>
-          </a:bodyPr>
-          <a:lstStyle/>
-          <a:p>
-            <a:r>
-              <a:rPr lang="en-US" dirty="0"/>
-              <a:t>System Requirements</a:t>
-            </a:r>
-          </a:p>
-          <a:p>
-            <a:pPr lvl="1"/>
-            <a:r>
-              <a:rPr lang="en-US" dirty="0"/>
-              <a:t>Data type</a:t>
-            </a:r>
-          </a:p>
-          <a:p>
-            <a:pPr lvl="1"/>
-            <a:r>
-              <a:rPr lang="en-US" dirty="0"/>
-              <a:t>Power </a:t>
-            </a:r>
-          </a:p>
-          <a:p>
-            <a:pPr lvl="1"/>
-            <a:r>
-              <a:rPr lang="en-US" dirty="0"/>
-              <a:t>Communication: distances, obstacles</a:t>
-            </a:r>
-          </a:p>
-          <a:p>
-            <a:pPr lvl="1"/>
-            <a:endParaRPr lang="en-US" dirty="0"/>
-          </a:p>
-          <a:p>
-            <a:pPr lvl="1"/>
-            <a:endParaRPr lang="en-US" dirty="0"/>
-          </a:p>
-          <a:p>
-            <a:pPr lvl="1"/>
-            <a:endParaRPr lang="en-US" dirty="0"/>
-          </a:p>
-        </p:txBody>
-      </p:sp>
+            <p:extLst>
+              <p:ext uri="{D42A27DB-BD31-4B8C-83A1-F6EECF244321}">
+                <p14:modId xmlns:p14="http://schemas.microsoft.com/office/powerpoint/2010/main" val="2124122586"/>
+              </p:ext>
+            </p:extLst>
+          </p:nvPr>
+        </p:nvGraphicFramePr>
+        <p:xfrm>
+          <a:off x="1242419" y="643466"/>
+          <a:ext cx="9707163" cy="5571075"/>
+        </p:xfrm>
+        <a:graphic>
+          <a:graphicData uri="http://schemas.openxmlformats.org/drawingml/2006/table">
+            <a:tbl>
+              <a:tblPr bandRow="1">
+                <a:tableStyleId>{5C22544A-7EE6-4342-B048-85BDC9FD1C3A}</a:tableStyleId>
+              </a:tblPr>
+              <a:tblGrid>
+                <a:gridCol w="3235721">
+                  <a:extLst>
+                    <a:ext uri="{9D8B030D-6E8A-4147-A177-3AD203B41FA5}">
+                      <a16:colId xmlns:a16="http://schemas.microsoft.com/office/drawing/2014/main" val="2320271027"/>
+                    </a:ext>
+                  </a:extLst>
+                </a:gridCol>
+                <a:gridCol w="3235721">
+                  <a:extLst>
+                    <a:ext uri="{9D8B030D-6E8A-4147-A177-3AD203B41FA5}">
+                      <a16:colId xmlns:a16="http://schemas.microsoft.com/office/drawing/2014/main" val="1923870178"/>
+                    </a:ext>
+                  </a:extLst>
+                </a:gridCol>
+                <a:gridCol w="3235721">
+                  <a:extLst>
+                    <a:ext uri="{9D8B030D-6E8A-4147-A177-3AD203B41FA5}">
+                      <a16:colId xmlns:a16="http://schemas.microsoft.com/office/drawing/2014/main" val="3385560630"/>
+                    </a:ext>
+                  </a:extLst>
+                </a:gridCol>
+              </a:tblGrid>
+              <a:tr h="371405">
+                <a:tc>
+                  <a:txBody>
+                    <a:bodyPr/>
+                    <a:lstStyle/>
+                    <a:p>
+                      <a:r>
+                        <a:rPr lang="en-US" sz="1700" dirty="0"/>
+                        <a:t>Feature</a:t>
+                      </a:r>
+                    </a:p>
+                  </a:txBody>
+                  <a:tcPr marL="84410" marR="84410" marT="42205" marB="42205" anchor="ctr">
+                    <a:lnL>
+                      <a:noFill/>
+                    </a:lnL>
+                    <a:lnR>
+                      <a:noFill/>
+                    </a:lnR>
+                    <a:lnT>
+                      <a:noFill/>
+                    </a:lnT>
+                    <a:lnB>
+                      <a:noFill/>
+                    </a:lnB>
+                    <a:noFill/>
+                  </a:tcPr>
+                </a:tc>
+                <a:tc>
+                  <a:txBody>
+                    <a:bodyPr/>
+                    <a:lstStyle/>
+                    <a:p>
+                      <a:r>
+                        <a:rPr lang="en-US" sz="1700" dirty="0"/>
+                        <a:t>Bluetooth Classic</a:t>
+                      </a:r>
+                    </a:p>
+                  </a:txBody>
+                  <a:tcPr marL="84410" marR="84410" marT="42205" marB="42205" anchor="ctr">
+                    <a:lnL>
+                      <a:noFill/>
+                    </a:lnL>
+                    <a:lnR>
+                      <a:noFill/>
+                    </a:lnR>
+                    <a:lnT>
+                      <a:noFill/>
+                    </a:lnT>
+                    <a:lnB>
+                      <a:noFill/>
+                    </a:lnB>
+                    <a:noFill/>
+                  </a:tcPr>
+                </a:tc>
+                <a:tc>
+                  <a:txBody>
+                    <a:bodyPr/>
+                    <a:lstStyle/>
+                    <a:p>
+                      <a:r>
+                        <a:rPr lang="en-US" sz="1700" b="1" dirty="0">
+                          <a:highlight>
+                            <a:srgbClr val="FFFF00"/>
+                          </a:highlight>
+                        </a:rPr>
+                        <a:t>Bluetooth Low Energy (BLE)</a:t>
+                      </a:r>
+                    </a:p>
+                  </a:txBody>
+                  <a:tcPr marL="84410" marR="84410" marT="42205" marB="42205" anchor="ctr">
+                    <a:lnL>
+                      <a:noFill/>
+                    </a:lnL>
+                    <a:lnR>
+                      <a:noFill/>
+                    </a:lnR>
+                    <a:lnT>
+                      <a:noFill/>
+                    </a:lnT>
+                    <a:lnB>
+                      <a:noFill/>
+                    </a:lnB>
+                    <a:noFill/>
+                  </a:tcPr>
+                </a:tc>
+                <a:extLst>
+                  <a:ext uri="{0D108BD9-81ED-4DB2-BD59-A6C34878D82A}">
+                    <a16:rowId xmlns:a16="http://schemas.microsoft.com/office/drawing/2014/main" val="850167575"/>
+                  </a:ext>
+                </a:extLst>
+              </a:tr>
+              <a:tr h="371405">
+                <a:tc>
+                  <a:txBody>
+                    <a:bodyPr/>
+                    <a:lstStyle/>
+                    <a:p>
+                      <a:r>
+                        <a:rPr lang="en-US" sz="1700" dirty="0"/>
+                        <a:t>Frequency Range</a:t>
+                      </a:r>
+                    </a:p>
+                  </a:txBody>
+                  <a:tcPr marL="84410" marR="84410" marT="42205" marB="42205" anchor="ctr">
+                    <a:lnL>
+                      <a:noFill/>
+                    </a:lnL>
+                    <a:lnR>
+                      <a:noFill/>
+                    </a:lnR>
+                    <a:lnT>
+                      <a:noFill/>
+                    </a:lnT>
+                    <a:lnB>
+                      <a:noFill/>
+                    </a:lnB>
+                    <a:noFill/>
+                  </a:tcPr>
+                </a:tc>
+                <a:tc>
+                  <a:txBody>
+                    <a:bodyPr/>
+                    <a:lstStyle/>
+                    <a:p>
+                      <a:r>
+                        <a:rPr lang="en-US" sz="1700" dirty="0"/>
+                        <a:t>2.402GHz to 2.48GHz</a:t>
+                      </a:r>
+                    </a:p>
+                  </a:txBody>
+                  <a:tcPr marL="84410" marR="84410" marT="42205" marB="42205" anchor="ctr">
+                    <a:lnL>
+                      <a:noFill/>
+                    </a:lnL>
+                    <a:lnR>
+                      <a:noFill/>
+                    </a:lnR>
+                    <a:lnT>
+                      <a:noFill/>
+                    </a:lnT>
+                    <a:lnB>
+                      <a:noFill/>
+                    </a:lnB>
+                    <a:noFill/>
+                  </a:tcPr>
+                </a:tc>
+                <a:tc>
+                  <a:txBody>
+                    <a:bodyPr/>
+                    <a:lstStyle/>
+                    <a:p>
+                      <a:r>
+                        <a:rPr lang="en-US" sz="1700" dirty="0"/>
+                        <a:t>2.402GHz to 2.48GHz</a:t>
+                      </a:r>
+                    </a:p>
+                  </a:txBody>
+                  <a:tcPr marL="84410" marR="84410" marT="42205" marB="42205" anchor="ctr">
+                    <a:lnL>
+                      <a:noFill/>
+                    </a:lnL>
+                    <a:lnR>
+                      <a:noFill/>
+                    </a:lnR>
+                    <a:lnT>
+                      <a:noFill/>
+                    </a:lnT>
+                    <a:lnB>
+                      <a:noFill/>
+                    </a:lnB>
+                    <a:noFill/>
+                  </a:tcPr>
+                </a:tc>
+                <a:extLst>
+                  <a:ext uri="{0D108BD9-81ED-4DB2-BD59-A6C34878D82A}">
+                    <a16:rowId xmlns:a16="http://schemas.microsoft.com/office/drawing/2014/main" val="1567538658"/>
+                  </a:ext>
+                </a:extLst>
+              </a:tr>
+              <a:tr h="371405">
+                <a:tc>
+                  <a:txBody>
+                    <a:bodyPr/>
+                    <a:lstStyle/>
+                    <a:p>
+                      <a:r>
+                        <a:rPr lang="en-US" sz="1700" dirty="0"/>
+                        <a:t>Range</a:t>
+                      </a:r>
+                    </a:p>
+                  </a:txBody>
+                  <a:tcPr marL="84410" marR="84410" marT="42205" marB="42205" anchor="ctr">
+                    <a:lnL>
+                      <a:noFill/>
+                    </a:lnL>
+                    <a:lnR>
+                      <a:noFill/>
+                    </a:lnR>
+                    <a:lnT>
+                      <a:noFill/>
+                    </a:lnT>
+                    <a:lnB>
+                      <a:noFill/>
+                    </a:lnB>
+                    <a:noFill/>
+                  </a:tcPr>
+                </a:tc>
+                <a:tc>
+                  <a:txBody>
+                    <a:bodyPr/>
+                    <a:lstStyle/>
+                    <a:p>
+                      <a:r>
+                        <a:rPr lang="en-US" sz="1700" dirty="0"/>
+                        <a:t>Up to 100 meters</a:t>
+                      </a:r>
+                    </a:p>
+                  </a:txBody>
+                  <a:tcPr marL="84410" marR="84410" marT="42205" marB="42205" anchor="ctr">
+                    <a:lnL>
+                      <a:noFill/>
+                    </a:lnL>
+                    <a:lnR>
+                      <a:noFill/>
+                    </a:lnR>
+                    <a:lnT>
+                      <a:noFill/>
+                    </a:lnT>
+                    <a:lnB>
+                      <a:noFill/>
+                    </a:lnB>
+                    <a:noFill/>
+                  </a:tcPr>
+                </a:tc>
+                <a:tc>
+                  <a:txBody>
+                    <a:bodyPr/>
+                    <a:lstStyle/>
+                    <a:p>
+                      <a:r>
+                        <a:rPr lang="en-US" sz="1700" dirty="0">
+                          <a:highlight>
+                            <a:srgbClr val="FFFF00"/>
+                          </a:highlight>
+                        </a:rPr>
+                        <a:t>Up to 100 meters</a:t>
+                      </a:r>
+                    </a:p>
+                  </a:txBody>
+                  <a:tcPr marL="84410" marR="84410" marT="42205" marB="42205" anchor="ctr">
+                    <a:lnL>
+                      <a:noFill/>
+                    </a:lnL>
+                    <a:lnR>
+                      <a:noFill/>
+                    </a:lnR>
+                    <a:lnT>
+                      <a:noFill/>
+                    </a:lnT>
+                    <a:lnB>
+                      <a:noFill/>
+                    </a:lnB>
+                    <a:noFill/>
+                  </a:tcPr>
+                </a:tc>
+                <a:extLst>
+                  <a:ext uri="{0D108BD9-81ED-4DB2-BD59-A6C34878D82A}">
+                    <a16:rowId xmlns:a16="http://schemas.microsoft.com/office/drawing/2014/main" val="4059061480"/>
+                  </a:ext>
+                </a:extLst>
+              </a:tr>
+              <a:tr h="371405">
+                <a:tc>
+                  <a:txBody>
+                    <a:bodyPr/>
+                    <a:lstStyle/>
+                    <a:p>
+                      <a:r>
+                        <a:rPr lang="en-US" sz="1700" dirty="0"/>
+                        <a:t>Data Transfer Rate</a:t>
+                      </a:r>
+                    </a:p>
+                  </a:txBody>
+                  <a:tcPr marL="84410" marR="84410" marT="42205" marB="42205" anchor="ctr">
+                    <a:lnL>
+                      <a:noFill/>
+                    </a:lnL>
+                    <a:lnR>
+                      <a:noFill/>
+                    </a:lnR>
+                    <a:lnT>
+                      <a:noFill/>
+                    </a:lnT>
+                    <a:lnB>
+                      <a:noFill/>
+                    </a:lnB>
+                    <a:noFill/>
+                  </a:tcPr>
+                </a:tc>
+                <a:tc>
+                  <a:txBody>
+                    <a:bodyPr/>
+                    <a:lstStyle/>
+                    <a:p>
+                      <a:r>
+                        <a:rPr lang="en-US" sz="1700" dirty="0"/>
+                        <a:t>1-3 Mbps</a:t>
+                      </a:r>
+                    </a:p>
+                  </a:txBody>
+                  <a:tcPr marL="84410" marR="84410" marT="42205" marB="42205" anchor="ctr">
+                    <a:lnL>
+                      <a:noFill/>
+                    </a:lnL>
+                    <a:lnR>
+                      <a:noFill/>
+                    </a:lnR>
+                    <a:lnT>
+                      <a:noFill/>
+                    </a:lnT>
+                    <a:lnB>
+                      <a:noFill/>
+                    </a:lnB>
+                    <a:noFill/>
+                  </a:tcPr>
+                </a:tc>
+                <a:tc>
+                  <a:txBody>
+                    <a:bodyPr/>
+                    <a:lstStyle/>
+                    <a:p>
+                      <a:r>
+                        <a:rPr lang="en-US" sz="1700" b="1" dirty="0">
+                          <a:highlight>
+                            <a:srgbClr val="FFFF00"/>
+                          </a:highlight>
+                        </a:rPr>
+                        <a:t>125 Kbps – 2 Mbps</a:t>
+                      </a:r>
+                    </a:p>
+                  </a:txBody>
+                  <a:tcPr marL="84410" marR="84410" marT="42205" marB="42205" anchor="ctr">
+                    <a:lnL>
+                      <a:noFill/>
+                    </a:lnL>
+                    <a:lnR>
+                      <a:noFill/>
+                    </a:lnR>
+                    <a:lnT>
+                      <a:noFill/>
+                    </a:lnT>
+                    <a:lnB>
+                      <a:noFill/>
+                    </a:lnB>
+                    <a:noFill/>
+                  </a:tcPr>
+                </a:tc>
+                <a:extLst>
+                  <a:ext uri="{0D108BD9-81ED-4DB2-BD59-A6C34878D82A}">
+                    <a16:rowId xmlns:a16="http://schemas.microsoft.com/office/drawing/2014/main" val="2036812154"/>
+                  </a:ext>
+                </a:extLst>
+              </a:tr>
+              <a:tr h="371405">
+                <a:tc>
+                  <a:txBody>
+                    <a:bodyPr/>
+                    <a:lstStyle/>
+                    <a:p>
+                      <a:r>
+                        <a:rPr lang="en-US" sz="1700" dirty="0"/>
+                        <a:t>Communication Mode</a:t>
+                      </a:r>
+                    </a:p>
+                  </a:txBody>
+                  <a:tcPr marL="84410" marR="84410" marT="42205" marB="42205" anchor="ctr">
+                    <a:lnL>
+                      <a:noFill/>
+                    </a:lnL>
+                    <a:lnR>
+                      <a:noFill/>
+                    </a:lnR>
+                    <a:lnT>
+                      <a:noFill/>
+                    </a:lnT>
+                    <a:lnB>
+                      <a:noFill/>
+                    </a:lnB>
+                    <a:noFill/>
+                  </a:tcPr>
+                </a:tc>
+                <a:tc>
+                  <a:txBody>
+                    <a:bodyPr/>
+                    <a:lstStyle/>
+                    <a:p>
+                      <a:r>
+                        <a:rPr lang="en-US" sz="1700" dirty="0"/>
+                        <a:t>Continuous</a:t>
+                      </a:r>
+                    </a:p>
+                  </a:txBody>
+                  <a:tcPr marL="84410" marR="84410" marT="42205" marB="42205" anchor="ctr">
+                    <a:lnL>
+                      <a:noFill/>
+                    </a:lnL>
+                    <a:lnR>
+                      <a:noFill/>
+                    </a:lnR>
+                    <a:lnT>
+                      <a:noFill/>
+                    </a:lnT>
+                    <a:lnB>
+                      <a:noFill/>
+                    </a:lnB>
+                    <a:noFill/>
+                  </a:tcPr>
+                </a:tc>
+                <a:tc>
+                  <a:txBody>
+                    <a:bodyPr/>
+                    <a:lstStyle/>
+                    <a:p>
+                      <a:r>
+                        <a:rPr lang="en-US" sz="1700" dirty="0"/>
+                        <a:t>Short bursts</a:t>
+                      </a:r>
+                    </a:p>
+                  </a:txBody>
+                  <a:tcPr marL="84410" marR="84410" marT="42205" marB="42205" anchor="ctr">
+                    <a:lnL>
+                      <a:noFill/>
+                    </a:lnL>
+                    <a:lnR>
+                      <a:noFill/>
+                    </a:lnR>
+                    <a:lnT>
+                      <a:noFill/>
+                    </a:lnT>
+                    <a:lnB>
+                      <a:noFill/>
+                    </a:lnB>
+                    <a:noFill/>
+                  </a:tcPr>
+                </a:tc>
+                <a:extLst>
+                  <a:ext uri="{0D108BD9-81ED-4DB2-BD59-A6C34878D82A}">
+                    <a16:rowId xmlns:a16="http://schemas.microsoft.com/office/drawing/2014/main" val="2012387034"/>
+                  </a:ext>
+                </a:extLst>
+              </a:tr>
+              <a:tr h="371405">
+                <a:tc>
+                  <a:txBody>
+                    <a:bodyPr/>
+                    <a:lstStyle/>
+                    <a:p>
+                      <a:r>
+                        <a:rPr lang="en-US" sz="1700" dirty="0"/>
+                        <a:t>Power Consumption</a:t>
+                      </a:r>
+                    </a:p>
+                  </a:txBody>
+                  <a:tcPr marL="84410" marR="84410" marT="42205" marB="42205" anchor="ctr">
+                    <a:lnL>
+                      <a:noFill/>
+                    </a:lnL>
+                    <a:lnR>
+                      <a:noFill/>
+                    </a:lnR>
+                    <a:lnT>
+                      <a:noFill/>
+                    </a:lnT>
+                    <a:lnB>
+                      <a:noFill/>
+                    </a:lnB>
+                    <a:noFill/>
+                  </a:tcPr>
+                </a:tc>
+                <a:tc>
+                  <a:txBody>
+                    <a:bodyPr/>
+                    <a:lstStyle/>
+                    <a:p>
+                      <a:r>
+                        <a:rPr lang="en-US" sz="1700" dirty="0"/>
+                        <a:t>Higher</a:t>
+                      </a:r>
+                    </a:p>
+                  </a:txBody>
+                  <a:tcPr marL="84410" marR="84410" marT="42205" marB="42205" anchor="ctr">
+                    <a:lnL>
+                      <a:noFill/>
+                    </a:lnL>
+                    <a:lnR>
+                      <a:noFill/>
+                    </a:lnR>
+                    <a:lnT>
+                      <a:noFill/>
+                    </a:lnT>
+                    <a:lnB>
+                      <a:noFill/>
+                    </a:lnB>
+                    <a:noFill/>
+                  </a:tcPr>
+                </a:tc>
+                <a:tc>
+                  <a:txBody>
+                    <a:bodyPr/>
+                    <a:lstStyle/>
+                    <a:p>
+                      <a:r>
+                        <a:rPr lang="en-US" sz="1700" dirty="0">
+                          <a:highlight>
+                            <a:srgbClr val="FFFF00"/>
+                          </a:highlight>
+                        </a:rPr>
+                        <a:t>Lower</a:t>
+                      </a:r>
+                    </a:p>
+                  </a:txBody>
+                  <a:tcPr marL="84410" marR="84410" marT="42205" marB="42205" anchor="ctr">
+                    <a:lnL>
+                      <a:noFill/>
+                    </a:lnL>
+                    <a:lnR>
+                      <a:noFill/>
+                    </a:lnR>
+                    <a:lnT>
+                      <a:noFill/>
+                    </a:lnT>
+                    <a:lnB>
+                      <a:noFill/>
+                    </a:lnB>
+                    <a:noFill/>
+                  </a:tcPr>
+                </a:tc>
+                <a:extLst>
+                  <a:ext uri="{0D108BD9-81ED-4DB2-BD59-A6C34878D82A}">
+                    <a16:rowId xmlns:a16="http://schemas.microsoft.com/office/drawing/2014/main" val="3980228072"/>
+                  </a:ext>
+                </a:extLst>
+              </a:tr>
+              <a:tr h="371405">
+                <a:tc>
+                  <a:txBody>
+                    <a:bodyPr/>
+                    <a:lstStyle/>
+                    <a:p>
+                      <a:r>
+                        <a:rPr lang="en-US" sz="1700" dirty="0"/>
+                        <a:t>Voice &amp; Large File Transfer</a:t>
+                      </a:r>
+                    </a:p>
+                  </a:txBody>
+                  <a:tcPr marL="84410" marR="84410" marT="42205" marB="42205" anchor="ctr">
+                    <a:lnL>
+                      <a:noFill/>
+                    </a:lnL>
+                    <a:lnR>
+                      <a:noFill/>
+                    </a:lnR>
+                    <a:lnT>
+                      <a:noFill/>
+                    </a:lnT>
+                    <a:lnB>
+                      <a:noFill/>
+                    </a:lnB>
+                    <a:noFill/>
+                  </a:tcPr>
+                </a:tc>
+                <a:tc>
+                  <a:txBody>
+                    <a:bodyPr/>
+                    <a:lstStyle/>
+                    <a:p>
+                      <a:r>
+                        <a:rPr lang="en-US" sz="1700" dirty="0"/>
+                        <a:t>Yes</a:t>
+                      </a:r>
+                    </a:p>
+                  </a:txBody>
+                  <a:tcPr marL="84410" marR="84410" marT="42205" marB="42205" anchor="ctr">
+                    <a:lnL>
+                      <a:noFill/>
+                    </a:lnL>
+                    <a:lnR>
+                      <a:noFill/>
+                    </a:lnR>
+                    <a:lnT>
+                      <a:noFill/>
+                    </a:lnT>
+                    <a:lnB>
+                      <a:noFill/>
+                    </a:lnB>
+                    <a:noFill/>
+                  </a:tcPr>
+                </a:tc>
+                <a:tc>
+                  <a:txBody>
+                    <a:bodyPr/>
+                    <a:lstStyle/>
+                    <a:p>
+                      <a:r>
+                        <a:rPr lang="en-US" sz="1700" dirty="0"/>
+                        <a:t>No</a:t>
+                      </a:r>
+                    </a:p>
+                  </a:txBody>
+                  <a:tcPr marL="84410" marR="84410" marT="42205" marB="42205" anchor="ctr">
+                    <a:lnL>
+                      <a:noFill/>
+                    </a:lnL>
+                    <a:lnR>
+                      <a:noFill/>
+                    </a:lnR>
+                    <a:lnT>
+                      <a:noFill/>
+                    </a:lnT>
+                    <a:lnB>
+                      <a:noFill/>
+                    </a:lnB>
+                    <a:noFill/>
+                  </a:tcPr>
+                </a:tc>
+                <a:extLst>
+                  <a:ext uri="{0D108BD9-81ED-4DB2-BD59-A6C34878D82A}">
+                    <a16:rowId xmlns:a16="http://schemas.microsoft.com/office/drawing/2014/main" val="90847726"/>
+                  </a:ext>
+                </a:extLst>
+              </a:tr>
+              <a:tr h="371405">
+                <a:tc>
+                  <a:txBody>
+                    <a:bodyPr/>
+                    <a:lstStyle/>
+                    <a:p>
+                      <a:r>
+                        <a:rPr lang="en-US" sz="1700" dirty="0"/>
+                        <a:t>Latency</a:t>
+                      </a:r>
+                    </a:p>
+                  </a:txBody>
+                  <a:tcPr marL="84410" marR="84410" marT="42205" marB="42205" anchor="ctr">
+                    <a:lnL>
+                      <a:noFill/>
+                    </a:lnL>
+                    <a:lnR>
+                      <a:noFill/>
+                    </a:lnR>
+                    <a:lnT>
+                      <a:noFill/>
+                    </a:lnT>
+                    <a:lnB>
+                      <a:noFill/>
+                    </a:lnB>
+                    <a:noFill/>
+                  </a:tcPr>
+                </a:tc>
+                <a:tc>
+                  <a:txBody>
+                    <a:bodyPr/>
+                    <a:lstStyle/>
+                    <a:p>
+                      <a:r>
+                        <a:rPr lang="en-US" sz="1700" dirty="0"/>
+                        <a:t>Up to 100ms</a:t>
+                      </a:r>
+                    </a:p>
+                  </a:txBody>
+                  <a:tcPr marL="84410" marR="84410" marT="42205" marB="42205" anchor="ctr">
+                    <a:lnL>
+                      <a:noFill/>
+                    </a:lnL>
+                    <a:lnR>
+                      <a:noFill/>
+                    </a:lnR>
+                    <a:lnT>
+                      <a:noFill/>
+                    </a:lnT>
+                    <a:lnB>
+                      <a:noFill/>
+                    </a:lnB>
+                    <a:noFill/>
+                  </a:tcPr>
+                </a:tc>
+                <a:tc>
+                  <a:txBody>
+                    <a:bodyPr/>
+                    <a:lstStyle/>
+                    <a:p>
+                      <a:r>
+                        <a:rPr lang="en-US" sz="1700" dirty="0"/>
+                        <a:t>6ms</a:t>
+                      </a:r>
+                    </a:p>
+                  </a:txBody>
+                  <a:tcPr marL="84410" marR="84410" marT="42205" marB="42205" anchor="ctr">
+                    <a:lnL>
+                      <a:noFill/>
+                    </a:lnL>
+                    <a:lnR>
+                      <a:noFill/>
+                    </a:lnR>
+                    <a:lnT>
+                      <a:noFill/>
+                    </a:lnT>
+                    <a:lnB>
+                      <a:noFill/>
+                    </a:lnB>
+                    <a:noFill/>
+                  </a:tcPr>
+                </a:tc>
+                <a:extLst>
+                  <a:ext uri="{0D108BD9-81ED-4DB2-BD59-A6C34878D82A}">
+                    <a16:rowId xmlns:a16="http://schemas.microsoft.com/office/drawing/2014/main" val="2970241113"/>
+                  </a:ext>
+                </a:extLst>
+              </a:tr>
+              <a:tr h="371405">
+                <a:tc>
+                  <a:txBody>
+                    <a:bodyPr/>
+                    <a:lstStyle/>
+                    <a:p>
+                      <a:r>
+                        <a:rPr lang="en-US" sz="1700" dirty="0"/>
+                        <a:t>Power Usage</a:t>
+                      </a:r>
+                    </a:p>
+                  </a:txBody>
+                  <a:tcPr marL="84410" marR="84410" marT="42205" marB="42205" anchor="ctr">
+                    <a:lnL>
+                      <a:noFill/>
+                    </a:lnL>
+                    <a:lnR>
+                      <a:noFill/>
+                    </a:lnR>
+                    <a:lnT>
+                      <a:noFill/>
+                    </a:lnT>
+                    <a:lnB>
+                      <a:noFill/>
+                    </a:lnB>
+                    <a:noFill/>
+                  </a:tcPr>
+                </a:tc>
+                <a:tc>
+                  <a:txBody>
+                    <a:bodyPr/>
+                    <a:lstStyle/>
+                    <a:p>
+                      <a:r>
+                        <a:rPr lang="en-US" sz="1700" dirty="0"/>
+                        <a:t>1 Watt</a:t>
+                      </a:r>
+                    </a:p>
+                  </a:txBody>
+                  <a:tcPr marL="84410" marR="84410" marT="42205" marB="42205" anchor="ctr">
+                    <a:lnL>
+                      <a:noFill/>
+                    </a:lnL>
+                    <a:lnR>
+                      <a:noFill/>
+                    </a:lnR>
+                    <a:lnT>
+                      <a:noFill/>
+                    </a:lnT>
+                    <a:lnB>
+                      <a:noFill/>
+                    </a:lnB>
+                    <a:noFill/>
+                  </a:tcPr>
+                </a:tc>
+                <a:tc>
+                  <a:txBody>
+                    <a:bodyPr/>
+                    <a:lstStyle/>
+                    <a:p>
+                      <a:r>
+                        <a:rPr lang="en-US" sz="1700" dirty="0"/>
+                        <a:t>0.01 to 0.5 Watts</a:t>
+                      </a:r>
+                    </a:p>
+                  </a:txBody>
+                  <a:tcPr marL="84410" marR="84410" marT="42205" marB="42205" anchor="ctr">
+                    <a:lnL>
+                      <a:noFill/>
+                    </a:lnL>
+                    <a:lnR>
+                      <a:noFill/>
+                    </a:lnR>
+                    <a:lnT>
+                      <a:noFill/>
+                    </a:lnT>
+                    <a:lnB>
+                      <a:noFill/>
+                    </a:lnB>
+                    <a:noFill/>
+                  </a:tcPr>
+                </a:tc>
+                <a:extLst>
+                  <a:ext uri="{0D108BD9-81ED-4DB2-BD59-A6C34878D82A}">
+                    <a16:rowId xmlns:a16="http://schemas.microsoft.com/office/drawing/2014/main" val="886289745"/>
+                  </a:ext>
+                </a:extLst>
+              </a:tr>
+              <a:tr h="371405">
+                <a:tc>
+                  <a:txBody>
+                    <a:bodyPr/>
+                    <a:lstStyle/>
+                    <a:p>
+                      <a:r>
+                        <a:rPr lang="en-US" sz="1700" dirty="0"/>
+                        <a:t>Bidirectional Communication</a:t>
+                      </a:r>
+                    </a:p>
+                  </a:txBody>
+                  <a:tcPr marL="84410" marR="84410" marT="42205" marB="42205" anchor="ctr">
+                    <a:lnL>
+                      <a:noFill/>
+                    </a:lnL>
+                    <a:lnR>
+                      <a:noFill/>
+                    </a:lnR>
+                    <a:lnT>
+                      <a:noFill/>
+                    </a:lnT>
+                    <a:lnB>
+                      <a:noFill/>
+                    </a:lnB>
+                    <a:noFill/>
+                  </a:tcPr>
+                </a:tc>
+                <a:tc>
+                  <a:txBody>
+                    <a:bodyPr/>
+                    <a:lstStyle/>
+                    <a:p>
+                      <a:r>
+                        <a:rPr lang="en-US" sz="1700" dirty="0"/>
+                        <a:t>Yes</a:t>
+                      </a:r>
+                    </a:p>
+                  </a:txBody>
+                  <a:tcPr marL="84410" marR="84410" marT="42205" marB="42205" anchor="ctr">
+                    <a:lnL>
+                      <a:noFill/>
+                    </a:lnL>
+                    <a:lnR>
+                      <a:noFill/>
+                    </a:lnR>
+                    <a:lnT>
+                      <a:noFill/>
+                    </a:lnT>
+                    <a:lnB>
+                      <a:noFill/>
+                    </a:lnB>
+                    <a:noFill/>
+                  </a:tcPr>
+                </a:tc>
+                <a:tc>
+                  <a:txBody>
+                    <a:bodyPr/>
+                    <a:lstStyle/>
+                    <a:p>
+                      <a:r>
+                        <a:rPr lang="en-US" sz="1700" dirty="0"/>
+                        <a:t>Yes</a:t>
+                      </a:r>
+                    </a:p>
+                  </a:txBody>
+                  <a:tcPr marL="84410" marR="84410" marT="42205" marB="42205" anchor="ctr">
+                    <a:lnL>
+                      <a:noFill/>
+                    </a:lnL>
+                    <a:lnR>
+                      <a:noFill/>
+                    </a:lnR>
+                    <a:lnT>
+                      <a:noFill/>
+                    </a:lnT>
+                    <a:lnB>
+                      <a:noFill/>
+                    </a:lnB>
+                    <a:noFill/>
+                  </a:tcPr>
+                </a:tc>
+                <a:extLst>
+                  <a:ext uri="{0D108BD9-81ED-4DB2-BD59-A6C34878D82A}">
+                    <a16:rowId xmlns:a16="http://schemas.microsoft.com/office/drawing/2014/main" val="3718606086"/>
+                  </a:ext>
+                </a:extLst>
+              </a:tr>
+              <a:tr h="371405">
+                <a:tc>
+                  <a:txBody>
+                    <a:bodyPr/>
+                    <a:lstStyle/>
+                    <a:p>
+                      <a:r>
+                        <a:rPr lang="en-US" sz="1700" dirty="0"/>
+                        <a:t>Unidirectional Communication</a:t>
+                      </a:r>
+                    </a:p>
+                  </a:txBody>
+                  <a:tcPr marL="84410" marR="84410" marT="42205" marB="42205" anchor="ctr">
+                    <a:lnL>
+                      <a:noFill/>
+                    </a:lnL>
+                    <a:lnR>
+                      <a:noFill/>
+                    </a:lnR>
+                    <a:lnT>
+                      <a:noFill/>
+                    </a:lnT>
+                    <a:lnB>
+                      <a:noFill/>
+                    </a:lnB>
+                    <a:noFill/>
+                  </a:tcPr>
+                </a:tc>
+                <a:tc>
+                  <a:txBody>
+                    <a:bodyPr/>
+                    <a:lstStyle/>
+                    <a:p>
+                      <a:r>
+                        <a:rPr lang="en-US" sz="1700" dirty="0"/>
+                        <a:t>No</a:t>
+                      </a:r>
+                    </a:p>
+                  </a:txBody>
+                  <a:tcPr marL="84410" marR="84410" marT="42205" marB="42205" anchor="ctr">
+                    <a:lnL>
+                      <a:noFill/>
+                    </a:lnL>
+                    <a:lnR>
+                      <a:noFill/>
+                    </a:lnR>
+                    <a:lnT>
+                      <a:noFill/>
+                    </a:lnT>
+                    <a:lnB>
+                      <a:noFill/>
+                    </a:lnB>
+                    <a:noFill/>
+                  </a:tcPr>
+                </a:tc>
+                <a:tc>
+                  <a:txBody>
+                    <a:bodyPr/>
+                    <a:lstStyle/>
+                    <a:p>
+                      <a:r>
+                        <a:rPr lang="en-US" sz="1700" dirty="0"/>
+                        <a:t>Yes</a:t>
+                      </a:r>
+                    </a:p>
+                  </a:txBody>
+                  <a:tcPr marL="84410" marR="84410" marT="42205" marB="42205" anchor="ctr">
+                    <a:lnL>
+                      <a:noFill/>
+                    </a:lnL>
+                    <a:lnR>
+                      <a:noFill/>
+                    </a:lnR>
+                    <a:lnT>
+                      <a:noFill/>
+                    </a:lnT>
+                    <a:lnB>
+                      <a:noFill/>
+                    </a:lnB>
+                    <a:noFill/>
+                  </a:tcPr>
+                </a:tc>
+                <a:extLst>
+                  <a:ext uri="{0D108BD9-81ED-4DB2-BD59-A6C34878D82A}">
+                    <a16:rowId xmlns:a16="http://schemas.microsoft.com/office/drawing/2014/main" val="1273733133"/>
+                  </a:ext>
+                </a:extLst>
+              </a:tr>
+              <a:tr h="371405">
+                <a:tc>
+                  <a:txBody>
+                    <a:bodyPr/>
+                    <a:lstStyle/>
+                    <a:p>
+                      <a:r>
+                        <a:rPr lang="en-US" sz="1700" dirty="0"/>
+                        <a:t>Indoor Location Tracking</a:t>
+                      </a:r>
+                    </a:p>
+                  </a:txBody>
+                  <a:tcPr marL="84410" marR="84410" marT="42205" marB="42205" anchor="ctr">
+                    <a:lnL>
+                      <a:noFill/>
+                    </a:lnL>
+                    <a:lnR>
+                      <a:noFill/>
+                    </a:lnR>
+                    <a:lnT>
+                      <a:noFill/>
+                    </a:lnT>
+                    <a:lnB>
+                      <a:noFill/>
+                    </a:lnB>
+                    <a:noFill/>
+                  </a:tcPr>
+                </a:tc>
+                <a:tc>
+                  <a:txBody>
+                    <a:bodyPr/>
+                    <a:lstStyle/>
+                    <a:p>
+                      <a:r>
+                        <a:rPr lang="en-US" sz="1700" dirty="0"/>
+                        <a:t>Limited accuracy</a:t>
+                      </a:r>
+                    </a:p>
+                  </a:txBody>
+                  <a:tcPr marL="84410" marR="84410" marT="42205" marB="42205" anchor="ctr">
+                    <a:lnL>
+                      <a:noFill/>
+                    </a:lnL>
+                    <a:lnR>
+                      <a:noFill/>
+                    </a:lnR>
+                    <a:lnT>
+                      <a:noFill/>
+                    </a:lnT>
+                    <a:lnB>
+                      <a:noFill/>
+                    </a:lnB>
+                    <a:noFill/>
+                  </a:tcPr>
+                </a:tc>
+                <a:tc>
+                  <a:txBody>
+                    <a:bodyPr/>
+                    <a:lstStyle/>
+                    <a:p>
+                      <a:r>
+                        <a:rPr lang="en-US" sz="1700" dirty="0"/>
+                        <a:t>Yes</a:t>
+                      </a:r>
+                    </a:p>
+                  </a:txBody>
+                  <a:tcPr marL="84410" marR="84410" marT="42205" marB="42205" anchor="ctr">
+                    <a:lnL>
+                      <a:noFill/>
+                    </a:lnL>
+                    <a:lnR>
+                      <a:noFill/>
+                    </a:lnR>
+                    <a:lnT>
+                      <a:noFill/>
+                    </a:lnT>
+                    <a:lnB>
+                      <a:noFill/>
+                    </a:lnB>
+                    <a:noFill/>
+                  </a:tcPr>
+                </a:tc>
+                <a:extLst>
+                  <a:ext uri="{0D108BD9-81ED-4DB2-BD59-A6C34878D82A}">
+                    <a16:rowId xmlns:a16="http://schemas.microsoft.com/office/drawing/2014/main" val="3222835638"/>
+                  </a:ext>
+                </a:extLst>
+              </a:tr>
+              <a:tr h="371405">
+                <a:tc>
+                  <a:txBody>
+                    <a:bodyPr/>
+                    <a:lstStyle/>
+                    <a:p>
+                      <a:r>
+                        <a:rPr lang="en-US" sz="1700" dirty="0"/>
+                        <a:t>Asset Management</a:t>
+                      </a:r>
+                    </a:p>
+                  </a:txBody>
+                  <a:tcPr marL="84410" marR="84410" marT="42205" marB="42205" anchor="ctr">
+                    <a:lnL>
+                      <a:noFill/>
+                    </a:lnL>
+                    <a:lnR>
+                      <a:noFill/>
+                    </a:lnR>
+                    <a:lnT>
+                      <a:noFill/>
+                    </a:lnT>
+                    <a:lnB>
+                      <a:noFill/>
+                    </a:lnB>
+                    <a:noFill/>
+                  </a:tcPr>
+                </a:tc>
+                <a:tc>
+                  <a:txBody>
+                    <a:bodyPr/>
+                    <a:lstStyle/>
+                    <a:p>
+                      <a:r>
+                        <a:rPr lang="en-US" sz="1700" dirty="0"/>
+                        <a:t>Limited tracking capabilities</a:t>
+                      </a:r>
+                    </a:p>
+                  </a:txBody>
+                  <a:tcPr marL="84410" marR="84410" marT="42205" marB="42205" anchor="ctr">
+                    <a:lnL>
+                      <a:noFill/>
+                    </a:lnL>
+                    <a:lnR>
+                      <a:noFill/>
+                    </a:lnR>
+                    <a:lnT>
+                      <a:noFill/>
+                    </a:lnT>
+                    <a:lnB>
+                      <a:noFill/>
+                    </a:lnB>
+                    <a:noFill/>
+                  </a:tcPr>
+                </a:tc>
+                <a:tc>
+                  <a:txBody>
+                    <a:bodyPr/>
+                    <a:lstStyle/>
+                    <a:p>
+                      <a:r>
+                        <a:rPr lang="en-US" sz="1700" dirty="0"/>
+                        <a:t>Yes</a:t>
+                      </a:r>
+                    </a:p>
+                  </a:txBody>
+                  <a:tcPr marL="84410" marR="84410" marT="42205" marB="42205" anchor="ctr">
+                    <a:lnL>
+                      <a:noFill/>
+                    </a:lnL>
+                    <a:lnR>
+                      <a:noFill/>
+                    </a:lnR>
+                    <a:lnT>
+                      <a:noFill/>
+                    </a:lnT>
+                    <a:lnB>
+                      <a:noFill/>
+                    </a:lnB>
+                    <a:noFill/>
+                  </a:tcPr>
+                </a:tc>
+                <a:extLst>
+                  <a:ext uri="{0D108BD9-81ED-4DB2-BD59-A6C34878D82A}">
+                    <a16:rowId xmlns:a16="http://schemas.microsoft.com/office/drawing/2014/main" val="2005889358"/>
+                  </a:ext>
+                </a:extLst>
+              </a:tr>
+              <a:tr h="371405">
+                <a:tc>
+                  <a:txBody>
+                    <a:bodyPr/>
+                    <a:lstStyle/>
+                    <a:p>
+                      <a:r>
+                        <a:rPr lang="en-US" sz="1700" dirty="0"/>
+                        <a:t>PC Peripherals Support</a:t>
+                      </a:r>
+                    </a:p>
+                  </a:txBody>
+                  <a:tcPr marL="84410" marR="84410" marT="42205" marB="42205" anchor="ctr">
+                    <a:lnL>
+                      <a:noFill/>
+                    </a:lnL>
+                    <a:lnR>
+                      <a:noFill/>
+                    </a:lnR>
+                    <a:lnT>
+                      <a:noFill/>
+                    </a:lnT>
+                    <a:lnB>
+                      <a:noFill/>
+                    </a:lnB>
+                    <a:noFill/>
+                  </a:tcPr>
+                </a:tc>
+                <a:tc>
+                  <a:txBody>
+                    <a:bodyPr/>
+                    <a:lstStyle/>
+                    <a:p>
+                      <a:r>
+                        <a:rPr lang="en-US" sz="1700" dirty="0"/>
+                        <a:t>Yes</a:t>
+                      </a:r>
+                    </a:p>
+                  </a:txBody>
+                  <a:tcPr marL="84410" marR="84410" marT="42205" marB="42205" anchor="ctr">
+                    <a:lnL>
+                      <a:noFill/>
+                    </a:lnL>
+                    <a:lnR>
+                      <a:noFill/>
+                    </a:lnR>
+                    <a:lnT>
+                      <a:noFill/>
+                    </a:lnT>
+                    <a:lnB>
+                      <a:noFill/>
+                    </a:lnB>
+                    <a:noFill/>
+                  </a:tcPr>
+                </a:tc>
+                <a:tc>
+                  <a:txBody>
+                    <a:bodyPr/>
+                    <a:lstStyle/>
+                    <a:p>
+                      <a:r>
+                        <a:rPr lang="en-US" sz="1700" dirty="0"/>
+                        <a:t>Limited support</a:t>
+                      </a:r>
+                    </a:p>
+                  </a:txBody>
+                  <a:tcPr marL="84410" marR="84410" marT="42205" marB="42205" anchor="ctr">
+                    <a:lnL>
+                      <a:noFill/>
+                    </a:lnL>
+                    <a:lnR>
+                      <a:noFill/>
+                    </a:lnR>
+                    <a:lnT>
+                      <a:noFill/>
+                    </a:lnT>
+                    <a:lnB>
+                      <a:noFill/>
+                    </a:lnB>
+                    <a:noFill/>
+                  </a:tcPr>
+                </a:tc>
+                <a:extLst>
+                  <a:ext uri="{0D108BD9-81ED-4DB2-BD59-A6C34878D82A}">
+                    <a16:rowId xmlns:a16="http://schemas.microsoft.com/office/drawing/2014/main" val="969794677"/>
+                  </a:ext>
+                </a:extLst>
+              </a:tr>
+              <a:tr h="371405">
+                <a:tc>
+                  <a:txBody>
+                    <a:bodyPr/>
+                    <a:lstStyle/>
+                    <a:p>
+                      <a:r>
+                        <a:rPr lang="en-US" sz="1700" dirty="0"/>
+                        <a:t>Security</a:t>
+                      </a:r>
+                    </a:p>
+                  </a:txBody>
+                  <a:tcPr marL="84410" marR="84410" marT="42205" marB="42205" anchor="ctr">
+                    <a:lnL>
+                      <a:noFill/>
+                    </a:lnL>
+                    <a:lnR>
+                      <a:noFill/>
+                    </a:lnR>
+                    <a:lnT>
+                      <a:noFill/>
+                    </a:lnT>
+                    <a:lnB>
+                      <a:noFill/>
+                    </a:lnB>
+                    <a:noFill/>
+                  </a:tcPr>
+                </a:tc>
+                <a:tc>
+                  <a:txBody>
+                    <a:bodyPr/>
+                    <a:lstStyle/>
+                    <a:p>
+                      <a:r>
+                        <a:rPr lang="en-US" sz="1700" dirty="0"/>
+                        <a:t>AES-128 encryption</a:t>
+                      </a:r>
+                    </a:p>
+                  </a:txBody>
+                  <a:tcPr marL="84410" marR="84410" marT="42205" marB="42205" anchor="ctr">
+                    <a:lnL>
+                      <a:noFill/>
+                    </a:lnL>
+                    <a:lnR>
+                      <a:noFill/>
+                    </a:lnR>
+                    <a:lnT>
+                      <a:noFill/>
+                    </a:lnT>
+                    <a:lnB>
+                      <a:noFill/>
+                    </a:lnB>
+                    <a:noFill/>
+                  </a:tcPr>
+                </a:tc>
+                <a:tc>
+                  <a:txBody>
+                    <a:bodyPr/>
+                    <a:lstStyle/>
+                    <a:p>
+                      <a:r>
+                        <a:rPr lang="en-US" sz="1700" dirty="0"/>
+                        <a:t>AES-128 encryption</a:t>
+                      </a:r>
+                    </a:p>
+                  </a:txBody>
+                  <a:tcPr marL="84410" marR="84410" marT="42205" marB="42205" anchor="ctr">
+                    <a:lnL>
+                      <a:noFill/>
+                    </a:lnL>
+                    <a:lnR>
+                      <a:noFill/>
+                    </a:lnR>
+                    <a:lnT>
+                      <a:noFill/>
+                    </a:lnT>
+                    <a:lnB>
+                      <a:noFill/>
+                    </a:lnB>
+                    <a:noFill/>
+                  </a:tcPr>
+                </a:tc>
+                <a:extLst>
+                  <a:ext uri="{0D108BD9-81ED-4DB2-BD59-A6C34878D82A}">
+                    <a16:rowId xmlns:a16="http://schemas.microsoft.com/office/drawing/2014/main" val="3681606283"/>
+                  </a:ext>
+                </a:extLst>
+              </a:tr>
+            </a:tbl>
+          </a:graphicData>
+        </a:graphic>
+      </p:graphicFrame>
     </p:spTree>
     <p:extLst>
       <p:ext uri="{BB962C8B-B14F-4D97-AF65-F5344CB8AC3E}">
-        <p14:creationId xmlns:p14="http://schemas.microsoft.com/office/powerpoint/2010/main" val="907940795"/>
+        <p14:creationId xmlns:p14="http://schemas.microsoft.com/office/powerpoint/2010/main" val="3194976740"/>
       </p:ext>
     </p:extLst>
   </p:cSld>
@@ -8267,503 +9364,6 @@
     <p:extLst>
       <p:ext uri="{BB962C8B-B14F-4D97-AF65-F5344CB8AC3E}">
         <p14:creationId xmlns:p14="http://schemas.microsoft.com/office/powerpoint/2010/main" val="675559522"/>
-      </p:ext>
-    </p:extLst>
-  </p:cSld>
-  <p:clrMapOvr>
-    <a:masterClrMapping/>
-  </p:clrMapOvr>
-</p:sld>
-</file>
-
-<file path=ppt/slides/slide20.xml><?xml version="1.0" encoding="utf-8"?>
-<p:sld xmlns:a="http://schemas.openxmlformats.org/drawingml/2006/main" xmlns:r="http://schemas.openxmlformats.org/officeDocument/2006/relationships" xmlns:p="http://schemas.openxmlformats.org/presentationml/2006/main">
-  <p:cSld>
-    <p:spTree>
-      <p:nvGrpSpPr>
-        <p:cNvPr id="1" name=""/>
-        <p:cNvGrpSpPr/>
-        <p:nvPr/>
-      </p:nvGrpSpPr>
-      <p:grpSpPr>
-        <a:xfrm>
-          <a:off x="0" y="0"/>
-          <a:ext cx="0" cy="0"/>
-          <a:chOff x="0" y="0"/>
-          <a:chExt cx="0" cy="0"/>
-        </a:xfrm>
-      </p:grpSpPr>
-      <p:sp>
-        <p:nvSpPr>
-          <p:cNvPr id="3" name="Content Placeholder 2">
-            <a:extLst>
-              <a:ext uri="{FF2B5EF4-FFF2-40B4-BE49-F238E27FC236}">
-                <a16:creationId xmlns:a16="http://schemas.microsoft.com/office/drawing/2014/main" id="{85E36873-996E-DE0C-2F0B-9B5EEA8AA4E6}"/>
-              </a:ext>
-            </a:extLst>
-          </p:cNvPr>
-          <p:cNvSpPr>
-            <a:spLocks noGrp="1"/>
-          </p:cNvSpPr>
-          <p:nvPr>
-            <p:ph idx="1"/>
-          </p:nvPr>
-        </p:nvSpPr>
-        <p:spPr>
-          <a:xfrm>
-            <a:off x="838200" y="479502"/>
-            <a:ext cx="10515600" cy="5697461"/>
-          </a:xfrm>
-        </p:spPr>
-        <p:txBody>
-          <a:bodyPr>
-            <a:normAutofit/>
-          </a:bodyPr>
-          <a:lstStyle/>
-          <a:p>
-            <a:pPr lvl="1"/>
-            <a:endParaRPr lang="en-US" dirty="0"/>
-          </a:p>
-        </p:txBody>
-      </p:sp>
-    </p:spTree>
-    <p:extLst>
-      <p:ext uri="{BB962C8B-B14F-4D97-AF65-F5344CB8AC3E}">
-        <p14:creationId xmlns:p14="http://schemas.microsoft.com/office/powerpoint/2010/main" val="1331093012"/>
-      </p:ext>
-    </p:extLst>
-  </p:cSld>
-  <p:clrMapOvr>
-    <a:masterClrMapping/>
-  </p:clrMapOvr>
-</p:sld>
-</file>
-
-<file path=ppt/slides/slide21.xml><?xml version="1.0" encoding="utf-8"?>
-<p:sld xmlns:a="http://schemas.openxmlformats.org/drawingml/2006/main" xmlns:r="http://schemas.openxmlformats.org/officeDocument/2006/relationships" xmlns:p="http://schemas.openxmlformats.org/presentationml/2006/main">
-  <p:cSld>
-    <p:spTree>
-      <p:nvGrpSpPr>
-        <p:cNvPr id="1" name=""/>
-        <p:cNvGrpSpPr/>
-        <p:nvPr/>
-      </p:nvGrpSpPr>
-      <p:grpSpPr>
-        <a:xfrm>
-          <a:off x="0" y="0"/>
-          <a:ext cx="0" cy="0"/>
-          <a:chOff x="0" y="0"/>
-          <a:chExt cx="0" cy="0"/>
-        </a:xfrm>
-      </p:grpSpPr>
-      <p:sp>
-        <p:nvSpPr>
-          <p:cNvPr id="3" name="Content Placeholder 2">
-            <a:extLst>
-              <a:ext uri="{FF2B5EF4-FFF2-40B4-BE49-F238E27FC236}">
-                <a16:creationId xmlns:a16="http://schemas.microsoft.com/office/drawing/2014/main" id="{85E36873-996E-DE0C-2F0B-9B5EEA8AA4E6}"/>
-              </a:ext>
-            </a:extLst>
-          </p:cNvPr>
-          <p:cNvSpPr>
-            <a:spLocks noGrp="1"/>
-          </p:cNvSpPr>
-          <p:nvPr>
-            <p:ph idx="1"/>
-          </p:nvPr>
-        </p:nvSpPr>
-        <p:spPr>
-          <a:xfrm>
-            <a:off x="838200" y="479502"/>
-            <a:ext cx="10515600" cy="5697461"/>
-          </a:xfrm>
-        </p:spPr>
-        <p:txBody>
-          <a:bodyPr>
-            <a:normAutofit/>
-          </a:bodyPr>
-          <a:lstStyle/>
-          <a:p>
-            <a:endParaRPr lang="en-US" dirty="0"/>
-          </a:p>
-        </p:txBody>
-      </p:sp>
-    </p:spTree>
-    <p:extLst>
-      <p:ext uri="{BB962C8B-B14F-4D97-AF65-F5344CB8AC3E}">
-        <p14:creationId xmlns:p14="http://schemas.microsoft.com/office/powerpoint/2010/main" val="2742090806"/>
-      </p:ext>
-    </p:extLst>
-  </p:cSld>
-  <p:clrMapOvr>
-    <a:masterClrMapping/>
-  </p:clrMapOvr>
-</p:sld>
-</file>
-
-<file path=ppt/slides/slide22.xml><?xml version="1.0" encoding="utf-8"?>
-<p:sld xmlns:a="http://schemas.openxmlformats.org/drawingml/2006/main" xmlns:r="http://schemas.openxmlformats.org/officeDocument/2006/relationships" xmlns:p="http://schemas.openxmlformats.org/presentationml/2006/main">
-  <p:cSld>
-    <p:spTree>
-      <p:nvGrpSpPr>
-        <p:cNvPr id="1" name=""/>
-        <p:cNvGrpSpPr/>
-        <p:nvPr/>
-      </p:nvGrpSpPr>
-      <p:grpSpPr>
-        <a:xfrm>
-          <a:off x="0" y="0"/>
-          <a:ext cx="0" cy="0"/>
-          <a:chOff x="0" y="0"/>
-          <a:chExt cx="0" cy="0"/>
-        </a:xfrm>
-      </p:grpSpPr>
-      <p:sp>
-        <p:nvSpPr>
-          <p:cNvPr id="3" name="Content Placeholder 2">
-            <a:extLst>
-              <a:ext uri="{FF2B5EF4-FFF2-40B4-BE49-F238E27FC236}">
-                <a16:creationId xmlns:a16="http://schemas.microsoft.com/office/drawing/2014/main" id="{85E36873-996E-DE0C-2F0B-9B5EEA8AA4E6}"/>
-              </a:ext>
-            </a:extLst>
-          </p:cNvPr>
-          <p:cNvSpPr>
-            <a:spLocks noGrp="1"/>
-          </p:cNvSpPr>
-          <p:nvPr>
-            <p:ph idx="1"/>
-          </p:nvPr>
-        </p:nvSpPr>
-        <p:spPr>
-          <a:xfrm>
-            <a:off x="838200" y="479502"/>
-            <a:ext cx="10515600" cy="5697461"/>
-          </a:xfrm>
-        </p:spPr>
-        <p:txBody>
-          <a:bodyPr>
-            <a:normAutofit/>
-          </a:bodyPr>
-          <a:lstStyle/>
-          <a:p>
-            <a:endParaRPr lang="en-US" dirty="0"/>
-          </a:p>
-        </p:txBody>
-      </p:sp>
-    </p:spTree>
-    <p:extLst>
-      <p:ext uri="{BB962C8B-B14F-4D97-AF65-F5344CB8AC3E}">
-        <p14:creationId xmlns:p14="http://schemas.microsoft.com/office/powerpoint/2010/main" val="2602514514"/>
-      </p:ext>
-    </p:extLst>
-  </p:cSld>
-  <p:clrMapOvr>
-    <a:masterClrMapping/>
-  </p:clrMapOvr>
-</p:sld>
-</file>
-
-<file path=ppt/slides/slide23.xml><?xml version="1.0" encoding="utf-8"?>
-<p:sld xmlns:a="http://schemas.openxmlformats.org/drawingml/2006/main" xmlns:r="http://schemas.openxmlformats.org/officeDocument/2006/relationships" xmlns:p="http://schemas.openxmlformats.org/presentationml/2006/main">
-  <p:cSld>
-    <p:spTree>
-      <p:nvGrpSpPr>
-        <p:cNvPr id="1" name=""/>
-        <p:cNvGrpSpPr/>
-        <p:nvPr/>
-      </p:nvGrpSpPr>
-      <p:grpSpPr>
-        <a:xfrm>
-          <a:off x="0" y="0"/>
-          <a:ext cx="0" cy="0"/>
-          <a:chOff x="0" y="0"/>
-          <a:chExt cx="0" cy="0"/>
-        </a:xfrm>
-      </p:grpSpPr>
-      <p:sp>
-        <p:nvSpPr>
-          <p:cNvPr id="3" name="Content Placeholder 2">
-            <a:extLst>
-              <a:ext uri="{FF2B5EF4-FFF2-40B4-BE49-F238E27FC236}">
-                <a16:creationId xmlns:a16="http://schemas.microsoft.com/office/drawing/2014/main" id="{85E36873-996E-DE0C-2F0B-9B5EEA8AA4E6}"/>
-              </a:ext>
-            </a:extLst>
-          </p:cNvPr>
-          <p:cNvSpPr>
-            <a:spLocks noGrp="1"/>
-          </p:cNvSpPr>
-          <p:nvPr>
-            <p:ph idx="1"/>
-          </p:nvPr>
-        </p:nvSpPr>
-        <p:spPr>
-          <a:xfrm>
-            <a:off x="838200" y="479502"/>
-            <a:ext cx="10515600" cy="5697461"/>
-          </a:xfrm>
-        </p:spPr>
-        <p:txBody>
-          <a:bodyPr>
-            <a:normAutofit/>
-          </a:bodyPr>
-          <a:lstStyle/>
-          <a:p>
-            <a:endParaRPr lang="en-US" dirty="0"/>
-          </a:p>
-        </p:txBody>
-      </p:sp>
-    </p:spTree>
-    <p:extLst>
-      <p:ext uri="{BB962C8B-B14F-4D97-AF65-F5344CB8AC3E}">
-        <p14:creationId xmlns:p14="http://schemas.microsoft.com/office/powerpoint/2010/main" val="1884430284"/>
-      </p:ext>
-    </p:extLst>
-  </p:cSld>
-  <p:clrMapOvr>
-    <a:masterClrMapping/>
-  </p:clrMapOvr>
-</p:sld>
-</file>
-
-<file path=ppt/slides/slide24.xml><?xml version="1.0" encoding="utf-8"?>
-<p:sld xmlns:a="http://schemas.openxmlformats.org/drawingml/2006/main" xmlns:r="http://schemas.openxmlformats.org/officeDocument/2006/relationships" xmlns:p="http://schemas.openxmlformats.org/presentationml/2006/main">
-  <p:cSld>
-    <p:spTree>
-      <p:nvGrpSpPr>
-        <p:cNvPr id="1" name=""/>
-        <p:cNvGrpSpPr/>
-        <p:nvPr/>
-      </p:nvGrpSpPr>
-      <p:grpSpPr>
-        <a:xfrm>
-          <a:off x="0" y="0"/>
-          <a:ext cx="0" cy="0"/>
-          <a:chOff x="0" y="0"/>
-          <a:chExt cx="0" cy="0"/>
-        </a:xfrm>
-      </p:grpSpPr>
-      <p:sp>
-        <p:nvSpPr>
-          <p:cNvPr id="3" name="Content Placeholder 2">
-            <a:extLst>
-              <a:ext uri="{FF2B5EF4-FFF2-40B4-BE49-F238E27FC236}">
-                <a16:creationId xmlns:a16="http://schemas.microsoft.com/office/drawing/2014/main" id="{85E36873-996E-DE0C-2F0B-9B5EEA8AA4E6}"/>
-              </a:ext>
-            </a:extLst>
-          </p:cNvPr>
-          <p:cNvSpPr>
-            <a:spLocks noGrp="1"/>
-          </p:cNvSpPr>
-          <p:nvPr>
-            <p:ph idx="1"/>
-          </p:nvPr>
-        </p:nvSpPr>
-        <p:spPr>
-          <a:xfrm>
-            <a:off x="838200" y="479502"/>
-            <a:ext cx="10515600" cy="5697461"/>
-          </a:xfrm>
-        </p:spPr>
-        <p:txBody>
-          <a:bodyPr>
-            <a:normAutofit/>
-          </a:bodyPr>
-          <a:lstStyle/>
-          <a:p>
-            <a:endParaRPr lang="en-US" dirty="0"/>
-          </a:p>
-        </p:txBody>
-      </p:sp>
-    </p:spTree>
-    <p:extLst>
-      <p:ext uri="{BB962C8B-B14F-4D97-AF65-F5344CB8AC3E}">
-        <p14:creationId xmlns:p14="http://schemas.microsoft.com/office/powerpoint/2010/main" val="2261725338"/>
-      </p:ext>
-    </p:extLst>
-  </p:cSld>
-  <p:clrMapOvr>
-    <a:masterClrMapping/>
-  </p:clrMapOvr>
-</p:sld>
-</file>
-
-<file path=ppt/slides/slide25.xml><?xml version="1.0" encoding="utf-8"?>
-<p:sld xmlns:a="http://schemas.openxmlformats.org/drawingml/2006/main" xmlns:r="http://schemas.openxmlformats.org/officeDocument/2006/relationships" xmlns:p="http://schemas.openxmlformats.org/presentationml/2006/main">
-  <p:cSld>
-    <p:spTree>
-      <p:nvGrpSpPr>
-        <p:cNvPr id="1" name=""/>
-        <p:cNvGrpSpPr/>
-        <p:nvPr/>
-      </p:nvGrpSpPr>
-      <p:grpSpPr>
-        <a:xfrm>
-          <a:off x="0" y="0"/>
-          <a:ext cx="0" cy="0"/>
-          <a:chOff x="0" y="0"/>
-          <a:chExt cx="0" cy="0"/>
-        </a:xfrm>
-      </p:grpSpPr>
-      <p:sp>
-        <p:nvSpPr>
-          <p:cNvPr id="3" name="Content Placeholder 2">
-            <a:extLst>
-              <a:ext uri="{FF2B5EF4-FFF2-40B4-BE49-F238E27FC236}">
-                <a16:creationId xmlns:a16="http://schemas.microsoft.com/office/drawing/2014/main" id="{85E36873-996E-DE0C-2F0B-9B5EEA8AA4E6}"/>
-              </a:ext>
-            </a:extLst>
-          </p:cNvPr>
-          <p:cNvSpPr>
-            <a:spLocks noGrp="1"/>
-          </p:cNvSpPr>
-          <p:nvPr>
-            <p:ph idx="1"/>
-          </p:nvPr>
-        </p:nvSpPr>
-        <p:spPr>
-          <a:xfrm>
-            <a:off x="838200" y="479502"/>
-            <a:ext cx="10515600" cy="5697461"/>
-          </a:xfrm>
-        </p:spPr>
-        <p:txBody>
-          <a:bodyPr>
-            <a:normAutofit/>
-          </a:bodyPr>
-          <a:lstStyle/>
-          <a:p>
-            <a:endParaRPr lang="en-US" dirty="0"/>
-          </a:p>
-        </p:txBody>
-      </p:sp>
-    </p:spTree>
-    <p:extLst>
-      <p:ext uri="{BB962C8B-B14F-4D97-AF65-F5344CB8AC3E}">
-        <p14:creationId xmlns:p14="http://schemas.microsoft.com/office/powerpoint/2010/main" val="935425112"/>
-      </p:ext>
-    </p:extLst>
-  </p:cSld>
-  <p:clrMapOvr>
-    <a:masterClrMapping/>
-  </p:clrMapOvr>
-</p:sld>
-</file>
-
-<file path=ppt/slides/slide26.xml><?xml version="1.0" encoding="utf-8"?>
-<p:sld xmlns:a="http://schemas.openxmlformats.org/drawingml/2006/main" xmlns:r="http://schemas.openxmlformats.org/officeDocument/2006/relationships" xmlns:p="http://schemas.openxmlformats.org/presentationml/2006/main">
-  <p:cSld>
-    <p:spTree>
-      <p:nvGrpSpPr>
-        <p:cNvPr id="1" name=""/>
-        <p:cNvGrpSpPr/>
-        <p:nvPr/>
-      </p:nvGrpSpPr>
-      <p:grpSpPr>
-        <a:xfrm>
-          <a:off x="0" y="0"/>
-          <a:ext cx="0" cy="0"/>
-          <a:chOff x="0" y="0"/>
-          <a:chExt cx="0" cy="0"/>
-        </a:xfrm>
-      </p:grpSpPr>
-      <p:sp>
-        <p:nvSpPr>
-          <p:cNvPr id="3" name="Content Placeholder 2">
-            <a:extLst>
-              <a:ext uri="{FF2B5EF4-FFF2-40B4-BE49-F238E27FC236}">
-                <a16:creationId xmlns:a16="http://schemas.microsoft.com/office/drawing/2014/main" id="{85E36873-996E-DE0C-2F0B-9B5EEA8AA4E6}"/>
-              </a:ext>
-            </a:extLst>
-          </p:cNvPr>
-          <p:cNvSpPr>
-            <a:spLocks noGrp="1"/>
-          </p:cNvSpPr>
-          <p:nvPr>
-            <p:ph idx="1"/>
-          </p:nvPr>
-        </p:nvSpPr>
-        <p:spPr>
-          <a:xfrm>
-            <a:off x="838200" y="479502"/>
-            <a:ext cx="10515600" cy="5697461"/>
-          </a:xfrm>
-        </p:spPr>
-        <p:txBody>
-          <a:bodyPr>
-            <a:normAutofit/>
-          </a:bodyPr>
-          <a:lstStyle/>
-          <a:p>
-            <a:endParaRPr lang="en-US" dirty="0"/>
-          </a:p>
-        </p:txBody>
-      </p:sp>
-    </p:spTree>
-    <p:extLst>
-      <p:ext uri="{BB962C8B-B14F-4D97-AF65-F5344CB8AC3E}">
-        <p14:creationId xmlns:p14="http://schemas.microsoft.com/office/powerpoint/2010/main" val="3867027927"/>
-      </p:ext>
-    </p:extLst>
-  </p:cSld>
-  <p:clrMapOvr>
-    <a:masterClrMapping/>
-  </p:clrMapOvr>
-</p:sld>
-</file>
-
-<file path=ppt/slides/slide27.xml><?xml version="1.0" encoding="utf-8"?>
-<p:sld xmlns:a="http://schemas.openxmlformats.org/drawingml/2006/main" xmlns:r="http://schemas.openxmlformats.org/officeDocument/2006/relationships" xmlns:p="http://schemas.openxmlformats.org/presentationml/2006/main">
-  <p:cSld>
-    <p:spTree>
-      <p:nvGrpSpPr>
-        <p:cNvPr id="1" name=""/>
-        <p:cNvGrpSpPr/>
-        <p:nvPr/>
-      </p:nvGrpSpPr>
-      <p:grpSpPr>
-        <a:xfrm>
-          <a:off x="0" y="0"/>
-          <a:ext cx="0" cy="0"/>
-          <a:chOff x="0" y="0"/>
-          <a:chExt cx="0" cy="0"/>
-        </a:xfrm>
-      </p:grpSpPr>
-      <p:sp>
-        <p:nvSpPr>
-          <p:cNvPr id="3" name="Content Placeholder 2">
-            <a:extLst>
-              <a:ext uri="{FF2B5EF4-FFF2-40B4-BE49-F238E27FC236}">
-                <a16:creationId xmlns:a16="http://schemas.microsoft.com/office/drawing/2014/main" id="{85E36873-996E-DE0C-2F0B-9B5EEA8AA4E6}"/>
-              </a:ext>
-            </a:extLst>
-          </p:cNvPr>
-          <p:cNvSpPr>
-            <a:spLocks noGrp="1"/>
-          </p:cNvSpPr>
-          <p:nvPr>
-            <p:ph idx="1"/>
-          </p:nvPr>
-        </p:nvSpPr>
-        <p:spPr>
-          <a:xfrm>
-            <a:off x="838200" y="479502"/>
-            <a:ext cx="10515600" cy="5697461"/>
-          </a:xfrm>
-        </p:spPr>
-        <p:txBody>
-          <a:bodyPr>
-            <a:normAutofit/>
-          </a:bodyPr>
-          <a:lstStyle/>
-          <a:p>
-            <a:endParaRPr lang="en-US" dirty="0"/>
-          </a:p>
-        </p:txBody>
-      </p:sp>
-    </p:spTree>
-    <p:extLst>
-      <p:ext uri="{BB962C8B-B14F-4D97-AF65-F5344CB8AC3E}">
-        <p14:creationId xmlns:p14="http://schemas.microsoft.com/office/powerpoint/2010/main" val="1667944022"/>
       </p:ext>
     </p:extLst>
   </p:cSld>
@@ -9938,6 +10538,74 @@
           </a:bodyPr>
           <a:lstStyle/>
           <a:p>
+            <a:r>
+              <a:rPr lang="en-US" dirty="0"/>
+              <a:t>Begin with 3 MCUs.</a:t>
+            </a:r>
+          </a:p>
+          <a:p>
+            <a:pPr lvl="1"/>
+            <a:r>
+              <a:rPr lang="en-US" dirty="0"/>
+              <a:t>Homogeneous (identical MCUs) or </a:t>
+            </a:r>
+            <a:r>
+              <a:rPr lang="en-US" dirty="0">
+                <a:solidFill>
+                  <a:srgbClr val="00B0F0"/>
+                </a:solidFill>
+              </a:rPr>
+              <a:t>heterogeneous</a:t>
+            </a:r>
+            <a:r>
+              <a:rPr lang="en-US" dirty="0"/>
+              <a:t> (different MCUs)?</a:t>
+            </a:r>
+          </a:p>
+          <a:p>
+            <a:pPr lvl="1"/>
+            <a:r>
+              <a:rPr lang="en-US" dirty="0"/>
+              <a:t>One communication protocol or </a:t>
+            </a:r>
+            <a:r>
+              <a:rPr lang="en-US" dirty="0">
+                <a:solidFill>
+                  <a:srgbClr val="00B0F0"/>
+                </a:solidFill>
+              </a:rPr>
+              <a:t>multiple protocols</a:t>
+            </a:r>
+          </a:p>
+          <a:p>
+            <a:pPr lvl="1"/>
+            <a:r>
+              <a:rPr lang="en-US" dirty="0"/>
+              <a:t>Multiple tasks simultaneously or </a:t>
+            </a:r>
+            <a:r>
+              <a:rPr lang="en-US" dirty="0">
+                <a:solidFill>
+                  <a:srgbClr val="00B0F0"/>
+                </a:solidFill>
+              </a:rPr>
+              <a:t>one single task distributed</a:t>
+            </a:r>
+            <a:r>
+              <a:rPr lang="en-US" dirty="0"/>
+              <a:t>?</a:t>
+            </a:r>
+          </a:p>
+          <a:p>
+            <a:pPr lvl="1"/>
+            <a:endParaRPr lang="en-US" dirty="0"/>
+          </a:p>
+          <a:p>
+            <a:pPr lvl="1"/>
+            <a:endParaRPr lang="en-US" dirty="0"/>
+          </a:p>
+          <a:p>
+            <a:pPr lvl="1"/>
             <a:endParaRPr lang="en-US" dirty="0"/>
           </a:p>
         </p:txBody>
@@ -9945,7 +10613,7 @@
     </p:spTree>
     <p:extLst>
       <p:ext uri="{BB962C8B-B14F-4D97-AF65-F5344CB8AC3E}">
-        <p14:creationId xmlns:p14="http://schemas.microsoft.com/office/powerpoint/2010/main" val="2944727761"/>
+        <p14:creationId xmlns:p14="http://schemas.microsoft.com/office/powerpoint/2010/main" val="4149569205"/>
       </p:ext>
     </p:extLst>
   </p:cSld>
@@ -10002,72 +10670,59 @@
           <a:p>
             <a:r>
               <a:rPr lang="en-US" dirty="0"/>
-              <a:t>Begin with 3 MCUs.</a:t>
+              <a:t>Communication Network Architecture</a:t>
             </a:r>
           </a:p>
           <a:p>
             <a:pPr lvl="1"/>
             <a:r>
               <a:rPr lang="en-US" dirty="0"/>
-              <a:t>Homogeneous (identical MCUs) or </a:t>
-            </a:r>
-            <a:r>
-              <a:rPr lang="en-US" dirty="0">
-                <a:solidFill>
-                  <a:srgbClr val="00B0F0"/>
-                </a:solidFill>
-              </a:rPr>
-              <a:t>heterogeneous</a:t>
-            </a:r>
+              <a:t>Peer-to-peer, Dynamic Mesh Topology</a:t>
+            </a:r>
+          </a:p>
+          <a:p>
+            <a:pPr lvl="1"/>
             <a:r>
               <a:rPr lang="en-US" dirty="0"/>
-              <a:t> (different MCUs)?</a:t>
+              <a:t>Nodes: </a:t>
+            </a:r>
+            <a:r>
+              <a:rPr lang="en-US" b="1" dirty="0"/>
+              <a:t>ESP32</a:t>
             </a:r>
           </a:p>
           <a:p>
             <a:pPr lvl="1"/>
             <a:r>
               <a:rPr lang="en-US" dirty="0"/>
-              <a:t>One communication protocol or </a:t>
-            </a:r>
-            <a:r>
-              <a:rPr lang="en-US" dirty="0">
-                <a:solidFill>
-                  <a:srgbClr val="00B0F0"/>
-                </a:solidFill>
-              </a:rPr>
-              <a:t>multiple protocols</a:t>
-            </a:r>
-          </a:p>
-          <a:p>
-            <a:pPr lvl="1"/>
+              <a:t>Protocols: </a:t>
+            </a:r>
+          </a:p>
+          <a:p>
+            <a:pPr lvl="2"/>
             <a:r>
               <a:rPr lang="en-US" dirty="0"/>
-              <a:t>Multiple tasks simultaneously or </a:t>
-            </a:r>
-            <a:r>
-              <a:rPr lang="en-US" dirty="0">
-                <a:solidFill>
-                  <a:srgbClr val="00B0F0"/>
-                </a:solidFill>
-              </a:rPr>
-              <a:t>one single task distributed</a:t>
-            </a:r>
+              <a:t>Wi-Fi Direct (no need Wi-Fi AP)</a:t>
+            </a:r>
+          </a:p>
+          <a:p>
+            <a:pPr lvl="2"/>
             <a:r>
               <a:rPr lang="en-US" dirty="0"/>
-              <a:t>?</a:t>
-            </a:r>
-          </a:p>
-          <a:p>
-            <a:pPr lvl="1"/>
+              <a:t>BLE?</a:t>
+            </a:r>
+          </a:p>
+          <a:p>
+            <a:pPr lvl="2"/>
+            <a:r>
+              <a:rPr lang="en-US" dirty="0"/>
+              <a:t>Best path for data packets</a:t>
+            </a:r>
+          </a:p>
+          <a:p>
             <a:endParaRPr lang="en-US" dirty="0"/>
           </a:p>
           <a:p>
-            <a:pPr lvl="1"/>
-            <a:endParaRPr lang="en-US" dirty="0"/>
-          </a:p>
-          <a:p>
-            <a:pPr lvl="1"/>
             <a:endParaRPr lang="en-US" dirty="0"/>
           </a:p>
         </p:txBody>
@@ -10075,7 +10730,7 @@
     </p:spTree>
     <p:extLst>
       <p:ext uri="{BB962C8B-B14F-4D97-AF65-F5344CB8AC3E}">
-        <p14:creationId xmlns:p14="http://schemas.microsoft.com/office/powerpoint/2010/main" val="4149569205"/>
+        <p14:creationId xmlns:p14="http://schemas.microsoft.com/office/powerpoint/2010/main" val="3596397592"/>
       </p:ext>
     </p:extLst>
   </p:cSld>

--- a/Swarm TinyML.pptx
+++ b/Swarm TinyML.pptx
@@ -5,7 +5,7 @@
     <p:sldMasterId id="2147483648" r:id="rId1"/>
   </p:sldMasterIdLst>
   <p:notesMasterIdLst>
-    <p:notesMasterId r:id="rId21"/>
+    <p:notesMasterId r:id="rId26"/>
   </p:notesMasterIdLst>
   <p:sldIdLst>
     <p:sldId id="256" r:id="rId2"/>
@@ -27,6 +27,11 @@
     <p:sldId id="278" r:id="rId18"/>
     <p:sldId id="284" r:id="rId19"/>
     <p:sldId id="285" r:id="rId20"/>
+    <p:sldId id="288" r:id="rId21"/>
+    <p:sldId id="291" r:id="rId22"/>
+    <p:sldId id="289" r:id="rId23"/>
+    <p:sldId id="292" r:id="rId24"/>
+    <p:sldId id="293" r:id="rId25"/>
   </p:sldIdLst>
   <p:sldSz cx="12192000" cy="6858000"/>
   <p:notesSz cx="6858000" cy="9144000"/>
@@ -523,7 +528,7 @@
           <a:p>
             <a:fld id="{AAD3F962-2BBB-E94D-8C3E-BBFCC873C910}" type="datetimeFigureOut">
               <a:rPr lang="en-US" smtClean="0"/>
-              <a:t>5/14/2024</a:t>
+              <a:t>5/15/2024</a:t>
             </a:fld>
             <a:endParaRPr lang="en-US"/>
           </a:p>
@@ -1098,7 +1103,7 @@
           <a:p>
             <a:fld id="{4906D59D-5BF0-6346-A9F9-00BF8C37E738}" type="slidenum">
               <a:rPr lang="en-US" smtClean="0"/>
-              <a:t>12</a:t>
+              <a:t>11</a:t>
             </a:fld>
             <a:endParaRPr lang="en-US"/>
           </a:p>
@@ -1182,7 +1187,7 @@
           <a:p>
             <a:fld id="{4906D59D-5BF0-6346-A9F9-00BF8C37E738}" type="slidenum">
               <a:rPr lang="en-US" smtClean="0"/>
-              <a:t>14</a:t>
+              <a:t>12</a:t>
             </a:fld>
             <a:endParaRPr lang="en-US"/>
           </a:p>
@@ -1266,7 +1271,7 @@
           <a:p>
             <a:fld id="{4906D59D-5BF0-6346-A9F9-00BF8C37E738}" type="slidenum">
               <a:rPr lang="en-US" smtClean="0"/>
-              <a:t>18</a:t>
+              <a:t>13</a:t>
             </a:fld>
             <a:endParaRPr lang="en-US"/>
           </a:p>
@@ -1350,7 +1355,7 @@
           <a:p>
             <a:fld id="{4906D59D-5BF0-6346-A9F9-00BF8C37E738}" type="slidenum">
               <a:rPr lang="en-US" smtClean="0"/>
-              <a:t>19</a:t>
+              <a:t>14</a:t>
             </a:fld>
             <a:endParaRPr lang="en-US"/>
           </a:p>
@@ -1434,7 +1439,7 @@
           <a:p>
             <a:fld id="{4906D59D-5BF0-6346-A9F9-00BF8C37E738}" type="slidenum">
               <a:rPr lang="en-US" smtClean="0"/>
-              <a:t>20</a:t>
+              <a:t>15</a:t>
             </a:fld>
             <a:endParaRPr lang="en-US"/>
           </a:p>
@@ -1518,7 +1523,7 @@
           <a:p>
             <a:fld id="{4906D59D-5BF0-6346-A9F9-00BF8C37E738}" type="slidenum">
               <a:rPr lang="en-US" smtClean="0"/>
-              <a:t>22</a:t>
+              <a:t>17</a:t>
             </a:fld>
             <a:endParaRPr lang="en-US"/>
           </a:p>
@@ -1528,6 +1533,342 @@
     <p:extLst>
       <p:ext uri="{BB962C8B-B14F-4D97-AF65-F5344CB8AC3E}">
         <p14:creationId xmlns:p14="http://schemas.microsoft.com/office/powerpoint/2010/main" val="1237207116"/>
+      </p:ext>
+    </p:extLst>
+  </p:cSld>
+  <p:clrMapOvr>
+    <a:masterClrMapping/>
+  </p:clrMapOvr>
+</p:notes>
+</file>
+
+<file path=ppt/notesSlides/notesSlide16.xml><?xml version="1.0" encoding="utf-8"?>
+<p:notes xmlns:a="http://schemas.openxmlformats.org/drawingml/2006/main" xmlns:r="http://schemas.openxmlformats.org/officeDocument/2006/relationships" xmlns:p="http://schemas.openxmlformats.org/presentationml/2006/main">
+  <p:cSld>
+    <p:spTree>
+      <p:nvGrpSpPr>
+        <p:cNvPr id="1" name=""/>
+        <p:cNvGrpSpPr/>
+        <p:nvPr/>
+      </p:nvGrpSpPr>
+      <p:grpSpPr>
+        <a:xfrm>
+          <a:off x="0" y="0"/>
+          <a:ext cx="0" cy="0"/>
+          <a:chOff x="0" y="0"/>
+          <a:chExt cx="0" cy="0"/>
+        </a:xfrm>
+      </p:grpSpPr>
+      <p:sp>
+        <p:nvSpPr>
+          <p:cNvPr id="2" name="Slide Image Placeholder 1"/>
+          <p:cNvSpPr>
+            <a:spLocks noGrp="1" noRot="1" noChangeAspect="1"/>
+          </p:cNvSpPr>
+          <p:nvPr>
+            <p:ph type="sldImg"/>
+          </p:nvPr>
+        </p:nvSpPr>
+        <p:spPr/>
+      </p:sp>
+      <p:sp>
+        <p:nvSpPr>
+          <p:cNvPr id="3" name="Notes Placeholder 2"/>
+          <p:cNvSpPr>
+            <a:spLocks noGrp="1"/>
+          </p:cNvSpPr>
+          <p:nvPr>
+            <p:ph type="body" idx="1"/>
+          </p:nvPr>
+        </p:nvSpPr>
+        <p:spPr/>
+        <p:txBody>
+          <a:bodyPr/>
+          <a:lstStyle/>
+          <a:p>
+            <a:endParaRPr lang="en-US" dirty="0"/>
+          </a:p>
+        </p:txBody>
+      </p:sp>
+      <p:sp>
+        <p:nvSpPr>
+          <p:cNvPr id="4" name="Slide Number Placeholder 3"/>
+          <p:cNvSpPr>
+            <a:spLocks noGrp="1"/>
+          </p:cNvSpPr>
+          <p:nvPr>
+            <p:ph type="sldNum" sz="quarter" idx="5"/>
+          </p:nvPr>
+        </p:nvSpPr>
+        <p:spPr/>
+        <p:txBody>
+          <a:bodyPr/>
+          <a:lstStyle/>
+          <a:p>
+            <a:fld id="{4906D59D-5BF0-6346-A9F9-00BF8C37E738}" type="slidenum">
+              <a:rPr lang="en-US" smtClean="0"/>
+              <a:t>20</a:t>
+            </a:fld>
+            <a:endParaRPr lang="en-US"/>
+          </a:p>
+        </p:txBody>
+      </p:sp>
+    </p:spTree>
+    <p:extLst>
+      <p:ext uri="{BB962C8B-B14F-4D97-AF65-F5344CB8AC3E}">
+        <p14:creationId xmlns:p14="http://schemas.microsoft.com/office/powerpoint/2010/main" val="1117092560"/>
+      </p:ext>
+    </p:extLst>
+  </p:cSld>
+  <p:clrMapOvr>
+    <a:masterClrMapping/>
+  </p:clrMapOvr>
+</p:notes>
+</file>
+
+<file path=ppt/notesSlides/notesSlide17.xml><?xml version="1.0" encoding="utf-8"?>
+<p:notes xmlns:a="http://schemas.openxmlformats.org/drawingml/2006/main" xmlns:r="http://schemas.openxmlformats.org/officeDocument/2006/relationships" xmlns:p="http://schemas.openxmlformats.org/presentationml/2006/main">
+  <p:cSld>
+    <p:spTree>
+      <p:nvGrpSpPr>
+        <p:cNvPr id="1" name=""/>
+        <p:cNvGrpSpPr/>
+        <p:nvPr/>
+      </p:nvGrpSpPr>
+      <p:grpSpPr>
+        <a:xfrm>
+          <a:off x="0" y="0"/>
+          <a:ext cx="0" cy="0"/>
+          <a:chOff x="0" y="0"/>
+          <a:chExt cx="0" cy="0"/>
+        </a:xfrm>
+      </p:grpSpPr>
+      <p:sp>
+        <p:nvSpPr>
+          <p:cNvPr id="2" name="Slide Image Placeholder 1"/>
+          <p:cNvSpPr>
+            <a:spLocks noGrp="1" noRot="1" noChangeAspect="1"/>
+          </p:cNvSpPr>
+          <p:nvPr>
+            <p:ph type="sldImg"/>
+          </p:nvPr>
+        </p:nvSpPr>
+        <p:spPr/>
+      </p:sp>
+      <p:sp>
+        <p:nvSpPr>
+          <p:cNvPr id="3" name="Notes Placeholder 2"/>
+          <p:cNvSpPr>
+            <a:spLocks noGrp="1"/>
+          </p:cNvSpPr>
+          <p:nvPr>
+            <p:ph type="body" idx="1"/>
+          </p:nvPr>
+        </p:nvSpPr>
+        <p:spPr/>
+        <p:txBody>
+          <a:bodyPr/>
+          <a:lstStyle/>
+          <a:p>
+            <a:endParaRPr lang="en-US" dirty="0"/>
+          </a:p>
+        </p:txBody>
+      </p:sp>
+      <p:sp>
+        <p:nvSpPr>
+          <p:cNvPr id="4" name="Slide Number Placeholder 3"/>
+          <p:cNvSpPr>
+            <a:spLocks noGrp="1"/>
+          </p:cNvSpPr>
+          <p:nvPr>
+            <p:ph type="sldNum" sz="quarter" idx="5"/>
+          </p:nvPr>
+        </p:nvSpPr>
+        <p:spPr/>
+        <p:txBody>
+          <a:bodyPr/>
+          <a:lstStyle/>
+          <a:p>
+            <a:fld id="{4906D59D-5BF0-6346-A9F9-00BF8C37E738}" type="slidenum">
+              <a:rPr lang="en-US" smtClean="0"/>
+              <a:t>21</a:t>
+            </a:fld>
+            <a:endParaRPr lang="en-US"/>
+          </a:p>
+        </p:txBody>
+      </p:sp>
+    </p:spTree>
+    <p:extLst>
+      <p:ext uri="{BB962C8B-B14F-4D97-AF65-F5344CB8AC3E}">
+        <p14:creationId xmlns:p14="http://schemas.microsoft.com/office/powerpoint/2010/main" val="2552118263"/>
+      </p:ext>
+    </p:extLst>
+  </p:cSld>
+  <p:clrMapOvr>
+    <a:masterClrMapping/>
+  </p:clrMapOvr>
+</p:notes>
+</file>
+
+<file path=ppt/notesSlides/notesSlide18.xml><?xml version="1.0" encoding="utf-8"?>
+<p:notes xmlns:a="http://schemas.openxmlformats.org/drawingml/2006/main" xmlns:r="http://schemas.openxmlformats.org/officeDocument/2006/relationships" xmlns:p="http://schemas.openxmlformats.org/presentationml/2006/main">
+  <p:cSld>
+    <p:spTree>
+      <p:nvGrpSpPr>
+        <p:cNvPr id="1" name=""/>
+        <p:cNvGrpSpPr/>
+        <p:nvPr/>
+      </p:nvGrpSpPr>
+      <p:grpSpPr>
+        <a:xfrm>
+          <a:off x="0" y="0"/>
+          <a:ext cx="0" cy="0"/>
+          <a:chOff x="0" y="0"/>
+          <a:chExt cx="0" cy="0"/>
+        </a:xfrm>
+      </p:grpSpPr>
+      <p:sp>
+        <p:nvSpPr>
+          <p:cNvPr id="2" name="Slide Image Placeholder 1"/>
+          <p:cNvSpPr>
+            <a:spLocks noGrp="1" noRot="1" noChangeAspect="1"/>
+          </p:cNvSpPr>
+          <p:nvPr>
+            <p:ph type="sldImg"/>
+          </p:nvPr>
+        </p:nvSpPr>
+        <p:spPr/>
+      </p:sp>
+      <p:sp>
+        <p:nvSpPr>
+          <p:cNvPr id="3" name="Notes Placeholder 2"/>
+          <p:cNvSpPr>
+            <a:spLocks noGrp="1"/>
+          </p:cNvSpPr>
+          <p:nvPr>
+            <p:ph type="body" idx="1"/>
+          </p:nvPr>
+        </p:nvSpPr>
+        <p:spPr/>
+        <p:txBody>
+          <a:bodyPr/>
+          <a:lstStyle/>
+          <a:p>
+            <a:endParaRPr lang="en-US" dirty="0"/>
+          </a:p>
+        </p:txBody>
+      </p:sp>
+      <p:sp>
+        <p:nvSpPr>
+          <p:cNvPr id="4" name="Slide Number Placeholder 3"/>
+          <p:cNvSpPr>
+            <a:spLocks noGrp="1"/>
+          </p:cNvSpPr>
+          <p:nvPr>
+            <p:ph type="sldNum" sz="quarter" idx="5"/>
+          </p:nvPr>
+        </p:nvSpPr>
+        <p:spPr/>
+        <p:txBody>
+          <a:bodyPr/>
+          <a:lstStyle/>
+          <a:p>
+            <a:fld id="{4906D59D-5BF0-6346-A9F9-00BF8C37E738}" type="slidenum">
+              <a:rPr lang="en-US" smtClean="0"/>
+              <a:t>22</a:t>
+            </a:fld>
+            <a:endParaRPr lang="en-US"/>
+          </a:p>
+        </p:txBody>
+      </p:sp>
+    </p:spTree>
+    <p:extLst>
+      <p:ext uri="{BB962C8B-B14F-4D97-AF65-F5344CB8AC3E}">
+        <p14:creationId xmlns:p14="http://schemas.microsoft.com/office/powerpoint/2010/main" val="970042085"/>
+      </p:ext>
+    </p:extLst>
+  </p:cSld>
+  <p:clrMapOvr>
+    <a:masterClrMapping/>
+  </p:clrMapOvr>
+</p:notes>
+</file>
+
+<file path=ppt/notesSlides/notesSlide19.xml><?xml version="1.0" encoding="utf-8"?>
+<p:notes xmlns:a="http://schemas.openxmlformats.org/drawingml/2006/main" xmlns:r="http://schemas.openxmlformats.org/officeDocument/2006/relationships" xmlns:p="http://schemas.openxmlformats.org/presentationml/2006/main">
+  <p:cSld>
+    <p:spTree>
+      <p:nvGrpSpPr>
+        <p:cNvPr id="1" name=""/>
+        <p:cNvGrpSpPr/>
+        <p:nvPr/>
+      </p:nvGrpSpPr>
+      <p:grpSpPr>
+        <a:xfrm>
+          <a:off x="0" y="0"/>
+          <a:ext cx="0" cy="0"/>
+          <a:chOff x="0" y="0"/>
+          <a:chExt cx="0" cy="0"/>
+        </a:xfrm>
+      </p:grpSpPr>
+      <p:sp>
+        <p:nvSpPr>
+          <p:cNvPr id="2" name="Slide Image Placeholder 1"/>
+          <p:cNvSpPr>
+            <a:spLocks noGrp="1" noRot="1" noChangeAspect="1"/>
+          </p:cNvSpPr>
+          <p:nvPr>
+            <p:ph type="sldImg"/>
+          </p:nvPr>
+        </p:nvSpPr>
+        <p:spPr/>
+      </p:sp>
+      <p:sp>
+        <p:nvSpPr>
+          <p:cNvPr id="3" name="Notes Placeholder 2"/>
+          <p:cNvSpPr>
+            <a:spLocks noGrp="1"/>
+          </p:cNvSpPr>
+          <p:nvPr>
+            <p:ph type="body" idx="1"/>
+          </p:nvPr>
+        </p:nvSpPr>
+        <p:spPr/>
+        <p:txBody>
+          <a:bodyPr/>
+          <a:lstStyle/>
+          <a:p>
+            <a:endParaRPr lang="en-US" dirty="0"/>
+          </a:p>
+        </p:txBody>
+      </p:sp>
+      <p:sp>
+        <p:nvSpPr>
+          <p:cNvPr id="4" name="Slide Number Placeholder 3"/>
+          <p:cNvSpPr>
+            <a:spLocks noGrp="1"/>
+          </p:cNvSpPr>
+          <p:nvPr>
+            <p:ph type="sldNum" sz="quarter" idx="5"/>
+          </p:nvPr>
+        </p:nvSpPr>
+        <p:spPr/>
+        <p:txBody>
+          <a:bodyPr/>
+          <a:lstStyle/>
+          <a:p>
+            <a:fld id="{4906D59D-5BF0-6346-A9F9-00BF8C37E738}" type="slidenum">
+              <a:rPr lang="en-US" smtClean="0"/>
+              <a:t>23</a:t>
+            </a:fld>
+            <a:endParaRPr lang="en-US"/>
+          </a:p>
+        </p:txBody>
+      </p:sp>
+    </p:spTree>
+    <p:extLst>
+      <p:ext uri="{BB962C8B-B14F-4D97-AF65-F5344CB8AC3E}">
+        <p14:creationId xmlns:p14="http://schemas.microsoft.com/office/powerpoint/2010/main" val="210066724"/>
       </p:ext>
     </p:extLst>
   </p:cSld>
@@ -1612,6 +1953,90 @@
     <p:extLst>
       <p:ext uri="{BB962C8B-B14F-4D97-AF65-F5344CB8AC3E}">
         <p14:creationId xmlns:p14="http://schemas.microsoft.com/office/powerpoint/2010/main" val="3351645269"/>
+      </p:ext>
+    </p:extLst>
+  </p:cSld>
+  <p:clrMapOvr>
+    <a:masterClrMapping/>
+  </p:clrMapOvr>
+</p:notes>
+</file>
+
+<file path=ppt/notesSlides/notesSlide20.xml><?xml version="1.0" encoding="utf-8"?>
+<p:notes xmlns:a="http://schemas.openxmlformats.org/drawingml/2006/main" xmlns:r="http://schemas.openxmlformats.org/officeDocument/2006/relationships" xmlns:p="http://schemas.openxmlformats.org/presentationml/2006/main">
+  <p:cSld>
+    <p:spTree>
+      <p:nvGrpSpPr>
+        <p:cNvPr id="1" name=""/>
+        <p:cNvGrpSpPr/>
+        <p:nvPr/>
+      </p:nvGrpSpPr>
+      <p:grpSpPr>
+        <a:xfrm>
+          <a:off x="0" y="0"/>
+          <a:ext cx="0" cy="0"/>
+          <a:chOff x="0" y="0"/>
+          <a:chExt cx="0" cy="0"/>
+        </a:xfrm>
+      </p:grpSpPr>
+      <p:sp>
+        <p:nvSpPr>
+          <p:cNvPr id="2" name="Slide Image Placeholder 1"/>
+          <p:cNvSpPr>
+            <a:spLocks noGrp="1" noRot="1" noChangeAspect="1"/>
+          </p:cNvSpPr>
+          <p:nvPr>
+            <p:ph type="sldImg"/>
+          </p:nvPr>
+        </p:nvSpPr>
+        <p:spPr/>
+      </p:sp>
+      <p:sp>
+        <p:nvSpPr>
+          <p:cNvPr id="3" name="Notes Placeholder 2"/>
+          <p:cNvSpPr>
+            <a:spLocks noGrp="1"/>
+          </p:cNvSpPr>
+          <p:nvPr>
+            <p:ph type="body" idx="1"/>
+          </p:nvPr>
+        </p:nvSpPr>
+        <p:spPr/>
+        <p:txBody>
+          <a:bodyPr/>
+          <a:lstStyle/>
+          <a:p>
+            <a:endParaRPr lang="en-US" dirty="0"/>
+          </a:p>
+        </p:txBody>
+      </p:sp>
+      <p:sp>
+        <p:nvSpPr>
+          <p:cNvPr id="4" name="Slide Number Placeholder 3"/>
+          <p:cNvSpPr>
+            <a:spLocks noGrp="1"/>
+          </p:cNvSpPr>
+          <p:nvPr>
+            <p:ph type="sldNum" sz="quarter" idx="5"/>
+          </p:nvPr>
+        </p:nvSpPr>
+        <p:spPr/>
+        <p:txBody>
+          <a:bodyPr/>
+          <a:lstStyle/>
+          <a:p>
+            <a:fld id="{4906D59D-5BF0-6346-A9F9-00BF8C37E738}" type="slidenum">
+              <a:rPr lang="en-US" smtClean="0"/>
+              <a:t>24</a:t>
+            </a:fld>
+            <a:endParaRPr lang="en-US"/>
+          </a:p>
+        </p:txBody>
+      </p:sp>
+    </p:spTree>
+    <p:extLst>
+      <p:ext uri="{BB962C8B-B14F-4D97-AF65-F5344CB8AC3E}">
+        <p14:creationId xmlns:p14="http://schemas.microsoft.com/office/powerpoint/2010/main" val="1268036021"/>
       </p:ext>
     </p:extLst>
   </p:cSld>
@@ -2022,7 +2447,7 @@
           <a:p>
             <a:fld id="{4906D59D-5BF0-6346-A9F9-00BF8C37E738}" type="slidenum">
               <a:rPr lang="en-US" smtClean="0"/>
-              <a:t>9</a:t>
+              <a:t>8</a:t>
             </a:fld>
             <a:endParaRPr lang="en-US"/>
           </a:p>
@@ -2106,7 +2531,7 @@
           <a:p>
             <a:fld id="{4906D59D-5BF0-6346-A9F9-00BF8C37E738}" type="slidenum">
               <a:rPr lang="en-US" smtClean="0"/>
-              <a:t>10</a:t>
+              <a:t>9</a:t>
             </a:fld>
             <a:endParaRPr lang="en-US"/>
           </a:p>
@@ -2190,7 +2615,7 @@
           <a:p>
             <a:fld id="{4906D59D-5BF0-6346-A9F9-00BF8C37E738}" type="slidenum">
               <a:rPr lang="en-US" smtClean="0"/>
-              <a:t>11</a:t>
+              <a:t>10</a:t>
             </a:fld>
             <a:endParaRPr lang="en-US"/>
           </a:p>
@@ -2356,7 +2781,7 @@
           <a:p>
             <a:fld id="{378873E4-3B62-4C03-AC2E-F1BC5ACD71BB}" type="datetimeFigureOut">
               <a:rPr lang="en-US" smtClean="0"/>
-              <a:t>5/14/2024</a:t>
+              <a:t>5/15/2024</a:t>
             </a:fld>
             <a:endParaRPr lang="en-US"/>
           </a:p>
@@ -2554,7 +2979,7 @@
           <a:p>
             <a:fld id="{378873E4-3B62-4C03-AC2E-F1BC5ACD71BB}" type="datetimeFigureOut">
               <a:rPr lang="en-US" smtClean="0"/>
-              <a:t>5/14/2024</a:t>
+              <a:t>5/15/2024</a:t>
             </a:fld>
             <a:endParaRPr lang="en-US"/>
           </a:p>
@@ -2762,7 +3187,7 @@
           <a:p>
             <a:fld id="{378873E4-3B62-4C03-AC2E-F1BC5ACD71BB}" type="datetimeFigureOut">
               <a:rPr lang="en-US" smtClean="0"/>
-              <a:t>5/14/2024</a:t>
+              <a:t>5/15/2024</a:t>
             </a:fld>
             <a:endParaRPr lang="en-US"/>
           </a:p>
@@ -2960,7 +3385,7 @@
           <a:p>
             <a:fld id="{378873E4-3B62-4C03-AC2E-F1BC5ACD71BB}" type="datetimeFigureOut">
               <a:rPr lang="en-US" smtClean="0"/>
-              <a:t>5/14/2024</a:t>
+              <a:t>5/15/2024</a:t>
             </a:fld>
             <a:endParaRPr lang="en-US"/>
           </a:p>
@@ -3235,7 +3660,7 @@
           <a:p>
             <a:fld id="{378873E4-3B62-4C03-AC2E-F1BC5ACD71BB}" type="datetimeFigureOut">
               <a:rPr lang="en-US" smtClean="0"/>
-              <a:t>5/14/2024</a:t>
+              <a:t>5/15/2024</a:t>
             </a:fld>
             <a:endParaRPr lang="en-US"/>
           </a:p>
@@ -3500,7 +3925,7 @@
           <a:p>
             <a:fld id="{378873E4-3B62-4C03-AC2E-F1BC5ACD71BB}" type="datetimeFigureOut">
               <a:rPr lang="en-US" smtClean="0"/>
-              <a:t>5/14/2024</a:t>
+              <a:t>5/15/2024</a:t>
             </a:fld>
             <a:endParaRPr lang="en-US"/>
           </a:p>
@@ -3912,7 +4337,7 @@
           <a:p>
             <a:fld id="{378873E4-3B62-4C03-AC2E-F1BC5ACD71BB}" type="datetimeFigureOut">
               <a:rPr lang="en-US" smtClean="0"/>
-              <a:t>5/14/2024</a:t>
+              <a:t>5/15/2024</a:t>
             </a:fld>
             <a:endParaRPr lang="en-US"/>
           </a:p>
@@ -4053,7 +4478,7 @@
           <a:p>
             <a:fld id="{378873E4-3B62-4C03-AC2E-F1BC5ACD71BB}" type="datetimeFigureOut">
               <a:rPr lang="en-US" smtClean="0"/>
-              <a:t>5/14/2024</a:t>
+              <a:t>5/15/2024</a:t>
             </a:fld>
             <a:endParaRPr lang="en-US"/>
           </a:p>
@@ -4166,7 +4591,7 @@
           <a:p>
             <a:fld id="{378873E4-3B62-4C03-AC2E-F1BC5ACD71BB}" type="datetimeFigureOut">
               <a:rPr lang="en-US" smtClean="0"/>
-              <a:t>5/14/2024</a:t>
+              <a:t>5/15/2024</a:t>
             </a:fld>
             <a:endParaRPr lang="en-US"/>
           </a:p>
@@ -4477,7 +4902,7 @@
           <a:p>
             <a:fld id="{378873E4-3B62-4C03-AC2E-F1BC5ACD71BB}" type="datetimeFigureOut">
               <a:rPr lang="en-US" smtClean="0"/>
-              <a:t>5/14/2024</a:t>
+              <a:t>5/15/2024</a:t>
             </a:fld>
             <a:endParaRPr lang="en-US"/>
           </a:p>
@@ -4765,7 +5190,7 @@
           <a:p>
             <a:fld id="{378873E4-3B62-4C03-AC2E-F1BC5ACD71BB}" type="datetimeFigureOut">
               <a:rPr lang="en-US" smtClean="0"/>
-              <a:t>5/14/2024</a:t>
+              <a:t>5/15/2024</a:t>
             </a:fld>
             <a:endParaRPr lang="en-US"/>
           </a:p>
@@ -5006,7 +5431,7 @@
           <a:p>
             <a:fld id="{378873E4-3B62-4C03-AC2E-F1BC5ACD71BB}" type="datetimeFigureOut">
               <a:rPr lang="en-US" smtClean="0"/>
-              <a:t>5/14/2024</a:t>
+              <a:t>5/15/2024</a:t>
             </a:fld>
             <a:endParaRPr lang="en-US"/>
           </a:p>
@@ -6601,7 +7026,6 @@
               <a:rPr lang="en-US" dirty="0"/>
               <a:t>Swarm learning is an overlay network. </a:t>
             </a:r>
-            <a:endParaRPr lang="en-US"/>
           </a:p>
           <a:p>
             <a:pPr lvl="1">
@@ -9364,6 +9788,2499 @@
     <p:extLst>
       <p:ext uri="{BB962C8B-B14F-4D97-AF65-F5344CB8AC3E}">
         <p14:creationId xmlns:p14="http://schemas.microsoft.com/office/powerpoint/2010/main" val="675559522"/>
+      </p:ext>
+    </p:extLst>
+  </p:cSld>
+  <p:clrMapOvr>
+    <a:masterClrMapping/>
+  </p:clrMapOvr>
+</p:sld>
+</file>
+
+<file path=ppt/slides/slide20.xml><?xml version="1.0" encoding="utf-8"?>
+<p:sld xmlns:a="http://schemas.openxmlformats.org/drawingml/2006/main" xmlns:r="http://schemas.openxmlformats.org/officeDocument/2006/relationships" xmlns:p="http://schemas.openxmlformats.org/presentationml/2006/main">
+  <p:cSld>
+    <p:spTree>
+      <p:nvGrpSpPr>
+        <p:cNvPr id="1" name=""/>
+        <p:cNvGrpSpPr/>
+        <p:nvPr/>
+      </p:nvGrpSpPr>
+      <p:grpSpPr>
+        <a:xfrm>
+          <a:off x="0" y="0"/>
+          <a:ext cx="0" cy="0"/>
+          <a:chOff x="0" y="0"/>
+          <a:chExt cx="0" cy="0"/>
+        </a:xfrm>
+      </p:grpSpPr>
+      <p:sp>
+        <p:nvSpPr>
+          <p:cNvPr id="3" name="Content Placeholder 2">
+            <a:extLst>
+              <a:ext uri="{FF2B5EF4-FFF2-40B4-BE49-F238E27FC236}">
+                <a16:creationId xmlns:a16="http://schemas.microsoft.com/office/drawing/2014/main" id="{85E36873-996E-DE0C-2F0B-9B5EEA8AA4E6}"/>
+              </a:ext>
+            </a:extLst>
+          </p:cNvPr>
+          <p:cNvSpPr>
+            <a:spLocks noGrp="1"/>
+          </p:cNvSpPr>
+          <p:nvPr>
+            <p:ph idx="1"/>
+          </p:nvPr>
+        </p:nvSpPr>
+        <p:spPr>
+          <a:xfrm>
+            <a:off x="838200" y="479502"/>
+            <a:ext cx="10515600" cy="5697461"/>
+          </a:xfrm>
+        </p:spPr>
+        <p:txBody>
+          <a:bodyPr>
+            <a:normAutofit/>
+          </a:bodyPr>
+          <a:lstStyle/>
+          <a:p>
+            <a:r>
+              <a:rPr lang="en-US" dirty="0"/>
+              <a:t>Is block chain feasible?</a:t>
+            </a:r>
+          </a:p>
+          <a:p>
+            <a:r>
+              <a:rPr lang="en-US" dirty="0"/>
+              <a:t>Lightweight Blockchain Protocols:</a:t>
+            </a:r>
+          </a:p>
+          <a:p>
+            <a:pPr lvl="1"/>
+            <a:r>
+              <a:rPr lang="en-US" dirty="0"/>
+              <a:t>T</a:t>
+            </a:r>
+            <a:r>
+              <a:rPr lang="en-US" altLang="zh-CN" dirty="0"/>
+              <a:t>angle (IOTA): Utilizes a directed acyclic graph reducing resource consumption.</a:t>
+            </a:r>
+          </a:p>
+          <a:p>
+            <a:pPr lvl="1"/>
+            <a:r>
+              <a:rPr lang="en-US" dirty="0"/>
+              <a:t>Nano’s Block-Lattice</a:t>
+            </a:r>
+          </a:p>
+          <a:p>
+            <a:r>
+              <a:rPr lang="en-US" dirty="0"/>
+              <a:t>Consensus Mechanism:</a:t>
+            </a:r>
+          </a:p>
+          <a:p>
+            <a:pPr lvl="1"/>
+            <a:r>
+              <a:rPr lang="en-US" dirty="0"/>
+              <a:t>Proof of Authority (</a:t>
+            </a:r>
+            <a:r>
+              <a:rPr lang="en-US" dirty="0" err="1"/>
+              <a:t>PoA</a:t>
+            </a:r>
+            <a:r>
+              <a:rPr lang="en-US" dirty="0"/>
+              <a:t>): Selected nodes (authorities) validate transactions, reducing computational load.</a:t>
+            </a:r>
+          </a:p>
+          <a:p>
+            <a:pPr lvl="1"/>
+            <a:r>
+              <a:rPr lang="en-US" dirty="0"/>
+              <a:t>Delegated Proof of Stake (</a:t>
+            </a:r>
+            <a:r>
+              <a:rPr lang="en-US" dirty="0" err="1"/>
+              <a:t>DPoS</a:t>
+            </a:r>
+            <a:r>
+              <a:rPr lang="en-US" dirty="0"/>
+              <a:t>): Stakeholders vote for a small number of delegates to validate transactions.</a:t>
+            </a:r>
+          </a:p>
+          <a:p>
+            <a:pPr lvl="1"/>
+            <a:r>
+              <a:rPr lang="en-US" dirty="0"/>
+              <a:t>Practical Byzantine Fault Tolerance (PBFT): Optimized for low-latency networks with known participants</a:t>
+            </a:r>
+          </a:p>
+          <a:p>
+            <a:r>
+              <a:rPr lang="en-US" b="0" i="0" dirty="0">
+                <a:effectLst/>
+                <a:highlight>
+                  <a:srgbClr val="FFFFFF"/>
+                </a:highlight>
+                <a:latin typeface="-apple-system"/>
+              </a:rPr>
+              <a:t>Hybrid Blockchain IoT networks</a:t>
+            </a:r>
+            <a:endParaRPr lang="en-US" dirty="0"/>
+          </a:p>
+          <a:p>
+            <a:endParaRPr lang="en-US" dirty="0"/>
+          </a:p>
+          <a:p>
+            <a:pPr lvl="1"/>
+            <a:endParaRPr lang="en-US" dirty="0"/>
+          </a:p>
+        </p:txBody>
+      </p:sp>
+    </p:spTree>
+    <p:extLst>
+      <p:ext uri="{BB962C8B-B14F-4D97-AF65-F5344CB8AC3E}">
+        <p14:creationId xmlns:p14="http://schemas.microsoft.com/office/powerpoint/2010/main" val="2766886061"/>
+      </p:ext>
+    </p:extLst>
+  </p:cSld>
+  <p:clrMapOvr>
+    <a:masterClrMapping/>
+  </p:clrMapOvr>
+</p:sld>
+</file>
+
+<file path=ppt/slides/slide21.xml><?xml version="1.0" encoding="utf-8"?>
+<p:sld xmlns:a="http://schemas.openxmlformats.org/drawingml/2006/main" xmlns:r="http://schemas.openxmlformats.org/officeDocument/2006/relationships" xmlns:p="http://schemas.openxmlformats.org/presentationml/2006/main">
+  <p:cSld>
+    <p:spTree>
+      <p:nvGrpSpPr>
+        <p:cNvPr id="1" name=""/>
+        <p:cNvGrpSpPr/>
+        <p:nvPr/>
+      </p:nvGrpSpPr>
+      <p:grpSpPr>
+        <a:xfrm>
+          <a:off x="0" y="0"/>
+          <a:ext cx="0" cy="0"/>
+          <a:chOff x="0" y="0"/>
+          <a:chExt cx="0" cy="0"/>
+        </a:xfrm>
+      </p:grpSpPr>
+      <p:sp>
+        <p:nvSpPr>
+          <p:cNvPr id="3" name="Content Placeholder 2">
+            <a:extLst>
+              <a:ext uri="{FF2B5EF4-FFF2-40B4-BE49-F238E27FC236}">
+                <a16:creationId xmlns:a16="http://schemas.microsoft.com/office/drawing/2014/main" id="{85E36873-996E-DE0C-2F0B-9B5EEA8AA4E6}"/>
+              </a:ext>
+            </a:extLst>
+          </p:cNvPr>
+          <p:cNvSpPr>
+            <a:spLocks noGrp="1"/>
+          </p:cNvSpPr>
+          <p:nvPr>
+            <p:ph idx="1"/>
+          </p:nvPr>
+        </p:nvSpPr>
+        <p:spPr>
+          <a:xfrm>
+            <a:off x="838200" y="479502"/>
+            <a:ext cx="10515600" cy="5697461"/>
+          </a:xfrm>
+        </p:spPr>
+        <p:txBody>
+          <a:bodyPr>
+            <a:normAutofit/>
+          </a:bodyPr>
+          <a:lstStyle/>
+          <a:p>
+            <a:endParaRPr lang="en-US" dirty="0"/>
+          </a:p>
+          <a:p>
+            <a:pPr lvl="1"/>
+            <a:endParaRPr lang="en-US" dirty="0"/>
+          </a:p>
+          <a:p>
+            <a:pPr lvl="1"/>
+            <a:endParaRPr lang="en-US" dirty="0"/>
+          </a:p>
+        </p:txBody>
+      </p:sp>
+      <p:graphicFrame>
+        <p:nvGraphicFramePr>
+          <p:cNvPr id="2" name="Table 1">
+            <a:extLst>
+              <a:ext uri="{FF2B5EF4-FFF2-40B4-BE49-F238E27FC236}">
+                <a16:creationId xmlns:a16="http://schemas.microsoft.com/office/drawing/2014/main" id="{EC37A39E-1175-6018-E31E-810759FA2BE9}"/>
+              </a:ext>
+            </a:extLst>
+          </p:cNvPr>
+          <p:cNvGraphicFramePr>
+            <a:graphicFrameLocks noGrp="1"/>
+          </p:cNvGraphicFramePr>
+          <p:nvPr>
+            <p:extLst>
+              <p:ext uri="{D42A27DB-BD31-4B8C-83A1-F6EECF244321}">
+                <p14:modId xmlns:p14="http://schemas.microsoft.com/office/powerpoint/2010/main" val="3958104281"/>
+              </p:ext>
+            </p:extLst>
+          </p:nvPr>
+        </p:nvGraphicFramePr>
+        <p:xfrm>
+          <a:off x="-406400" y="-697366"/>
+          <a:ext cx="13191066" cy="9966960"/>
+        </p:xfrm>
+        <a:graphic>
+          <a:graphicData uri="http://schemas.openxmlformats.org/drawingml/2006/table">
+            <a:tbl>
+              <a:tblPr firstRow="1" bandRow="1">
+                <a:tableStyleId>{5C22544A-7EE6-4342-B048-85BDC9FD1C3A}</a:tableStyleId>
+              </a:tblPr>
+              <a:tblGrid>
+                <a:gridCol w="2198510">
+                  <a:extLst>
+                    <a:ext uri="{9D8B030D-6E8A-4147-A177-3AD203B41FA5}">
+                      <a16:colId xmlns:a16="http://schemas.microsoft.com/office/drawing/2014/main" val="20000"/>
+                    </a:ext>
+                  </a:extLst>
+                </a:gridCol>
+                <a:gridCol w="3664186">
+                  <a:extLst>
+                    <a:ext uri="{9D8B030D-6E8A-4147-A177-3AD203B41FA5}">
+                      <a16:colId xmlns:a16="http://schemas.microsoft.com/office/drawing/2014/main" val="20001"/>
+                    </a:ext>
+                  </a:extLst>
+                </a:gridCol>
+                <a:gridCol w="4397023">
+                  <a:extLst>
+                    <a:ext uri="{9D8B030D-6E8A-4147-A177-3AD203B41FA5}">
+                      <a16:colId xmlns:a16="http://schemas.microsoft.com/office/drawing/2014/main" val="20002"/>
+                    </a:ext>
+                  </a:extLst>
+                </a:gridCol>
+                <a:gridCol w="2931347">
+                  <a:extLst>
+                    <a:ext uri="{9D8B030D-6E8A-4147-A177-3AD203B41FA5}">
+                      <a16:colId xmlns:a16="http://schemas.microsoft.com/office/drawing/2014/main" val="20003"/>
+                    </a:ext>
+                  </a:extLst>
+                </a:gridCol>
+              </a:tblGrid>
+              <a:tr h="208411">
+                <a:tc>
+                  <a:txBody>
+                    <a:bodyPr/>
+                    <a:lstStyle/>
+                    <a:p>
+                      <a:pPr algn="ctr"/>
+                      <a:r>
+                        <a:rPr dirty="0"/>
+                        <a:t>Step</a:t>
+                      </a:r>
+                    </a:p>
+                  </a:txBody>
+                  <a:tcPr/>
+                </a:tc>
+                <a:tc>
+                  <a:txBody>
+                    <a:bodyPr/>
+                    <a:lstStyle/>
+                    <a:p>
+                      <a:pPr algn="l"/>
+                      <a:r>
+                        <a:t>Component(s) Involved</a:t>
+                      </a:r>
+                    </a:p>
+                  </a:txBody>
+                  <a:tcPr/>
+                </a:tc>
+                <a:tc>
+                  <a:txBody>
+                    <a:bodyPr/>
+                    <a:lstStyle/>
+                    <a:p>
+                      <a:pPr algn="l"/>
+                      <a:r>
+                        <a:t>Description</a:t>
+                      </a:r>
+                    </a:p>
+                  </a:txBody>
+                  <a:tcPr/>
+                </a:tc>
+                <a:tc>
+                  <a:txBody>
+                    <a:bodyPr/>
+                    <a:lstStyle/>
+                    <a:p>
+                      <a:pPr algn="l"/>
+                      <a:r>
+                        <a:t>Hardware Specifications</a:t>
+                      </a:r>
+                    </a:p>
+                  </a:txBody>
+                  <a:tcPr/>
+                </a:tc>
+                <a:extLst>
+                  <a:ext uri="{0D108BD9-81ED-4DB2-BD59-A6C34878D82A}">
+                    <a16:rowId xmlns:a16="http://schemas.microsoft.com/office/drawing/2014/main" val="10000"/>
+                  </a:ext>
+                </a:extLst>
+              </a:tr>
+              <a:tr h="521028">
+                <a:tc>
+                  <a:txBody>
+                    <a:bodyPr/>
+                    <a:lstStyle/>
+                    <a:p>
+                      <a:pPr algn="ctr"/>
+                      <a:r>
+                        <a:t>Node Initialization</a:t>
+                      </a:r>
+                    </a:p>
+                  </a:txBody>
+                  <a:tcPr/>
+                </a:tc>
+                <a:tc>
+                  <a:txBody>
+                    <a:bodyPr/>
+                    <a:lstStyle/>
+                    <a:p>
+                      <a:pPr algn="l"/>
+                      <a:r>
+                        <a:t>ESP32-WROVER, Blockchain Client</a:t>
+                      </a:r>
+                    </a:p>
+                  </a:txBody>
+                  <a:tcPr/>
+                </a:tc>
+                <a:tc>
+                  <a:txBody>
+                    <a:bodyPr/>
+                    <a:lstStyle/>
+                    <a:p>
+                      <a:pPr algn="l"/>
+                      <a:r>
+                        <a:t>Initialize the ESP32-WROVER nodes and set up blockchain clients.</a:t>
+                      </a:r>
+                    </a:p>
+                  </a:txBody>
+                  <a:tcPr/>
+                </a:tc>
+                <a:tc>
+                  <a:txBody>
+                    <a:bodyPr/>
+                    <a:lstStyle/>
+                    <a:p>
+                      <a:pPr algn="l"/>
+                      <a:r>
+                        <a:t>Dual-core Xtensa LX6, 240 MHz, 8MB PSRAM, 4MB Flash</a:t>
+                      </a:r>
+                    </a:p>
+                  </a:txBody>
+                  <a:tcPr/>
+                </a:tc>
+                <a:extLst>
+                  <a:ext uri="{0D108BD9-81ED-4DB2-BD59-A6C34878D82A}">
+                    <a16:rowId xmlns:a16="http://schemas.microsoft.com/office/drawing/2014/main" val="10001"/>
+                  </a:ext>
+                </a:extLst>
+              </a:tr>
+              <a:tr h="521028">
+                <a:tc>
+                  <a:txBody>
+                    <a:bodyPr/>
+                    <a:lstStyle/>
+                    <a:p>
+                      <a:pPr algn="ctr"/>
+                      <a:r>
+                        <a:t>Data Collection</a:t>
+                      </a:r>
+                    </a:p>
+                  </a:txBody>
+                  <a:tcPr/>
+                </a:tc>
+                <a:tc>
+                  <a:txBody>
+                    <a:bodyPr/>
+                    <a:lstStyle/>
+                    <a:p>
+                      <a:pPr algn="l"/>
+                      <a:r>
+                        <a:t>ESP32-WROVER, Sensors</a:t>
+                      </a:r>
+                    </a:p>
+                  </a:txBody>
+                  <a:tcPr/>
+                </a:tc>
+                <a:tc>
+                  <a:txBody>
+                    <a:bodyPr/>
+                    <a:lstStyle/>
+                    <a:p>
+                      <a:pPr algn="l"/>
+                      <a:r>
+                        <a:t>Collect sensor data (e.g., temperature, humidity, air quality) from the environment.</a:t>
+                      </a:r>
+                    </a:p>
+                  </a:txBody>
+                  <a:tcPr/>
+                </a:tc>
+                <a:tc>
+                  <a:txBody>
+                    <a:bodyPr/>
+                    <a:lstStyle/>
+                    <a:p>
+                      <a:pPr algn="l"/>
+                      <a:r>
+                        <a:t>Various sensors connected via GPIO, I2C, SPI, UART</a:t>
+                      </a:r>
+                    </a:p>
+                  </a:txBody>
+                  <a:tcPr/>
+                </a:tc>
+                <a:extLst>
+                  <a:ext uri="{0D108BD9-81ED-4DB2-BD59-A6C34878D82A}">
+                    <a16:rowId xmlns:a16="http://schemas.microsoft.com/office/drawing/2014/main" val="10002"/>
+                  </a:ext>
+                </a:extLst>
+              </a:tr>
+              <a:tr h="364720">
+                <a:tc>
+                  <a:txBody>
+                    <a:bodyPr/>
+                    <a:lstStyle/>
+                    <a:p>
+                      <a:pPr algn="ctr"/>
+                      <a:r>
+                        <a:t>Data Preprocessing</a:t>
+                      </a:r>
+                    </a:p>
+                  </a:txBody>
+                  <a:tcPr/>
+                </a:tc>
+                <a:tc>
+                  <a:txBody>
+                    <a:bodyPr/>
+                    <a:lstStyle/>
+                    <a:p>
+                      <a:pPr algn="l"/>
+                      <a:r>
+                        <a:t>ESP32-WROVER</a:t>
+                      </a:r>
+                    </a:p>
+                  </a:txBody>
+                  <a:tcPr/>
+                </a:tc>
+                <a:tc>
+                  <a:txBody>
+                    <a:bodyPr/>
+                    <a:lstStyle/>
+                    <a:p>
+                      <a:pPr algn="l"/>
+                      <a:r>
+                        <a:t>Preprocess collected data (e.g., noise reduction, normalization) before training.</a:t>
+                      </a:r>
+                    </a:p>
+                  </a:txBody>
+                  <a:tcPr/>
+                </a:tc>
+                <a:tc>
+                  <a:txBody>
+                    <a:bodyPr/>
+                    <a:lstStyle/>
+                    <a:p>
+                      <a:pPr algn="l"/>
+                      <a:r>
+                        <a:t>Dual-core Xtensa LX6, 240 MHz</a:t>
+                      </a:r>
+                    </a:p>
+                  </a:txBody>
+                  <a:tcPr/>
+                </a:tc>
+                <a:extLst>
+                  <a:ext uri="{0D108BD9-81ED-4DB2-BD59-A6C34878D82A}">
+                    <a16:rowId xmlns:a16="http://schemas.microsoft.com/office/drawing/2014/main" val="10003"/>
+                  </a:ext>
+                </a:extLst>
+              </a:tr>
+              <a:tr h="521028">
+                <a:tc>
+                  <a:txBody>
+                    <a:bodyPr/>
+                    <a:lstStyle/>
+                    <a:p>
+                      <a:pPr algn="ctr"/>
+                      <a:r>
+                        <a:rPr dirty="0"/>
+                        <a:t>Local Model Training</a:t>
+                      </a:r>
+                    </a:p>
+                  </a:txBody>
+                  <a:tcPr/>
+                </a:tc>
+                <a:tc>
+                  <a:txBody>
+                    <a:bodyPr/>
+                    <a:lstStyle/>
+                    <a:p>
+                      <a:pPr algn="l"/>
+                      <a:r>
+                        <a:t>ESP32-WROVER, TinyML Frameworks</a:t>
+                      </a:r>
+                    </a:p>
+                  </a:txBody>
+                  <a:tcPr/>
+                </a:tc>
+                <a:tc>
+                  <a:txBody>
+                    <a:bodyPr/>
+                    <a:lstStyle/>
+                    <a:p>
+                      <a:pPr algn="l"/>
+                      <a:r>
+                        <a:t>Train local ML models using the preprocessed data.</a:t>
+                      </a:r>
+                    </a:p>
+                  </a:txBody>
+                  <a:tcPr/>
+                </a:tc>
+                <a:tc>
+                  <a:txBody>
+                    <a:bodyPr/>
+                    <a:lstStyle/>
+                    <a:p>
+                      <a:pPr algn="l"/>
+                      <a:r>
+                        <a:t>TensorFlow Lite for Microcontrollers, uTensor, 8MB PSRAM</a:t>
+                      </a:r>
+                    </a:p>
+                  </a:txBody>
+                  <a:tcPr/>
+                </a:tc>
+                <a:extLst>
+                  <a:ext uri="{0D108BD9-81ED-4DB2-BD59-A6C34878D82A}">
+                    <a16:rowId xmlns:a16="http://schemas.microsoft.com/office/drawing/2014/main" val="10004"/>
+                  </a:ext>
+                </a:extLst>
+              </a:tr>
+              <a:tr h="521028">
+                <a:tc>
+                  <a:txBody>
+                    <a:bodyPr/>
+                    <a:lstStyle/>
+                    <a:p>
+                      <a:pPr algn="ctr"/>
+                      <a:r>
+                        <a:t>Model Update Creation</a:t>
+                      </a:r>
+                    </a:p>
+                  </a:txBody>
+                  <a:tcPr/>
+                </a:tc>
+                <a:tc>
+                  <a:txBody>
+                    <a:bodyPr/>
+                    <a:lstStyle/>
+                    <a:p>
+                      <a:pPr algn="l"/>
+                      <a:r>
+                        <a:t>ESP32-WROVER, Blockchain Client</a:t>
+                      </a:r>
+                    </a:p>
+                  </a:txBody>
+                  <a:tcPr/>
+                </a:tc>
+                <a:tc>
+                  <a:txBody>
+                    <a:bodyPr/>
+                    <a:lstStyle/>
+                    <a:p>
+                      <a:pPr algn="l"/>
+                      <a:r>
+                        <a:t>Create a blockchain transaction containing the local model update (parameters).</a:t>
+                      </a:r>
+                    </a:p>
+                  </a:txBody>
+                  <a:tcPr/>
+                </a:tc>
+                <a:tc>
+                  <a:txBody>
+                    <a:bodyPr/>
+                    <a:lstStyle/>
+                    <a:p>
+                      <a:pPr algn="l"/>
+                      <a:r>
+                        <a:t>Integrated blockchain client, 4MB Flash</a:t>
+                      </a:r>
+                    </a:p>
+                  </a:txBody>
+                  <a:tcPr/>
+                </a:tc>
+                <a:extLst>
+                  <a:ext uri="{0D108BD9-81ED-4DB2-BD59-A6C34878D82A}">
+                    <a16:rowId xmlns:a16="http://schemas.microsoft.com/office/drawing/2014/main" val="10005"/>
+                  </a:ext>
+                </a:extLst>
+              </a:tr>
+              <a:tr h="364720">
+                <a:tc>
+                  <a:txBody>
+                    <a:bodyPr/>
+                    <a:lstStyle/>
+                    <a:p>
+                      <a:pPr algn="ctr"/>
+                      <a:r>
+                        <a:t>Transaction Signing</a:t>
+                      </a:r>
+                    </a:p>
+                  </a:txBody>
+                  <a:tcPr/>
+                </a:tc>
+                <a:tc>
+                  <a:txBody>
+                    <a:bodyPr/>
+                    <a:lstStyle/>
+                    <a:p>
+                      <a:pPr algn="l"/>
+                      <a:r>
+                        <a:t>ESP32-WROVER, Crypto Engine</a:t>
+                      </a:r>
+                    </a:p>
+                  </a:txBody>
+                  <a:tcPr/>
+                </a:tc>
+                <a:tc>
+                  <a:txBody>
+                    <a:bodyPr/>
+                    <a:lstStyle/>
+                    <a:p>
+                      <a:pPr algn="l"/>
+                      <a:r>
+                        <a:t>Sign the transaction using the node’s private key to ensure authenticity.</a:t>
+                      </a:r>
+                    </a:p>
+                  </a:txBody>
+                  <a:tcPr/>
+                </a:tc>
+                <a:tc>
+                  <a:txBody>
+                    <a:bodyPr/>
+                    <a:lstStyle/>
+                    <a:p>
+                      <a:pPr algn="l"/>
+                      <a:r>
+                        <a:t>AES, SHA-2, RSA, ECC</a:t>
+                      </a:r>
+                    </a:p>
+                  </a:txBody>
+                  <a:tcPr/>
+                </a:tc>
+                <a:extLst>
+                  <a:ext uri="{0D108BD9-81ED-4DB2-BD59-A6C34878D82A}">
+                    <a16:rowId xmlns:a16="http://schemas.microsoft.com/office/drawing/2014/main" val="10006"/>
+                  </a:ext>
+                </a:extLst>
+              </a:tr>
+              <a:tr h="364720">
+                <a:tc>
+                  <a:txBody>
+                    <a:bodyPr/>
+                    <a:lstStyle/>
+                    <a:p>
+                      <a:pPr algn="ctr"/>
+                      <a:r>
+                        <a:t>Transaction Broadcasting</a:t>
+                      </a:r>
+                    </a:p>
+                  </a:txBody>
+                  <a:tcPr/>
+                </a:tc>
+                <a:tc>
+                  <a:txBody>
+                    <a:bodyPr/>
+                    <a:lstStyle/>
+                    <a:p>
+                      <a:pPr algn="l"/>
+                      <a:r>
+                        <a:t>ESP32-WROVER, Communication Module</a:t>
+                      </a:r>
+                    </a:p>
+                  </a:txBody>
+                  <a:tcPr/>
+                </a:tc>
+                <a:tc>
+                  <a:txBody>
+                    <a:bodyPr/>
+                    <a:lstStyle/>
+                    <a:p>
+                      <a:pPr algn="l"/>
+                      <a:r>
+                        <a:t>Broadcast the signed transaction to other nodes in the network.</a:t>
+                      </a:r>
+                    </a:p>
+                  </a:txBody>
+                  <a:tcPr/>
+                </a:tc>
+                <a:tc>
+                  <a:txBody>
+                    <a:bodyPr/>
+                    <a:lstStyle/>
+                    <a:p>
+                      <a:pPr algn="l"/>
+                      <a:r>
+                        <a:t>Wi-Fi 802.11 b/g/n, Bluetooth 4.2</a:t>
+                      </a:r>
+                    </a:p>
+                  </a:txBody>
+                  <a:tcPr/>
+                </a:tc>
+                <a:extLst>
+                  <a:ext uri="{0D108BD9-81ED-4DB2-BD59-A6C34878D82A}">
+                    <a16:rowId xmlns:a16="http://schemas.microsoft.com/office/drawing/2014/main" val="10007"/>
+                  </a:ext>
+                </a:extLst>
+              </a:tr>
+              <a:tr h="521028">
+                <a:tc>
+                  <a:txBody>
+                    <a:bodyPr/>
+                    <a:lstStyle/>
+                    <a:p>
+                      <a:pPr algn="ctr"/>
+                      <a:r>
+                        <a:t>Consensus Mechanism</a:t>
+                      </a:r>
+                    </a:p>
+                  </a:txBody>
+                  <a:tcPr/>
+                </a:tc>
+                <a:tc>
+                  <a:txBody>
+                    <a:bodyPr/>
+                    <a:lstStyle/>
+                    <a:p>
+                      <a:pPr algn="l"/>
+                      <a:r>
+                        <a:t>ESP32-WROVER, Blockchain Network</a:t>
+                      </a:r>
+                    </a:p>
+                  </a:txBody>
+                  <a:tcPr/>
+                </a:tc>
+                <a:tc>
+                  <a:txBody>
+                    <a:bodyPr/>
+                    <a:lstStyle/>
+                    <a:p>
+                      <a:pPr algn="l"/>
+                      <a:r>
+                        <a:t>Validator nodes verify transactions and add them to the blockchain.</a:t>
+                      </a:r>
+                    </a:p>
+                  </a:txBody>
+                  <a:tcPr/>
+                </a:tc>
+                <a:tc>
+                  <a:txBody>
+                    <a:bodyPr/>
+                    <a:lstStyle/>
+                    <a:p>
+                      <a:pPr algn="l"/>
+                      <a:r>
+                        <a:t>Integrated blockchain client, PoA or DPoS consensus</a:t>
+                      </a:r>
+                    </a:p>
+                  </a:txBody>
+                  <a:tcPr/>
+                </a:tc>
+                <a:extLst>
+                  <a:ext uri="{0D108BD9-81ED-4DB2-BD59-A6C34878D82A}">
+                    <a16:rowId xmlns:a16="http://schemas.microsoft.com/office/drawing/2014/main" val="10008"/>
+                  </a:ext>
+                </a:extLst>
+              </a:tr>
+              <a:tr h="521028">
+                <a:tc>
+                  <a:txBody>
+                    <a:bodyPr/>
+                    <a:lstStyle/>
+                    <a:p>
+                      <a:pPr algn="ctr"/>
+                      <a:r>
+                        <a:t>Model Aggregation</a:t>
+                      </a:r>
+                    </a:p>
+                  </a:txBody>
+                  <a:tcPr/>
+                </a:tc>
+                <a:tc>
+                  <a:txBody>
+                    <a:bodyPr/>
+                    <a:lstStyle/>
+                    <a:p>
+                      <a:pPr algn="l"/>
+                      <a:r>
+                        <a:t>ESP32-WROVER, Smart Contracts</a:t>
+                      </a:r>
+                    </a:p>
+                  </a:txBody>
+                  <a:tcPr/>
+                </a:tc>
+                <a:tc>
+                  <a:txBody>
+                    <a:bodyPr/>
+                    <a:lstStyle/>
+                    <a:p>
+                      <a:pPr algn="l"/>
+                      <a:r>
+                        <a:t>Smart contracts aggregate model updates from different nodes into a global model.</a:t>
+                      </a:r>
+                    </a:p>
+                  </a:txBody>
+                  <a:tcPr/>
+                </a:tc>
+                <a:tc>
+                  <a:txBody>
+                    <a:bodyPr/>
+                    <a:lstStyle/>
+                    <a:p>
+                      <a:pPr algn="l"/>
+                      <a:r>
+                        <a:t>Integrated blockchain client, Smart Contracts</a:t>
+                      </a:r>
+                    </a:p>
+                  </a:txBody>
+                  <a:tcPr/>
+                </a:tc>
+                <a:extLst>
+                  <a:ext uri="{0D108BD9-81ED-4DB2-BD59-A6C34878D82A}">
+                    <a16:rowId xmlns:a16="http://schemas.microsoft.com/office/drawing/2014/main" val="10009"/>
+                  </a:ext>
+                </a:extLst>
+              </a:tr>
+              <a:tr h="364720">
+                <a:tc>
+                  <a:txBody>
+                    <a:bodyPr/>
+                    <a:lstStyle/>
+                    <a:p>
+                      <a:pPr algn="ctr"/>
+                      <a:r>
+                        <a:t>Global Model Deployment</a:t>
+                      </a:r>
+                    </a:p>
+                  </a:txBody>
+                  <a:tcPr/>
+                </a:tc>
+                <a:tc>
+                  <a:txBody>
+                    <a:bodyPr/>
+                    <a:lstStyle/>
+                    <a:p>
+                      <a:pPr algn="l"/>
+                      <a:r>
+                        <a:t>ESP32-WROVER, TinyML Frameworks</a:t>
+                      </a:r>
+                    </a:p>
+                  </a:txBody>
+                  <a:tcPr/>
+                </a:tc>
+                <a:tc>
+                  <a:txBody>
+                    <a:bodyPr/>
+                    <a:lstStyle/>
+                    <a:p>
+                      <a:pPr algn="l"/>
+                      <a:r>
+                        <a:t>Deploy the aggregated global model to all nodes for inference.</a:t>
+                      </a:r>
+                    </a:p>
+                  </a:txBody>
+                  <a:tcPr/>
+                </a:tc>
+                <a:tc>
+                  <a:txBody>
+                    <a:bodyPr/>
+                    <a:lstStyle/>
+                    <a:p>
+                      <a:pPr algn="l"/>
+                      <a:r>
+                        <a:t>TensorFlow Lite for Microcontrollers, uTensor</a:t>
+                      </a:r>
+                    </a:p>
+                  </a:txBody>
+                  <a:tcPr/>
+                </a:tc>
+                <a:extLst>
+                  <a:ext uri="{0D108BD9-81ED-4DB2-BD59-A6C34878D82A}">
+                    <a16:rowId xmlns:a16="http://schemas.microsoft.com/office/drawing/2014/main" val="10010"/>
+                  </a:ext>
+                </a:extLst>
+              </a:tr>
+              <a:tr h="521028">
+                <a:tc>
+                  <a:txBody>
+                    <a:bodyPr/>
+                    <a:lstStyle/>
+                    <a:p>
+                      <a:pPr algn="ctr"/>
+                      <a:r>
+                        <a:t>Inference and Action</a:t>
+                      </a:r>
+                    </a:p>
+                  </a:txBody>
+                  <a:tcPr/>
+                </a:tc>
+                <a:tc>
+                  <a:txBody>
+                    <a:bodyPr/>
+                    <a:lstStyle/>
+                    <a:p>
+                      <a:pPr algn="l"/>
+                      <a:r>
+                        <a:t>ESP32-WROVER, Sensors, Actuators</a:t>
+                      </a:r>
+                    </a:p>
+                  </a:txBody>
+                  <a:tcPr/>
+                </a:tc>
+                <a:tc>
+                  <a:txBody>
+                    <a:bodyPr/>
+                    <a:lstStyle/>
+                    <a:p>
+                      <a:pPr algn="l"/>
+                      <a:r>
+                        <a:t>Use the global model for real-time predictions and trigger actions based on predictions.</a:t>
+                      </a:r>
+                    </a:p>
+                  </a:txBody>
+                  <a:tcPr/>
+                </a:tc>
+                <a:tc>
+                  <a:txBody>
+                    <a:bodyPr/>
+                    <a:lstStyle/>
+                    <a:p>
+                      <a:pPr algn="l"/>
+                      <a:r>
+                        <a:t>Dual-core Xtensa LX6, 240 MHz, various sensors and actuators</a:t>
+                      </a:r>
+                    </a:p>
+                  </a:txBody>
+                  <a:tcPr/>
+                </a:tc>
+                <a:extLst>
+                  <a:ext uri="{0D108BD9-81ED-4DB2-BD59-A6C34878D82A}">
+                    <a16:rowId xmlns:a16="http://schemas.microsoft.com/office/drawing/2014/main" val="10011"/>
+                  </a:ext>
+                </a:extLst>
+              </a:tr>
+              <a:tr h="521028">
+                <a:tc>
+                  <a:txBody>
+                    <a:bodyPr/>
+                    <a:lstStyle/>
+                    <a:p>
+                      <a:pPr algn="ctr"/>
+                      <a:r>
+                        <a:t>Data Persistence and Storage</a:t>
+                      </a:r>
+                    </a:p>
+                  </a:txBody>
+                  <a:tcPr/>
+                </a:tc>
+                <a:tc>
+                  <a:txBody>
+                    <a:bodyPr/>
+                    <a:lstStyle/>
+                    <a:p>
+                      <a:pPr algn="l"/>
+                      <a:r>
+                        <a:t>ESP32-WROVER, Flash Memory</a:t>
+                      </a:r>
+                    </a:p>
+                  </a:txBody>
+                  <a:tcPr/>
+                </a:tc>
+                <a:tc>
+                  <a:txBody>
+                    <a:bodyPr/>
+                    <a:lstStyle/>
+                    <a:p>
+                      <a:pPr algn="l"/>
+                      <a:r>
+                        <a:rPr dirty="0"/>
+                        <a:t>Store critical data, model parameters, and blockchain ledger in Flash memory to ensure data persistence.</a:t>
+                      </a:r>
+                    </a:p>
+                  </a:txBody>
+                  <a:tcPr/>
+                </a:tc>
+                <a:tc>
+                  <a:txBody>
+                    <a:bodyPr/>
+                    <a:lstStyle/>
+                    <a:p>
+                      <a:pPr algn="l"/>
+                      <a:r>
+                        <a:rPr dirty="0"/>
+                        <a:t>4MB Flash Memory</a:t>
+                      </a:r>
+                    </a:p>
+                  </a:txBody>
+                  <a:tcPr/>
+                </a:tc>
+                <a:extLst>
+                  <a:ext uri="{0D108BD9-81ED-4DB2-BD59-A6C34878D82A}">
+                    <a16:rowId xmlns:a16="http://schemas.microsoft.com/office/drawing/2014/main" val="10012"/>
+                  </a:ext>
+                </a:extLst>
+              </a:tr>
+            </a:tbl>
+          </a:graphicData>
+        </a:graphic>
+      </p:graphicFrame>
+    </p:spTree>
+    <p:extLst>
+      <p:ext uri="{BB962C8B-B14F-4D97-AF65-F5344CB8AC3E}">
+        <p14:creationId xmlns:p14="http://schemas.microsoft.com/office/powerpoint/2010/main" val="3559200583"/>
+      </p:ext>
+    </p:extLst>
+  </p:cSld>
+  <p:clrMapOvr>
+    <a:masterClrMapping/>
+  </p:clrMapOvr>
+</p:sld>
+</file>
+
+<file path=ppt/slides/slide22.xml><?xml version="1.0" encoding="utf-8"?>
+<p:sld xmlns:a="http://schemas.openxmlformats.org/drawingml/2006/main" xmlns:r="http://schemas.openxmlformats.org/officeDocument/2006/relationships" xmlns:p="http://schemas.openxmlformats.org/presentationml/2006/main">
+  <p:cSld>
+    <p:spTree>
+      <p:nvGrpSpPr>
+        <p:cNvPr id="1" name=""/>
+        <p:cNvGrpSpPr/>
+        <p:nvPr/>
+      </p:nvGrpSpPr>
+      <p:grpSpPr>
+        <a:xfrm>
+          <a:off x="0" y="0"/>
+          <a:ext cx="0" cy="0"/>
+          <a:chOff x="0" y="0"/>
+          <a:chExt cx="0" cy="0"/>
+        </a:xfrm>
+      </p:grpSpPr>
+      <p:sp>
+        <p:nvSpPr>
+          <p:cNvPr id="3" name="Content Placeholder 2">
+            <a:extLst>
+              <a:ext uri="{FF2B5EF4-FFF2-40B4-BE49-F238E27FC236}">
+                <a16:creationId xmlns:a16="http://schemas.microsoft.com/office/drawing/2014/main" id="{85E36873-996E-DE0C-2F0B-9B5EEA8AA4E6}"/>
+              </a:ext>
+            </a:extLst>
+          </p:cNvPr>
+          <p:cNvSpPr>
+            <a:spLocks noGrp="1"/>
+          </p:cNvSpPr>
+          <p:nvPr>
+            <p:ph idx="1"/>
+          </p:nvPr>
+        </p:nvSpPr>
+        <p:spPr>
+          <a:xfrm>
+            <a:off x="838200" y="479502"/>
+            <a:ext cx="10515600" cy="5697461"/>
+          </a:xfrm>
+        </p:spPr>
+        <p:txBody>
+          <a:bodyPr>
+            <a:normAutofit/>
+          </a:bodyPr>
+          <a:lstStyle/>
+          <a:p>
+            <a:endParaRPr lang="en-US" dirty="0"/>
+          </a:p>
+          <a:p>
+            <a:pPr lvl="1"/>
+            <a:endParaRPr lang="en-US" dirty="0"/>
+          </a:p>
+          <a:p>
+            <a:pPr lvl="1"/>
+            <a:endParaRPr lang="en-US" dirty="0"/>
+          </a:p>
+        </p:txBody>
+      </p:sp>
+      <p:graphicFrame>
+        <p:nvGraphicFramePr>
+          <p:cNvPr id="5" name="Table 4">
+            <a:extLst>
+              <a:ext uri="{FF2B5EF4-FFF2-40B4-BE49-F238E27FC236}">
+                <a16:creationId xmlns:a16="http://schemas.microsoft.com/office/drawing/2014/main" id="{686DC31B-200C-DE5D-6F93-BA93A61D0C2C}"/>
+              </a:ext>
+            </a:extLst>
+          </p:cNvPr>
+          <p:cNvGraphicFramePr>
+            <a:graphicFrameLocks noGrp="1"/>
+          </p:cNvGraphicFramePr>
+          <p:nvPr>
+            <p:extLst>
+              <p:ext uri="{D42A27DB-BD31-4B8C-83A1-F6EECF244321}">
+                <p14:modId xmlns:p14="http://schemas.microsoft.com/office/powerpoint/2010/main" val="369528102"/>
+              </p:ext>
+            </p:extLst>
+          </p:nvPr>
+        </p:nvGraphicFramePr>
+        <p:xfrm>
+          <a:off x="0" y="0"/>
+          <a:ext cx="12191999" cy="6858000"/>
+        </p:xfrm>
+        <a:graphic>
+          <a:graphicData uri="http://schemas.openxmlformats.org/drawingml/2006/table">
+            <a:tbl>
+              <a:tblPr firstRow="1" bandRow="1">
+                <a:tableStyleId>{5C22544A-7EE6-4342-B048-85BDC9FD1C3A}</a:tableStyleId>
+              </a:tblPr>
+              <a:tblGrid>
+                <a:gridCol w="2709333">
+                  <a:extLst>
+                    <a:ext uri="{9D8B030D-6E8A-4147-A177-3AD203B41FA5}">
+                      <a16:colId xmlns:a16="http://schemas.microsoft.com/office/drawing/2014/main" val="20000"/>
+                    </a:ext>
+                  </a:extLst>
+                </a:gridCol>
+                <a:gridCol w="4064001">
+                  <a:extLst>
+                    <a:ext uri="{9D8B030D-6E8A-4147-A177-3AD203B41FA5}">
+                      <a16:colId xmlns:a16="http://schemas.microsoft.com/office/drawing/2014/main" val="20001"/>
+                    </a:ext>
+                  </a:extLst>
+                </a:gridCol>
+                <a:gridCol w="5418665">
+                  <a:extLst>
+                    <a:ext uri="{9D8B030D-6E8A-4147-A177-3AD203B41FA5}">
+                      <a16:colId xmlns:a16="http://schemas.microsoft.com/office/drawing/2014/main" val="20002"/>
+                    </a:ext>
+                  </a:extLst>
+                </a:gridCol>
+              </a:tblGrid>
+              <a:tr h="484262">
+                <a:tc>
+                  <a:txBody>
+                    <a:bodyPr/>
+                    <a:lstStyle/>
+                    <a:p>
+                      <a:r>
+                        <a:rPr dirty="0"/>
+                        <a:t>Component</a:t>
+                      </a:r>
+                    </a:p>
+                  </a:txBody>
+                  <a:tcPr/>
+                </a:tc>
+                <a:tc>
+                  <a:txBody>
+                    <a:bodyPr/>
+                    <a:lstStyle/>
+                    <a:p>
+                      <a:r>
+                        <a:rPr dirty="0"/>
+                        <a:t>Specifications</a:t>
+                      </a:r>
+                    </a:p>
+                  </a:txBody>
+                  <a:tcPr/>
+                </a:tc>
+                <a:tc>
+                  <a:txBody>
+                    <a:bodyPr/>
+                    <a:lstStyle/>
+                    <a:p>
+                      <a:r>
+                        <a:rPr dirty="0"/>
+                        <a:t>Role</a:t>
+                      </a:r>
+                    </a:p>
+                  </a:txBody>
+                  <a:tcPr/>
+                </a:tc>
+                <a:extLst>
+                  <a:ext uri="{0D108BD9-81ED-4DB2-BD59-A6C34878D82A}">
+                    <a16:rowId xmlns:a16="http://schemas.microsoft.com/office/drawing/2014/main" val="10000"/>
+                  </a:ext>
+                </a:extLst>
+              </a:tr>
+              <a:tr h="1658918">
+                <a:tc>
+                  <a:txBody>
+                    <a:bodyPr/>
+                    <a:lstStyle/>
+                    <a:p>
+                      <a:r>
+                        <a:rPr b="1" dirty="0"/>
+                        <a:t>ESP32-WROVER Node</a:t>
+                      </a:r>
+                    </a:p>
+                  </a:txBody>
+                  <a:tcPr/>
+                </a:tc>
+                <a:tc>
+                  <a:txBody>
+                    <a:bodyPr/>
+                    <a:lstStyle/>
+                    <a:p>
+                      <a:r>
+                        <a:t>Dual-core Xtensa LX6, 240 MHz</a:t>
+                      </a:r>
+                    </a:p>
+                    <a:p>
+                      <a:r>
+                        <a:t>8MB PSRAM</a:t>
+                      </a:r>
+                    </a:p>
+                    <a:p>
+                      <a:r>
+                        <a:t>4MB Flash</a:t>
+                      </a:r>
+                    </a:p>
+                    <a:p>
+                      <a:r>
+                        <a:t>Wi-Fi 802.11 b/g/n, Bluetooth 4.2</a:t>
+                      </a:r>
+                    </a:p>
+                  </a:txBody>
+                  <a:tcPr/>
+                </a:tc>
+                <a:tc>
+                  <a:txBody>
+                    <a:bodyPr/>
+                    <a:lstStyle/>
+                    <a:p>
+                      <a:r>
+                        <a:t>Main node for data collection, preprocessing, local model training, and blockchain operations.</a:t>
+                      </a:r>
+                    </a:p>
+                  </a:txBody>
+                  <a:tcPr/>
+                </a:tc>
+                <a:extLst>
+                  <a:ext uri="{0D108BD9-81ED-4DB2-BD59-A6C34878D82A}">
+                    <a16:rowId xmlns:a16="http://schemas.microsoft.com/office/drawing/2014/main" val="10001"/>
+                  </a:ext>
+                </a:extLst>
+              </a:tr>
+              <a:tr h="873115">
+                <a:tc>
+                  <a:txBody>
+                    <a:bodyPr/>
+                    <a:lstStyle/>
+                    <a:p>
+                      <a:r>
+                        <a:t>Sensors</a:t>
+                      </a:r>
+                    </a:p>
+                  </a:txBody>
+                  <a:tcPr/>
+                </a:tc>
+                <a:tc>
+                  <a:txBody>
+                    <a:bodyPr/>
+                    <a:lstStyle/>
+                    <a:p>
+                      <a:r>
+                        <a:t>Connected via GPIO, I2C, SPI, UART</a:t>
+                      </a:r>
+                    </a:p>
+                  </a:txBody>
+                  <a:tcPr/>
+                </a:tc>
+                <a:tc>
+                  <a:txBody>
+                    <a:bodyPr/>
+                    <a:lstStyle/>
+                    <a:p>
+                      <a:r>
+                        <a:t>Collect environmental data (e.g., temperature, humidity, air quality).</a:t>
+                      </a:r>
+                    </a:p>
+                  </a:txBody>
+                  <a:tcPr/>
+                </a:tc>
+                <a:extLst>
+                  <a:ext uri="{0D108BD9-81ED-4DB2-BD59-A6C34878D82A}">
+                    <a16:rowId xmlns:a16="http://schemas.microsoft.com/office/drawing/2014/main" val="10002"/>
+                  </a:ext>
+                </a:extLst>
+              </a:tr>
+              <a:tr h="611180">
+                <a:tc>
+                  <a:txBody>
+                    <a:bodyPr/>
+                    <a:lstStyle/>
+                    <a:p>
+                      <a:r>
+                        <a:t>Data Collection</a:t>
+                      </a:r>
+                    </a:p>
+                  </a:txBody>
+                  <a:tcPr/>
+                </a:tc>
+                <a:tc>
+                  <a:txBody>
+                    <a:bodyPr/>
+                    <a:lstStyle/>
+                    <a:p>
+                      <a:r>
+                        <a:t>Using sensor interfaces</a:t>
+                      </a:r>
+                    </a:p>
+                  </a:txBody>
+                  <a:tcPr/>
+                </a:tc>
+                <a:tc>
+                  <a:txBody>
+                    <a:bodyPr/>
+                    <a:lstStyle/>
+                    <a:p>
+                      <a:r>
+                        <a:rPr dirty="0"/>
+                        <a:t>Collect data from sensors for processing.</a:t>
+                      </a:r>
+                    </a:p>
+                  </a:txBody>
+                  <a:tcPr/>
+                </a:tc>
+                <a:extLst>
+                  <a:ext uri="{0D108BD9-81ED-4DB2-BD59-A6C34878D82A}">
+                    <a16:rowId xmlns:a16="http://schemas.microsoft.com/office/drawing/2014/main" val="10003"/>
+                  </a:ext>
+                </a:extLst>
+              </a:tr>
+              <a:tr h="873115">
+                <a:tc>
+                  <a:txBody>
+                    <a:bodyPr/>
+                    <a:lstStyle/>
+                    <a:p>
+                      <a:r>
+                        <a:t>Data Preprocessing</a:t>
+                      </a:r>
+                    </a:p>
+                  </a:txBody>
+                  <a:tcPr/>
+                </a:tc>
+                <a:tc>
+                  <a:txBody>
+                    <a:bodyPr/>
+                    <a:lstStyle/>
+                    <a:p>
+                      <a:r>
+                        <a:t>Dual-core Xtensa LX6</a:t>
+                      </a:r>
+                    </a:p>
+                  </a:txBody>
+                  <a:tcPr/>
+                </a:tc>
+                <a:tc>
+                  <a:txBody>
+                    <a:bodyPr/>
+                    <a:lstStyle/>
+                    <a:p>
+                      <a:r>
+                        <a:t>Clean and normalize collected data for model training.</a:t>
+                      </a:r>
+                    </a:p>
+                  </a:txBody>
+                  <a:tcPr/>
+                </a:tc>
+                <a:extLst>
+                  <a:ext uri="{0D108BD9-81ED-4DB2-BD59-A6C34878D82A}">
+                    <a16:rowId xmlns:a16="http://schemas.microsoft.com/office/drawing/2014/main" val="10004"/>
+                  </a:ext>
+                </a:extLst>
+              </a:tr>
+              <a:tr h="873115">
+                <a:tc>
+                  <a:txBody>
+                    <a:bodyPr/>
+                    <a:lstStyle/>
+                    <a:p>
+                      <a:r>
+                        <a:t>Local Model Training</a:t>
+                      </a:r>
+                    </a:p>
+                  </a:txBody>
+                  <a:tcPr/>
+                </a:tc>
+                <a:tc>
+                  <a:txBody>
+                    <a:bodyPr/>
+                    <a:lstStyle/>
+                    <a:p>
+                      <a:r>
+                        <a:rPr dirty="0"/>
+                        <a:t>TensorFlow Lite for Microcontrollers, </a:t>
+                      </a:r>
+                      <a:r>
+                        <a:rPr dirty="0" err="1"/>
+                        <a:t>uTensor</a:t>
+                      </a:r>
+                      <a:r>
+                        <a:rPr lang="en-US" dirty="0"/>
+                        <a:t>, …</a:t>
+                      </a:r>
+                      <a:endParaRPr dirty="0"/>
+                    </a:p>
+                  </a:txBody>
+                  <a:tcPr/>
+                </a:tc>
+                <a:tc>
+                  <a:txBody>
+                    <a:bodyPr/>
+                    <a:lstStyle/>
+                    <a:p>
+                      <a:r>
+                        <a:rPr dirty="0"/>
+                        <a:t>Train ML models using preprocessed data.</a:t>
+                      </a:r>
+                    </a:p>
+                  </a:txBody>
+                  <a:tcPr/>
+                </a:tc>
+                <a:extLst>
+                  <a:ext uri="{0D108BD9-81ED-4DB2-BD59-A6C34878D82A}">
+                    <a16:rowId xmlns:a16="http://schemas.microsoft.com/office/drawing/2014/main" val="10005"/>
+                  </a:ext>
+                </a:extLst>
+              </a:tr>
+              <a:tr h="611180">
+                <a:tc>
+                  <a:txBody>
+                    <a:bodyPr/>
+                    <a:lstStyle/>
+                    <a:p>
+                      <a:r>
+                        <a:t>Inference</a:t>
+                      </a:r>
+                    </a:p>
+                  </a:txBody>
+                  <a:tcPr/>
+                </a:tc>
+                <a:tc>
+                  <a:txBody>
+                    <a:bodyPr/>
+                    <a:lstStyle/>
+                    <a:p>
+                      <a:r>
+                        <a:t>Using trained ML models</a:t>
+                      </a:r>
+                    </a:p>
+                  </a:txBody>
+                  <a:tcPr/>
+                </a:tc>
+                <a:tc>
+                  <a:txBody>
+                    <a:bodyPr/>
+                    <a:lstStyle/>
+                    <a:p>
+                      <a:r>
+                        <a:t>Make predictions based on new sensor data.</a:t>
+                      </a:r>
+                    </a:p>
+                  </a:txBody>
+                  <a:tcPr/>
+                </a:tc>
+                <a:extLst>
+                  <a:ext uri="{0D108BD9-81ED-4DB2-BD59-A6C34878D82A}">
+                    <a16:rowId xmlns:a16="http://schemas.microsoft.com/office/drawing/2014/main" val="10006"/>
+                  </a:ext>
+                </a:extLst>
+              </a:tr>
+              <a:tr h="873115">
+                <a:tc>
+                  <a:txBody>
+                    <a:bodyPr/>
+                    <a:lstStyle/>
+                    <a:p>
+                      <a:r>
+                        <a:t>Storage (Flash)</a:t>
+                      </a:r>
+                    </a:p>
+                  </a:txBody>
+                  <a:tcPr/>
+                </a:tc>
+                <a:tc>
+                  <a:txBody>
+                    <a:bodyPr/>
+                    <a:lstStyle/>
+                    <a:p>
+                      <a:r>
+                        <a:t>4MB Flash Memory</a:t>
+                      </a:r>
+                    </a:p>
+                  </a:txBody>
+                  <a:tcPr/>
+                </a:tc>
+                <a:tc>
+                  <a:txBody>
+                    <a:bodyPr/>
+                    <a:lstStyle/>
+                    <a:p>
+                      <a:r>
+                        <a:rPr dirty="0"/>
+                        <a:t>Store critical data, model parameters, and blockchain ledger.</a:t>
+                      </a:r>
+                    </a:p>
+                  </a:txBody>
+                  <a:tcPr/>
+                </a:tc>
+                <a:extLst>
+                  <a:ext uri="{0D108BD9-81ED-4DB2-BD59-A6C34878D82A}">
+                    <a16:rowId xmlns:a16="http://schemas.microsoft.com/office/drawing/2014/main" val="10007"/>
+                  </a:ext>
+                </a:extLst>
+              </a:tr>
+            </a:tbl>
+          </a:graphicData>
+        </a:graphic>
+      </p:graphicFrame>
+    </p:spTree>
+    <p:extLst>
+      <p:ext uri="{BB962C8B-B14F-4D97-AF65-F5344CB8AC3E}">
+        <p14:creationId xmlns:p14="http://schemas.microsoft.com/office/powerpoint/2010/main" val="1709503421"/>
+      </p:ext>
+    </p:extLst>
+  </p:cSld>
+  <p:clrMapOvr>
+    <a:masterClrMapping/>
+  </p:clrMapOvr>
+</p:sld>
+</file>
+
+<file path=ppt/slides/slide23.xml><?xml version="1.0" encoding="utf-8"?>
+<p:sld xmlns:a="http://schemas.openxmlformats.org/drawingml/2006/main" xmlns:r="http://schemas.openxmlformats.org/officeDocument/2006/relationships" xmlns:p="http://schemas.openxmlformats.org/presentationml/2006/main">
+  <p:cSld>
+    <p:spTree>
+      <p:nvGrpSpPr>
+        <p:cNvPr id="1" name=""/>
+        <p:cNvGrpSpPr/>
+        <p:nvPr/>
+      </p:nvGrpSpPr>
+      <p:grpSpPr>
+        <a:xfrm>
+          <a:off x="0" y="0"/>
+          <a:ext cx="0" cy="0"/>
+          <a:chOff x="0" y="0"/>
+          <a:chExt cx="0" cy="0"/>
+        </a:xfrm>
+      </p:grpSpPr>
+      <p:sp>
+        <p:nvSpPr>
+          <p:cNvPr id="3" name="Content Placeholder 2">
+            <a:extLst>
+              <a:ext uri="{FF2B5EF4-FFF2-40B4-BE49-F238E27FC236}">
+                <a16:creationId xmlns:a16="http://schemas.microsoft.com/office/drawing/2014/main" id="{85E36873-996E-DE0C-2F0B-9B5EEA8AA4E6}"/>
+              </a:ext>
+            </a:extLst>
+          </p:cNvPr>
+          <p:cNvSpPr>
+            <a:spLocks noGrp="1"/>
+          </p:cNvSpPr>
+          <p:nvPr>
+            <p:ph idx="1"/>
+          </p:nvPr>
+        </p:nvSpPr>
+        <p:spPr>
+          <a:xfrm>
+            <a:off x="838200" y="479502"/>
+            <a:ext cx="10515600" cy="5697461"/>
+          </a:xfrm>
+        </p:spPr>
+        <p:txBody>
+          <a:bodyPr>
+            <a:normAutofit/>
+          </a:bodyPr>
+          <a:lstStyle/>
+          <a:p>
+            <a:endParaRPr lang="en-US" dirty="0"/>
+          </a:p>
+          <a:p>
+            <a:pPr lvl="1"/>
+            <a:endParaRPr lang="en-US" dirty="0"/>
+          </a:p>
+          <a:p>
+            <a:pPr lvl="1"/>
+            <a:endParaRPr lang="en-US" dirty="0"/>
+          </a:p>
+        </p:txBody>
+      </p:sp>
+      <p:graphicFrame>
+        <p:nvGraphicFramePr>
+          <p:cNvPr id="7" name="Table 6">
+            <a:extLst>
+              <a:ext uri="{FF2B5EF4-FFF2-40B4-BE49-F238E27FC236}">
+                <a16:creationId xmlns:a16="http://schemas.microsoft.com/office/drawing/2014/main" id="{1D848F47-629B-5554-BEFA-1A72B247F662}"/>
+              </a:ext>
+            </a:extLst>
+          </p:cNvPr>
+          <p:cNvGraphicFramePr>
+            <a:graphicFrameLocks noGrp="1"/>
+          </p:cNvGraphicFramePr>
+          <p:nvPr>
+            <p:extLst>
+              <p:ext uri="{D42A27DB-BD31-4B8C-83A1-F6EECF244321}">
+                <p14:modId xmlns:p14="http://schemas.microsoft.com/office/powerpoint/2010/main" val="1068588856"/>
+              </p:ext>
+            </p:extLst>
+          </p:nvPr>
+        </p:nvGraphicFramePr>
+        <p:xfrm>
+          <a:off x="0" y="0"/>
+          <a:ext cx="12192001" cy="6857996"/>
+        </p:xfrm>
+        <a:graphic>
+          <a:graphicData uri="http://schemas.openxmlformats.org/drawingml/2006/table">
+            <a:tbl>
+              <a:tblPr firstRow="1" bandRow="1">
+                <a:tableStyleId>{5C22544A-7EE6-4342-B048-85BDC9FD1C3A}</a:tableStyleId>
+              </a:tblPr>
+              <a:tblGrid>
+                <a:gridCol w="2709333">
+                  <a:extLst>
+                    <a:ext uri="{9D8B030D-6E8A-4147-A177-3AD203B41FA5}">
+                      <a16:colId xmlns:a16="http://schemas.microsoft.com/office/drawing/2014/main" val="20000"/>
+                    </a:ext>
+                  </a:extLst>
+                </a:gridCol>
+                <a:gridCol w="4064001">
+                  <a:extLst>
+                    <a:ext uri="{9D8B030D-6E8A-4147-A177-3AD203B41FA5}">
+                      <a16:colId xmlns:a16="http://schemas.microsoft.com/office/drawing/2014/main" val="20001"/>
+                    </a:ext>
+                  </a:extLst>
+                </a:gridCol>
+                <a:gridCol w="5418667">
+                  <a:extLst>
+                    <a:ext uri="{9D8B030D-6E8A-4147-A177-3AD203B41FA5}">
+                      <a16:colId xmlns:a16="http://schemas.microsoft.com/office/drawing/2014/main" val="20002"/>
+                    </a:ext>
+                  </a:extLst>
+                </a:gridCol>
+              </a:tblGrid>
+              <a:tr h="590189">
+                <a:tc>
+                  <a:txBody>
+                    <a:bodyPr/>
+                    <a:lstStyle/>
+                    <a:p>
+                      <a:r>
+                        <a:rPr dirty="0"/>
+                        <a:t>Component</a:t>
+                      </a:r>
+                    </a:p>
+                  </a:txBody>
+                  <a:tcPr/>
+                </a:tc>
+                <a:tc>
+                  <a:txBody>
+                    <a:bodyPr/>
+                    <a:lstStyle/>
+                    <a:p>
+                      <a:r>
+                        <a:rPr dirty="0"/>
+                        <a:t>Specifications</a:t>
+                      </a:r>
+                    </a:p>
+                  </a:txBody>
+                  <a:tcPr/>
+                </a:tc>
+                <a:tc>
+                  <a:txBody>
+                    <a:bodyPr/>
+                    <a:lstStyle/>
+                    <a:p>
+                      <a:r>
+                        <a:t>Role</a:t>
+                      </a:r>
+                    </a:p>
+                  </a:txBody>
+                  <a:tcPr/>
+                </a:tc>
+                <a:extLst>
+                  <a:ext uri="{0D108BD9-81ED-4DB2-BD59-A6C34878D82A}">
+                    <a16:rowId xmlns:a16="http://schemas.microsoft.com/office/drawing/2014/main" val="10000"/>
+                  </a:ext>
+                </a:extLst>
+              </a:tr>
+              <a:tr h="743638">
+                <a:tc>
+                  <a:txBody>
+                    <a:bodyPr/>
+                    <a:lstStyle/>
+                    <a:p>
+                      <a:r>
+                        <a:rPr b="1" dirty="0"/>
+                        <a:t>Blockchain Client</a:t>
+                      </a:r>
+                    </a:p>
+                  </a:txBody>
+                  <a:tcPr/>
+                </a:tc>
+                <a:tc>
+                  <a:txBody>
+                    <a:bodyPr/>
+                    <a:lstStyle/>
+                    <a:p>
+                      <a:r>
+                        <a:rPr dirty="0"/>
+                        <a:t>Software running on ESP32-WROVER</a:t>
+                      </a:r>
+                    </a:p>
+                  </a:txBody>
+                  <a:tcPr/>
+                </a:tc>
+                <a:tc>
+                  <a:txBody>
+                    <a:bodyPr/>
+                    <a:lstStyle/>
+                    <a:p>
+                      <a:r>
+                        <a:t>Manages blockchain transactions, consensus participation, and smart contract execution.</a:t>
+                      </a:r>
+                    </a:p>
+                  </a:txBody>
+                  <a:tcPr/>
+                </a:tc>
+                <a:extLst>
+                  <a:ext uri="{0D108BD9-81ED-4DB2-BD59-A6C34878D82A}">
+                    <a16:rowId xmlns:a16="http://schemas.microsoft.com/office/drawing/2014/main" val="10001"/>
+                  </a:ext>
+                </a:extLst>
+              </a:tr>
+              <a:tr h="743638">
+                <a:tc>
+                  <a:txBody>
+                    <a:bodyPr/>
+                    <a:lstStyle/>
+                    <a:p>
+                      <a:r>
+                        <a:t>Transaction Creation</a:t>
+                      </a:r>
+                    </a:p>
+                  </a:txBody>
+                  <a:tcPr/>
+                </a:tc>
+                <a:tc>
+                  <a:txBody>
+                    <a:bodyPr/>
+                    <a:lstStyle/>
+                    <a:p>
+                      <a:r>
+                        <a:t>Using local data and model updates</a:t>
+                      </a:r>
+                    </a:p>
+                  </a:txBody>
+                  <a:tcPr/>
+                </a:tc>
+                <a:tc>
+                  <a:txBody>
+                    <a:bodyPr/>
+                    <a:lstStyle/>
+                    <a:p>
+                      <a:r>
+                        <a:t>Create blockchain transactions with collected data or model parameters.</a:t>
+                      </a:r>
+                    </a:p>
+                  </a:txBody>
+                  <a:tcPr/>
+                </a:tc>
+                <a:extLst>
+                  <a:ext uri="{0D108BD9-81ED-4DB2-BD59-A6C34878D82A}">
+                    <a16:rowId xmlns:a16="http://schemas.microsoft.com/office/drawing/2014/main" val="10002"/>
+                  </a:ext>
+                </a:extLst>
+              </a:tr>
+              <a:tr h="743638">
+                <a:tc>
+                  <a:txBody>
+                    <a:bodyPr/>
+                    <a:lstStyle/>
+                    <a:p>
+                      <a:r>
+                        <a:t>Transaction Signing</a:t>
+                      </a:r>
+                    </a:p>
+                  </a:txBody>
+                  <a:tcPr/>
+                </a:tc>
+                <a:tc>
+                  <a:txBody>
+                    <a:bodyPr/>
+                    <a:lstStyle/>
+                    <a:p>
+                      <a:r>
+                        <a:t>AES, SHA-2, RSA, ECC</a:t>
+                      </a:r>
+                    </a:p>
+                  </a:txBody>
+                  <a:tcPr/>
+                </a:tc>
+                <a:tc>
+                  <a:txBody>
+                    <a:bodyPr/>
+                    <a:lstStyle/>
+                    <a:p>
+                      <a:r>
+                        <a:t>Sign transactions using cryptographic keys to ensure authenticity.</a:t>
+                      </a:r>
+                    </a:p>
+                  </a:txBody>
+                  <a:tcPr/>
+                </a:tc>
+                <a:extLst>
+                  <a:ext uri="{0D108BD9-81ED-4DB2-BD59-A6C34878D82A}">
+                    <a16:rowId xmlns:a16="http://schemas.microsoft.com/office/drawing/2014/main" val="10003"/>
+                  </a:ext>
+                </a:extLst>
+              </a:tr>
+              <a:tr h="1062341">
+                <a:tc>
+                  <a:txBody>
+                    <a:bodyPr/>
+                    <a:lstStyle/>
+                    <a:p>
+                      <a:r>
+                        <a:t>Consensus Participation</a:t>
+                      </a:r>
+                    </a:p>
+                  </a:txBody>
+                  <a:tcPr/>
+                </a:tc>
+                <a:tc>
+                  <a:txBody>
+                    <a:bodyPr/>
+                    <a:lstStyle/>
+                    <a:p>
+                      <a:r>
+                        <a:t>PoA or DPoS consensus</a:t>
+                      </a:r>
+                    </a:p>
+                  </a:txBody>
+                  <a:tcPr/>
+                </a:tc>
+                <a:tc>
+                  <a:txBody>
+                    <a:bodyPr/>
+                    <a:lstStyle/>
+                    <a:p>
+                      <a:r>
+                        <a:t>Participate in the consensus process to validate transactions and add blocks to the blockchain.</a:t>
+                      </a:r>
+                    </a:p>
+                  </a:txBody>
+                  <a:tcPr/>
+                </a:tc>
+                <a:extLst>
+                  <a:ext uri="{0D108BD9-81ED-4DB2-BD59-A6C34878D82A}">
+                    <a16:rowId xmlns:a16="http://schemas.microsoft.com/office/drawing/2014/main" val="10004"/>
+                  </a:ext>
+                </a:extLst>
+              </a:tr>
+              <a:tr h="743638">
+                <a:tc>
+                  <a:txBody>
+                    <a:bodyPr/>
+                    <a:lstStyle/>
+                    <a:p>
+                      <a:r>
+                        <a:t>Model Aggregation</a:t>
+                      </a:r>
+                    </a:p>
+                  </a:txBody>
+                  <a:tcPr/>
+                </a:tc>
+                <a:tc>
+                  <a:txBody>
+                    <a:bodyPr/>
+                    <a:lstStyle/>
+                    <a:p>
+                      <a:r>
+                        <a:t>Using smart contracts</a:t>
+                      </a:r>
+                    </a:p>
+                  </a:txBody>
+                  <a:tcPr/>
+                </a:tc>
+                <a:tc>
+                  <a:txBody>
+                    <a:bodyPr/>
+                    <a:lstStyle/>
+                    <a:p>
+                      <a:r>
+                        <a:t>Aggregate model updates from different nodes into a global model.</a:t>
+                      </a:r>
+                    </a:p>
+                  </a:txBody>
+                  <a:tcPr/>
+                </a:tc>
+                <a:extLst>
+                  <a:ext uri="{0D108BD9-81ED-4DB2-BD59-A6C34878D82A}">
+                    <a16:rowId xmlns:a16="http://schemas.microsoft.com/office/drawing/2014/main" val="10005"/>
+                  </a:ext>
+                </a:extLst>
+              </a:tr>
+              <a:tr h="743638">
+                <a:tc>
+                  <a:txBody>
+                    <a:bodyPr/>
+                    <a:lstStyle/>
+                    <a:p>
+                      <a:r>
+                        <a:t>Smart Contracts</a:t>
+                      </a:r>
+                    </a:p>
+                  </a:txBody>
+                  <a:tcPr/>
+                </a:tc>
+                <a:tc>
+                  <a:txBody>
+                    <a:bodyPr/>
+                    <a:lstStyle/>
+                    <a:p>
+                      <a:r>
+                        <a:t>Executed on the blockchain</a:t>
+                      </a:r>
+                    </a:p>
+                  </a:txBody>
+                  <a:tcPr/>
+                </a:tc>
+                <a:tc>
+                  <a:txBody>
+                    <a:bodyPr/>
+                    <a:lstStyle/>
+                    <a:p>
+                      <a:r>
+                        <a:t>Automate actions based on blockchain data (e.g., reward distribution).</a:t>
+                      </a:r>
+                    </a:p>
+                  </a:txBody>
+                  <a:tcPr/>
+                </a:tc>
+                <a:extLst>
+                  <a:ext uri="{0D108BD9-81ED-4DB2-BD59-A6C34878D82A}">
+                    <a16:rowId xmlns:a16="http://schemas.microsoft.com/office/drawing/2014/main" val="10006"/>
+                  </a:ext>
+                </a:extLst>
+              </a:tr>
+              <a:tr h="743638">
+                <a:tc>
+                  <a:txBody>
+                    <a:bodyPr/>
+                    <a:lstStyle/>
+                    <a:p>
+                      <a:r>
+                        <a:t>Global Model Deployment</a:t>
+                      </a:r>
+                    </a:p>
+                  </a:txBody>
+                  <a:tcPr/>
+                </a:tc>
+                <a:tc>
+                  <a:txBody>
+                    <a:bodyPr/>
+                    <a:lstStyle/>
+                    <a:p>
+                      <a:r>
+                        <a:t>Deploying aggregated model</a:t>
+                      </a:r>
+                    </a:p>
+                  </a:txBody>
+                  <a:tcPr/>
+                </a:tc>
+                <a:tc>
+                  <a:txBody>
+                    <a:bodyPr/>
+                    <a:lstStyle/>
+                    <a:p>
+                      <a:r>
+                        <a:t>Deploy the global model to all nodes for inference.</a:t>
+                      </a:r>
+                    </a:p>
+                  </a:txBody>
+                  <a:tcPr/>
+                </a:tc>
+                <a:extLst>
+                  <a:ext uri="{0D108BD9-81ED-4DB2-BD59-A6C34878D82A}">
+                    <a16:rowId xmlns:a16="http://schemas.microsoft.com/office/drawing/2014/main" val="10007"/>
+                  </a:ext>
+                </a:extLst>
+              </a:tr>
+              <a:tr h="743638">
+                <a:tc>
+                  <a:txBody>
+                    <a:bodyPr/>
+                    <a:lstStyle/>
+                    <a:p>
+                      <a:r>
+                        <a:rPr dirty="0"/>
+                        <a:t>Data Persistence</a:t>
+                      </a:r>
+                    </a:p>
+                  </a:txBody>
+                  <a:tcPr/>
+                </a:tc>
+                <a:tc>
+                  <a:txBody>
+                    <a:bodyPr/>
+                    <a:lstStyle/>
+                    <a:p>
+                      <a:r>
+                        <a:t>Storing in Flash memory</a:t>
+                      </a:r>
+                    </a:p>
+                  </a:txBody>
+                  <a:tcPr/>
+                </a:tc>
+                <a:tc>
+                  <a:txBody>
+                    <a:bodyPr/>
+                    <a:lstStyle/>
+                    <a:p>
+                      <a:r>
+                        <a:rPr dirty="0"/>
+                        <a:t>Ensure critical data is securely stored and remains persistent across power cycles.</a:t>
+                      </a:r>
+                    </a:p>
+                  </a:txBody>
+                  <a:tcPr/>
+                </a:tc>
+                <a:extLst>
+                  <a:ext uri="{0D108BD9-81ED-4DB2-BD59-A6C34878D82A}">
+                    <a16:rowId xmlns:a16="http://schemas.microsoft.com/office/drawing/2014/main" val="10008"/>
+                  </a:ext>
+                </a:extLst>
+              </a:tr>
+            </a:tbl>
+          </a:graphicData>
+        </a:graphic>
+      </p:graphicFrame>
+    </p:spTree>
+    <p:extLst>
+      <p:ext uri="{BB962C8B-B14F-4D97-AF65-F5344CB8AC3E}">
+        <p14:creationId xmlns:p14="http://schemas.microsoft.com/office/powerpoint/2010/main" val="2645419122"/>
+      </p:ext>
+    </p:extLst>
+  </p:cSld>
+  <p:clrMapOvr>
+    <a:masterClrMapping/>
+  </p:clrMapOvr>
+</p:sld>
+</file>
+
+<file path=ppt/slides/slide24.xml><?xml version="1.0" encoding="utf-8"?>
+<p:sld xmlns:a="http://schemas.openxmlformats.org/drawingml/2006/main" xmlns:r="http://schemas.openxmlformats.org/officeDocument/2006/relationships" xmlns:p="http://schemas.openxmlformats.org/presentationml/2006/main">
+  <p:cSld>
+    <p:spTree>
+      <p:nvGrpSpPr>
+        <p:cNvPr id="1" name=""/>
+        <p:cNvGrpSpPr/>
+        <p:nvPr/>
+      </p:nvGrpSpPr>
+      <p:grpSpPr>
+        <a:xfrm>
+          <a:off x="0" y="0"/>
+          <a:ext cx="0" cy="0"/>
+          <a:chOff x="0" y="0"/>
+          <a:chExt cx="0" cy="0"/>
+        </a:xfrm>
+      </p:grpSpPr>
+      <p:sp>
+        <p:nvSpPr>
+          <p:cNvPr id="3" name="Content Placeholder 2">
+            <a:extLst>
+              <a:ext uri="{FF2B5EF4-FFF2-40B4-BE49-F238E27FC236}">
+                <a16:creationId xmlns:a16="http://schemas.microsoft.com/office/drawing/2014/main" id="{85E36873-996E-DE0C-2F0B-9B5EEA8AA4E6}"/>
+              </a:ext>
+            </a:extLst>
+          </p:cNvPr>
+          <p:cNvSpPr>
+            <a:spLocks noGrp="1"/>
+          </p:cNvSpPr>
+          <p:nvPr>
+            <p:ph idx="1"/>
+          </p:nvPr>
+        </p:nvSpPr>
+        <p:spPr>
+          <a:xfrm>
+            <a:off x="838200" y="479502"/>
+            <a:ext cx="10515600" cy="5697461"/>
+          </a:xfrm>
+        </p:spPr>
+        <p:txBody>
+          <a:bodyPr>
+            <a:normAutofit/>
+          </a:bodyPr>
+          <a:lstStyle/>
+          <a:p>
+            <a:endParaRPr lang="en-US" dirty="0"/>
+          </a:p>
+          <a:p>
+            <a:pPr lvl="1"/>
+            <a:endParaRPr lang="en-US" dirty="0"/>
+          </a:p>
+          <a:p>
+            <a:pPr lvl="1"/>
+            <a:endParaRPr lang="en-US" dirty="0"/>
+          </a:p>
+        </p:txBody>
+      </p:sp>
+      <p:graphicFrame>
+        <p:nvGraphicFramePr>
+          <p:cNvPr id="2" name="Table 1">
+            <a:extLst>
+              <a:ext uri="{FF2B5EF4-FFF2-40B4-BE49-F238E27FC236}">
+                <a16:creationId xmlns:a16="http://schemas.microsoft.com/office/drawing/2014/main" id="{358D0040-DE74-B810-075D-480EE0E40541}"/>
+              </a:ext>
+            </a:extLst>
+          </p:cNvPr>
+          <p:cNvGraphicFramePr>
+            <a:graphicFrameLocks noGrp="1"/>
+          </p:cNvGraphicFramePr>
+          <p:nvPr>
+            <p:extLst>
+              <p:ext uri="{D42A27DB-BD31-4B8C-83A1-F6EECF244321}">
+                <p14:modId xmlns:p14="http://schemas.microsoft.com/office/powerpoint/2010/main" val="1186931084"/>
+              </p:ext>
+            </p:extLst>
+          </p:nvPr>
+        </p:nvGraphicFramePr>
+        <p:xfrm>
+          <a:off x="6350" y="0"/>
+          <a:ext cx="12192000" cy="7134931"/>
+        </p:xfrm>
+        <a:graphic>
+          <a:graphicData uri="http://schemas.openxmlformats.org/drawingml/2006/table">
+            <a:tbl>
+              <a:tblPr firstRow="1" bandRow="1">
+                <a:tableStyleId>{5C22544A-7EE6-4342-B048-85BDC9FD1C3A}</a:tableStyleId>
+              </a:tblPr>
+              <a:tblGrid>
+                <a:gridCol w="2709334">
+                  <a:extLst>
+                    <a:ext uri="{9D8B030D-6E8A-4147-A177-3AD203B41FA5}">
+                      <a16:colId xmlns:a16="http://schemas.microsoft.com/office/drawing/2014/main" val="20000"/>
+                    </a:ext>
+                  </a:extLst>
+                </a:gridCol>
+                <a:gridCol w="4064000">
+                  <a:extLst>
+                    <a:ext uri="{9D8B030D-6E8A-4147-A177-3AD203B41FA5}">
+                      <a16:colId xmlns:a16="http://schemas.microsoft.com/office/drawing/2014/main" val="20001"/>
+                    </a:ext>
+                  </a:extLst>
+                </a:gridCol>
+                <a:gridCol w="5418666">
+                  <a:extLst>
+                    <a:ext uri="{9D8B030D-6E8A-4147-A177-3AD203B41FA5}">
+                      <a16:colId xmlns:a16="http://schemas.microsoft.com/office/drawing/2014/main" val="20002"/>
+                    </a:ext>
+                  </a:extLst>
+                </a:gridCol>
+              </a:tblGrid>
+              <a:tr h="459811">
+                <a:tc>
+                  <a:txBody>
+                    <a:bodyPr/>
+                    <a:lstStyle/>
+                    <a:p>
+                      <a:r>
+                        <a:rPr dirty="0"/>
+                        <a:t>Part</a:t>
+                      </a:r>
+                    </a:p>
+                  </a:txBody>
+                  <a:tcPr/>
+                </a:tc>
+                <a:tc>
+                  <a:txBody>
+                    <a:bodyPr/>
+                    <a:lstStyle/>
+                    <a:p>
+                      <a:r>
+                        <a:t>Components</a:t>
+                      </a:r>
+                    </a:p>
+                  </a:txBody>
+                  <a:tcPr/>
+                </a:tc>
+                <a:tc>
+                  <a:txBody>
+                    <a:bodyPr/>
+                    <a:lstStyle/>
+                    <a:p>
+                      <a:r>
+                        <a:t>Action</a:t>
+                      </a:r>
+                    </a:p>
+                  </a:txBody>
+                  <a:tcPr/>
+                </a:tc>
+                <a:extLst>
+                  <a:ext uri="{0D108BD9-81ED-4DB2-BD59-A6C34878D82A}">
+                    <a16:rowId xmlns:a16="http://schemas.microsoft.com/office/drawing/2014/main" val="10000"/>
+                  </a:ext>
+                </a:extLst>
+              </a:tr>
+              <a:tr h="1425415">
+                <a:tc>
+                  <a:txBody>
+                    <a:bodyPr/>
+                    <a:lstStyle/>
+                    <a:p>
+                      <a:r>
+                        <a:t>Model Update Creation</a:t>
+                      </a:r>
+                    </a:p>
+                  </a:txBody>
+                  <a:tcPr/>
+                </a:tc>
+                <a:tc>
+                  <a:txBody>
+                    <a:bodyPr/>
+                    <a:lstStyle/>
+                    <a:p>
+                      <a:r>
+                        <a:t>ESP32-WROVER, TensorFlow Lite for Microcontrollers</a:t>
+                      </a:r>
+                    </a:p>
+                  </a:txBody>
+                  <a:tcPr/>
+                </a:tc>
+                <a:tc>
+                  <a:txBody>
+                    <a:bodyPr/>
+                    <a:lstStyle/>
+                    <a:p>
+                      <a:r>
+                        <a:t>- Train the local model on preprocessed data.</a:t>
+                      </a:r>
+                    </a:p>
+                    <a:p>
+                      <a:r>
+                        <a:t>- Extract model parameters (e.g., weights).</a:t>
+                      </a:r>
+                    </a:p>
+                    <a:p>
+                      <a:r>
+                        <a:t>- Create a transaction:</a:t>
+                      </a:r>
+                    </a:p>
+                    <a:p>
+                      <a:r>
+                        <a:t>  `{ "node_id": "Node1", "model_update": { "weights": [0.1, 0.5, ...], "biases": [0.3, 0.7, ...] }, "timestamp": "2024-05-15T12:00:00Z" }`</a:t>
+                      </a:r>
+                    </a:p>
+                  </a:txBody>
+                  <a:tcPr/>
+                </a:tc>
+                <a:extLst>
+                  <a:ext uri="{0D108BD9-81ED-4DB2-BD59-A6C34878D82A}">
+                    <a16:rowId xmlns:a16="http://schemas.microsoft.com/office/drawing/2014/main" val="10001"/>
+                  </a:ext>
+                </a:extLst>
+              </a:tr>
+              <a:tr h="873641">
+                <a:tc>
+                  <a:txBody>
+                    <a:bodyPr/>
+                    <a:lstStyle/>
+                    <a:p>
+                      <a:r>
+                        <a:t>Model Sharing</a:t>
+                      </a:r>
+                    </a:p>
+                  </a:txBody>
+                  <a:tcPr/>
+                </a:tc>
+                <a:tc>
+                  <a:txBody>
+                    <a:bodyPr/>
+                    <a:lstStyle/>
+                    <a:p>
+                      <a:r>
+                        <a:t>ESP32-WROVER, Blockchain Client</a:t>
+                      </a:r>
+                    </a:p>
+                  </a:txBody>
+                  <a:tcPr/>
+                </a:tc>
+                <a:tc>
+                  <a:txBody>
+                    <a:bodyPr/>
+                    <a:lstStyle/>
+                    <a:p>
+                      <a:r>
+                        <a:t>- Sign the model update transaction using the node’s private key.</a:t>
+                      </a:r>
+                    </a:p>
+                    <a:p>
+                      <a:r>
+                        <a:t>- Broadcast the signed transaction to other nodes in the network using Wi-Fi or BLE.</a:t>
+                      </a:r>
+                    </a:p>
+                  </a:txBody>
+                  <a:tcPr/>
+                </a:tc>
+                <a:extLst>
+                  <a:ext uri="{0D108BD9-81ED-4DB2-BD59-A6C34878D82A}">
+                    <a16:rowId xmlns:a16="http://schemas.microsoft.com/office/drawing/2014/main" val="10002"/>
+                  </a:ext>
+                </a:extLst>
+              </a:tr>
+              <a:tr h="1149528">
+                <a:tc>
+                  <a:txBody>
+                    <a:bodyPr/>
+                    <a:lstStyle/>
+                    <a:p>
+                      <a:r>
+                        <a:t>Model Aggregation</a:t>
+                      </a:r>
+                    </a:p>
+                  </a:txBody>
+                  <a:tcPr/>
+                </a:tc>
+                <a:tc>
+                  <a:txBody>
+                    <a:bodyPr/>
+                    <a:lstStyle/>
+                    <a:p>
+                      <a:r>
+                        <a:t>Smart Contracts, Blockchain Network</a:t>
+                      </a:r>
+                    </a:p>
+                  </a:txBody>
+                  <a:tcPr/>
+                </a:tc>
+                <a:tc>
+                  <a:txBody>
+                    <a:bodyPr/>
+                    <a:lstStyle/>
+                    <a:p>
+                      <a:r>
+                        <a:t>- Collect model updates from various nodes.</a:t>
+                      </a:r>
+                    </a:p>
+                    <a:p>
+                      <a:r>
+                        <a:t>- Execute smart contracts to aggregate model updates:</a:t>
+                      </a:r>
+                    </a:p>
+                    <a:p>
+                      <a:r>
+                        <a:t>  - Aggregation formula: `Global Weight = (1/N) Σ Node Weight_i`</a:t>
+                      </a:r>
+                    </a:p>
+                    <a:p>
+                      <a:r>
+                        <a:t>- Store aggregated model parameters on the blockchain.</a:t>
+                      </a:r>
+                    </a:p>
+                  </a:txBody>
+                  <a:tcPr/>
+                </a:tc>
+                <a:extLst>
+                  <a:ext uri="{0D108BD9-81ED-4DB2-BD59-A6C34878D82A}">
+                    <a16:rowId xmlns:a16="http://schemas.microsoft.com/office/drawing/2014/main" val="10003"/>
+                  </a:ext>
+                </a:extLst>
+              </a:tr>
+              <a:tr h="1011585">
+                <a:tc>
+                  <a:txBody>
+                    <a:bodyPr/>
+                    <a:lstStyle/>
+                    <a:p>
+                      <a:r>
+                        <a:t>Global Model Deployment</a:t>
+                      </a:r>
+                    </a:p>
+                  </a:txBody>
+                  <a:tcPr/>
+                </a:tc>
+                <a:tc>
+                  <a:txBody>
+                    <a:bodyPr/>
+                    <a:lstStyle/>
+                    <a:p>
+                      <a:r>
+                        <a:t>ESP32-WROVER, Blockchain Client</a:t>
+                      </a:r>
+                    </a:p>
+                  </a:txBody>
+                  <a:tcPr/>
+                </a:tc>
+                <a:tc>
+                  <a:txBody>
+                    <a:bodyPr/>
+                    <a:lstStyle/>
+                    <a:p>
+                      <a:r>
+                        <a:rPr dirty="0"/>
+                        <a:t>- Monitor the blockchain for new global model updates.</a:t>
+                      </a:r>
+                    </a:p>
+                    <a:p>
+                      <a:r>
+                        <a:rPr dirty="0"/>
+                        <a:t>- Retrieve the aggregated global model parameters.</a:t>
+                      </a:r>
+                    </a:p>
+                    <a:p>
+                      <a:r>
+                        <a:rPr dirty="0"/>
+                        <a:t>- Update the local model with the new global parameters:</a:t>
+                      </a:r>
+                    </a:p>
+                    <a:p>
+                      <a:r>
+                        <a:rPr dirty="0"/>
+                        <a:t>  `</a:t>
+                      </a:r>
+                      <a:r>
+                        <a:rPr dirty="0" err="1"/>
+                        <a:t>updateModel</a:t>
+                      </a:r>
+                      <a:r>
+                        <a:rPr dirty="0"/>
+                        <a:t>(</a:t>
+                      </a:r>
+                      <a:r>
+                        <a:rPr dirty="0" err="1"/>
+                        <a:t>globalParams</a:t>
+                      </a:r>
+                      <a:r>
+                        <a:rPr dirty="0"/>
+                        <a:t>)`</a:t>
+                      </a:r>
+                    </a:p>
+                  </a:txBody>
+                  <a:tcPr/>
+                </a:tc>
+                <a:extLst>
+                  <a:ext uri="{0D108BD9-81ED-4DB2-BD59-A6C34878D82A}">
+                    <a16:rowId xmlns:a16="http://schemas.microsoft.com/office/drawing/2014/main" val="10004"/>
+                  </a:ext>
+                </a:extLst>
+              </a:tr>
+            </a:tbl>
+          </a:graphicData>
+        </a:graphic>
+      </p:graphicFrame>
+    </p:spTree>
+    <p:extLst>
+      <p:ext uri="{BB962C8B-B14F-4D97-AF65-F5344CB8AC3E}">
+        <p14:creationId xmlns:p14="http://schemas.microsoft.com/office/powerpoint/2010/main" val="3469284912"/>
       </p:ext>
     </p:extLst>
   </p:cSld>

--- a/Swarm TinyML.pptx
+++ b/Swarm TinyML.pptx
@@ -5,7 +5,7 @@
     <p:sldMasterId id="2147483648" r:id="rId1"/>
   </p:sldMasterIdLst>
   <p:notesMasterIdLst>
-    <p:notesMasterId r:id="rId26"/>
+    <p:notesMasterId r:id="rId25"/>
   </p:notesMasterIdLst>
   <p:sldIdLst>
     <p:sldId id="256" r:id="rId2"/>
@@ -21,17 +21,16 @@
     <p:sldId id="275" r:id="rId12"/>
     <p:sldId id="276" r:id="rId13"/>
     <p:sldId id="268" r:id="rId14"/>
-    <p:sldId id="271" r:id="rId15"/>
-    <p:sldId id="270" r:id="rId16"/>
-    <p:sldId id="286" r:id="rId17"/>
-    <p:sldId id="278" r:id="rId18"/>
-    <p:sldId id="284" r:id="rId19"/>
-    <p:sldId id="285" r:id="rId20"/>
-    <p:sldId id="288" r:id="rId21"/>
-    <p:sldId id="291" r:id="rId22"/>
-    <p:sldId id="289" r:id="rId23"/>
-    <p:sldId id="292" r:id="rId24"/>
-    <p:sldId id="293" r:id="rId25"/>
+    <p:sldId id="270" r:id="rId15"/>
+    <p:sldId id="286" r:id="rId16"/>
+    <p:sldId id="278" r:id="rId17"/>
+    <p:sldId id="284" r:id="rId18"/>
+    <p:sldId id="285" r:id="rId19"/>
+    <p:sldId id="288" r:id="rId20"/>
+    <p:sldId id="291" r:id="rId21"/>
+    <p:sldId id="289" r:id="rId22"/>
+    <p:sldId id="292" r:id="rId23"/>
+    <p:sldId id="293" r:id="rId24"/>
   </p:sldIdLst>
   <p:sldSz cx="12192000" cy="6858000"/>
   <p:notesSz cx="6858000" cy="9144000"/>
@@ -1364,7 +1363,7 @@
     </p:spTree>
     <p:extLst>
       <p:ext uri="{BB962C8B-B14F-4D97-AF65-F5344CB8AC3E}">
-        <p14:creationId xmlns:p14="http://schemas.microsoft.com/office/powerpoint/2010/main" val="4075627439"/>
+        <p14:creationId xmlns:p14="http://schemas.microsoft.com/office/powerpoint/2010/main" val="2484051631"/>
       </p:ext>
     </p:extLst>
   </p:cSld>
@@ -1439,7 +1438,7 @@
           <a:p>
             <a:fld id="{4906D59D-5BF0-6346-A9F9-00BF8C37E738}" type="slidenum">
               <a:rPr lang="en-US" smtClean="0"/>
-              <a:t>15</a:t>
+              <a:t>16</a:t>
             </a:fld>
             <a:endParaRPr lang="en-US"/>
           </a:p>
@@ -1448,7 +1447,7 @@
     </p:spTree>
     <p:extLst>
       <p:ext uri="{BB962C8B-B14F-4D97-AF65-F5344CB8AC3E}">
-        <p14:creationId xmlns:p14="http://schemas.microsoft.com/office/powerpoint/2010/main" val="2484051631"/>
+        <p14:creationId xmlns:p14="http://schemas.microsoft.com/office/powerpoint/2010/main" val="1237207116"/>
       </p:ext>
     </p:extLst>
   </p:cSld>
@@ -1523,7 +1522,7 @@
           <a:p>
             <a:fld id="{4906D59D-5BF0-6346-A9F9-00BF8C37E738}" type="slidenum">
               <a:rPr lang="en-US" smtClean="0"/>
-              <a:t>17</a:t>
+              <a:t>19</a:t>
             </a:fld>
             <a:endParaRPr lang="en-US"/>
           </a:p>
@@ -1532,7 +1531,7 @@
     </p:spTree>
     <p:extLst>
       <p:ext uri="{BB962C8B-B14F-4D97-AF65-F5344CB8AC3E}">
-        <p14:creationId xmlns:p14="http://schemas.microsoft.com/office/powerpoint/2010/main" val="1237207116"/>
+        <p14:creationId xmlns:p14="http://schemas.microsoft.com/office/powerpoint/2010/main" val="1117092560"/>
       </p:ext>
     </p:extLst>
   </p:cSld>
@@ -1616,7 +1615,7 @@
     </p:spTree>
     <p:extLst>
       <p:ext uri="{BB962C8B-B14F-4D97-AF65-F5344CB8AC3E}">
-        <p14:creationId xmlns:p14="http://schemas.microsoft.com/office/powerpoint/2010/main" val="1117092560"/>
+        <p14:creationId xmlns:p14="http://schemas.microsoft.com/office/powerpoint/2010/main" val="2552118263"/>
       </p:ext>
     </p:extLst>
   </p:cSld>
@@ -1700,7 +1699,7 @@
     </p:spTree>
     <p:extLst>
       <p:ext uri="{BB962C8B-B14F-4D97-AF65-F5344CB8AC3E}">
-        <p14:creationId xmlns:p14="http://schemas.microsoft.com/office/powerpoint/2010/main" val="2552118263"/>
+        <p14:creationId xmlns:p14="http://schemas.microsoft.com/office/powerpoint/2010/main" val="970042085"/>
       </p:ext>
     </p:extLst>
   </p:cSld>
@@ -1784,7 +1783,7 @@
     </p:spTree>
     <p:extLst>
       <p:ext uri="{BB962C8B-B14F-4D97-AF65-F5344CB8AC3E}">
-        <p14:creationId xmlns:p14="http://schemas.microsoft.com/office/powerpoint/2010/main" val="970042085"/>
+        <p14:creationId xmlns:p14="http://schemas.microsoft.com/office/powerpoint/2010/main" val="210066724"/>
       </p:ext>
     </p:extLst>
   </p:cSld>
@@ -1868,7 +1867,7 @@
     </p:spTree>
     <p:extLst>
       <p:ext uri="{BB962C8B-B14F-4D97-AF65-F5344CB8AC3E}">
-        <p14:creationId xmlns:p14="http://schemas.microsoft.com/office/powerpoint/2010/main" val="210066724"/>
+        <p14:creationId xmlns:p14="http://schemas.microsoft.com/office/powerpoint/2010/main" val="1268036021"/>
       </p:ext>
     </p:extLst>
   </p:cSld>
@@ -1953,90 +1952,6 @@
     <p:extLst>
       <p:ext uri="{BB962C8B-B14F-4D97-AF65-F5344CB8AC3E}">
         <p14:creationId xmlns:p14="http://schemas.microsoft.com/office/powerpoint/2010/main" val="3351645269"/>
-      </p:ext>
-    </p:extLst>
-  </p:cSld>
-  <p:clrMapOvr>
-    <a:masterClrMapping/>
-  </p:clrMapOvr>
-</p:notes>
-</file>
-
-<file path=ppt/notesSlides/notesSlide20.xml><?xml version="1.0" encoding="utf-8"?>
-<p:notes xmlns:a="http://schemas.openxmlformats.org/drawingml/2006/main" xmlns:r="http://schemas.openxmlformats.org/officeDocument/2006/relationships" xmlns:p="http://schemas.openxmlformats.org/presentationml/2006/main">
-  <p:cSld>
-    <p:spTree>
-      <p:nvGrpSpPr>
-        <p:cNvPr id="1" name=""/>
-        <p:cNvGrpSpPr/>
-        <p:nvPr/>
-      </p:nvGrpSpPr>
-      <p:grpSpPr>
-        <a:xfrm>
-          <a:off x="0" y="0"/>
-          <a:ext cx="0" cy="0"/>
-          <a:chOff x="0" y="0"/>
-          <a:chExt cx="0" cy="0"/>
-        </a:xfrm>
-      </p:grpSpPr>
-      <p:sp>
-        <p:nvSpPr>
-          <p:cNvPr id="2" name="Slide Image Placeholder 1"/>
-          <p:cNvSpPr>
-            <a:spLocks noGrp="1" noRot="1" noChangeAspect="1"/>
-          </p:cNvSpPr>
-          <p:nvPr>
-            <p:ph type="sldImg"/>
-          </p:nvPr>
-        </p:nvSpPr>
-        <p:spPr/>
-      </p:sp>
-      <p:sp>
-        <p:nvSpPr>
-          <p:cNvPr id="3" name="Notes Placeholder 2"/>
-          <p:cNvSpPr>
-            <a:spLocks noGrp="1"/>
-          </p:cNvSpPr>
-          <p:nvPr>
-            <p:ph type="body" idx="1"/>
-          </p:nvPr>
-        </p:nvSpPr>
-        <p:spPr/>
-        <p:txBody>
-          <a:bodyPr/>
-          <a:lstStyle/>
-          <a:p>
-            <a:endParaRPr lang="en-US" dirty="0"/>
-          </a:p>
-        </p:txBody>
-      </p:sp>
-      <p:sp>
-        <p:nvSpPr>
-          <p:cNvPr id="4" name="Slide Number Placeholder 3"/>
-          <p:cNvSpPr>
-            <a:spLocks noGrp="1"/>
-          </p:cNvSpPr>
-          <p:nvPr>
-            <p:ph type="sldNum" sz="quarter" idx="5"/>
-          </p:nvPr>
-        </p:nvSpPr>
-        <p:spPr/>
-        <p:txBody>
-          <a:bodyPr/>
-          <a:lstStyle/>
-          <a:p>
-            <a:fld id="{4906D59D-5BF0-6346-A9F9-00BF8C37E738}" type="slidenum">
-              <a:rPr lang="en-US" smtClean="0"/>
-              <a:t>24</a:t>
-            </a:fld>
-            <a:endParaRPr lang="en-US"/>
-          </a:p>
-        </p:txBody>
-      </p:sp>
-    </p:spTree>
-    <p:extLst>
-      <p:ext uri="{BB962C8B-B14F-4D97-AF65-F5344CB8AC3E}">
-        <p14:creationId xmlns:p14="http://schemas.microsoft.com/office/powerpoint/2010/main" val="1268036021"/>
       </p:ext>
     </p:extLst>
   </p:cSld>
@@ -6575,46 +6490,135 @@
         </p:spPr>
         <p:txBody>
           <a:bodyPr>
-            <a:normAutofit/>
+            <a:normAutofit fontScale="92500" lnSpcReduction="20000"/>
           </a:bodyPr>
           <a:lstStyle/>
           <a:p>
             <a:r>
               <a:rPr lang="en-US" dirty="0"/>
-              <a:t>System Requirements</a:t>
+              <a:t>System Objectives?</a:t>
+            </a:r>
+          </a:p>
+          <a:p>
+            <a:r>
+              <a:rPr lang="en-US" dirty="0"/>
+              <a:t>Hardware</a:t>
             </a:r>
           </a:p>
           <a:p>
             <a:pPr lvl="1"/>
             <a:r>
               <a:rPr lang="en-US" dirty="0"/>
-              <a:t>Data type</a:t>
+              <a:t>AI accelerators?</a:t>
             </a:r>
           </a:p>
           <a:p>
             <a:pPr lvl="1"/>
             <a:r>
               <a:rPr lang="en-US" dirty="0"/>
-              <a:t>Power </a:t>
+              <a:t>Peripheral Integration: Sensors and actuators</a:t>
             </a:r>
           </a:p>
           <a:p>
             <a:pPr lvl="1"/>
             <a:r>
               <a:rPr lang="en-US" dirty="0"/>
-              <a:t>Communication: distances, obstacles</a:t>
+              <a:t>Power</a:t>
+            </a:r>
+          </a:p>
+          <a:p>
+            <a:r>
+              <a:rPr lang="en-US" dirty="0"/>
+              <a:t>Decentralized Network Architecture</a:t>
             </a:r>
           </a:p>
           <a:p>
             <a:pPr lvl="1"/>
+            <a:r>
+              <a:rPr lang="en-US" dirty="0"/>
+              <a:t>Topology Design: peer-to-peer?</a:t>
+            </a:r>
+          </a:p>
+          <a:p>
+            <a:pPr lvl="1"/>
+            <a:r>
+              <a:rPr lang="en-US" dirty="0"/>
+              <a:t>Communication Protocol: Zigbee, </a:t>
+            </a:r>
+            <a:r>
+              <a:rPr lang="en-US" dirty="0" err="1"/>
+              <a:t>bluetooth</a:t>
+            </a:r>
+            <a:r>
+              <a:rPr lang="en-US" dirty="0"/>
+              <a:t>, LoRa</a:t>
+            </a:r>
+          </a:p>
+          <a:p>
+            <a:r>
+              <a:rPr lang="en-US" dirty="0"/>
+              <a:t>AI and Swarm Learning Components</a:t>
+            </a:r>
+          </a:p>
+          <a:p>
+            <a:pPr lvl="1"/>
+            <a:r>
+              <a:rPr lang="en-US" dirty="0"/>
+              <a:t>AI Model Development: Pruning, Quantization, model compression,…</a:t>
+            </a:r>
+          </a:p>
+          <a:p>
+            <a:pPr lvl="1"/>
+            <a:r>
+              <a:rPr lang="en-US" dirty="0"/>
+              <a:t>Local Learning</a:t>
+            </a:r>
+          </a:p>
+          <a:p>
+            <a:pPr lvl="1"/>
+            <a:r>
+              <a:rPr lang="en-US" dirty="0"/>
+              <a:t>Model Sharing Mechanism</a:t>
+            </a:r>
+          </a:p>
+          <a:p>
+            <a:pPr lvl="1"/>
+            <a:r>
+              <a:rPr lang="en-US" dirty="0"/>
+              <a:t>Blockchain protocol</a:t>
+            </a:r>
+          </a:p>
+          <a:p>
+            <a:r>
+              <a:rPr lang="en-US" dirty="0"/>
+              <a:t>Software Development</a:t>
+            </a:r>
+          </a:p>
+          <a:p>
+            <a:pPr lvl="1"/>
+            <a:r>
+              <a:rPr lang="en-US" dirty="0"/>
+              <a:t>Firmware Development: data collection, local processing, and communication</a:t>
+            </a:r>
+          </a:p>
+          <a:p>
+            <a:pPr lvl="1"/>
+            <a:r>
+              <a:rPr lang="en-US" dirty="0"/>
+              <a:t>Swarm Intelligence Algorithms: collaboration and adaptation</a:t>
+            </a:r>
+          </a:p>
+          <a:p>
+            <a:pPr lvl="1"/>
+            <a:r>
+              <a:rPr lang="en-US" dirty="0"/>
+              <a:t> </a:t>
+            </a:r>
+          </a:p>
+          <a:p>
             <a:endParaRPr lang="en-US" dirty="0"/>
           </a:p>
           <a:p>
-            <a:pPr lvl="1"/>
-            <a:endParaRPr lang="en-US" dirty="0"/>
-          </a:p>
-          <a:p>
-            <a:pPr lvl="1"/>
             <a:endParaRPr lang="en-US" dirty="0"/>
           </a:p>
         </p:txBody>
@@ -6622,7 +6626,7 @@
     </p:spTree>
     <p:extLst>
       <p:ext uri="{BB962C8B-B14F-4D97-AF65-F5344CB8AC3E}">
-        <p14:creationId xmlns:p14="http://schemas.microsoft.com/office/powerpoint/2010/main" val="907940795"/>
+        <p14:creationId xmlns:p14="http://schemas.microsoft.com/office/powerpoint/2010/main" val="3208453838"/>
       </p:ext>
     </p:extLst>
   </p:cSld>
@@ -6651,10 +6655,38 @@
       </p:grpSpPr>
       <p:sp>
         <p:nvSpPr>
+          <p:cNvPr id="2" name="Title 1">
+            <a:extLst>
+              <a:ext uri="{FF2B5EF4-FFF2-40B4-BE49-F238E27FC236}">
+                <a16:creationId xmlns:a16="http://schemas.microsoft.com/office/drawing/2014/main" id="{F40DD779-5765-3487-F6EF-1FCE34BFBC5C}"/>
+              </a:ext>
+            </a:extLst>
+          </p:cNvPr>
+          <p:cNvSpPr>
+            <a:spLocks noGrp="1"/>
+          </p:cNvSpPr>
+          <p:nvPr>
+            <p:ph type="title"/>
+          </p:nvPr>
+        </p:nvSpPr>
+        <p:spPr/>
+        <p:txBody>
+          <a:bodyPr/>
+          <a:lstStyle/>
+          <a:p>
+            <a:r>
+              <a:rPr lang="en-US" dirty="0"/>
+              <a:t>Notes before May 14th, 2024</a:t>
+            </a:r>
+          </a:p>
+        </p:txBody>
+      </p:sp>
+      <p:sp>
+        <p:nvSpPr>
           <p:cNvPr id="3" name="Content Placeholder 2">
             <a:extLst>
               <a:ext uri="{FF2B5EF4-FFF2-40B4-BE49-F238E27FC236}">
-                <a16:creationId xmlns:a16="http://schemas.microsoft.com/office/drawing/2014/main" id="{85E36873-996E-DE0C-2F0B-9B5EEA8AA4E6}"/>
+                <a16:creationId xmlns:a16="http://schemas.microsoft.com/office/drawing/2014/main" id="{CCF6F1C5-BCD1-68BF-9DF1-CCD388CA7531}"/>
               </a:ext>
             </a:extLst>
           </p:cNvPr>
@@ -6665,151 +6697,94 @@
             <p:ph idx="1"/>
           </p:nvPr>
         </p:nvSpPr>
+        <p:spPr/>
+        <p:txBody>
+          <a:bodyPr vert="horz" lIns="91440" tIns="45720" rIns="91440" bIns="45720" rtlCol="0" anchor="t">
+            <a:normAutofit/>
+          </a:bodyPr>
+          <a:lstStyle/>
+          <a:p>
+            <a:r>
+              <a:rPr lang="en-US" dirty="0"/>
+              <a:t>We want to evaluate both BLE and Wi-Fi.</a:t>
+            </a:r>
+          </a:p>
+        </p:txBody>
+      </p:sp>
+      <p:sp>
+        <p:nvSpPr>
+          <p:cNvPr id="9" name="TextBox 8">
+            <a:extLst>
+              <a:ext uri="{FF2B5EF4-FFF2-40B4-BE49-F238E27FC236}">
+                <a16:creationId xmlns:a16="http://schemas.microsoft.com/office/drawing/2014/main" id="{FD43904F-57FF-F8BA-A524-648B5456ECF3}"/>
+              </a:ext>
+            </a:extLst>
+          </p:cNvPr>
+          <p:cNvSpPr txBox="1"/>
+          <p:nvPr/>
+        </p:nvSpPr>
         <p:spPr>
           <a:xfrm>
-            <a:off x="838200" y="479502"/>
-            <a:ext cx="10515600" cy="5697461"/>
+            <a:off x="-1" y="4079325"/>
+            <a:ext cx="11795233" cy="2862322"/>
           </a:xfrm>
+          <a:prstGeom prst="rect">
+            <a:avLst/>
+          </a:prstGeom>
+          <a:noFill/>
         </p:spPr>
         <p:txBody>
-          <a:bodyPr>
-            <a:normAutofit fontScale="92500" lnSpcReduction="20000"/>
+          <a:bodyPr rot="0" spcFirstLastPara="0" vertOverflow="overflow" horzOverflow="overflow" vert="horz" wrap="square" lIns="91440" tIns="45720" rIns="91440" bIns="45720" numCol="1" spcCol="0" rtlCol="0" fromWordArt="0" anchor="t" anchorCtr="0" forceAA="0" compatLnSpc="1">
+            <a:prstTxWarp prst="textNoShape">
+              <a:avLst/>
+            </a:prstTxWarp>
+            <a:spAutoFit/>
           </a:bodyPr>
           <a:lstStyle/>
           <a:p>
             <a:r>
-              <a:rPr lang="en-US" dirty="0"/>
-              <a:t>System Objectives?</a:t>
-            </a:r>
-          </a:p>
-          <a:p>
-            <a:r>
-              <a:rPr lang="en-US" dirty="0"/>
-              <a:t>Hardware</a:t>
-            </a:r>
-          </a:p>
-          <a:p>
-            <a:pPr lvl="1"/>
-            <a:r>
-              <a:rPr lang="en-US" dirty="0"/>
-              <a:t>AI accelerators?</a:t>
-            </a:r>
-          </a:p>
-          <a:p>
-            <a:pPr lvl="1"/>
-            <a:r>
-              <a:rPr lang="en-US" dirty="0"/>
-              <a:t>Peripheral Integration: Sensors and actuators</a:t>
-            </a:r>
-          </a:p>
-          <a:p>
-            <a:pPr lvl="1"/>
-            <a:r>
-              <a:rPr lang="en-US" dirty="0"/>
-              <a:t>Power</a:t>
-            </a:r>
-          </a:p>
-          <a:p>
-            <a:r>
-              <a:rPr lang="en-US" dirty="0"/>
-              <a:t>Decentralized Network Architecture</a:t>
-            </a:r>
-          </a:p>
-          <a:p>
-            <a:pPr lvl="1"/>
-            <a:r>
-              <a:rPr lang="en-US" dirty="0"/>
-              <a:t>Topology Design: peer-to-peer?</a:t>
-            </a:r>
-          </a:p>
-          <a:p>
-            <a:pPr lvl="1"/>
-            <a:r>
-              <a:rPr lang="en-US" dirty="0"/>
-              <a:t>Communication Protocol: Zigbee, </a:t>
-            </a:r>
-            <a:r>
-              <a:rPr lang="en-US" dirty="0" err="1"/>
-              <a:t>bluetooth</a:t>
-            </a:r>
-            <a:r>
-              <a:rPr lang="en-US" dirty="0"/>
-              <a:t>, LoRa</a:t>
-            </a:r>
-          </a:p>
-          <a:p>
-            <a:r>
-              <a:rPr lang="en-US" dirty="0"/>
-              <a:t>AI and Swarm Learning Components</a:t>
-            </a:r>
-          </a:p>
-          <a:p>
-            <a:pPr lvl="1"/>
-            <a:r>
-              <a:rPr lang="en-US" dirty="0"/>
-              <a:t>AI Model Development: Pruning, Quantization, model compression,…</a:t>
-            </a:r>
-          </a:p>
-          <a:p>
-            <a:pPr lvl="1"/>
-            <a:r>
-              <a:rPr lang="en-US" dirty="0"/>
-              <a:t>Local Learning</a:t>
-            </a:r>
-          </a:p>
-          <a:p>
-            <a:pPr lvl="1"/>
-            <a:r>
-              <a:rPr lang="en-US" dirty="0"/>
-              <a:t>Model Sharing Mechanism</a:t>
-            </a:r>
-          </a:p>
-          <a:p>
-            <a:pPr lvl="1"/>
-            <a:r>
-              <a:rPr lang="en-US" dirty="0"/>
-              <a:t>Blockchain protocol</a:t>
-            </a:r>
-          </a:p>
-          <a:p>
-            <a:r>
-              <a:rPr lang="en-US" dirty="0"/>
-              <a:t>Software Development</a:t>
-            </a:r>
-          </a:p>
-          <a:p>
-            <a:pPr lvl="1"/>
-            <a:r>
-              <a:rPr lang="en-US" dirty="0"/>
-              <a:t>Firmware Development: data collection, local processing, and communication</a:t>
-            </a:r>
-          </a:p>
-          <a:p>
-            <a:pPr lvl="1"/>
-            <a:r>
-              <a:rPr lang="en-US" dirty="0"/>
-              <a:t>Swarm Intelligence Algorithms: collaboration and adaptation</a:t>
-            </a:r>
-          </a:p>
-          <a:p>
-            <a:pPr lvl="1"/>
-            <a:r>
-              <a:rPr lang="en-US" dirty="0"/>
-              <a:t> </a:t>
-            </a:r>
-          </a:p>
-          <a:p>
-            <a:endParaRPr lang="en-US" dirty="0"/>
-          </a:p>
-          <a:p>
-            <a:endParaRPr lang="en-US" dirty="0"/>
+              <a:rPr lang="en-US" dirty="0">
+                <a:ea typeface="+mn-lt"/>
+                <a:cs typeface="+mn-lt"/>
+                <a:hlinkClick r:id="rId2"/>
+              </a:rPr>
+              <a:t>https://www.amazon.com/gp/product/B0B3JD1K1T/ref=ox_sc_act_title_1?smid=A3S807LE0L63AP&amp;psc=1</a:t>
+            </a:r>
+            <a:br>
+              <a:rPr lang="en-US" dirty="0">
+                <a:ea typeface="+mn-lt"/>
+                <a:cs typeface="+mn-lt"/>
+              </a:rPr>
+            </a:br>
+            <a:r>
+              <a:rPr lang="en-US" dirty="0">
+                <a:ea typeface="+mn-lt"/>
+                <a:cs typeface="+mn-lt"/>
+                <a:hlinkClick r:id="rId3"/>
+              </a:rPr>
+              <a:t>https://www.amazon.com/Freenove-ESP32-WROVER-Bluetooth-Compatible-Tutorials/dp/B0CJJHXD1W/ref=sr_1_2?crid=F1E4RMJ0368C&amp;dib=eyJ2IjoiMSJ9.qRWqoY_UasjKo8Ke477M5cCkEpLxcPZqIAzXzRbPz-kVq5RbFAECDwEmGCtijln69j0TlvTjtibegiWc7lkIehlRMlnL7-UJEp_XkSgDB9whYNWhHsj-R9CdxqcuGV1IrYO6HDycrHPRSqW75PRFs_APxhMcHc7xtOMq_2E9I5bF_s-or5yihVbL9QRVQyKbtCmU5cJ4JLpJI5KJWO-52Nkx4k3YA15Gw2Tx2kA13G8.NP8mD56wBrTqJJQHvm9kXCRnOug7k8xrEhyc3TJV-pI&amp;dib_tag=se&amp;keywords=ESP32-WROVER&amp;qid=1715748951&amp;sprefix=esp32-wrover%2Caps%2C153&amp;sr=8-2&amp;th=1</a:t>
+            </a:r>
+            <a:endParaRPr lang="en-US"/>
+          </a:p>
+          <a:p>
+            <a:pPr algn="l"/>
+            <a:endParaRPr lang="en-US" dirty="0">
+              <a:ea typeface="+mn-lt"/>
+              <a:cs typeface="+mn-lt"/>
+            </a:endParaRPr>
+          </a:p>
+          <a:p>
+            <a:endParaRPr lang="en-US" dirty="0">
+              <a:ea typeface="+mn-lt"/>
+              <a:cs typeface="+mn-lt"/>
+            </a:endParaRPr>
           </a:p>
         </p:txBody>
       </p:sp>
     </p:spTree>
     <p:extLst>
       <p:ext uri="{BB962C8B-B14F-4D97-AF65-F5344CB8AC3E}">
-        <p14:creationId xmlns:p14="http://schemas.microsoft.com/office/powerpoint/2010/main" val="3208453838"/>
+        <p14:creationId xmlns:p14="http://schemas.microsoft.com/office/powerpoint/2010/main" val="3212005156"/>
       </p:ext>
     </p:extLst>
   </p:cSld>
@@ -6838,164 +6813,6 @@
       </p:grpSpPr>
       <p:sp>
         <p:nvSpPr>
-          <p:cNvPr id="2" name="Title 1">
-            <a:extLst>
-              <a:ext uri="{FF2B5EF4-FFF2-40B4-BE49-F238E27FC236}">
-                <a16:creationId xmlns:a16="http://schemas.microsoft.com/office/drawing/2014/main" id="{F40DD779-5765-3487-F6EF-1FCE34BFBC5C}"/>
-              </a:ext>
-            </a:extLst>
-          </p:cNvPr>
-          <p:cNvSpPr>
-            <a:spLocks noGrp="1"/>
-          </p:cNvSpPr>
-          <p:nvPr>
-            <p:ph type="title"/>
-          </p:nvPr>
-        </p:nvSpPr>
-        <p:spPr/>
-        <p:txBody>
-          <a:bodyPr/>
-          <a:lstStyle/>
-          <a:p>
-            <a:r>
-              <a:rPr lang="en-US" dirty="0"/>
-              <a:t>Notes before May 14th, 2024</a:t>
-            </a:r>
-          </a:p>
-        </p:txBody>
-      </p:sp>
-      <p:sp>
-        <p:nvSpPr>
-          <p:cNvPr id="3" name="Content Placeholder 2">
-            <a:extLst>
-              <a:ext uri="{FF2B5EF4-FFF2-40B4-BE49-F238E27FC236}">
-                <a16:creationId xmlns:a16="http://schemas.microsoft.com/office/drawing/2014/main" id="{CCF6F1C5-BCD1-68BF-9DF1-CCD388CA7531}"/>
-              </a:ext>
-            </a:extLst>
-          </p:cNvPr>
-          <p:cNvSpPr>
-            <a:spLocks noGrp="1"/>
-          </p:cNvSpPr>
-          <p:nvPr>
-            <p:ph idx="1"/>
-          </p:nvPr>
-        </p:nvSpPr>
-        <p:spPr/>
-        <p:txBody>
-          <a:bodyPr vert="horz" lIns="91440" tIns="45720" rIns="91440" bIns="45720" rtlCol="0" anchor="t">
-            <a:normAutofit/>
-          </a:bodyPr>
-          <a:lstStyle/>
-          <a:p>
-            <a:r>
-              <a:rPr lang="en-US" dirty="0"/>
-              <a:t>We want to evaluate both BLE and Wi-Fi.</a:t>
-            </a:r>
-          </a:p>
-        </p:txBody>
-      </p:sp>
-      <p:sp>
-        <p:nvSpPr>
-          <p:cNvPr id="9" name="TextBox 8">
-            <a:extLst>
-              <a:ext uri="{FF2B5EF4-FFF2-40B4-BE49-F238E27FC236}">
-                <a16:creationId xmlns:a16="http://schemas.microsoft.com/office/drawing/2014/main" id="{FD43904F-57FF-F8BA-A524-648B5456ECF3}"/>
-              </a:ext>
-            </a:extLst>
-          </p:cNvPr>
-          <p:cNvSpPr txBox="1"/>
-          <p:nvPr/>
-        </p:nvSpPr>
-        <p:spPr>
-          <a:xfrm>
-            <a:off x="-1" y="4079325"/>
-            <a:ext cx="11795233" cy="2862322"/>
-          </a:xfrm>
-          <a:prstGeom prst="rect">
-            <a:avLst/>
-          </a:prstGeom>
-          <a:noFill/>
-        </p:spPr>
-        <p:txBody>
-          <a:bodyPr rot="0" spcFirstLastPara="0" vertOverflow="overflow" horzOverflow="overflow" vert="horz" wrap="square" lIns="91440" tIns="45720" rIns="91440" bIns="45720" numCol="1" spcCol="0" rtlCol="0" fromWordArt="0" anchor="t" anchorCtr="0" forceAA="0" compatLnSpc="1">
-            <a:prstTxWarp prst="textNoShape">
-              <a:avLst/>
-            </a:prstTxWarp>
-            <a:spAutoFit/>
-          </a:bodyPr>
-          <a:lstStyle/>
-          <a:p>
-            <a:r>
-              <a:rPr lang="en-US" dirty="0">
-                <a:ea typeface="+mn-lt"/>
-                <a:cs typeface="+mn-lt"/>
-                <a:hlinkClick r:id="rId2"/>
-              </a:rPr>
-              <a:t>https://www.amazon.com/gp/product/B0B3JD1K1T/ref=ox_sc_act_title_1?smid=A3S807LE0L63AP&amp;psc=1</a:t>
-            </a:r>
-            <a:br>
-              <a:rPr lang="en-US" dirty="0">
-                <a:ea typeface="+mn-lt"/>
-                <a:cs typeface="+mn-lt"/>
-              </a:rPr>
-            </a:br>
-            <a:r>
-              <a:rPr lang="en-US" dirty="0">
-                <a:ea typeface="+mn-lt"/>
-                <a:cs typeface="+mn-lt"/>
-                <a:hlinkClick r:id="rId3"/>
-              </a:rPr>
-              <a:t>https://www.amazon.com/Freenove-ESP32-WROVER-Bluetooth-Compatible-Tutorials/dp/B0CJJHXD1W/ref=sr_1_2?crid=F1E4RMJ0368C&amp;dib=eyJ2IjoiMSJ9.qRWqoY_UasjKo8Ke477M5cCkEpLxcPZqIAzXzRbPz-kVq5RbFAECDwEmGCtijln69j0TlvTjtibegiWc7lkIehlRMlnL7-UJEp_XkSgDB9whYNWhHsj-R9CdxqcuGV1IrYO6HDycrHPRSqW75PRFs_APxhMcHc7xtOMq_2E9I5bF_s-or5yihVbL9QRVQyKbtCmU5cJ4JLpJI5KJWO-52Nkx4k3YA15Gw2Tx2kA13G8.NP8mD56wBrTqJJQHvm9kXCRnOug7k8xrEhyc3TJV-pI&amp;dib_tag=se&amp;keywords=ESP32-WROVER&amp;qid=1715748951&amp;sprefix=esp32-wrover%2Caps%2C153&amp;sr=8-2&amp;th=1</a:t>
-            </a:r>
-            <a:endParaRPr lang="en-US"/>
-          </a:p>
-          <a:p>
-            <a:pPr algn="l"/>
-            <a:endParaRPr lang="en-US" dirty="0">
-              <a:ea typeface="+mn-lt"/>
-              <a:cs typeface="+mn-lt"/>
-            </a:endParaRPr>
-          </a:p>
-          <a:p>
-            <a:endParaRPr lang="en-US" dirty="0">
-              <a:ea typeface="+mn-lt"/>
-              <a:cs typeface="+mn-lt"/>
-            </a:endParaRPr>
-          </a:p>
-        </p:txBody>
-      </p:sp>
-    </p:spTree>
-    <p:extLst>
-      <p:ext uri="{BB962C8B-B14F-4D97-AF65-F5344CB8AC3E}">
-        <p14:creationId xmlns:p14="http://schemas.microsoft.com/office/powerpoint/2010/main" val="3212005156"/>
-      </p:ext>
-    </p:extLst>
-  </p:cSld>
-  <p:clrMapOvr>
-    <a:masterClrMapping/>
-  </p:clrMapOvr>
-</p:sld>
-</file>
-
-<file path=ppt/slides/slide17.xml><?xml version="1.0" encoding="utf-8"?>
-<p:sld xmlns:a="http://schemas.openxmlformats.org/drawingml/2006/main" xmlns:r="http://schemas.openxmlformats.org/officeDocument/2006/relationships" xmlns:p="http://schemas.openxmlformats.org/presentationml/2006/main">
-  <p:cSld>
-    <p:spTree>
-      <p:nvGrpSpPr>
-        <p:cNvPr id="1" name=""/>
-        <p:cNvGrpSpPr/>
-        <p:nvPr/>
-      </p:nvGrpSpPr>
-      <p:grpSpPr>
-        <a:xfrm>
-          <a:off x="0" y="0"/>
-          <a:ext cx="0" cy="0"/>
-          <a:chOff x="0" y="0"/>
-          <a:chExt cx="0" cy="0"/>
-        </a:xfrm>
-      </p:grpSpPr>
-      <p:sp>
-        <p:nvSpPr>
           <p:cNvPr id="3" name="Content Placeholder 2">
             <a:extLst>
               <a:ext uri="{FF2B5EF4-FFF2-40B4-BE49-F238E27FC236}">
@@ -7115,7 +6932,7 @@
 </p:sld>
 </file>
 
-<file path=ppt/slides/slide18.xml><?xml version="1.0" encoding="utf-8"?>
+<file path=ppt/slides/slide17.xml><?xml version="1.0" encoding="utf-8"?>
 <p:sld xmlns:a="http://schemas.openxmlformats.org/drawingml/2006/main" xmlns:r="http://schemas.openxmlformats.org/officeDocument/2006/relationships" xmlns:p="http://schemas.openxmlformats.org/presentationml/2006/main">
   <p:cSld>
     <p:spTree>
@@ -7215,7 +7032,7 @@
 </p:sld>
 </file>
 
-<file path=ppt/slides/slide19.xml><?xml version="1.0" encoding="utf-8"?>
+<file path=ppt/slides/slide18.xml><?xml version="1.0" encoding="utf-8"?>
 <p:sld xmlns:a="http://schemas.openxmlformats.org/drawingml/2006/main" xmlns:r="http://schemas.openxmlformats.org/officeDocument/2006/relationships" xmlns:p="http://schemas.openxmlformats.org/presentationml/2006/main">
   <p:cSld>
     <p:bg>
@@ -8638,6 +8455,158 @@
     <p:extLst>
       <p:ext uri="{BB962C8B-B14F-4D97-AF65-F5344CB8AC3E}">
         <p14:creationId xmlns:p14="http://schemas.microsoft.com/office/powerpoint/2010/main" val="3194976740"/>
+      </p:ext>
+    </p:extLst>
+  </p:cSld>
+  <p:clrMapOvr>
+    <a:masterClrMapping/>
+  </p:clrMapOvr>
+</p:sld>
+</file>
+
+<file path=ppt/slides/slide19.xml><?xml version="1.0" encoding="utf-8"?>
+<p:sld xmlns:a="http://schemas.openxmlformats.org/drawingml/2006/main" xmlns:r="http://schemas.openxmlformats.org/officeDocument/2006/relationships" xmlns:p="http://schemas.openxmlformats.org/presentationml/2006/main">
+  <p:cSld>
+    <p:spTree>
+      <p:nvGrpSpPr>
+        <p:cNvPr id="1" name=""/>
+        <p:cNvGrpSpPr/>
+        <p:nvPr/>
+      </p:nvGrpSpPr>
+      <p:grpSpPr>
+        <a:xfrm>
+          <a:off x="0" y="0"/>
+          <a:ext cx="0" cy="0"/>
+          <a:chOff x="0" y="0"/>
+          <a:chExt cx="0" cy="0"/>
+        </a:xfrm>
+      </p:grpSpPr>
+      <p:sp>
+        <p:nvSpPr>
+          <p:cNvPr id="3" name="Content Placeholder 2">
+            <a:extLst>
+              <a:ext uri="{FF2B5EF4-FFF2-40B4-BE49-F238E27FC236}">
+                <a16:creationId xmlns:a16="http://schemas.microsoft.com/office/drawing/2014/main" id="{85E36873-996E-DE0C-2F0B-9B5EEA8AA4E6}"/>
+              </a:ext>
+            </a:extLst>
+          </p:cNvPr>
+          <p:cNvSpPr>
+            <a:spLocks noGrp="1"/>
+          </p:cNvSpPr>
+          <p:nvPr>
+            <p:ph idx="1"/>
+          </p:nvPr>
+        </p:nvSpPr>
+        <p:spPr>
+          <a:xfrm>
+            <a:off x="838200" y="479502"/>
+            <a:ext cx="10515600" cy="5697461"/>
+          </a:xfrm>
+        </p:spPr>
+        <p:txBody>
+          <a:bodyPr>
+            <a:normAutofit/>
+          </a:bodyPr>
+          <a:lstStyle/>
+          <a:p>
+            <a:r>
+              <a:rPr lang="en-US" dirty="0"/>
+              <a:t>Is block chain feasible?</a:t>
+            </a:r>
+          </a:p>
+          <a:p>
+            <a:r>
+              <a:rPr lang="en-US" dirty="0"/>
+              <a:t>Lightweight Blockchain Protocols:</a:t>
+            </a:r>
+          </a:p>
+          <a:p>
+            <a:pPr lvl="1"/>
+            <a:r>
+              <a:rPr lang="en-US" dirty="0"/>
+              <a:t>T</a:t>
+            </a:r>
+            <a:r>
+              <a:rPr lang="en-US" altLang="zh-CN" dirty="0"/>
+              <a:t>angle (IOTA): Utilizes a directed acyclic graph reducing resource consumption.</a:t>
+            </a:r>
+          </a:p>
+          <a:p>
+            <a:pPr lvl="1"/>
+            <a:r>
+              <a:rPr lang="en-US" dirty="0"/>
+              <a:t>Nano’s Block-Lattice</a:t>
+            </a:r>
+          </a:p>
+          <a:p>
+            <a:r>
+              <a:rPr lang="en-US" dirty="0"/>
+              <a:t>Consensus Mechanism:</a:t>
+            </a:r>
+          </a:p>
+          <a:p>
+            <a:pPr lvl="1"/>
+            <a:r>
+              <a:rPr lang="en-US" dirty="0"/>
+              <a:t>Proof of Authority (</a:t>
+            </a:r>
+            <a:r>
+              <a:rPr lang="en-US" dirty="0" err="1"/>
+              <a:t>PoA</a:t>
+            </a:r>
+            <a:r>
+              <a:rPr lang="en-US" dirty="0"/>
+              <a:t>): Selected nodes (authorities) validate transactions, reducing computational load.</a:t>
+            </a:r>
+          </a:p>
+          <a:p>
+            <a:pPr lvl="1"/>
+            <a:r>
+              <a:rPr lang="en-US" dirty="0"/>
+              <a:t>Delegated Proof of Stake (</a:t>
+            </a:r>
+            <a:r>
+              <a:rPr lang="en-US" dirty="0" err="1"/>
+              <a:t>DPoS</a:t>
+            </a:r>
+            <a:r>
+              <a:rPr lang="en-US" dirty="0"/>
+              <a:t>): Stakeholders vote for a small number of delegates to validate transactions.</a:t>
+            </a:r>
+          </a:p>
+          <a:p>
+            <a:pPr lvl="1"/>
+            <a:r>
+              <a:rPr lang="en-US" dirty="0"/>
+              <a:t>Practical Byzantine Fault Tolerance (PBFT): Optimized for low-latency networks with known participants</a:t>
+            </a:r>
+          </a:p>
+          <a:p>
+            <a:r>
+              <a:rPr lang="en-US" b="0" i="0" dirty="0">
+                <a:effectLst/>
+                <a:highlight>
+                  <a:srgbClr val="FFFFFF"/>
+                </a:highlight>
+                <a:latin typeface="-apple-system"/>
+              </a:rPr>
+              <a:t>Hybrid Blockchain IoT networks</a:t>
+            </a:r>
+            <a:endParaRPr lang="en-US" dirty="0"/>
+          </a:p>
+          <a:p>
+            <a:endParaRPr lang="en-US" dirty="0"/>
+          </a:p>
+          <a:p>
+            <a:pPr lvl="1"/>
+            <a:endParaRPr lang="en-US" dirty="0"/>
+          </a:p>
+        </p:txBody>
+      </p:sp>
+    </p:spTree>
+    <p:extLst>
+      <p:ext uri="{BB962C8B-B14F-4D97-AF65-F5344CB8AC3E}">
+        <p14:creationId xmlns:p14="http://schemas.microsoft.com/office/powerpoint/2010/main" val="2766886061"/>
       </p:ext>
     </p:extLst>
   </p:cSld>
@@ -9842,158 +9811,6 @@
           </a:bodyPr>
           <a:lstStyle/>
           <a:p>
-            <a:r>
-              <a:rPr lang="en-US" dirty="0"/>
-              <a:t>Is block chain feasible?</a:t>
-            </a:r>
-          </a:p>
-          <a:p>
-            <a:r>
-              <a:rPr lang="en-US" dirty="0"/>
-              <a:t>Lightweight Blockchain Protocols:</a:t>
-            </a:r>
-          </a:p>
-          <a:p>
-            <a:pPr lvl="1"/>
-            <a:r>
-              <a:rPr lang="en-US" dirty="0"/>
-              <a:t>T</a:t>
-            </a:r>
-            <a:r>
-              <a:rPr lang="en-US" altLang="zh-CN" dirty="0"/>
-              <a:t>angle (IOTA): Utilizes a directed acyclic graph reducing resource consumption.</a:t>
-            </a:r>
-          </a:p>
-          <a:p>
-            <a:pPr lvl="1"/>
-            <a:r>
-              <a:rPr lang="en-US" dirty="0"/>
-              <a:t>Nano’s Block-Lattice</a:t>
-            </a:r>
-          </a:p>
-          <a:p>
-            <a:r>
-              <a:rPr lang="en-US" dirty="0"/>
-              <a:t>Consensus Mechanism:</a:t>
-            </a:r>
-          </a:p>
-          <a:p>
-            <a:pPr lvl="1"/>
-            <a:r>
-              <a:rPr lang="en-US" dirty="0"/>
-              <a:t>Proof of Authority (</a:t>
-            </a:r>
-            <a:r>
-              <a:rPr lang="en-US" dirty="0" err="1"/>
-              <a:t>PoA</a:t>
-            </a:r>
-            <a:r>
-              <a:rPr lang="en-US" dirty="0"/>
-              <a:t>): Selected nodes (authorities) validate transactions, reducing computational load.</a:t>
-            </a:r>
-          </a:p>
-          <a:p>
-            <a:pPr lvl="1"/>
-            <a:r>
-              <a:rPr lang="en-US" dirty="0"/>
-              <a:t>Delegated Proof of Stake (</a:t>
-            </a:r>
-            <a:r>
-              <a:rPr lang="en-US" dirty="0" err="1"/>
-              <a:t>DPoS</a:t>
-            </a:r>
-            <a:r>
-              <a:rPr lang="en-US" dirty="0"/>
-              <a:t>): Stakeholders vote for a small number of delegates to validate transactions.</a:t>
-            </a:r>
-          </a:p>
-          <a:p>
-            <a:pPr lvl="1"/>
-            <a:r>
-              <a:rPr lang="en-US" dirty="0"/>
-              <a:t>Practical Byzantine Fault Tolerance (PBFT): Optimized for low-latency networks with known participants</a:t>
-            </a:r>
-          </a:p>
-          <a:p>
-            <a:r>
-              <a:rPr lang="en-US" b="0" i="0" dirty="0">
-                <a:effectLst/>
-                <a:highlight>
-                  <a:srgbClr val="FFFFFF"/>
-                </a:highlight>
-                <a:latin typeface="-apple-system"/>
-              </a:rPr>
-              <a:t>Hybrid Blockchain IoT networks</a:t>
-            </a:r>
-            <a:endParaRPr lang="en-US" dirty="0"/>
-          </a:p>
-          <a:p>
-            <a:endParaRPr lang="en-US" dirty="0"/>
-          </a:p>
-          <a:p>
-            <a:pPr lvl="1"/>
-            <a:endParaRPr lang="en-US" dirty="0"/>
-          </a:p>
-        </p:txBody>
-      </p:sp>
-    </p:spTree>
-    <p:extLst>
-      <p:ext uri="{BB962C8B-B14F-4D97-AF65-F5344CB8AC3E}">
-        <p14:creationId xmlns:p14="http://schemas.microsoft.com/office/powerpoint/2010/main" val="2766886061"/>
-      </p:ext>
-    </p:extLst>
-  </p:cSld>
-  <p:clrMapOvr>
-    <a:masterClrMapping/>
-  </p:clrMapOvr>
-</p:sld>
-</file>
-
-<file path=ppt/slides/slide21.xml><?xml version="1.0" encoding="utf-8"?>
-<p:sld xmlns:a="http://schemas.openxmlformats.org/drawingml/2006/main" xmlns:r="http://schemas.openxmlformats.org/officeDocument/2006/relationships" xmlns:p="http://schemas.openxmlformats.org/presentationml/2006/main">
-  <p:cSld>
-    <p:spTree>
-      <p:nvGrpSpPr>
-        <p:cNvPr id="1" name=""/>
-        <p:cNvGrpSpPr/>
-        <p:nvPr/>
-      </p:nvGrpSpPr>
-      <p:grpSpPr>
-        <a:xfrm>
-          <a:off x="0" y="0"/>
-          <a:ext cx="0" cy="0"/>
-          <a:chOff x="0" y="0"/>
-          <a:chExt cx="0" cy="0"/>
-        </a:xfrm>
-      </p:grpSpPr>
-      <p:sp>
-        <p:nvSpPr>
-          <p:cNvPr id="3" name="Content Placeholder 2">
-            <a:extLst>
-              <a:ext uri="{FF2B5EF4-FFF2-40B4-BE49-F238E27FC236}">
-                <a16:creationId xmlns:a16="http://schemas.microsoft.com/office/drawing/2014/main" id="{85E36873-996E-DE0C-2F0B-9B5EEA8AA4E6}"/>
-              </a:ext>
-            </a:extLst>
-          </p:cNvPr>
-          <p:cNvSpPr>
-            <a:spLocks noGrp="1"/>
-          </p:cNvSpPr>
-          <p:nvPr>
-            <p:ph idx="1"/>
-          </p:nvPr>
-        </p:nvSpPr>
-        <p:spPr>
-          <a:xfrm>
-            <a:off x="838200" y="479502"/>
-            <a:ext cx="10515600" cy="5697461"/>
-          </a:xfrm>
-        </p:spPr>
-        <p:txBody>
-          <a:bodyPr>
-            <a:normAutofit/>
-          </a:bodyPr>
-          <a:lstStyle/>
-          <a:p>
             <a:endParaRPr lang="en-US" dirty="0"/>
           </a:p>
           <a:p>
@@ -10854,7 +10671,7 @@
 </p:sld>
 </file>
 
-<file path=ppt/slides/slide22.xml><?xml version="1.0" encoding="utf-8"?>
+<file path=ppt/slides/slide21.xml><?xml version="1.0" encoding="utf-8"?>
 <p:sld xmlns:a="http://schemas.openxmlformats.org/drawingml/2006/main" xmlns:r="http://schemas.openxmlformats.org/officeDocument/2006/relationships" xmlns:p="http://schemas.openxmlformats.org/presentationml/2006/main">
   <p:cSld>
     <p:spTree>
@@ -11357,7 +11174,7 @@
 </p:sld>
 </file>
 
-<file path=ppt/slides/slide23.xml><?xml version="1.0" encoding="utf-8"?>
+<file path=ppt/slides/slide22.xml><?xml version="1.0" encoding="utf-8"?>
 <p:sld xmlns:a="http://schemas.openxmlformats.org/drawingml/2006/main" xmlns:r="http://schemas.openxmlformats.org/officeDocument/2006/relationships" xmlns:p="http://schemas.openxmlformats.org/presentationml/2006/main">
   <p:cSld>
     <p:spTree>
@@ -11877,7 +11694,7 @@
 </p:sld>
 </file>
 
-<file path=ppt/slides/slide24.xml><?xml version="1.0" encoding="utf-8"?>
+<file path=ppt/slides/slide23.xml><?xml version="1.0" encoding="utf-8"?>
 <p:sld xmlns:a="http://schemas.openxmlformats.org/drawingml/2006/main" xmlns:r="http://schemas.openxmlformats.org/officeDocument/2006/relationships" xmlns:p="http://schemas.openxmlformats.org/presentationml/2006/main">
   <p:cSld>
     <p:spTree>
